--- a/ApresentacaoSGH.pptx
+++ b/ApresentacaoSGH.pptx
@@ -1,40 +1,47 @@
 
 <file path=ppt/presentation.xml><?xml version="1.0" encoding="utf-8"?>
-<p:presentation xmlns:a="http://schemas.openxmlformats.org/drawingml/2006/main" xmlns:r="http://schemas.openxmlformats.org/officeDocument/2006/relationships" xmlns:mc="http://schemas.openxmlformats.org/markup-compatibility/2006" xmlns:mv="urn:schemas-microsoft-com:mac:vml" xmlns:p="http://schemas.openxmlformats.org/presentationml/2006/main" xmlns:c="http://schemas.openxmlformats.org/drawingml/2006/chart" xmlns:dgm="http://schemas.openxmlformats.org/drawingml/2006/diagram" xmlns:o="urn:schemas-microsoft-com:office:office" xmlns:v="urn:schemas-microsoft-com:vml" xmlns:pvml="urn:schemas-microsoft-com:office:powerpoint" xmlns:com="http://schemas.openxmlformats.org/drawingml/2006/compatibility" xmlns:p14="http://schemas.microsoft.com/office/powerpoint/2010/main" xmlns:p15="http://schemas.microsoft.com/office/powerpoint/2012/main" xmlns:ahyp="http://schemas.microsoft.com/office/drawing/2018/hyperlinkcolor" autoCompressPictures="0" embedTrueTypeFonts="1" strictFirstAndLastChars="0" saveSubsetFonts="1">
+<p:presentation xmlns:a="http://schemas.openxmlformats.org/drawingml/2006/main" xmlns:r="http://schemas.openxmlformats.org/officeDocument/2006/relationships" xmlns:p="http://schemas.openxmlformats.org/presentationml/2006/main" strictFirstAndLastChars="0" embedTrueTypeFonts="1" saveSubsetFonts="1" autoCompressPictures="0">
   <p:sldMasterIdLst>
-    <p:sldMasterId id="2147483659" r:id="rId4"/>
+    <p:sldMasterId id="2147483659" r:id="rId1"/>
   </p:sldMasterIdLst>
   <p:notesMasterIdLst>
-    <p:notesMasterId r:id="rId5"/>
+    <p:notesMasterId r:id="rId15"/>
   </p:notesMasterIdLst>
   <p:sldIdLst>
-    <p:sldId id="256" r:id="rId6"/>
-    <p:sldId id="257" r:id="rId7"/>
-    <p:sldId id="258" r:id="rId8"/>
-    <p:sldId id="259" r:id="rId9"/>
-    <p:sldId id="260" r:id="rId10"/>
-    <p:sldId id="261" r:id="rId11"/>
+    <p:sldId id="256" r:id="rId2"/>
+    <p:sldId id="257" r:id="rId3"/>
+    <p:sldId id="258" r:id="rId4"/>
+    <p:sldId id="259" r:id="rId5"/>
+    <p:sldId id="260" r:id="rId6"/>
+    <p:sldId id="261" r:id="rId7"/>
+    <p:sldId id="262" r:id="rId8"/>
+    <p:sldId id="264" r:id="rId9"/>
+    <p:sldId id="263" r:id="rId10"/>
+    <p:sldId id="267" r:id="rId11"/>
+    <p:sldId id="266" r:id="rId12"/>
+    <p:sldId id="268" r:id="rId13"/>
+    <p:sldId id="265" r:id="rId14"/>
   </p:sldIdLst>
-  <p:sldSz cy="5143500" cx="9144000"/>
+  <p:sldSz cx="9144000" cy="5143500" type="screen16x9"/>
   <p:notesSz cx="6858000" cy="9144000"/>
   <p:embeddedFontLst>
     <p:embeddedFont>
-      <p:font typeface="Raleway"/>
-      <p:regular r:id="rId12"/>
-      <p:bold r:id="rId13"/>
-      <p:italic r:id="rId14"/>
-      <p:boldItalic r:id="rId15"/>
-    </p:embeddedFont>
-    <p:embeddedFont>
-      <p:font typeface="Lato"/>
+      <p:font typeface="Lato" panose="020F0502020204030203" pitchFamily="34" charset="0"/>
       <p:regular r:id="rId16"/>
       <p:bold r:id="rId17"/>
       <p:italic r:id="rId18"/>
       <p:boldItalic r:id="rId19"/>
     </p:embeddedFont>
+    <p:embeddedFont>
+      <p:font typeface="Raleway" panose="020B0604020202020204" pitchFamily="2" charset="0"/>
+      <p:regular r:id="rId20"/>
+      <p:bold r:id="rId21"/>
+      <p:italic r:id="rId22"/>
+      <p:boldItalic r:id="rId23"/>
+    </p:embeddedFont>
   </p:embeddedFontLst>
   <p:defaultTextStyle>
-    <a:defPPr lvl="0" marR="0" rtl="0" algn="l">
+    <a:defPPr marR="0" lvl="0" algn="l" rtl="0">
       <a:lnSpc>
         <a:spcPct val="100000"/>
       </a:lnSpc>
@@ -45,7 +52,7 @@
         <a:spcPts val="0"/>
       </a:spcAft>
     </a:defPPr>
-    <a:lvl1pPr lvl="0" marR="0" rtl="0" algn="l">
+    <a:lvl1pPr marR="0" lvl="0" algn="l" rtl="0">
       <a:lnSpc>
         <a:spcPct val="100000"/>
       </a:lnSpc>
@@ -59,7 +66,7 @@
         <a:srgbClr val="000000"/>
       </a:buClr>
       <a:buFont typeface="Arial"/>
-      <a:defRPr b="0" i="0" sz="1400" u="none" cap="none" strike="noStrike">
+      <a:defRPr sz="1400" b="0" i="0" u="none" strike="noStrike" cap="none">
         <a:solidFill>
           <a:srgbClr val="000000"/>
         </a:solidFill>
@@ -69,7 +76,7 @@
         <a:sym typeface="Arial"/>
       </a:defRPr>
     </a:lvl1pPr>
-    <a:lvl2pPr lvl="1" marR="0" rtl="0" algn="l">
+    <a:lvl2pPr marR="0" lvl="1" algn="l" rtl="0">
       <a:lnSpc>
         <a:spcPct val="100000"/>
       </a:lnSpc>
@@ -83,7 +90,7 @@
         <a:srgbClr val="000000"/>
       </a:buClr>
       <a:buFont typeface="Arial"/>
-      <a:defRPr b="0" i="0" sz="1400" u="none" cap="none" strike="noStrike">
+      <a:defRPr sz="1400" b="0" i="0" u="none" strike="noStrike" cap="none">
         <a:solidFill>
           <a:srgbClr val="000000"/>
         </a:solidFill>
@@ -93,7 +100,7 @@
         <a:sym typeface="Arial"/>
       </a:defRPr>
     </a:lvl2pPr>
-    <a:lvl3pPr lvl="2" marR="0" rtl="0" algn="l">
+    <a:lvl3pPr marR="0" lvl="2" algn="l" rtl="0">
       <a:lnSpc>
         <a:spcPct val="100000"/>
       </a:lnSpc>
@@ -107,7 +114,7 @@
         <a:srgbClr val="000000"/>
       </a:buClr>
       <a:buFont typeface="Arial"/>
-      <a:defRPr b="0" i="0" sz="1400" u="none" cap="none" strike="noStrike">
+      <a:defRPr sz="1400" b="0" i="0" u="none" strike="noStrike" cap="none">
         <a:solidFill>
           <a:srgbClr val="000000"/>
         </a:solidFill>
@@ -117,7 +124,7 @@
         <a:sym typeface="Arial"/>
       </a:defRPr>
     </a:lvl3pPr>
-    <a:lvl4pPr lvl="3" marR="0" rtl="0" algn="l">
+    <a:lvl4pPr marR="0" lvl="3" algn="l" rtl="0">
       <a:lnSpc>
         <a:spcPct val="100000"/>
       </a:lnSpc>
@@ -131,7 +138,7 @@
         <a:srgbClr val="000000"/>
       </a:buClr>
       <a:buFont typeface="Arial"/>
-      <a:defRPr b="0" i="0" sz="1400" u="none" cap="none" strike="noStrike">
+      <a:defRPr sz="1400" b="0" i="0" u="none" strike="noStrike" cap="none">
         <a:solidFill>
           <a:srgbClr val="000000"/>
         </a:solidFill>
@@ -141,7 +148,7 @@
         <a:sym typeface="Arial"/>
       </a:defRPr>
     </a:lvl4pPr>
-    <a:lvl5pPr lvl="4" marR="0" rtl="0" algn="l">
+    <a:lvl5pPr marR="0" lvl="4" algn="l" rtl="0">
       <a:lnSpc>
         <a:spcPct val="100000"/>
       </a:lnSpc>
@@ -155,7 +162,7 @@
         <a:srgbClr val="000000"/>
       </a:buClr>
       <a:buFont typeface="Arial"/>
-      <a:defRPr b="0" i="0" sz="1400" u="none" cap="none" strike="noStrike">
+      <a:defRPr sz="1400" b="0" i="0" u="none" strike="noStrike" cap="none">
         <a:solidFill>
           <a:srgbClr val="000000"/>
         </a:solidFill>
@@ -165,7 +172,7 @@
         <a:sym typeface="Arial"/>
       </a:defRPr>
     </a:lvl5pPr>
-    <a:lvl6pPr lvl="5" marR="0" rtl="0" algn="l">
+    <a:lvl6pPr marR="0" lvl="5" algn="l" rtl="0">
       <a:lnSpc>
         <a:spcPct val="100000"/>
       </a:lnSpc>
@@ -179,7 +186,7 @@
         <a:srgbClr val="000000"/>
       </a:buClr>
       <a:buFont typeface="Arial"/>
-      <a:defRPr b="0" i="0" sz="1400" u="none" cap="none" strike="noStrike">
+      <a:defRPr sz="1400" b="0" i="0" u="none" strike="noStrike" cap="none">
         <a:solidFill>
           <a:srgbClr val="000000"/>
         </a:solidFill>
@@ -189,7 +196,7 @@
         <a:sym typeface="Arial"/>
       </a:defRPr>
     </a:lvl6pPr>
-    <a:lvl7pPr lvl="6" marR="0" rtl="0" algn="l">
+    <a:lvl7pPr marR="0" lvl="6" algn="l" rtl="0">
       <a:lnSpc>
         <a:spcPct val="100000"/>
       </a:lnSpc>
@@ -203,7 +210,7 @@
         <a:srgbClr val="000000"/>
       </a:buClr>
       <a:buFont typeface="Arial"/>
-      <a:defRPr b="0" i="0" sz="1400" u="none" cap="none" strike="noStrike">
+      <a:defRPr sz="1400" b="0" i="0" u="none" strike="noStrike" cap="none">
         <a:solidFill>
           <a:srgbClr val="000000"/>
         </a:solidFill>
@@ -213,7 +220,7 @@
         <a:sym typeface="Arial"/>
       </a:defRPr>
     </a:lvl7pPr>
-    <a:lvl8pPr lvl="7" marR="0" rtl="0" algn="l">
+    <a:lvl8pPr marR="0" lvl="7" algn="l" rtl="0">
       <a:lnSpc>
         <a:spcPct val="100000"/>
       </a:lnSpc>
@@ -227,7 +234,7 @@
         <a:srgbClr val="000000"/>
       </a:buClr>
       <a:buFont typeface="Arial"/>
-      <a:defRPr b="0" i="0" sz="1400" u="none" cap="none" strike="noStrike">
+      <a:defRPr sz="1400" b="0" i="0" u="none" strike="noStrike" cap="none">
         <a:solidFill>
           <a:srgbClr val="000000"/>
         </a:solidFill>
@@ -237,7 +244,7 @@
         <a:sym typeface="Arial"/>
       </a:defRPr>
     </a:lvl8pPr>
-    <a:lvl9pPr lvl="8" marR="0" rtl="0" algn="l">
+    <a:lvl9pPr marR="0" lvl="8" algn="l" rtl="0">
       <a:lnSpc>
         <a:spcPct val="100000"/>
       </a:lnSpc>
@@ -251,7 +258,7 @@
         <a:srgbClr val="000000"/>
       </a:buClr>
       <a:buFont typeface="Arial"/>
-      <a:defRPr b="0" i="0" sz="1400" u="none" cap="none" strike="noStrike">
+      <a:defRPr sz="1400" b="0" i="0" u="none" strike="noStrike" cap="none">
         <a:solidFill>
           <a:srgbClr val="000000"/>
         </a:solidFill>
@@ -264,7 +271,7 @@
   </p:defaultTextStyle>
   <p:extLst>
     <p:ext uri="{EFAFB233-063F-42B5-8137-9DF3F51BA10A}">
-      <p15:sldGuideLst>
+      <p15:sldGuideLst xmlns:p15="http://schemas.microsoft.com/office/powerpoint/2012/main">
         <p15:guide id="1" orient="horz" pos="1620">
           <p15:clr>
             <a:srgbClr val="A4A3A4"/>
@@ -282,11 +289,16 @@
 </file>
 
 <file path=ppt/notesMasters/notesMaster1.xml><?xml version="1.0" encoding="utf-8"?>
-<p:notesMaster xmlns:a="http://schemas.openxmlformats.org/drawingml/2006/main" xmlns:r="http://schemas.openxmlformats.org/officeDocument/2006/relationships" xmlns:mc="http://schemas.openxmlformats.org/markup-compatibility/2006" xmlns:mv="urn:schemas-microsoft-com:mac:vml" xmlns:p="http://schemas.openxmlformats.org/presentationml/2006/main" xmlns:c="http://schemas.openxmlformats.org/drawingml/2006/chart" xmlns:dgm="http://schemas.openxmlformats.org/drawingml/2006/diagram" xmlns:o="urn:schemas-microsoft-com:office:office" xmlns:v="urn:schemas-microsoft-com:vml" xmlns:pvml="urn:schemas-microsoft-com:office:powerpoint" xmlns:com="http://schemas.openxmlformats.org/drawingml/2006/compatibility" xmlns:p14="http://schemas.microsoft.com/office/powerpoint/2010/main" xmlns:p15="http://schemas.microsoft.com/office/powerpoint/2012/main" xmlns:ahyp="http://schemas.microsoft.com/office/drawing/2018/hyperlinkcolor">
+<p:notesMaster xmlns:a="http://schemas.openxmlformats.org/drawingml/2006/main" xmlns:r="http://schemas.openxmlformats.org/officeDocument/2006/relationships" xmlns:p="http://schemas.openxmlformats.org/presentationml/2006/main">
   <p:cSld>
+    <p:bg>
+      <p:bgRef idx="1001">
+        <a:schemeClr val="bg1"/>
+      </p:bgRef>
+    </p:bg>
     <p:spTree>
       <p:nvGrpSpPr>
-        <p:cNvPr id="2" name="Shape 2"/>
+        <p:cNvPr id="1" name="Shape 2"/>
         <p:cNvGrpSpPr/>
         <p:nvPr/>
       </p:nvGrpSpPr>
@@ -301,9 +313,11 @@
       <p:sp>
         <p:nvSpPr>
           <p:cNvPr id="3" name="Google Shape;3;n"/>
-          <p:cNvSpPr/>
+          <p:cNvSpPr>
+            <a:spLocks noGrp="1" noRot="1" noChangeAspect="1"/>
+          </p:cNvSpPr>
           <p:nvPr>
-            <p:ph idx="2" type="sldImg"/>
+            <p:ph type="sldImg" idx="2"/>
           </p:nvPr>
         </p:nvSpPr>
         <p:spPr>
@@ -312,9 +326,13 @@
             <a:ext cx="6096075" cy="3429000"/>
           </a:xfrm>
           <a:custGeom>
-            <a:rect b="b" l="l" r="r" t="t"/>
+            <a:avLst/>
+            <a:gdLst/>
+            <a:ahLst/>
+            <a:cxnLst/>
+            <a:rect l="l" t="t" r="r" b="b"/>
             <a:pathLst>
-              <a:path extrusionOk="0" h="120000" w="120000">
+              <a:path w="120000" h="120000" extrusionOk="0">
                 <a:moveTo>
                   <a:pt x="0" y="0"/>
                 </a:moveTo>
@@ -332,23 +350,25 @@
             </a:pathLst>
           </a:custGeom>
           <a:noFill/>
-          <a:ln cap="flat" cmpd="sng" w="9525">
+          <a:ln w="9525" cap="flat" cmpd="sng">
             <a:solidFill>
               <a:srgbClr val="000000"/>
             </a:solidFill>
             <a:prstDash val="solid"/>
             <a:round/>
-            <a:headEnd len="sm" w="sm" type="none"/>
-            <a:tailEnd len="sm" w="sm" type="none"/>
+            <a:headEnd type="none" w="sm" len="sm"/>
+            <a:tailEnd type="none" w="sm" len="sm"/>
           </a:ln>
         </p:spPr>
       </p:sp>
       <p:sp>
         <p:nvSpPr>
           <p:cNvPr id="4" name="Google Shape;4;n"/>
-          <p:cNvSpPr txBox="1"/>
+          <p:cNvSpPr txBox="1">
+            <a:spLocks noGrp="1"/>
+          </p:cNvSpPr>
           <p:nvPr>
-            <p:ph idx="1" type="body"/>
+            <p:ph type="body" idx="1"/>
           </p:nvPr>
         </p:nvSpPr>
         <p:spPr>
@@ -365,11 +385,11 @@
           </a:ln>
         </p:spPr>
         <p:txBody>
-          <a:bodyPr anchorCtr="0" anchor="t" bIns="91425" lIns="91425" spcFirstLastPara="1" rIns="91425" wrap="square" tIns="91425">
+          <a:bodyPr spcFirstLastPara="1" wrap="square" lIns="91425" tIns="91425" rIns="91425" bIns="91425" anchor="t" anchorCtr="0">
             <a:noAutofit/>
           </a:bodyPr>
           <a:lstStyle>
-            <a:lvl1pPr indent="-298450" lvl="0" marL="457200">
+            <a:lvl1pPr marL="457200" lvl="0" indent="-298450">
               <a:spcBef>
                 <a:spcPts val="0"/>
               </a:spcBef>
@@ -380,7 +400,7 @@
               <a:buChar char="●"/>
               <a:defRPr sz="1100"/>
             </a:lvl1pPr>
-            <a:lvl2pPr indent="-298450" lvl="1" marL="914400">
+            <a:lvl2pPr marL="914400" lvl="1" indent="-298450">
               <a:spcBef>
                 <a:spcPts val="0"/>
               </a:spcBef>
@@ -391,7 +411,7 @@
               <a:buChar char="○"/>
               <a:defRPr sz="1100"/>
             </a:lvl2pPr>
-            <a:lvl3pPr indent="-298450" lvl="2" marL="1371600">
+            <a:lvl3pPr marL="1371600" lvl="2" indent="-298450">
               <a:spcBef>
                 <a:spcPts val="0"/>
               </a:spcBef>
@@ -402,7 +422,7 @@
               <a:buChar char="■"/>
               <a:defRPr sz="1100"/>
             </a:lvl3pPr>
-            <a:lvl4pPr indent="-298450" lvl="3" marL="1828800">
+            <a:lvl4pPr marL="1828800" lvl="3" indent="-298450">
               <a:spcBef>
                 <a:spcPts val="0"/>
               </a:spcBef>
@@ -413,7 +433,7 @@
               <a:buChar char="●"/>
               <a:defRPr sz="1100"/>
             </a:lvl4pPr>
-            <a:lvl5pPr indent="-298450" lvl="4" marL="2286000">
+            <a:lvl5pPr marL="2286000" lvl="4" indent="-298450">
               <a:spcBef>
                 <a:spcPts val="0"/>
               </a:spcBef>
@@ -424,7 +444,7 @@
               <a:buChar char="○"/>
               <a:defRPr sz="1100"/>
             </a:lvl5pPr>
-            <a:lvl6pPr indent="-298450" lvl="5" marL="2743200">
+            <a:lvl6pPr marL="2743200" lvl="5" indent="-298450">
               <a:spcBef>
                 <a:spcPts val="0"/>
               </a:spcBef>
@@ -435,7 +455,7 @@
               <a:buChar char="■"/>
               <a:defRPr sz="1100"/>
             </a:lvl6pPr>
-            <a:lvl7pPr indent="-298450" lvl="6" marL="3200400">
+            <a:lvl7pPr marL="3200400" lvl="6" indent="-298450">
               <a:spcBef>
                 <a:spcPts val="0"/>
               </a:spcBef>
@@ -446,7 +466,7 @@
               <a:buChar char="●"/>
               <a:defRPr sz="1100"/>
             </a:lvl7pPr>
-            <a:lvl8pPr indent="-298450" lvl="7" marL="3657600">
+            <a:lvl8pPr marL="3657600" lvl="7" indent="-298450">
               <a:spcBef>
                 <a:spcPts val="0"/>
               </a:spcBef>
@@ -457,7 +477,7 @@
               <a:buChar char="○"/>
               <a:defRPr sz="1100"/>
             </a:lvl8pPr>
-            <a:lvl9pPr indent="-298450" lvl="8" marL="4114800">
+            <a:lvl9pPr marL="4114800" lvl="8" indent="-298450">
               <a:spcBef>
                 <a:spcPts val="0"/>
               </a:spcBef>
@@ -469,14 +489,16 @@
               <a:defRPr sz="1100"/>
             </a:lvl9pPr>
           </a:lstStyle>
-          <a:p/>
+          <a:p>
+            <a:endParaRPr/>
+          </a:p>
         </p:txBody>
       </p:sp>
     </p:spTree>
   </p:cSld>
-  <p:clrMap accent1="accent1" accent2="accent2" accent3="accent3" accent4="accent4" accent5="accent5" accent6="accent6" bg1="lt1" bg2="dk2" tx1="dk1" tx2="lt2" folHlink="folHlink" hlink="hlink"/>
+  <p:clrMap bg1="lt1" tx1="dk1" bg2="dk2" tx2="lt2" accent1="accent1" accent2="accent2" accent3="accent3" accent4="accent4" accent5="accent5" accent6="accent6" hlink="hlink" folHlink="folHlink"/>
   <p:notesStyle>
-    <a:defPPr lvl="0" marR="0" rtl="0" algn="l">
+    <a:defPPr marR="0" lvl="0" algn="l" rtl="0">
       <a:lnSpc>
         <a:spcPct val="100000"/>
       </a:lnSpc>
@@ -487,7 +509,7 @@
         <a:spcPts val="0"/>
       </a:spcAft>
     </a:defPPr>
-    <a:lvl1pPr lvl="0" marR="0" rtl="0" algn="l">
+    <a:lvl1pPr marR="0" lvl="0" algn="l" rtl="0">
       <a:lnSpc>
         <a:spcPct val="100000"/>
       </a:lnSpc>
@@ -501,7 +523,7 @@
         <a:srgbClr val="000000"/>
       </a:buClr>
       <a:buFont typeface="Arial"/>
-      <a:defRPr b="0" i="0" sz="1400" u="none" cap="none" strike="noStrike">
+      <a:defRPr sz="1400" b="0" i="0" u="none" strike="noStrike" cap="none">
         <a:solidFill>
           <a:srgbClr val="000000"/>
         </a:solidFill>
@@ -511,7 +533,7 @@
         <a:sym typeface="Arial"/>
       </a:defRPr>
     </a:lvl1pPr>
-    <a:lvl2pPr lvl="1" marR="0" rtl="0" algn="l">
+    <a:lvl2pPr marR="0" lvl="1" algn="l" rtl="0">
       <a:lnSpc>
         <a:spcPct val="100000"/>
       </a:lnSpc>
@@ -525,7 +547,7 @@
         <a:srgbClr val="000000"/>
       </a:buClr>
       <a:buFont typeface="Arial"/>
-      <a:defRPr b="0" i="0" sz="1400" u="none" cap="none" strike="noStrike">
+      <a:defRPr sz="1400" b="0" i="0" u="none" strike="noStrike" cap="none">
         <a:solidFill>
           <a:srgbClr val="000000"/>
         </a:solidFill>
@@ -535,7 +557,7 @@
         <a:sym typeface="Arial"/>
       </a:defRPr>
     </a:lvl2pPr>
-    <a:lvl3pPr lvl="2" marR="0" rtl="0" algn="l">
+    <a:lvl3pPr marR="0" lvl="2" algn="l" rtl="0">
       <a:lnSpc>
         <a:spcPct val="100000"/>
       </a:lnSpc>
@@ -549,7 +571,7 @@
         <a:srgbClr val="000000"/>
       </a:buClr>
       <a:buFont typeface="Arial"/>
-      <a:defRPr b="0" i="0" sz="1400" u="none" cap="none" strike="noStrike">
+      <a:defRPr sz="1400" b="0" i="0" u="none" strike="noStrike" cap="none">
         <a:solidFill>
           <a:srgbClr val="000000"/>
         </a:solidFill>
@@ -559,7 +581,7 @@
         <a:sym typeface="Arial"/>
       </a:defRPr>
     </a:lvl3pPr>
-    <a:lvl4pPr lvl="3" marR="0" rtl="0" algn="l">
+    <a:lvl4pPr marR="0" lvl="3" algn="l" rtl="0">
       <a:lnSpc>
         <a:spcPct val="100000"/>
       </a:lnSpc>
@@ -573,7 +595,7 @@
         <a:srgbClr val="000000"/>
       </a:buClr>
       <a:buFont typeface="Arial"/>
-      <a:defRPr b="0" i="0" sz="1400" u="none" cap="none" strike="noStrike">
+      <a:defRPr sz="1400" b="0" i="0" u="none" strike="noStrike" cap="none">
         <a:solidFill>
           <a:srgbClr val="000000"/>
         </a:solidFill>
@@ -583,7 +605,7 @@
         <a:sym typeface="Arial"/>
       </a:defRPr>
     </a:lvl4pPr>
-    <a:lvl5pPr lvl="4" marR="0" rtl="0" algn="l">
+    <a:lvl5pPr marR="0" lvl="4" algn="l" rtl="0">
       <a:lnSpc>
         <a:spcPct val="100000"/>
       </a:lnSpc>
@@ -597,7 +619,7 @@
         <a:srgbClr val="000000"/>
       </a:buClr>
       <a:buFont typeface="Arial"/>
-      <a:defRPr b="0" i="0" sz="1400" u="none" cap="none" strike="noStrike">
+      <a:defRPr sz="1400" b="0" i="0" u="none" strike="noStrike" cap="none">
         <a:solidFill>
           <a:srgbClr val="000000"/>
         </a:solidFill>
@@ -607,7 +629,7 @@
         <a:sym typeface="Arial"/>
       </a:defRPr>
     </a:lvl5pPr>
-    <a:lvl6pPr lvl="5" marR="0" rtl="0" algn="l">
+    <a:lvl6pPr marR="0" lvl="5" algn="l" rtl="0">
       <a:lnSpc>
         <a:spcPct val="100000"/>
       </a:lnSpc>
@@ -621,7 +643,7 @@
         <a:srgbClr val="000000"/>
       </a:buClr>
       <a:buFont typeface="Arial"/>
-      <a:defRPr b="0" i="0" sz="1400" u="none" cap="none" strike="noStrike">
+      <a:defRPr sz="1400" b="0" i="0" u="none" strike="noStrike" cap="none">
         <a:solidFill>
           <a:srgbClr val="000000"/>
         </a:solidFill>
@@ -631,7 +653,7 @@
         <a:sym typeface="Arial"/>
       </a:defRPr>
     </a:lvl6pPr>
-    <a:lvl7pPr lvl="6" marR="0" rtl="0" algn="l">
+    <a:lvl7pPr marR="0" lvl="6" algn="l" rtl="0">
       <a:lnSpc>
         <a:spcPct val="100000"/>
       </a:lnSpc>
@@ -645,7 +667,7 @@
         <a:srgbClr val="000000"/>
       </a:buClr>
       <a:buFont typeface="Arial"/>
-      <a:defRPr b="0" i="0" sz="1400" u="none" cap="none" strike="noStrike">
+      <a:defRPr sz="1400" b="0" i="0" u="none" strike="noStrike" cap="none">
         <a:solidFill>
           <a:srgbClr val="000000"/>
         </a:solidFill>
@@ -655,7 +677,7 @@
         <a:sym typeface="Arial"/>
       </a:defRPr>
     </a:lvl7pPr>
-    <a:lvl8pPr lvl="7" marR="0" rtl="0" algn="l">
+    <a:lvl8pPr marR="0" lvl="7" algn="l" rtl="0">
       <a:lnSpc>
         <a:spcPct val="100000"/>
       </a:lnSpc>
@@ -669,7 +691,7 @@
         <a:srgbClr val="000000"/>
       </a:buClr>
       <a:buFont typeface="Arial"/>
-      <a:defRPr b="0" i="0" sz="1400" u="none" cap="none" strike="noStrike">
+      <a:defRPr sz="1400" b="0" i="0" u="none" strike="noStrike" cap="none">
         <a:solidFill>
           <a:srgbClr val="000000"/>
         </a:solidFill>
@@ -679,7 +701,7 @@
         <a:sym typeface="Arial"/>
       </a:defRPr>
     </a:lvl8pPr>
-    <a:lvl9pPr lvl="8" marR="0" rtl="0" algn="l">
+    <a:lvl9pPr marR="0" lvl="8" algn="l" rtl="0">
       <a:lnSpc>
         <a:spcPct val="100000"/>
       </a:lnSpc>
@@ -693,7 +715,7 @@
         <a:srgbClr val="000000"/>
       </a:buClr>
       <a:buFont typeface="Arial"/>
-      <a:defRPr b="0" i="0" sz="1400" u="none" cap="none" strike="noStrike">
+      <a:defRPr sz="1400" b="0" i="0" u="none" strike="noStrike" cap="none">
         <a:solidFill>
           <a:srgbClr val="000000"/>
         </a:solidFill>
@@ -708,11 +730,11 @@
 </file>
 
 <file path=ppt/notesSlides/notesSlide1.xml><?xml version="1.0" encoding="utf-8"?>
-<p:notes xmlns:a="http://schemas.openxmlformats.org/drawingml/2006/main" xmlns:r="http://schemas.openxmlformats.org/officeDocument/2006/relationships" xmlns:mc="http://schemas.openxmlformats.org/markup-compatibility/2006" xmlns:mv="urn:schemas-microsoft-com:mac:vml" xmlns:p="http://schemas.openxmlformats.org/presentationml/2006/main" xmlns:c="http://schemas.openxmlformats.org/drawingml/2006/chart" xmlns:dgm="http://schemas.openxmlformats.org/drawingml/2006/diagram" xmlns:o="urn:schemas-microsoft-com:office:office" xmlns:v="urn:schemas-microsoft-com:vml" xmlns:pvml="urn:schemas-microsoft-com:office:powerpoint" xmlns:com="http://schemas.openxmlformats.org/drawingml/2006/compatibility" xmlns:p14="http://schemas.microsoft.com/office/powerpoint/2010/main" xmlns:p15="http://schemas.microsoft.com/office/powerpoint/2012/main" xmlns:ahyp="http://schemas.microsoft.com/office/drawing/2018/hyperlinkcolor" showMasterPhAnim="0" showMasterSp="0">
+<p:notes xmlns:a="http://schemas.openxmlformats.org/drawingml/2006/main" xmlns:r="http://schemas.openxmlformats.org/officeDocument/2006/relationships" xmlns:p="http://schemas.openxmlformats.org/presentationml/2006/main" showMasterSp="0" showMasterPhAnim="0">
   <p:cSld>
     <p:spTree>
       <p:nvGrpSpPr>
-        <p:cNvPr id="82" name="Shape 82"/>
+        <p:cNvPr id="1" name="Shape 82"/>
         <p:cNvGrpSpPr/>
         <p:nvPr/>
       </p:nvGrpSpPr>
@@ -727,9 +749,11 @@
       <p:sp>
         <p:nvSpPr>
           <p:cNvPr id="83" name="Google Shape;83;p:notes"/>
-          <p:cNvSpPr/>
+          <p:cNvSpPr>
+            <a:spLocks noGrp="1" noRot="1" noChangeAspect="1"/>
+          </p:cNvSpPr>
           <p:nvPr>
-            <p:ph idx="2" type="sldImg"/>
+            <p:ph type="sldImg" idx="2"/>
           </p:nvPr>
         </p:nvSpPr>
         <p:spPr>
@@ -738,9 +762,13 @@
             <a:ext cx="6096075" cy="3429000"/>
           </a:xfrm>
           <a:custGeom>
-            <a:rect b="b" l="l" r="r" t="t"/>
+            <a:avLst/>
+            <a:gdLst/>
+            <a:ahLst/>
+            <a:cxnLst/>
+            <a:rect l="l" t="t" r="r" b="b"/>
             <a:pathLst>
-              <a:path extrusionOk="0" h="120000" w="120000">
+              <a:path w="120000" h="120000" extrusionOk="0">
                 <a:moveTo>
                   <a:pt x="0" y="0"/>
                 </a:moveTo>
@@ -762,9 +790,11 @@
       <p:sp>
         <p:nvSpPr>
           <p:cNvPr id="84" name="Google Shape;84;p:notes"/>
-          <p:cNvSpPr txBox="1"/>
+          <p:cNvSpPr txBox="1">
+            <a:spLocks noGrp="1"/>
+          </p:cNvSpPr>
           <p:nvPr>
-            <p:ph idx="1" type="body"/>
+            <p:ph type="body" idx="1"/>
           </p:nvPr>
         </p:nvSpPr>
         <p:spPr>
@@ -777,12 +807,12 @@
           </a:prstGeom>
         </p:spPr>
         <p:txBody>
-          <a:bodyPr anchorCtr="0" anchor="t" bIns="91425" lIns="91425" spcFirstLastPara="1" rIns="91425" wrap="square" tIns="91425">
+          <a:bodyPr spcFirstLastPara="1" wrap="square" lIns="91425" tIns="91425" rIns="91425" bIns="91425" anchor="t" anchorCtr="0">
             <a:noAutofit/>
           </a:bodyPr>
           <a:lstStyle/>
           <a:p>
-            <a:pPr indent="0" lvl="0" marL="0" rtl="0" algn="l">
+            <a:pPr marL="0" lvl="0" indent="0" algn="l" rtl="0">
               <a:spcBef>
                 <a:spcPts val="0"/>
               </a:spcBef>
@@ -791,9 +821,6 @@
               </a:spcAft>
               <a:buNone/>
             </a:pPr>
-            <a:r>
-              <a:t/>
-            </a:r>
             <a:endParaRPr/>
           </a:p>
         </p:txBody>
@@ -807,11 +834,11 @@
 </file>
 
 <file path=ppt/notesSlides/notesSlide2.xml><?xml version="1.0" encoding="utf-8"?>
-<p:notes xmlns:a="http://schemas.openxmlformats.org/drawingml/2006/main" xmlns:r="http://schemas.openxmlformats.org/officeDocument/2006/relationships" xmlns:mc="http://schemas.openxmlformats.org/markup-compatibility/2006" xmlns:mv="urn:schemas-microsoft-com:mac:vml" xmlns:p="http://schemas.openxmlformats.org/presentationml/2006/main" xmlns:c="http://schemas.openxmlformats.org/drawingml/2006/chart" xmlns:dgm="http://schemas.openxmlformats.org/drawingml/2006/diagram" xmlns:o="urn:schemas-microsoft-com:office:office" xmlns:v="urn:schemas-microsoft-com:vml" xmlns:pvml="urn:schemas-microsoft-com:office:powerpoint" xmlns:com="http://schemas.openxmlformats.org/drawingml/2006/compatibility" xmlns:p14="http://schemas.microsoft.com/office/powerpoint/2010/main" xmlns:p15="http://schemas.microsoft.com/office/powerpoint/2012/main" xmlns:ahyp="http://schemas.microsoft.com/office/drawing/2018/hyperlinkcolor" showMasterPhAnim="0" showMasterSp="0">
+<p:notes xmlns:a="http://schemas.openxmlformats.org/drawingml/2006/main" xmlns:r="http://schemas.openxmlformats.org/officeDocument/2006/relationships" xmlns:p="http://schemas.openxmlformats.org/presentationml/2006/main" showMasterSp="0" showMasterPhAnim="0">
   <p:cSld>
     <p:spTree>
       <p:nvGrpSpPr>
-        <p:cNvPr id="88" name="Shape 88"/>
+        <p:cNvPr id="1" name="Shape 88"/>
         <p:cNvGrpSpPr/>
         <p:nvPr/>
       </p:nvGrpSpPr>
@@ -826,9 +853,11 @@
       <p:sp>
         <p:nvSpPr>
           <p:cNvPr id="89" name="Google Shape;89;g1093d2a65c8_0_77:notes"/>
-          <p:cNvSpPr/>
+          <p:cNvSpPr>
+            <a:spLocks noGrp="1" noRot="1" noChangeAspect="1"/>
+          </p:cNvSpPr>
           <p:nvPr>
-            <p:ph idx="2" type="sldImg"/>
+            <p:ph type="sldImg" idx="2"/>
           </p:nvPr>
         </p:nvSpPr>
         <p:spPr>
@@ -837,9 +866,13 @@
             <a:ext cx="6096000" cy="3429000"/>
           </a:xfrm>
           <a:custGeom>
-            <a:rect b="b" l="l" r="r" t="t"/>
+            <a:avLst/>
+            <a:gdLst/>
+            <a:ahLst/>
+            <a:cxnLst/>
+            <a:rect l="l" t="t" r="r" b="b"/>
             <a:pathLst>
-              <a:path extrusionOk="0" h="120000" w="120000">
+              <a:path w="120000" h="120000" extrusionOk="0">
                 <a:moveTo>
                   <a:pt x="0" y="0"/>
                 </a:moveTo>
@@ -861,9 +894,11 @@
       <p:sp>
         <p:nvSpPr>
           <p:cNvPr id="90" name="Google Shape;90;g1093d2a65c8_0_77:notes"/>
-          <p:cNvSpPr txBox="1"/>
+          <p:cNvSpPr txBox="1">
+            <a:spLocks noGrp="1"/>
+          </p:cNvSpPr>
           <p:nvPr>
-            <p:ph idx="1" type="body"/>
+            <p:ph type="body" idx="1"/>
           </p:nvPr>
         </p:nvSpPr>
         <p:spPr>
@@ -876,12 +911,12 @@
           </a:prstGeom>
         </p:spPr>
         <p:txBody>
-          <a:bodyPr anchorCtr="0" anchor="t" bIns="91425" lIns="91425" spcFirstLastPara="1" rIns="91425" wrap="square" tIns="91425">
+          <a:bodyPr spcFirstLastPara="1" wrap="square" lIns="91425" tIns="91425" rIns="91425" bIns="91425" anchor="t" anchorCtr="0">
             <a:noAutofit/>
           </a:bodyPr>
           <a:lstStyle/>
           <a:p>
-            <a:pPr indent="0" lvl="0" marL="0" rtl="0" algn="l">
+            <a:pPr marL="0" lvl="0" indent="0" algn="l" rtl="0">
               <a:spcBef>
                 <a:spcPts val="0"/>
               </a:spcBef>
@@ -890,9 +925,6 @@
               </a:spcAft>
               <a:buNone/>
             </a:pPr>
-            <a:r>
-              <a:t/>
-            </a:r>
             <a:endParaRPr/>
           </a:p>
         </p:txBody>
@@ -906,11 +938,11 @@
 </file>
 
 <file path=ppt/notesSlides/notesSlide3.xml><?xml version="1.0" encoding="utf-8"?>
-<p:notes xmlns:a="http://schemas.openxmlformats.org/drawingml/2006/main" xmlns:r="http://schemas.openxmlformats.org/officeDocument/2006/relationships" xmlns:mc="http://schemas.openxmlformats.org/markup-compatibility/2006" xmlns:mv="urn:schemas-microsoft-com:mac:vml" xmlns:p="http://schemas.openxmlformats.org/presentationml/2006/main" xmlns:c="http://schemas.openxmlformats.org/drawingml/2006/chart" xmlns:dgm="http://schemas.openxmlformats.org/drawingml/2006/diagram" xmlns:o="urn:schemas-microsoft-com:office:office" xmlns:v="urn:schemas-microsoft-com:vml" xmlns:pvml="urn:schemas-microsoft-com:office:powerpoint" xmlns:com="http://schemas.openxmlformats.org/drawingml/2006/compatibility" xmlns:p14="http://schemas.microsoft.com/office/powerpoint/2010/main" xmlns:p15="http://schemas.microsoft.com/office/powerpoint/2012/main" xmlns:ahyp="http://schemas.microsoft.com/office/drawing/2018/hyperlinkcolor" showMasterPhAnim="0" showMasterSp="0">
+<p:notes xmlns:a="http://schemas.openxmlformats.org/drawingml/2006/main" xmlns:r="http://schemas.openxmlformats.org/officeDocument/2006/relationships" xmlns:p="http://schemas.openxmlformats.org/presentationml/2006/main" showMasterSp="0" showMasterPhAnim="0">
   <p:cSld>
     <p:spTree>
       <p:nvGrpSpPr>
-        <p:cNvPr id="94" name="Shape 94"/>
+        <p:cNvPr id="1" name="Shape 94"/>
         <p:cNvGrpSpPr/>
         <p:nvPr/>
       </p:nvGrpSpPr>
@@ -925,9 +957,11 @@
       <p:sp>
         <p:nvSpPr>
           <p:cNvPr id="95" name="Google Shape;95;g1093d2a65c8_0_92:notes"/>
-          <p:cNvSpPr/>
+          <p:cNvSpPr>
+            <a:spLocks noGrp="1" noRot="1" noChangeAspect="1"/>
+          </p:cNvSpPr>
           <p:nvPr>
-            <p:ph idx="2" type="sldImg"/>
+            <p:ph type="sldImg" idx="2"/>
           </p:nvPr>
         </p:nvSpPr>
         <p:spPr>
@@ -936,9 +970,13 @@
             <a:ext cx="6096000" cy="3429000"/>
           </a:xfrm>
           <a:custGeom>
-            <a:rect b="b" l="l" r="r" t="t"/>
+            <a:avLst/>
+            <a:gdLst/>
+            <a:ahLst/>
+            <a:cxnLst/>
+            <a:rect l="l" t="t" r="r" b="b"/>
             <a:pathLst>
-              <a:path extrusionOk="0" h="120000" w="120000">
+              <a:path w="120000" h="120000" extrusionOk="0">
                 <a:moveTo>
                   <a:pt x="0" y="0"/>
                 </a:moveTo>
@@ -960,9 +998,11 @@
       <p:sp>
         <p:nvSpPr>
           <p:cNvPr id="96" name="Google Shape;96;g1093d2a65c8_0_92:notes"/>
-          <p:cNvSpPr txBox="1"/>
+          <p:cNvSpPr txBox="1">
+            <a:spLocks noGrp="1"/>
+          </p:cNvSpPr>
           <p:nvPr>
-            <p:ph idx="1" type="body"/>
+            <p:ph type="body" idx="1"/>
           </p:nvPr>
         </p:nvSpPr>
         <p:spPr>
@@ -975,12 +1015,12 @@
           </a:prstGeom>
         </p:spPr>
         <p:txBody>
-          <a:bodyPr anchorCtr="0" anchor="t" bIns="91425" lIns="91425" spcFirstLastPara="1" rIns="91425" wrap="square" tIns="91425">
+          <a:bodyPr spcFirstLastPara="1" wrap="square" lIns="91425" tIns="91425" rIns="91425" bIns="91425" anchor="t" anchorCtr="0">
             <a:noAutofit/>
           </a:bodyPr>
           <a:lstStyle/>
           <a:p>
-            <a:pPr indent="0" lvl="0" marL="0" rtl="0" algn="l">
+            <a:pPr marL="0" lvl="0" indent="0" algn="l" rtl="0">
               <a:spcBef>
                 <a:spcPts val="0"/>
               </a:spcBef>
@@ -989,9 +1029,6 @@
               </a:spcAft>
               <a:buNone/>
             </a:pPr>
-            <a:r>
-              <a:t/>
-            </a:r>
             <a:endParaRPr/>
           </a:p>
         </p:txBody>
@@ -1005,11 +1042,11 @@
 </file>
 
 <file path=ppt/notesSlides/notesSlide4.xml><?xml version="1.0" encoding="utf-8"?>
-<p:notes xmlns:a="http://schemas.openxmlformats.org/drawingml/2006/main" xmlns:r="http://schemas.openxmlformats.org/officeDocument/2006/relationships" xmlns:mc="http://schemas.openxmlformats.org/markup-compatibility/2006" xmlns:mv="urn:schemas-microsoft-com:mac:vml" xmlns:p="http://schemas.openxmlformats.org/presentationml/2006/main" xmlns:c="http://schemas.openxmlformats.org/drawingml/2006/chart" xmlns:dgm="http://schemas.openxmlformats.org/drawingml/2006/diagram" xmlns:o="urn:schemas-microsoft-com:office:office" xmlns:v="urn:schemas-microsoft-com:vml" xmlns:pvml="urn:schemas-microsoft-com:office:powerpoint" xmlns:com="http://schemas.openxmlformats.org/drawingml/2006/compatibility" xmlns:p14="http://schemas.microsoft.com/office/powerpoint/2010/main" xmlns:p15="http://schemas.microsoft.com/office/powerpoint/2012/main" xmlns:ahyp="http://schemas.microsoft.com/office/drawing/2018/hyperlinkcolor" showMasterPhAnim="0" showMasterSp="0">
+<p:notes xmlns:a="http://schemas.openxmlformats.org/drawingml/2006/main" xmlns:r="http://schemas.openxmlformats.org/officeDocument/2006/relationships" xmlns:p="http://schemas.openxmlformats.org/presentationml/2006/main" showMasterSp="0" showMasterPhAnim="0">
   <p:cSld>
     <p:spTree>
       <p:nvGrpSpPr>
-        <p:cNvPr id="100" name="Shape 100"/>
+        <p:cNvPr id="1" name="Shape 100"/>
         <p:cNvGrpSpPr/>
         <p:nvPr/>
       </p:nvGrpSpPr>
@@ -1024,9 +1061,11 @@
       <p:sp>
         <p:nvSpPr>
           <p:cNvPr id="101" name="Google Shape;101;g109795bdb0f_1_0:notes"/>
-          <p:cNvSpPr/>
+          <p:cNvSpPr>
+            <a:spLocks noGrp="1" noRot="1" noChangeAspect="1"/>
+          </p:cNvSpPr>
           <p:nvPr>
-            <p:ph idx="2" type="sldImg"/>
+            <p:ph type="sldImg" idx="2"/>
           </p:nvPr>
         </p:nvSpPr>
         <p:spPr>
@@ -1035,9 +1074,13 @@
             <a:ext cx="6096000" cy="3429000"/>
           </a:xfrm>
           <a:custGeom>
-            <a:rect b="b" l="l" r="r" t="t"/>
+            <a:avLst/>
+            <a:gdLst/>
+            <a:ahLst/>
+            <a:cxnLst/>
+            <a:rect l="l" t="t" r="r" b="b"/>
             <a:pathLst>
-              <a:path extrusionOk="0" h="120000" w="120000">
+              <a:path w="120000" h="120000" extrusionOk="0">
                 <a:moveTo>
                   <a:pt x="0" y="0"/>
                 </a:moveTo>
@@ -1059,9 +1102,11 @@
       <p:sp>
         <p:nvSpPr>
           <p:cNvPr id="102" name="Google Shape;102;g109795bdb0f_1_0:notes"/>
-          <p:cNvSpPr txBox="1"/>
+          <p:cNvSpPr txBox="1">
+            <a:spLocks noGrp="1"/>
+          </p:cNvSpPr>
           <p:nvPr>
-            <p:ph idx="1" type="body"/>
+            <p:ph type="body" idx="1"/>
           </p:nvPr>
         </p:nvSpPr>
         <p:spPr>
@@ -1074,12 +1119,12 @@
           </a:prstGeom>
         </p:spPr>
         <p:txBody>
-          <a:bodyPr anchorCtr="0" anchor="t" bIns="91425" lIns="91425" spcFirstLastPara="1" rIns="91425" wrap="square" tIns="91425">
+          <a:bodyPr spcFirstLastPara="1" wrap="square" lIns="91425" tIns="91425" rIns="91425" bIns="91425" anchor="t" anchorCtr="0">
             <a:noAutofit/>
           </a:bodyPr>
           <a:lstStyle/>
           <a:p>
-            <a:pPr indent="0" lvl="0" marL="0" rtl="0" algn="l">
+            <a:pPr marL="0" lvl="0" indent="0" algn="l" rtl="0">
               <a:spcBef>
                 <a:spcPts val="0"/>
               </a:spcBef>
@@ -1088,9 +1133,6 @@
               </a:spcAft>
               <a:buNone/>
             </a:pPr>
-            <a:r>
-              <a:t/>
-            </a:r>
             <a:endParaRPr/>
           </a:p>
         </p:txBody>
@@ -1104,11 +1146,11 @@
 </file>
 
 <file path=ppt/notesSlides/notesSlide5.xml><?xml version="1.0" encoding="utf-8"?>
-<p:notes xmlns:a="http://schemas.openxmlformats.org/drawingml/2006/main" xmlns:r="http://schemas.openxmlformats.org/officeDocument/2006/relationships" xmlns:mc="http://schemas.openxmlformats.org/markup-compatibility/2006" xmlns:mv="urn:schemas-microsoft-com:mac:vml" xmlns:p="http://schemas.openxmlformats.org/presentationml/2006/main" xmlns:c="http://schemas.openxmlformats.org/drawingml/2006/chart" xmlns:dgm="http://schemas.openxmlformats.org/drawingml/2006/diagram" xmlns:o="urn:schemas-microsoft-com:office:office" xmlns:v="urn:schemas-microsoft-com:vml" xmlns:pvml="urn:schemas-microsoft-com:office:powerpoint" xmlns:com="http://schemas.openxmlformats.org/drawingml/2006/compatibility" xmlns:p14="http://schemas.microsoft.com/office/powerpoint/2010/main" xmlns:p15="http://schemas.microsoft.com/office/powerpoint/2012/main" xmlns:ahyp="http://schemas.microsoft.com/office/drawing/2018/hyperlinkcolor" showMasterPhAnim="0" showMasterSp="0">
+<p:notes xmlns:a="http://schemas.openxmlformats.org/drawingml/2006/main" xmlns:r="http://schemas.openxmlformats.org/officeDocument/2006/relationships" xmlns:p="http://schemas.openxmlformats.org/presentationml/2006/main" showMasterSp="0" showMasterPhAnim="0">
   <p:cSld>
     <p:spTree>
       <p:nvGrpSpPr>
-        <p:cNvPr id="106" name="Shape 106"/>
+        <p:cNvPr id="1" name="Shape 106"/>
         <p:cNvGrpSpPr/>
         <p:nvPr/>
       </p:nvGrpSpPr>
@@ -1123,9 +1165,11 @@
       <p:sp>
         <p:nvSpPr>
           <p:cNvPr id="107" name="Google Shape;107;g109795bdb0f_1_5:notes"/>
-          <p:cNvSpPr/>
+          <p:cNvSpPr>
+            <a:spLocks noGrp="1" noRot="1" noChangeAspect="1"/>
+          </p:cNvSpPr>
           <p:nvPr>
-            <p:ph idx="2" type="sldImg"/>
+            <p:ph type="sldImg" idx="2"/>
           </p:nvPr>
         </p:nvSpPr>
         <p:spPr>
@@ -1134,9 +1178,13 @@
             <a:ext cx="6096000" cy="3429000"/>
           </a:xfrm>
           <a:custGeom>
-            <a:rect b="b" l="l" r="r" t="t"/>
+            <a:avLst/>
+            <a:gdLst/>
+            <a:ahLst/>
+            <a:cxnLst/>
+            <a:rect l="l" t="t" r="r" b="b"/>
             <a:pathLst>
-              <a:path extrusionOk="0" h="120000" w="120000">
+              <a:path w="120000" h="120000" extrusionOk="0">
                 <a:moveTo>
                   <a:pt x="0" y="0"/>
                 </a:moveTo>
@@ -1158,9 +1206,11 @@
       <p:sp>
         <p:nvSpPr>
           <p:cNvPr id="108" name="Google Shape;108;g109795bdb0f_1_5:notes"/>
-          <p:cNvSpPr txBox="1"/>
+          <p:cNvSpPr txBox="1">
+            <a:spLocks noGrp="1"/>
+          </p:cNvSpPr>
           <p:nvPr>
-            <p:ph idx="1" type="body"/>
+            <p:ph type="body" idx="1"/>
           </p:nvPr>
         </p:nvSpPr>
         <p:spPr>
@@ -1173,12 +1223,12 @@
           </a:prstGeom>
         </p:spPr>
         <p:txBody>
-          <a:bodyPr anchorCtr="0" anchor="t" bIns="91425" lIns="91425" spcFirstLastPara="1" rIns="91425" wrap="square" tIns="91425">
+          <a:bodyPr spcFirstLastPara="1" wrap="square" lIns="91425" tIns="91425" rIns="91425" bIns="91425" anchor="t" anchorCtr="0">
             <a:noAutofit/>
           </a:bodyPr>
           <a:lstStyle/>
           <a:p>
-            <a:pPr indent="0" lvl="0" marL="0" rtl="0" algn="l">
+            <a:pPr marL="0" lvl="0" indent="0" algn="l" rtl="0">
               <a:spcBef>
                 <a:spcPts val="0"/>
               </a:spcBef>
@@ -1187,9 +1237,6 @@
               </a:spcAft>
               <a:buNone/>
             </a:pPr>
-            <a:r>
-              <a:t/>
-            </a:r>
             <a:endParaRPr/>
           </a:p>
         </p:txBody>
@@ -1203,11 +1250,11 @@
 </file>
 
 <file path=ppt/notesSlides/notesSlide6.xml><?xml version="1.0" encoding="utf-8"?>
-<p:notes xmlns:a="http://schemas.openxmlformats.org/drawingml/2006/main" xmlns:r="http://schemas.openxmlformats.org/officeDocument/2006/relationships" xmlns:mc="http://schemas.openxmlformats.org/markup-compatibility/2006" xmlns:mv="urn:schemas-microsoft-com:mac:vml" xmlns:p="http://schemas.openxmlformats.org/presentationml/2006/main" xmlns:c="http://schemas.openxmlformats.org/drawingml/2006/chart" xmlns:dgm="http://schemas.openxmlformats.org/drawingml/2006/diagram" xmlns:o="urn:schemas-microsoft-com:office:office" xmlns:v="urn:schemas-microsoft-com:vml" xmlns:pvml="urn:schemas-microsoft-com:office:powerpoint" xmlns:com="http://schemas.openxmlformats.org/drawingml/2006/compatibility" xmlns:p14="http://schemas.microsoft.com/office/powerpoint/2010/main" xmlns:p15="http://schemas.microsoft.com/office/powerpoint/2012/main" xmlns:ahyp="http://schemas.microsoft.com/office/drawing/2018/hyperlinkcolor" showMasterPhAnim="0" showMasterSp="0">
+<p:notes xmlns:a="http://schemas.openxmlformats.org/drawingml/2006/main" xmlns:r="http://schemas.openxmlformats.org/officeDocument/2006/relationships" xmlns:p="http://schemas.openxmlformats.org/presentationml/2006/main" showMasterSp="0" showMasterPhAnim="0">
   <p:cSld>
     <p:spTree>
       <p:nvGrpSpPr>
-        <p:cNvPr id="112" name="Shape 112"/>
+        <p:cNvPr id="1" name="Shape 112"/>
         <p:cNvGrpSpPr/>
         <p:nvPr/>
       </p:nvGrpSpPr>
@@ -1222,20 +1269,26 @@
       <p:sp>
         <p:nvSpPr>
           <p:cNvPr id="113" name="Google Shape;113;g109795bdb0f_1_10:notes"/>
-          <p:cNvSpPr/>
+          <p:cNvSpPr>
+            <a:spLocks noGrp="1" noRot="1" noChangeAspect="1"/>
+          </p:cNvSpPr>
           <p:nvPr>
-            <p:ph idx="2" type="sldImg"/>
+            <p:ph type="sldImg" idx="2"/>
           </p:nvPr>
         </p:nvSpPr>
         <p:spPr>
           <a:xfrm>
-            <a:off x="381300" y="685800"/>
+            <a:off x="381000" y="685800"/>
             <a:ext cx="6096000" cy="3429000"/>
           </a:xfrm>
           <a:custGeom>
-            <a:rect b="b" l="l" r="r" t="t"/>
+            <a:avLst/>
+            <a:gdLst/>
+            <a:ahLst/>
+            <a:cxnLst/>
+            <a:rect l="l" t="t" r="r" b="b"/>
             <a:pathLst>
-              <a:path extrusionOk="0" h="120000" w="120000">
+              <a:path w="120000" h="120000" extrusionOk="0">
                 <a:moveTo>
                   <a:pt x="0" y="0"/>
                 </a:moveTo>
@@ -1257,9 +1310,11 @@
       <p:sp>
         <p:nvSpPr>
           <p:cNvPr id="114" name="Google Shape;114;g109795bdb0f_1_10:notes"/>
-          <p:cNvSpPr txBox="1"/>
+          <p:cNvSpPr txBox="1">
+            <a:spLocks noGrp="1"/>
+          </p:cNvSpPr>
           <p:nvPr>
-            <p:ph idx="1" type="body"/>
+            <p:ph type="body" idx="1"/>
           </p:nvPr>
         </p:nvSpPr>
         <p:spPr>
@@ -1272,12 +1327,12 @@
           </a:prstGeom>
         </p:spPr>
         <p:txBody>
-          <a:bodyPr anchorCtr="0" anchor="t" bIns="91425" lIns="91425" spcFirstLastPara="1" rIns="91425" wrap="square" tIns="91425">
+          <a:bodyPr spcFirstLastPara="1" wrap="square" lIns="91425" tIns="91425" rIns="91425" bIns="91425" anchor="t" anchorCtr="0">
             <a:noAutofit/>
           </a:bodyPr>
           <a:lstStyle/>
           <a:p>
-            <a:pPr indent="0" lvl="0" marL="0" rtl="0" algn="l">
+            <a:pPr marL="0" lvl="0" indent="0" algn="l" rtl="0">
               <a:spcBef>
                 <a:spcPts val="0"/>
               </a:spcBef>
@@ -1286,9 +1341,6 @@
               </a:spcAft>
               <a:buNone/>
             </a:pPr>
-            <a:r>
-              <a:t/>
-            </a:r>
             <a:endParaRPr/>
           </a:p>
         </p:txBody>
@@ -1301,19 +1353,347 @@
 </p:notes>
 </file>
 
+<file path=ppt/notesSlides/notesSlide7.xml><?xml version="1.0" encoding="utf-8"?>
+<p:notes xmlns:a="http://schemas.openxmlformats.org/drawingml/2006/main" xmlns:r="http://schemas.openxmlformats.org/officeDocument/2006/relationships" xmlns:p="http://schemas.openxmlformats.org/presentationml/2006/main" showMasterSp="0" showMasterPhAnim="0">
+  <p:cSld>
+    <p:spTree>
+      <p:nvGrpSpPr>
+        <p:cNvPr id="1" name="Shape 82"/>
+        <p:cNvGrpSpPr/>
+        <p:nvPr/>
+      </p:nvGrpSpPr>
+      <p:grpSpPr>
+        <a:xfrm>
+          <a:off x="0" y="0"/>
+          <a:ext cx="0" cy="0"/>
+          <a:chOff x="0" y="0"/>
+          <a:chExt cx="0" cy="0"/>
+        </a:xfrm>
+      </p:grpSpPr>
+      <p:sp>
+        <p:nvSpPr>
+          <p:cNvPr id="83" name="Google Shape;83;p:notes"/>
+          <p:cNvSpPr>
+            <a:spLocks noGrp="1" noRot="1" noChangeAspect="1"/>
+          </p:cNvSpPr>
+          <p:nvPr>
+            <p:ph type="sldImg" idx="2"/>
+          </p:nvPr>
+        </p:nvSpPr>
+        <p:spPr>
+          <a:xfrm>
+            <a:off x="381000" y="685800"/>
+            <a:ext cx="6096000" cy="3429000"/>
+          </a:xfrm>
+          <a:custGeom>
+            <a:avLst/>
+            <a:gdLst/>
+            <a:ahLst/>
+            <a:cxnLst/>
+            <a:rect l="l" t="t" r="r" b="b"/>
+            <a:pathLst>
+              <a:path w="120000" h="120000" extrusionOk="0">
+                <a:moveTo>
+                  <a:pt x="0" y="0"/>
+                </a:moveTo>
+                <a:lnTo>
+                  <a:pt x="120000" y="0"/>
+                </a:lnTo>
+                <a:lnTo>
+                  <a:pt x="120000" y="120000"/>
+                </a:lnTo>
+                <a:lnTo>
+                  <a:pt x="0" y="120000"/>
+                </a:lnTo>
+                <a:close/>
+              </a:path>
+            </a:pathLst>
+          </a:custGeom>
+        </p:spPr>
+      </p:sp>
+      <p:sp>
+        <p:nvSpPr>
+          <p:cNvPr id="84" name="Google Shape;84;p:notes"/>
+          <p:cNvSpPr txBox="1">
+            <a:spLocks noGrp="1"/>
+          </p:cNvSpPr>
+          <p:nvPr>
+            <p:ph type="body" idx="1"/>
+          </p:nvPr>
+        </p:nvSpPr>
+        <p:spPr>
+          <a:xfrm>
+            <a:off x="685800" y="4343400"/>
+            <a:ext cx="5486400" cy="4114800"/>
+          </a:xfrm>
+          <a:prstGeom prst="rect">
+            <a:avLst/>
+          </a:prstGeom>
+        </p:spPr>
+        <p:txBody>
+          <a:bodyPr spcFirstLastPara="1" wrap="square" lIns="91425" tIns="91425" rIns="91425" bIns="91425" anchor="t" anchorCtr="0">
+            <a:noAutofit/>
+          </a:bodyPr>
+          <a:lstStyle/>
+          <a:p>
+            <a:pPr marL="0" lvl="0" indent="0" algn="l" rtl="0">
+              <a:spcBef>
+                <a:spcPts val="0"/>
+              </a:spcBef>
+              <a:spcAft>
+                <a:spcPts val="0"/>
+              </a:spcAft>
+              <a:buNone/>
+            </a:pPr>
+            <a:endParaRPr/>
+          </a:p>
+        </p:txBody>
+      </p:sp>
+    </p:spTree>
+    <p:extLst>
+      <p:ext uri="{BB962C8B-B14F-4D97-AF65-F5344CB8AC3E}">
+        <p14:creationId xmlns:p14="http://schemas.microsoft.com/office/powerpoint/2010/main" val="926004763"/>
+      </p:ext>
+    </p:extLst>
+  </p:cSld>
+  <p:clrMapOvr>
+    <a:masterClrMapping/>
+  </p:clrMapOvr>
+</p:notes>
+</file>
+
+<file path=ppt/notesSlides/notesSlide8.xml><?xml version="1.0" encoding="utf-8"?>
+<p:notes xmlns:a="http://schemas.openxmlformats.org/drawingml/2006/main" xmlns:r="http://schemas.openxmlformats.org/officeDocument/2006/relationships" xmlns:p="http://schemas.openxmlformats.org/presentationml/2006/main" showMasterSp="0" showMasterPhAnim="0">
+  <p:cSld>
+    <p:spTree>
+      <p:nvGrpSpPr>
+        <p:cNvPr id="1" name="Shape 112"/>
+        <p:cNvGrpSpPr/>
+        <p:nvPr/>
+      </p:nvGrpSpPr>
+      <p:grpSpPr>
+        <a:xfrm>
+          <a:off x="0" y="0"/>
+          <a:ext cx="0" cy="0"/>
+          <a:chOff x="0" y="0"/>
+          <a:chExt cx="0" cy="0"/>
+        </a:xfrm>
+      </p:grpSpPr>
+      <p:sp>
+        <p:nvSpPr>
+          <p:cNvPr id="113" name="Google Shape;113;g109795bdb0f_1_10:notes"/>
+          <p:cNvSpPr>
+            <a:spLocks noGrp="1" noRot="1" noChangeAspect="1"/>
+          </p:cNvSpPr>
+          <p:nvPr>
+            <p:ph type="sldImg" idx="2"/>
+          </p:nvPr>
+        </p:nvSpPr>
+        <p:spPr>
+          <a:xfrm>
+            <a:off x="381000" y="685800"/>
+            <a:ext cx="6096000" cy="3429000"/>
+          </a:xfrm>
+          <a:custGeom>
+            <a:avLst/>
+            <a:gdLst/>
+            <a:ahLst/>
+            <a:cxnLst/>
+            <a:rect l="l" t="t" r="r" b="b"/>
+            <a:pathLst>
+              <a:path w="120000" h="120000" extrusionOk="0">
+                <a:moveTo>
+                  <a:pt x="0" y="0"/>
+                </a:moveTo>
+                <a:lnTo>
+                  <a:pt x="120000" y="0"/>
+                </a:lnTo>
+                <a:lnTo>
+                  <a:pt x="120000" y="120000"/>
+                </a:lnTo>
+                <a:lnTo>
+                  <a:pt x="0" y="120000"/>
+                </a:lnTo>
+                <a:close/>
+              </a:path>
+            </a:pathLst>
+          </a:custGeom>
+        </p:spPr>
+      </p:sp>
+      <p:sp>
+        <p:nvSpPr>
+          <p:cNvPr id="114" name="Google Shape;114;g109795bdb0f_1_10:notes"/>
+          <p:cNvSpPr txBox="1">
+            <a:spLocks noGrp="1"/>
+          </p:cNvSpPr>
+          <p:nvPr>
+            <p:ph type="body" idx="1"/>
+          </p:nvPr>
+        </p:nvSpPr>
+        <p:spPr>
+          <a:xfrm>
+            <a:off x="685800" y="4343400"/>
+            <a:ext cx="5486400" cy="4114800"/>
+          </a:xfrm>
+          <a:prstGeom prst="rect">
+            <a:avLst/>
+          </a:prstGeom>
+        </p:spPr>
+        <p:txBody>
+          <a:bodyPr spcFirstLastPara="1" wrap="square" lIns="91425" tIns="91425" rIns="91425" bIns="91425" anchor="t" anchorCtr="0">
+            <a:noAutofit/>
+          </a:bodyPr>
+          <a:lstStyle/>
+          <a:p>
+            <a:pPr marL="0" lvl="0" indent="0" algn="l" rtl="0">
+              <a:spcBef>
+                <a:spcPts val="0"/>
+              </a:spcBef>
+              <a:spcAft>
+                <a:spcPts val="0"/>
+              </a:spcAft>
+              <a:buNone/>
+            </a:pPr>
+            <a:endParaRPr/>
+          </a:p>
+        </p:txBody>
+      </p:sp>
+    </p:spTree>
+    <p:extLst>
+      <p:ext uri="{BB962C8B-B14F-4D97-AF65-F5344CB8AC3E}">
+        <p14:creationId xmlns:p14="http://schemas.microsoft.com/office/powerpoint/2010/main" val="2414897536"/>
+      </p:ext>
+    </p:extLst>
+  </p:cSld>
+  <p:clrMapOvr>
+    <a:masterClrMapping/>
+  </p:clrMapOvr>
+</p:notes>
+</file>
+
+<file path=ppt/notesSlides/notesSlide9.xml><?xml version="1.0" encoding="utf-8"?>
+<p:notes xmlns:a="http://schemas.openxmlformats.org/drawingml/2006/main" xmlns:r="http://schemas.openxmlformats.org/officeDocument/2006/relationships" xmlns:p="http://schemas.openxmlformats.org/presentationml/2006/main" showMasterSp="0" showMasterPhAnim="0">
+  <p:cSld>
+    <p:spTree>
+      <p:nvGrpSpPr>
+        <p:cNvPr id="1" name="Shape 112"/>
+        <p:cNvGrpSpPr/>
+        <p:nvPr/>
+      </p:nvGrpSpPr>
+      <p:grpSpPr>
+        <a:xfrm>
+          <a:off x="0" y="0"/>
+          <a:ext cx="0" cy="0"/>
+          <a:chOff x="0" y="0"/>
+          <a:chExt cx="0" cy="0"/>
+        </a:xfrm>
+      </p:grpSpPr>
+      <p:sp>
+        <p:nvSpPr>
+          <p:cNvPr id="113" name="Google Shape;113;g109795bdb0f_1_10:notes"/>
+          <p:cNvSpPr>
+            <a:spLocks noGrp="1" noRot="1" noChangeAspect="1"/>
+          </p:cNvSpPr>
+          <p:nvPr>
+            <p:ph type="sldImg" idx="2"/>
+          </p:nvPr>
+        </p:nvSpPr>
+        <p:spPr>
+          <a:xfrm>
+            <a:off x="381000" y="685800"/>
+            <a:ext cx="6096000" cy="3429000"/>
+          </a:xfrm>
+          <a:custGeom>
+            <a:avLst/>
+            <a:gdLst/>
+            <a:ahLst/>
+            <a:cxnLst/>
+            <a:rect l="l" t="t" r="r" b="b"/>
+            <a:pathLst>
+              <a:path w="120000" h="120000" extrusionOk="0">
+                <a:moveTo>
+                  <a:pt x="0" y="0"/>
+                </a:moveTo>
+                <a:lnTo>
+                  <a:pt x="120000" y="0"/>
+                </a:lnTo>
+                <a:lnTo>
+                  <a:pt x="120000" y="120000"/>
+                </a:lnTo>
+                <a:lnTo>
+                  <a:pt x="0" y="120000"/>
+                </a:lnTo>
+                <a:close/>
+              </a:path>
+            </a:pathLst>
+          </a:custGeom>
+        </p:spPr>
+      </p:sp>
+      <p:sp>
+        <p:nvSpPr>
+          <p:cNvPr id="114" name="Google Shape;114;g109795bdb0f_1_10:notes"/>
+          <p:cNvSpPr txBox="1">
+            <a:spLocks noGrp="1"/>
+          </p:cNvSpPr>
+          <p:nvPr>
+            <p:ph type="body" idx="1"/>
+          </p:nvPr>
+        </p:nvSpPr>
+        <p:spPr>
+          <a:xfrm>
+            <a:off x="685800" y="4343400"/>
+            <a:ext cx="5486400" cy="4114800"/>
+          </a:xfrm>
+          <a:prstGeom prst="rect">
+            <a:avLst/>
+          </a:prstGeom>
+        </p:spPr>
+        <p:txBody>
+          <a:bodyPr spcFirstLastPara="1" wrap="square" lIns="91425" tIns="91425" rIns="91425" bIns="91425" anchor="t" anchorCtr="0">
+            <a:noAutofit/>
+          </a:bodyPr>
+          <a:lstStyle/>
+          <a:p>
+            <a:pPr marL="0" lvl="0" indent="0" algn="l" rtl="0">
+              <a:spcBef>
+                <a:spcPts val="0"/>
+              </a:spcBef>
+              <a:spcAft>
+                <a:spcPts val="0"/>
+              </a:spcAft>
+              <a:buNone/>
+            </a:pPr>
+            <a:endParaRPr/>
+          </a:p>
+        </p:txBody>
+      </p:sp>
+    </p:spTree>
+    <p:extLst>
+      <p:ext uri="{BB962C8B-B14F-4D97-AF65-F5344CB8AC3E}">
+        <p14:creationId xmlns:p14="http://schemas.microsoft.com/office/powerpoint/2010/main" val="3931276746"/>
+      </p:ext>
+    </p:extLst>
+  </p:cSld>
+  <p:clrMapOvr>
+    <a:masterClrMapping/>
+  </p:clrMapOvr>
+</p:notes>
+</file>
+
 <file path=ppt/slideLayouts/slideLayout1.xml><?xml version="1.0" encoding="utf-8"?>
-<p:sldLayout xmlns:a="http://schemas.openxmlformats.org/drawingml/2006/main" xmlns:r="http://schemas.openxmlformats.org/officeDocument/2006/relationships" xmlns:mc="http://schemas.openxmlformats.org/markup-compatibility/2006" xmlns:mv="urn:schemas-microsoft-com:mac:vml" xmlns:p="http://schemas.openxmlformats.org/presentationml/2006/main" xmlns:c="http://schemas.openxmlformats.org/drawingml/2006/chart" xmlns:dgm="http://schemas.openxmlformats.org/drawingml/2006/diagram" xmlns:o="urn:schemas-microsoft-com:office:office" xmlns:v="urn:schemas-microsoft-com:vml" xmlns:pvml="urn:schemas-microsoft-com:office:powerpoint" xmlns:com="http://schemas.openxmlformats.org/drawingml/2006/compatibility" xmlns:p14="http://schemas.microsoft.com/office/powerpoint/2010/main" xmlns:p15="http://schemas.microsoft.com/office/powerpoint/2012/main" xmlns:ahyp="http://schemas.microsoft.com/office/drawing/2018/hyperlinkcolor" matchingName="Title slide" type="title">
+<p:sldLayout xmlns:a="http://schemas.openxmlformats.org/drawingml/2006/main" xmlns:r="http://schemas.openxmlformats.org/officeDocument/2006/relationships" xmlns:p="http://schemas.openxmlformats.org/presentationml/2006/main" matchingName="Title slide" type="title">
   <p:cSld name="TITLE">
     <p:bg>
       <p:bgPr>
         <a:solidFill>
           <a:schemeClr val="lt2"/>
         </a:solidFill>
+        <a:effectLst/>
       </p:bgPr>
     </p:bg>
     <p:spTree>
       <p:nvGrpSpPr>
-        <p:cNvPr id="9" name="Shape 9"/>
+        <p:cNvPr id="1" name="Shape 9"/>
         <p:cNvGrpSpPr/>
         <p:nvPr/>
       </p:nvGrpSpPr>
@@ -1347,12 +1727,12 @@
           </a:ln>
         </p:spPr>
         <p:txBody>
-          <a:bodyPr anchorCtr="0" anchor="ctr" bIns="91425" lIns="91425" spcFirstLastPara="1" rIns="91425" wrap="square" tIns="91425">
+          <a:bodyPr spcFirstLastPara="1" wrap="square" lIns="91425" tIns="91425" rIns="91425" bIns="91425" anchor="ctr" anchorCtr="0">
             <a:noAutofit/>
           </a:bodyPr>
           <a:lstStyle/>
           <a:p>
-            <a:pPr indent="0" lvl="0" marL="0" rtl="0" algn="l">
+            <a:pPr marL="0" lvl="0" indent="0" algn="l" rtl="0">
               <a:spcBef>
                 <a:spcPts val="0"/>
               </a:spcBef>
@@ -1361,9 +1741,6 @@
               </a:spcAft>
               <a:buNone/>
             </a:pPr>
-            <a:r>
-              <a:t/>
-            </a:r>
             <a:endParaRPr/>
           </a:p>
         </p:txBody>
@@ -1404,12 +1781,12 @@
             </a:ln>
           </p:spPr>
           <p:txBody>
-            <a:bodyPr anchorCtr="0" anchor="ctr" bIns="91425" lIns="91425" spcFirstLastPara="1" rIns="91425" wrap="square" tIns="91425">
+            <a:bodyPr spcFirstLastPara="1" wrap="square" lIns="91425" tIns="91425" rIns="91425" bIns="91425" anchor="ctr" anchorCtr="0">
               <a:noAutofit/>
             </a:bodyPr>
             <a:lstStyle/>
             <a:p>
-              <a:pPr indent="0" lvl="0" marL="0" rtl="0" algn="l">
+              <a:pPr marL="0" lvl="0" indent="0" algn="l" rtl="0">
                 <a:spcBef>
                   <a:spcPts val="0"/>
                 </a:spcBef>
@@ -1418,9 +1795,6 @@
                 </a:spcAft>
                 <a:buNone/>
               </a:pPr>
-              <a:r>
-                <a:t/>
-              </a:r>
               <a:endParaRPr/>
             </a:p>
           </p:txBody>
@@ -1447,12 +1821,12 @@
             </a:ln>
           </p:spPr>
           <p:txBody>
-            <a:bodyPr anchorCtr="0" anchor="ctr" bIns="91425" lIns="91425" spcFirstLastPara="1" rIns="91425" wrap="square" tIns="91425">
+            <a:bodyPr spcFirstLastPara="1" wrap="square" lIns="91425" tIns="91425" rIns="91425" bIns="91425" anchor="ctr" anchorCtr="0">
               <a:noAutofit/>
             </a:bodyPr>
             <a:lstStyle/>
             <a:p>
-              <a:pPr indent="0" lvl="0" marL="0" rtl="0" algn="l">
+              <a:pPr marL="0" lvl="0" indent="0" algn="l" rtl="0">
                 <a:spcBef>
                   <a:spcPts val="0"/>
                 </a:spcBef>
@@ -1461,9 +1835,6 @@
                 </a:spcAft>
                 <a:buNone/>
               </a:pPr>
-              <a:r>
-                <a:t/>
-              </a:r>
               <a:endParaRPr/>
             </a:p>
           </p:txBody>
@@ -1472,7 +1843,9 @@
       <p:sp>
         <p:nvSpPr>
           <p:cNvPr id="14" name="Google Shape;14;p2"/>
-          <p:cNvSpPr txBox="1"/>
+          <p:cNvSpPr txBox="1">
+            <a:spLocks noGrp="1"/>
+          </p:cNvSpPr>
           <p:nvPr>
             <p:ph type="ctrTitle"/>
           </p:nvPr>
@@ -1487,7 +1860,7 @@
           </a:prstGeom>
         </p:spPr>
         <p:txBody>
-          <a:bodyPr anchorCtr="0" anchor="t" bIns="91425" lIns="91425" spcFirstLastPara="1" rIns="91425" wrap="square" tIns="91425">
+          <a:bodyPr spcFirstLastPara="1" wrap="square" lIns="91425" tIns="91425" rIns="91425" bIns="91425" anchor="t" anchorCtr="0">
             <a:normAutofit/>
           </a:bodyPr>
           <a:lstStyle>
@@ -1591,15 +1964,19 @@
               <a:defRPr sz="4200"/>
             </a:lvl9pPr>
           </a:lstStyle>
-          <a:p/>
+          <a:p>
+            <a:endParaRPr/>
+          </a:p>
         </p:txBody>
       </p:sp>
       <p:sp>
         <p:nvSpPr>
           <p:cNvPr id="15" name="Google Shape;15;p2"/>
-          <p:cNvSpPr txBox="1"/>
+          <p:cNvSpPr txBox="1">
+            <a:spLocks noGrp="1"/>
+          </p:cNvSpPr>
           <p:nvPr>
-            <p:ph idx="1" type="subTitle"/>
+            <p:ph type="subTitle" idx="1"/>
           </p:nvPr>
         </p:nvSpPr>
         <p:spPr>
@@ -1612,7 +1989,7 @@
           </a:prstGeom>
         </p:spPr>
         <p:txBody>
-          <a:bodyPr anchorCtr="0" anchor="t" bIns="91425" lIns="91425" spcFirstLastPara="1" rIns="91425" wrap="square" tIns="91425">
+          <a:bodyPr spcFirstLastPara="1" wrap="square" lIns="91425" tIns="91425" rIns="91425" bIns="91425" anchor="t" anchorCtr="0">
             <a:normAutofit/>
           </a:bodyPr>
           <a:lstStyle>
@@ -1743,15 +2120,19 @@
               <a:defRPr sz="1600"/>
             </a:lvl9pPr>
           </a:lstStyle>
-          <a:p/>
+          <a:p>
+            <a:endParaRPr/>
+          </a:p>
         </p:txBody>
       </p:sp>
       <p:sp>
         <p:nvSpPr>
           <p:cNvPr id="16" name="Google Shape;16;p2"/>
-          <p:cNvSpPr txBox="1"/>
+          <p:cNvSpPr txBox="1">
+            <a:spLocks noGrp="1"/>
+          </p:cNvSpPr>
           <p:nvPr>
-            <p:ph idx="12" type="sldNum"/>
+            <p:ph type="sldNum" idx="12"/>
           </p:nvPr>
         </p:nvSpPr>
         <p:spPr>
@@ -1764,7 +2145,7 @@
           </a:prstGeom>
         </p:spPr>
         <p:txBody>
-          <a:bodyPr anchorCtr="0" anchor="ctr" bIns="91425" lIns="91425" spcFirstLastPara="1" rIns="91425" wrap="square" tIns="91425">
+          <a:bodyPr spcFirstLastPara="1" wrap="square" lIns="91425" tIns="91425" rIns="91425" bIns="91425" anchor="ctr" anchorCtr="0">
             <a:normAutofit/>
           </a:bodyPr>
           <a:lstStyle>
@@ -1806,7 +2187,7 @@
             </a:lvl9pPr>
           </a:lstStyle>
           <a:p>
-            <a:pPr indent="0" lvl="0" marL="0" rtl="0" algn="r">
+            <a:pPr marL="0" lvl="0" indent="0" algn="r" rtl="0">
               <a:spcBef>
                 <a:spcPts val="0"/>
               </a:spcBef>
@@ -1817,7 +2198,7 @@
             </a:pPr>
             <a:fld id="{00000000-1234-1234-1234-123412341234}" type="slidenum">
               <a:rPr lang="pt-BR"/>
-              <a:t>‹#›</a:t>
+              <a:t>‹nº›</a:t>
             </a:fld>
             <a:endParaRPr/>
           </a:p>
@@ -1832,18 +2213,19 @@
 </file>
 
 <file path=ppt/slideLayouts/slideLayout10.xml><?xml version="1.0" encoding="utf-8"?>
-<p:sldLayout xmlns:a="http://schemas.openxmlformats.org/drawingml/2006/main" xmlns:r="http://schemas.openxmlformats.org/officeDocument/2006/relationships" xmlns:mc="http://schemas.openxmlformats.org/markup-compatibility/2006" xmlns:mv="urn:schemas-microsoft-com:mac:vml" xmlns:p="http://schemas.openxmlformats.org/presentationml/2006/main" xmlns:c="http://schemas.openxmlformats.org/drawingml/2006/chart" xmlns:dgm="http://schemas.openxmlformats.org/drawingml/2006/diagram" xmlns:o="urn:schemas-microsoft-com:office:office" xmlns:v="urn:schemas-microsoft-com:vml" xmlns:pvml="urn:schemas-microsoft-com:office:powerpoint" xmlns:com="http://schemas.openxmlformats.org/drawingml/2006/compatibility" xmlns:p14="http://schemas.microsoft.com/office/powerpoint/2010/main" xmlns:p15="http://schemas.microsoft.com/office/powerpoint/2012/main" xmlns:ahyp="http://schemas.microsoft.com/office/drawing/2018/hyperlinkcolor" matchingName="Big number">
+<p:sldLayout xmlns:a="http://schemas.openxmlformats.org/drawingml/2006/main" xmlns:r="http://schemas.openxmlformats.org/officeDocument/2006/relationships" xmlns:p="http://schemas.openxmlformats.org/presentationml/2006/main" matchingName="Big number">
   <p:cSld name="BIG_NUMBER">
     <p:bg>
       <p:bgPr>
         <a:solidFill>
           <a:schemeClr val="dk1"/>
         </a:solidFill>
+        <a:effectLst/>
       </p:bgPr>
     </p:bg>
     <p:spTree>
       <p:nvGrpSpPr>
-        <p:cNvPr id="73" name="Shape 73"/>
+        <p:cNvPr id="1" name="Shape 73"/>
         <p:cNvGrpSpPr/>
         <p:nvPr/>
       </p:nvGrpSpPr>
@@ -1891,12 +2273,12 @@
             </a:ln>
           </p:spPr>
           <p:txBody>
-            <a:bodyPr anchorCtr="0" anchor="ctr" bIns="91425" lIns="91425" spcFirstLastPara="1" rIns="91425" wrap="square" tIns="91425">
+            <a:bodyPr spcFirstLastPara="1" wrap="square" lIns="91425" tIns="91425" rIns="91425" bIns="91425" anchor="ctr" anchorCtr="0">
               <a:noAutofit/>
             </a:bodyPr>
             <a:lstStyle/>
             <a:p>
-              <a:pPr indent="0" lvl="0" marL="0" rtl="0" algn="l">
+              <a:pPr marL="0" lvl="0" indent="0" algn="l" rtl="0">
                 <a:spcBef>
                   <a:spcPts val="0"/>
                 </a:spcBef>
@@ -1905,9 +2287,6 @@
                 </a:spcAft>
                 <a:buNone/>
               </a:pPr>
-              <a:r>
-                <a:t/>
-              </a:r>
               <a:endParaRPr/>
             </a:p>
           </p:txBody>
@@ -1934,12 +2313,12 @@
             </a:ln>
           </p:spPr>
           <p:txBody>
-            <a:bodyPr anchorCtr="0" anchor="ctr" bIns="91425" lIns="91425" spcFirstLastPara="1" rIns="91425" wrap="square" tIns="91425">
+            <a:bodyPr spcFirstLastPara="1" wrap="square" lIns="91425" tIns="91425" rIns="91425" bIns="91425" anchor="ctr" anchorCtr="0">
               <a:noAutofit/>
             </a:bodyPr>
             <a:lstStyle/>
             <a:p>
-              <a:pPr indent="0" lvl="0" marL="0" rtl="0" algn="l">
+              <a:pPr marL="0" lvl="0" indent="0" algn="l" rtl="0">
                 <a:spcBef>
                   <a:spcPts val="0"/>
                 </a:spcBef>
@@ -1948,9 +2327,6 @@
                 </a:spcAft>
                 <a:buNone/>
               </a:pPr>
-              <a:r>
-                <a:t/>
-              </a:r>
               <a:endParaRPr/>
             </a:p>
           </p:txBody>
@@ -1959,9 +2335,11 @@
       <p:sp>
         <p:nvSpPr>
           <p:cNvPr id="77" name="Google Shape;77;p11"/>
-          <p:cNvSpPr txBox="1"/>
+          <p:cNvSpPr txBox="1">
+            <a:spLocks noGrp="1"/>
+          </p:cNvSpPr>
           <p:nvPr>
-            <p:ph hasCustomPrompt="1" type="title"/>
+            <p:ph type="title" hasCustomPrompt="1"/>
           </p:nvPr>
         </p:nvSpPr>
         <p:spPr>
@@ -1974,7 +2352,7 @@
           </a:prstGeom>
         </p:spPr>
         <p:txBody>
-          <a:bodyPr anchorCtr="0" anchor="t" bIns="91425" lIns="91425" spcFirstLastPara="1" rIns="91425" wrap="square" tIns="91425">
+          <a:bodyPr spcFirstLastPara="1" wrap="square" lIns="91425" tIns="91425" rIns="91425" bIns="91425" anchor="t" anchorCtr="0">
             <a:normAutofit/>
           </a:bodyPr>
           <a:lstStyle>
@@ -2151,9 +2529,11 @@
       <p:sp>
         <p:nvSpPr>
           <p:cNvPr id="78" name="Google Shape;78;p11"/>
-          <p:cNvSpPr txBox="1"/>
+          <p:cNvSpPr txBox="1">
+            <a:spLocks noGrp="1"/>
+          </p:cNvSpPr>
           <p:nvPr>
-            <p:ph idx="1" type="body"/>
+            <p:ph type="body" idx="1"/>
           </p:nvPr>
         </p:nvSpPr>
         <p:spPr>
@@ -2166,11 +2546,11 @@
           </a:prstGeom>
         </p:spPr>
         <p:txBody>
-          <a:bodyPr anchorCtr="0" anchor="t" bIns="91425" lIns="91425" spcFirstLastPara="1" rIns="91425" wrap="square" tIns="91425">
+          <a:bodyPr spcFirstLastPara="1" wrap="square" lIns="91425" tIns="91425" rIns="91425" bIns="91425" anchor="t" anchorCtr="0">
             <a:normAutofit/>
           </a:bodyPr>
           <a:lstStyle>
-            <a:lvl1pPr indent="-311150" lvl="0" marL="457200">
+            <a:lvl1pPr marL="457200" lvl="0" indent="-311150">
               <a:spcBef>
                 <a:spcPts val="0"/>
               </a:spcBef>
@@ -2188,7 +2568,7 @@
                 </a:solidFill>
               </a:defRPr>
             </a:lvl1pPr>
-            <a:lvl2pPr indent="-298450" lvl="1" marL="914400">
+            <a:lvl2pPr marL="914400" lvl="1" indent="-298450">
               <a:spcBef>
                 <a:spcPts val="0"/>
               </a:spcBef>
@@ -2206,7 +2586,7 @@
                 </a:solidFill>
               </a:defRPr>
             </a:lvl2pPr>
-            <a:lvl3pPr indent="-298450" lvl="2" marL="1371600">
+            <a:lvl3pPr marL="1371600" lvl="2" indent="-298450">
               <a:spcBef>
                 <a:spcPts val="0"/>
               </a:spcBef>
@@ -2224,7 +2604,7 @@
                 </a:solidFill>
               </a:defRPr>
             </a:lvl3pPr>
-            <a:lvl4pPr indent="-298450" lvl="3" marL="1828800">
+            <a:lvl4pPr marL="1828800" lvl="3" indent="-298450">
               <a:spcBef>
                 <a:spcPts val="0"/>
               </a:spcBef>
@@ -2242,7 +2622,7 @@
                 </a:solidFill>
               </a:defRPr>
             </a:lvl4pPr>
-            <a:lvl5pPr indent="-298450" lvl="4" marL="2286000">
+            <a:lvl5pPr marL="2286000" lvl="4" indent="-298450">
               <a:spcBef>
                 <a:spcPts val="0"/>
               </a:spcBef>
@@ -2260,7 +2640,7 @@
                 </a:solidFill>
               </a:defRPr>
             </a:lvl5pPr>
-            <a:lvl6pPr indent="-298450" lvl="5" marL="2743200">
+            <a:lvl6pPr marL="2743200" lvl="5" indent="-298450">
               <a:spcBef>
                 <a:spcPts val="0"/>
               </a:spcBef>
@@ -2278,7 +2658,7 @@
                 </a:solidFill>
               </a:defRPr>
             </a:lvl6pPr>
-            <a:lvl7pPr indent="-298450" lvl="6" marL="3200400">
+            <a:lvl7pPr marL="3200400" lvl="6" indent="-298450">
               <a:spcBef>
                 <a:spcPts val="0"/>
               </a:spcBef>
@@ -2296,7 +2676,7 @@
                 </a:solidFill>
               </a:defRPr>
             </a:lvl7pPr>
-            <a:lvl8pPr indent="-298450" lvl="7" marL="3657600">
+            <a:lvl8pPr marL="3657600" lvl="7" indent="-298450">
               <a:spcBef>
                 <a:spcPts val="0"/>
               </a:spcBef>
@@ -2314,7 +2694,7 @@
                 </a:solidFill>
               </a:defRPr>
             </a:lvl8pPr>
-            <a:lvl9pPr indent="-298450" lvl="8" marL="4114800">
+            <a:lvl9pPr marL="4114800" lvl="8" indent="-298450">
               <a:spcBef>
                 <a:spcPts val="0"/>
               </a:spcBef>
@@ -2333,15 +2713,19 @@
               </a:defRPr>
             </a:lvl9pPr>
           </a:lstStyle>
-          <a:p/>
+          <a:p>
+            <a:endParaRPr/>
+          </a:p>
         </p:txBody>
       </p:sp>
       <p:sp>
         <p:nvSpPr>
           <p:cNvPr id="79" name="Google Shape;79;p11"/>
-          <p:cNvSpPr txBox="1"/>
+          <p:cNvSpPr txBox="1">
+            <a:spLocks noGrp="1"/>
+          </p:cNvSpPr>
           <p:nvPr>
-            <p:ph idx="12" type="sldNum"/>
+            <p:ph type="sldNum" idx="12"/>
           </p:nvPr>
         </p:nvSpPr>
         <p:spPr>
@@ -2354,7 +2738,7 @@
           </a:prstGeom>
         </p:spPr>
         <p:txBody>
-          <a:bodyPr anchorCtr="0" anchor="ctr" bIns="91425" lIns="91425" spcFirstLastPara="1" rIns="91425" wrap="square" tIns="91425">
+          <a:bodyPr spcFirstLastPara="1" wrap="square" lIns="91425" tIns="91425" rIns="91425" bIns="91425" anchor="ctr" anchorCtr="0">
             <a:normAutofit/>
           </a:bodyPr>
           <a:lstStyle>
@@ -2432,7 +2816,7 @@
             </a:lvl9pPr>
           </a:lstStyle>
           <a:p>
-            <a:pPr indent="0" lvl="0" marL="0" rtl="0" algn="r">
+            <a:pPr marL="0" lvl="0" indent="0" algn="r" rtl="0">
               <a:spcBef>
                 <a:spcPts val="0"/>
               </a:spcBef>
@@ -2443,7 +2827,7 @@
             </a:pPr>
             <a:fld id="{00000000-1234-1234-1234-123412341234}" type="slidenum">
               <a:rPr lang="pt-BR"/>
-              <a:t>‹#›</a:t>
+              <a:t>‹nº›</a:t>
             </a:fld>
             <a:endParaRPr/>
           </a:p>
@@ -2458,11 +2842,11 @@
 </file>
 
 <file path=ppt/slideLayouts/slideLayout11.xml><?xml version="1.0" encoding="utf-8"?>
-<p:sldLayout xmlns:a="http://schemas.openxmlformats.org/drawingml/2006/main" xmlns:r="http://schemas.openxmlformats.org/officeDocument/2006/relationships" xmlns:mc="http://schemas.openxmlformats.org/markup-compatibility/2006" xmlns:mv="urn:schemas-microsoft-com:mac:vml" xmlns:p="http://schemas.openxmlformats.org/presentationml/2006/main" xmlns:c="http://schemas.openxmlformats.org/drawingml/2006/chart" xmlns:dgm="http://schemas.openxmlformats.org/drawingml/2006/diagram" xmlns:o="urn:schemas-microsoft-com:office:office" xmlns:v="urn:schemas-microsoft-com:vml" xmlns:pvml="urn:schemas-microsoft-com:office:powerpoint" xmlns:com="http://schemas.openxmlformats.org/drawingml/2006/compatibility" xmlns:p14="http://schemas.microsoft.com/office/powerpoint/2010/main" xmlns:p15="http://schemas.microsoft.com/office/powerpoint/2012/main" xmlns:ahyp="http://schemas.microsoft.com/office/drawing/2018/hyperlinkcolor" matchingName="Blank" type="blank">
+<p:sldLayout xmlns:a="http://schemas.openxmlformats.org/drawingml/2006/main" xmlns:r="http://schemas.openxmlformats.org/officeDocument/2006/relationships" xmlns:p="http://schemas.openxmlformats.org/presentationml/2006/main" matchingName="Blank" type="blank">
   <p:cSld name="BLANK">
     <p:spTree>
       <p:nvGrpSpPr>
-        <p:cNvPr id="80" name="Shape 80"/>
+        <p:cNvPr id="1" name="Shape 80"/>
         <p:cNvGrpSpPr/>
         <p:nvPr/>
       </p:nvGrpSpPr>
@@ -2477,9 +2861,11 @@
       <p:sp>
         <p:nvSpPr>
           <p:cNvPr id="81" name="Google Shape;81;p12"/>
-          <p:cNvSpPr txBox="1"/>
+          <p:cNvSpPr txBox="1">
+            <a:spLocks noGrp="1"/>
+          </p:cNvSpPr>
           <p:nvPr>
-            <p:ph idx="12" type="sldNum"/>
+            <p:ph type="sldNum" idx="12"/>
           </p:nvPr>
         </p:nvSpPr>
         <p:spPr>
@@ -2492,7 +2878,7 @@
           </a:prstGeom>
         </p:spPr>
         <p:txBody>
-          <a:bodyPr anchorCtr="0" anchor="ctr" bIns="91425" lIns="91425" spcFirstLastPara="1" rIns="91425" wrap="square" tIns="91425">
+          <a:bodyPr spcFirstLastPara="1" wrap="square" lIns="91425" tIns="91425" rIns="91425" bIns="91425" anchor="ctr" anchorCtr="0">
             <a:normAutofit/>
           </a:bodyPr>
           <a:lstStyle>
@@ -2534,7 +2920,7 @@
             </a:lvl9pPr>
           </a:lstStyle>
           <a:p>
-            <a:pPr indent="0" lvl="0" marL="0" rtl="0" algn="r">
+            <a:pPr marL="0" lvl="0" indent="0" algn="r" rtl="0">
               <a:spcBef>
                 <a:spcPts val="0"/>
               </a:spcBef>
@@ -2545,7 +2931,7 @@
             </a:pPr>
             <a:fld id="{00000000-1234-1234-1234-123412341234}" type="slidenum">
               <a:rPr lang="pt-BR"/>
-              <a:t>‹#›</a:t>
+              <a:t>‹nº›</a:t>
             </a:fld>
             <a:endParaRPr/>
           </a:p>
@@ -2560,18 +2946,19 @@
 </file>
 
 <file path=ppt/slideLayouts/slideLayout2.xml><?xml version="1.0" encoding="utf-8"?>
-<p:sldLayout xmlns:a="http://schemas.openxmlformats.org/drawingml/2006/main" xmlns:r="http://schemas.openxmlformats.org/officeDocument/2006/relationships" xmlns:mc="http://schemas.openxmlformats.org/markup-compatibility/2006" xmlns:mv="urn:schemas-microsoft-com:mac:vml" xmlns:p="http://schemas.openxmlformats.org/presentationml/2006/main" xmlns:c="http://schemas.openxmlformats.org/drawingml/2006/chart" xmlns:dgm="http://schemas.openxmlformats.org/drawingml/2006/diagram" xmlns:o="urn:schemas-microsoft-com:office:office" xmlns:v="urn:schemas-microsoft-com:vml" xmlns:pvml="urn:schemas-microsoft-com:office:powerpoint" xmlns:com="http://schemas.openxmlformats.org/drawingml/2006/compatibility" xmlns:p14="http://schemas.microsoft.com/office/powerpoint/2010/main" xmlns:p15="http://schemas.microsoft.com/office/powerpoint/2012/main" xmlns:ahyp="http://schemas.microsoft.com/office/drawing/2018/hyperlinkcolor" matchingName="Section header" type="secHead">
+<p:sldLayout xmlns:a="http://schemas.openxmlformats.org/drawingml/2006/main" xmlns:r="http://schemas.openxmlformats.org/officeDocument/2006/relationships" xmlns:p="http://schemas.openxmlformats.org/presentationml/2006/main" matchingName="Section header" type="secHead">
   <p:cSld name="SECTION_HEADER">
     <p:bg>
       <p:bgPr>
         <a:solidFill>
           <a:schemeClr val="dk1"/>
         </a:solidFill>
+        <a:effectLst/>
       </p:bgPr>
     </p:bg>
     <p:spTree>
       <p:nvGrpSpPr>
-        <p:cNvPr id="17" name="Shape 17"/>
+        <p:cNvPr id="1" name="Shape 17"/>
         <p:cNvGrpSpPr/>
         <p:nvPr/>
       </p:nvGrpSpPr>
@@ -2619,12 +3006,12 @@
             </a:ln>
           </p:spPr>
           <p:txBody>
-            <a:bodyPr anchorCtr="0" anchor="ctr" bIns="91425" lIns="91425" spcFirstLastPara="1" rIns="91425" wrap="square" tIns="91425">
+            <a:bodyPr spcFirstLastPara="1" wrap="square" lIns="91425" tIns="91425" rIns="91425" bIns="91425" anchor="ctr" anchorCtr="0">
               <a:noAutofit/>
             </a:bodyPr>
             <a:lstStyle/>
             <a:p>
-              <a:pPr indent="0" lvl="0" marL="0" rtl="0" algn="l">
+              <a:pPr marL="0" lvl="0" indent="0" algn="l" rtl="0">
                 <a:spcBef>
                   <a:spcPts val="0"/>
                 </a:spcBef>
@@ -2633,9 +3020,6 @@
                 </a:spcAft>
                 <a:buNone/>
               </a:pPr>
-              <a:r>
-                <a:t/>
-              </a:r>
               <a:endParaRPr/>
             </a:p>
           </p:txBody>
@@ -2662,12 +3046,12 @@
             </a:ln>
           </p:spPr>
           <p:txBody>
-            <a:bodyPr anchorCtr="0" anchor="ctr" bIns="91425" lIns="91425" spcFirstLastPara="1" rIns="91425" wrap="square" tIns="91425">
+            <a:bodyPr spcFirstLastPara="1" wrap="square" lIns="91425" tIns="91425" rIns="91425" bIns="91425" anchor="ctr" anchorCtr="0">
               <a:noAutofit/>
             </a:bodyPr>
             <a:lstStyle/>
             <a:p>
-              <a:pPr indent="0" lvl="0" marL="0" rtl="0" algn="l">
+              <a:pPr marL="0" lvl="0" indent="0" algn="l" rtl="0">
                 <a:spcBef>
                   <a:spcPts val="0"/>
                 </a:spcBef>
@@ -2676,9 +3060,6 @@
                 </a:spcAft>
                 <a:buNone/>
               </a:pPr>
-              <a:r>
-                <a:t/>
-              </a:r>
               <a:endParaRPr/>
             </a:p>
           </p:txBody>
@@ -2687,7 +3068,9 @@
       <p:sp>
         <p:nvSpPr>
           <p:cNvPr id="21" name="Google Shape;21;p3"/>
-          <p:cNvSpPr txBox="1"/>
+          <p:cNvSpPr txBox="1">
+            <a:spLocks noGrp="1"/>
+          </p:cNvSpPr>
           <p:nvPr>
             <p:ph type="title"/>
           </p:nvPr>
@@ -2702,7 +3085,7 @@
           </a:prstGeom>
         </p:spPr>
         <p:txBody>
-          <a:bodyPr anchorCtr="0" anchor="t" bIns="91425" lIns="91425" spcFirstLastPara="1" rIns="91425" wrap="square" tIns="91425">
+          <a:bodyPr spcFirstLastPara="1" wrap="square" lIns="91425" tIns="91425" rIns="91425" bIns="91425" anchor="t" anchorCtr="0">
             <a:normAutofit/>
           </a:bodyPr>
           <a:lstStyle>
@@ -2869,15 +3252,19 @@
               </a:defRPr>
             </a:lvl9pPr>
           </a:lstStyle>
-          <a:p/>
+          <a:p>
+            <a:endParaRPr/>
+          </a:p>
         </p:txBody>
       </p:sp>
       <p:sp>
         <p:nvSpPr>
           <p:cNvPr id="22" name="Google Shape;22;p3"/>
-          <p:cNvSpPr txBox="1"/>
+          <p:cNvSpPr txBox="1">
+            <a:spLocks noGrp="1"/>
+          </p:cNvSpPr>
           <p:nvPr>
-            <p:ph idx="12" type="sldNum"/>
+            <p:ph type="sldNum" idx="12"/>
           </p:nvPr>
         </p:nvSpPr>
         <p:spPr>
@@ -2890,7 +3277,7 @@
           </a:prstGeom>
         </p:spPr>
         <p:txBody>
-          <a:bodyPr anchorCtr="0" anchor="ctr" bIns="91425" lIns="91425" spcFirstLastPara="1" rIns="91425" wrap="square" tIns="91425">
+          <a:bodyPr spcFirstLastPara="1" wrap="square" lIns="91425" tIns="91425" rIns="91425" bIns="91425" anchor="ctr" anchorCtr="0">
             <a:normAutofit/>
           </a:bodyPr>
           <a:lstStyle>
@@ -2968,7 +3355,7 @@
             </a:lvl9pPr>
           </a:lstStyle>
           <a:p>
-            <a:pPr indent="0" lvl="0" marL="0" rtl="0" algn="r">
+            <a:pPr marL="0" lvl="0" indent="0" algn="r" rtl="0">
               <a:spcBef>
                 <a:spcPts val="0"/>
               </a:spcBef>
@@ -2979,7 +3366,7 @@
             </a:pPr>
             <a:fld id="{00000000-1234-1234-1234-123412341234}" type="slidenum">
               <a:rPr lang="pt-BR"/>
-              <a:t>‹#›</a:t>
+              <a:t>‹nº›</a:t>
             </a:fld>
             <a:endParaRPr/>
           </a:p>
@@ -2994,11 +3381,11 @@
 </file>
 
 <file path=ppt/slideLayouts/slideLayout3.xml><?xml version="1.0" encoding="utf-8"?>
-<p:sldLayout xmlns:a="http://schemas.openxmlformats.org/drawingml/2006/main" xmlns:r="http://schemas.openxmlformats.org/officeDocument/2006/relationships" xmlns:mc="http://schemas.openxmlformats.org/markup-compatibility/2006" xmlns:mv="urn:schemas-microsoft-com:mac:vml" xmlns:p="http://schemas.openxmlformats.org/presentationml/2006/main" xmlns:c="http://schemas.openxmlformats.org/drawingml/2006/chart" xmlns:dgm="http://schemas.openxmlformats.org/drawingml/2006/diagram" xmlns:o="urn:schemas-microsoft-com:office:office" xmlns:v="urn:schemas-microsoft-com:vml" xmlns:pvml="urn:schemas-microsoft-com:office:powerpoint" xmlns:com="http://schemas.openxmlformats.org/drawingml/2006/compatibility" xmlns:p14="http://schemas.microsoft.com/office/powerpoint/2010/main" xmlns:p15="http://schemas.microsoft.com/office/powerpoint/2012/main" xmlns:ahyp="http://schemas.microsoft.com/office/drawing/2018/hyperlinkcolor" matchingName="Title and body" type="tx">
+<p:sldLayout xmlns:a="http://schemas.openxmlformats.org/drawingml/2006/main" xmlns:r="http://schemas.openxmlformats.org/officeDocument/2006/relationships" xmlns:p="http://schemas.openxmlformats.org/presentationml/2006/main" matchingName="Title and body" type="tx">
   <p:cSld name="TITLE_AND_BODY">
     <p:spTree>
       <p:nvGrpSpPr>
-        <p:cNvPr id="23" name="Shape 23"/>
+        <p:cNvPr id="1" name="Shape 23"/>
         <p:cNvGrpSpPr/>
         <p:nvPr/>
       </p:nvGrpSpPr>
@@ -3032,12 +3419,12 @@
           </a:ln>
         </p:spPr>
         <p:txBody>
-          <a:bodyPr anchorCtr="0" anchor="ctr" bIns="91425" lIns="91425" spcFirstLastPara="1" rIns="91425" wrap="square" tIns="91425">
+          <a:bodyPr spcFirstLastPara="1" wrap="square" lIns="91425" tIns="91425" rIns="91425" bIns="91425" anchor="ctr" anchorCtr="0">
             <a:noAutofit/>
           </a:bodyPr>
           <a:lstStyle/>
           <a:p>
-            <a:pPr indent="0" lvl="0" marL="0" rtl="0" algn="l">
+            <a:pPr marL="0" lvl="0" indent="0" algn="l" rtl="0">
               <a:spcBef>
                 <a:spcPts val="0"/>
               </a:spcBef>
@@ -3046,9 +3433,6 @@
               </a:spcAft>
               <a:buNone/>
             </a:pPr>
-            <a:r>
-              <a:t/>
-            </a:r>
             <a:endParaRPr/>
           </a:p>
         </p:txBody>
@@ -3089,12 +3473,12 @@
             </a:ln>
           </p:spPr>
           <p:txBody>
-            <a:bodyPr anchorCtr="0" anchor="ctr" bIns="91425" lIns="91425" spcFirstLastPara="1" rIns="91425" wrap="square" tIns="91425">
+            <a:bodyPr spcFirstLastPara="1" wrap="square" lIns="91425" tIns="91425" rIns="91425" bIns="91425" anchor="ctr" anchorCtr="0">
               <a:noAutofit/>
             </a:bodyPr>
             <a:lstStyle/>
             <a:p>
-              <a:pPr indent="0" lvl="0" marL="0" rtl="0" algn="l">
+              <a:pPr marL="0" lvl="0" indent="0" algn="l" rtl="0">
                 <a:spcBef>
                   <a:spcPts val="0"/>
                 </a:spcBef>
@@ -3103,9 +3487,6 @@
                 </a:spcAft>
                 <a:buNone/>
               </a:pPr>
-              <a:r>
-                <a:t/>
-              </a:r>
               <a:endParaRPr/>
             </a:p>
           </p:txBody>
@@ -3132,12 +3513,12 @@
             </a:ln>
           </p:spPr>
           <p:txBody>
-            <a:bodyPr anchorCtr="0" anchor="ctr" bIns="91425" lIns="91425" spcFirstLastPara="1" rIns="91425" wrap="square" tIns="91425">
+            <a:bodyPr spcFirstLastPara="1" wrap="square" lIns="91425" tIns="91425" rIns="91425" bIns="91425" anchor="ctr" anchorCtr="0">
               <a:noAutofit/>
             </a:bodyPr>
             <a:lstStyle/>
             <a:p>
-              <a:pPr indent="0" lvl="0" marL="0" rtl="0" algn="l">
+              <a:pPr marL="0" lvl="0" indent="0" algn="l" rtl="0">
                 <a:spcBef>
                   <a:spcPts val="0"/>
                 </a:spcBef>
@@ -3146,9 +3527,6 @@
                 </a:spcAft>
                 <a:buNone/>
               </a:pPr>
-              <a:r>
-                <a:t/>
-              </a:r>
               <a:endParaRPr/>
             </a:p>
           </p:txBody>
@@ -3157,7 +3535,9 @@
       <p:sp>
         <p:nvSpPr>
           <p:cNvPr id="28" name="Google Shape;28;p4"/>
-          <p:cNvSpPr txBox="1"/>
+          <p:cNvSpPr txBox="1">
+            <a:spLocks noGrp="1"/>
+          </p:cNvSpPr>
           <p:nvPr>
             <p:ph type="title"/>
           </p:nvPr>
@@ -3172,7 +3552,7 @@
           </a:prstGeom>
         </p:spPr>
         <p:txBody>
-          <a:bodyPr anchorCtr="0" anchor="t" bIns="91425" lIns="91425" spcFirstLastPara="1" rIns="91425" wrap="square" tIns="91425">
+          <a:bodyPr spcFirstLastPara="1" wrap="square" lIns="91425" tIns="91425" rIns="91425" bIns="91425" anchor="t" anchorCtr="0">
             <a:normAutofit/>
           </a:bodyPr>
           <a:lstStyle>
@@ -3276,15 +3656,19 @@
               <a:defRPr sz="2600"/>
             </a:lvl9pPr>
           </a:lstStyle>
-          <a:p/>
+          <a:p>
+            <a:endParaRPr/>
+          </a:p>
         </p:txBody>
       </p:sp>
       <p:sp>
         <p:nvSpPr>
           <p:cNvPr id="29" name="Google Shape;29;p4"/>
-          <p:cNvSpPr txBox="1"/>
+          <p:cNvSpPr txBox="1">
+            <a:spLocks noGrp="1"/>
+          </p:cNvSpPr>
           <p:nvPr>
-            <p:ph idx="1" type="body"/>
+            <p:ph type="body" idx="1"/>
           </p:nvPr>
         </p:nvSpPr>
         <p:spPr>
@@ -3297,11 +3681,11 @@
           </a:prstGeom>
         </p:spPr>
         <p:txBody>
-          <a:bodyPr anchorCtr="0" anchor="t" bIns="91425" lIns="91425" spcFirstLastPara="1" rIns="91425" wrap="square" tIns="91425">
+          <a:bodyPr spcFirstLastPara="1" wrap="square" lIns="91425" tIns="91425" rIns="91425" bIns="91425" anchor="t" anchorCtr="0">
             <a:normAutofit/>
           </a:bodyPr>
           <a:lstStyle>
-            <a:lvl1pPr indent="-311150" lvl="0" marL="457200">
+            <a:lvl1pPr marL="457200" lvl="0" indent="-311150">
               <a:spcBef>
                 <a:spcPts val="0"/>
               </a:spcBef>
@@ -3312,7 +3696,7 @@
               <a:buChar char="●"/>
               <a:defRPr/>
             </a:lvl1pPr>
-            <a:lvl2pPr indent="-298450" lvl="1" marL="914400">
+            <a:lvl2pPr marL="914400" lvl="1" indent="-298450">
               <a:spcBef>
                 <a:spcPts val="0"/>
               </a:spcBef>
@@ -3323,7 +3707,7 @@
               <a:buChar char="○"/>
               <a:defRPr/>
             </a:lvl2pPr>
-            <a:lvl3pPr indent="-298450" lvl="2" marL="1371600">
+            <a:lvl3pPr marL="1371600" lvl="2" indent="-298450">
               <a:spcBef>
                 <a:spcPts val="0"/>
               </a:spcBef>
@@ -3334,7 +3718,7 @@
               <a:buChar char="■"/>
               <a:defRPr/>
             </a:lvl3pPr>
-            <a:lvl4pPr indent="-298450" lvl="3" marL="1828800">
+            <a:lvl4pPr marL="1828800" lvl="3" indent="-298450">
               <a:spcBef>
                 <a:spcPts val="0"/>
               </a:spcBef>
@@ -3345,7 +3729,7 @@
               <a:buChar char="●"/>
               <a:defRPr/>
             </a:lvl4pPr>
-            <a:lvl5pPr indent="-298450" lvl="4" marL="2286000">
+            <a:lvl5pPr marL="2286000" lvl="4" indent="-298450">
               <a:spcBef>
                 <a:spcPts val="0"/>
               </a:spcBef>
@@ -3356,7 +3740,7 @@
               <a:buChar char="○"/>
               <a:defRPr/>
             </a:lvl5pPr>
-            <a:lvl6pPr indent="-298450" lvl="5" marL="2743200">
+            <a:lvl6pPr marL="2743200" lvl="5" indent="-298450">
               <a:spcBef>
                 <a:spcPts val="0"/>
               </a:spcBef>
@@ -3367,7 +3751,7 @@
               <a:buChar char="■"/>
               <a:defRPr/>
             </a:lvl6pPr>
-            <a:lvl7pPr indent="-298450" lvl="6" marL="3200400">
+            <a:lvl7pPr marL="3200400" lvl="6" indent="-298450">
               <a:spcBef>
                 <a:spcPts val="0"/>
               </a:spcBef>
@@ -3378,7 +3762,7 @@
               <a:buChar char="●"/>
               <a:defRPr/>
             </a:lvl7pPr>
-            <a:lvl8pPr indent="-298450" lvl="7" marL="3657600">
+            <a:lvl8pPr marL="3657600" lvl="7" indent="-298450">
               <a:spcBef>
                 <a:spcPts val="0"/>
               </a:spcBef>
@@ -3389,7 +3773,7 @@
               <a:buChar char="○"/>
               <a:defRPr/>
             </a:lvl8pPr>
-            <a:lvl9pPr indent="-298450" lvl="8" marL="4114800">
+            <a:lvl9pPr marL="4114800" lvl="8" indent="-298450">
               <a:spcBef>
                 <a:spcPts val="0"/>
               </a:spcBef>
@@ -3401,15 +3785,19 @@
               <a:defRPr/>
             </a:lvl9pPr>
           </a:lstStyle>
-          <a:p/>
+          <a:p>
+            <a:endParaRPr/>
+          </a:p>
         </p:txBody>
       </p:sp>
       <p:sp>
         <p:nvSpPr>
           <p:cNvPr id="30" name="Google Shape;30;p4"/>
-          <p:cNvSpPr txBox="1"/>
+          <p:cNvSpPr txBox="1">
+            <a:spLocks noGrp="1"/>
+          </p:cNvSpPr>
           <p:nvPr>
-            <p:ph idx="12" type="sldNum"/>
+            <p:ph type="sldNum" idx="12"/>
           </p:nvPr>
         </p:nvSpPr>
         <p:spPr>
@@ -3422,7 +3810,7 @@
           </a:prstGeom>
         </p:spPr>
         <p:txBody>
-          <a:bodyPr anchorCtr="0" anchor="ctr" bIns="91425" lIns="91425" spcFirstLastPara="1" rIns="91425" wrap="square" tIns="91425">
+          <a:bodyPr spcFirstLastPara="1" wrap="square" lIns="91425" tIns="91425" rIns="91425" bIns="91425" anchor="ctr" anchorCtr="0">
             <a:normAutofit/>
           </a:bodyPr>
           <a:lstStyle>
@@ -3464,7 +3852,7 @@
             </a:lvl9pPr>
           </a:lstStyle>
           <a:p>
-            <a:pPr indent="0" lvl="0" marL="0" rtl="0" algn="r">
+            <a:pPr marL="0" lvl="0" indent="0" algn="r" rtl="0">
               <a:spcBef>
                 <a:spcPts val="0"/>
               </a:spcBef>
@@ -3475,7 +3863,7 @@
             </a:pPr>
             <a:fld id="{00000000-1234-1234-1234-123412341234}" type="slidenum">
               <a:rPr lang="pt-BR"/>
-              <a:t>‹#›</a:t>
+              <a:t>‹nº›</a:t>
             </a:fld>
             <a:endParaRPr/>
           </a:p>
@@ -3490,11 +3878,11 @@
 </file>
 
 <file path=ppt/slideLayouts/slideLayout4.xml><?xml version="1.0" encoding="utf-8"?>
-<p:sldLayout xmlns:a="http://schemas.openxmlformats.org/drawingml/2006/main" xmlns:r="http://schemas.openxmlformats.org/officeDocument/2006/relationships" xmlns:mc="http://schemas.openxmlformats.org/markup-compatibility/2006" xmlns:mv="urn:schemas-microsoft-com:mac:vml" xmlns:p="http://schemas.openxmlformats.org/presentationml/2006/main" xmlns:c="http://schemas.openxmlformats.org/drawingml/2006/chart" xmlns:dgm="http://schemas.openxmlformats.org/drawingml/2006/diagram" xmlns:o="urn:schemas-microsoft-com:office:office" xmlns:v="urn:schemas-microsoft-com:vml" xmlns:pvml="urn:schemas-microsoft-com:office:powerpoint" xmlns:com="http://schemas.openxmlformats.org/drawingml/2006/compatibility" xmlns:p14="http://schemas.microsoft.com/office/powerpoint/2010/main" xmlns:p15="http://schemas.microsoft.com/office/powerpoint/2012/main" xmlns:ahyp="http://schemas.microsoft.com/office/drawing/2018/hyperlinkcolor" matchingName="Title and two columns" type="twoColTx">
+<p:sldLayout xmlns:a="http://schemas.openxmlformats.org/drawingml/2006/main" xmlns:r="http://schemas.openxmlformats.org/officeDocument/2006/relationships" xmlns:p="http://schemas.openxmlformats.org/presentationml/2006/main" matchingName="Title and two columns" type="twoColTx">
   <p:cSld name="TITLE_AND_TWO_COLUMNS">
     <p:spTree>
       <p:nvGrpSpPr>
-        <p:cNvPr id="31" name="Shape 31"/>
+        <p:cNvPr id="1" name="Shape 31"/>
         <p:cNvGrpSpPr/>
         <p:nvPr/>
       </p:nvGrpSpPr>
@@ -3528,12 +3916,12 @@
           </a:ln>
         </p:spPr>
         <p:txBody>
-          <a:bodyPr anchorCtr="0" anchor="ctr" bIns="91425" lIns="91425" spcFirstLastPara="1" rIns="91425" wrap="square" tIns="91425">
+          <a:bodyPr spcFirstLastPara="1" wrap="square" lIns="91425" tIns="91425" rIns="91425" bIns="91425" anchor="ctr" anchorCtr="0">
             <a:noAutofit/>
           </a:bodyPr>
           <a:lstStyle/>
           <a:p>
-            <a:pPr indent="0" lvl="0" marL="0" rtl="0" algn="l">
+            <a:pPr marL="0" lvl="0" indent="0" algn="l" rtl="0">
               <a:spcBef>
                 <a:spcPts val="0"/>
               </a:spcBef>
@@ -3542,9 +3930,6 @@
               </a:spcAft>
               <a:buNone/>
             </a:pPr>
-            <a:r>
-              <a:t/>
-            </a:r>
             <a:endParaRPr/>
           </a:p>
         </p:txBody>
@@ -3585,12 +3970,12 @@
             </a:ln>
           </p:spPr>
           <p:txBody>
-            <a:bodyPr anchorCtr="0" anchor="ctr" bIns="91425" lIns="91425" spcFirstLastPara="1" rIns="91425" wrap="square" tIns="91425">
+            <a:bodyPr spcFirstLastPara="1" wrap="square" lIns="91425" tIns="91425" rIns="91425" bIns="91425" anchor="ctr" anchorCtr="0">
               <a:noAutofit/>
             </a:bodyPr>
             <a:lstStyle/>
             <a:p>
-              <a:pPr indent="0" lvl="0" marL="0" rtl="0" algn="l">
+              <a:pPr marL="0" lvl="0" indent="0" algn="l" rtl="0">
                 <a:spcBef>
                   <a:spcPts val="0"/>
                 </a:spcBef>
@@ -3599,9 +3984,6 @@
                 </a:spcAft>
                 <a:buNone/>
               </a:pPr>
-              <a:r>
-                <a:t/>
-              </a:r>
               <a:endParaRPr/>
             </a:p>
           </p:txBody>
@@ -3628,12 +4010,12 @@
             </a:ln>
           </p:spPr>
           <p:txBody>
-            <a:bodyPr anchorCtr="0" anchor="ctr" bIns="91425" lIns="91425" spcFirstLastPara="1" rIns="91425" wrap="square" tIns="91425">
+            <a:bodyPr spcFirstLastPara="1" wrap="square" lIns="91425" tIns="91425" rIns="91425" bIns="91425" anchor="ctr" anchorCtr="0">
               <a:noAutofit/>
             </a:bodyPr>
             <a:lstStyle/>
             <a:p>
-              <a:pPr indent="0" lvl="0" marL="0" rtl="0" algn="l">
+              <a:pPr marL="0" lvl="0" indent="0" algn="l" rtl="0">
                 <a:spcBef>
                   <a:spcPts val="0"/>
                 </a:spcBef>
@@ -3642,9 +4024,6 @@
                 </a:spcAft>
                 <a:buNone/>
               </a:pPr>
-              <a:r>
-                <a:t/>
-              </a:r>
               <a:endParaRPr/>
             </a:p>
           </p:txBody>
@@ -3653,7 +4032,9 @@
       <p:sp>
         <p:nvSpPr>
           <p:cNvPr id="36" name="Google Shape;36;p5"/>
-          <p:cNvSpPr txBox="1"/>
+          <p:cNvSpPr txBox="1">
+            <a:spLocks noGrp="1"/>
+          </p:cNvSpPr>
           <p:nvPr>
             <p:ph type="title"/>
           </p:nvPr>
@@ -3668,7 +4049,7 @@
           </a:prstGeom>
         </p:spPr>
         <p:txBody>
-          <a:bodyPr anchorCtr="0" anchor="t" bIns="91425" lIns="91425" spcFirstLastPara="1" rIns="91425" wrap="square" tIns="91425">
+          <a:bodyPr spcFirstLastPara="1" wrap="square" lIns="91425" tIns="91425" rIns="91425" bIns="91425" anchor="t" anchorCtr="0">
             <a:normAutofit/>
           </a:bodyPr>
           <a:lstStyle>
@@ -3772,15 +4153,19 @@
               <a:defRPr sz="2600"/>
             </a:lvl9pPr>
           </a:lstStyle>
-          <a:p/>
+          <a:p>
+            <a:endParaRPr/>
+          </a:p>
         </p:txBody>
       </p:sp>
       <p:sp>
         <p:nvSpPr>
           <p:cNvPr id="37" name="Google Shape;37;p5"/>
-          <p:cNvSpPr txBox="1"/>
+          <p:cNvSpPr txBox="1">
+            <a:spLocks noGrp="1"/>
+          </p:cNvSpPr>
           <p:nvPr>
-            <p:ph idx="1" type="body"/>
+            <p:ph type="body" idx="1"/>
           </p:nvPr>
         </p:nvSpPr>
         <p:spPr>
@@ -3793,11 +4178,11 @@
           </a:prstGeom>
         </p:spPr>
         <p:txBody>
-          <a:bodyPr anchorCtr="0" anchor="t" bIns="91425" lIns="91425" spcFirstLastPara="1" rIns="91425" wrap="square" tIns="91425">
+          <a:bodyPr spcFirstLastPara="1" wrap="square" lIns="91425" tIns="91425" rIns="91425" bIns="91425" anchor="t" anchorCtr="0">
             <a:normAutofit/>
           </a:bodyPr>
           <a:lstStyle>
-            <a:lvl1pPr indent="-311150" lvl="0" marL="457200">
+            <a:lvl1pPr marL="457200" lvl="0" indent="-311150">
               <a:spcBef>
                 <a:spcPts val="0"/>
               </a:spcBef>
@@ -3808,7 +4193,7 @@
               <a:buChar char="●"/>
               <a:defRPr/>
             </a:lvl1pPr>
-            <a:lvl2pPr indent="-298450" lvl="1" marL="914400">
+            <a:lvl2pPr marL="914400" lvl="1" indent="-298450">
               <a:spcBef>
                 <a:spcPts val="0"/>
               </a:spcBef>
@@ -3819,7 +4204,7 @@
               <a:buChar char="○"/>
               <a:defRPr/>
             </a:lvl2pPr>
-            <a:lvl3pPr indent="-298450" lvl="2" marL="1371600">
+            <a:lvl3pPr marL="1371600" lvl="2" indent="-298450">
               <a:spcBef>
                 <a:spcPts val="0"/>
               </a:spcBef>
@@ -3830,7 +4215,7 @@
               <a:buChar char="■"/>
               <a:defRPr/>
             </a:lvl3pPr>
-            <a:lvl4pPr indent="-298450" lvl="3" marL="1828800">
+            <a:lvl4pPr marL="1828800" lvl="3" indent="-298450">
               <a:spcBef>
                 <a:spcPts val="0"/>
               </a:spcBef>
@@ -3841,7 +4226,7 @@
               <a:buChar char="●"/>
               <a:defRPr/>
             </a:lvl4pPr>
-            <a:lvl5pPr indent="-298450" lvl="4" marL="2286000">
+            <a:lvl5pPr marL="2286000" lvl="4" indent="-298450">
               <a:spcBef>
                 <a:spcPts val="0"/>
               </a:spcBef>
@@ -3852,7 +4237,7 @@
               <a:buChar char="○"/>
               <a:defRPr/>
             </a:lvl5pPr>
-            <a:lvl6pPr indent="-298450" lvl="5" marL="2743200">
+            <a:lvl6pPr marL="2743200" lvl="5" indent="-298450">
               <a:spcBef>
                 <a:spcPts val="0"/>
               </a:spcBef>
@@ -3863,7 +4248,7 @@
               <a:buChar char="■"/>
               <a:defRPr/>
             </a:lvl6pPr>
-            <a:lvl7pPr indent="-298450" lvl="6" marL="3200400">
+            <a:lvl7pPr marL="3200400" lvl="6" indent="-298450">
               <a:spcBef>
                 <a:spcPts val="0"/>
               </a:spcBef>
@@ -3874,7 +4259,7 @@
               <a:buChar char="●"/>
               <a:defRPr/>
             </a:lvl7pPr>
-            <a:lvl8pPr indent="-298450" lvl="7" marL="3657600">
+            <a:lvl8pPr marL="3657600" lvl="7" indent="-298450">
               <a:spcBef>
                 <a:spcPts val="0"/>
               </a:spcBef>
@@ -3885,7 +4270,7 @@
               <a:buChar char="○"/>
               <a:defRPr/>
             </a:lvl8pPr>
-            <a:lvl9pPr indent="-298450" lvl="8" marL="4114800">
+            <a:lvl9pPr marL="4114800" lvl="8" indent="-298450">
               <a:spcBef>
                 <a:spcPts val="0"/>
               </a:spcBef>
@@ -3897,15 +4282,19 @@
               <a:defRPr/>
             </a:lvl9pPr>
           </a:lstStyle>
-          <a:p/>
+          <a:p>
+            <a:endParaRPr/>
+          </a:p>
         </p:txBody>
       </p:sp>
       <p:sp>
         <p:nvSpPr>
           <p:cNvPr id="38" name="Google Shape;38;p5"/>
-          <p:cNvSpPr txBox="1"/>
+          <p:cNvSpPr txBox="1">
+            <a:spLocks noGrp="1"/>
+          </p:cNvSpPr>
           <p:nvPr>
-            <p:ph idx="2" type="body"/>
+            <p:ph type="body" idx="2"/>
           </p:nvPr>
         </p:nvSpPr>
         <p:spPr>
@@ -3918,11 +4307,11 @@
           </a:prstGeom>
         </p:spPr>
         <p:txBody>
-          <a:bodyPr anchorCtr="0" anchor="t" bIns="91425" lIns="91425" spcFirstLastPara="1" rIns="91425" wrap="square" tIns="91425">
+          <a:bodyPr spcFirstLastPara="1" wrap="square" lIns="91425" tIns="91425" rIns="91425" bIns="91425" anchor="t" anchorCtr="0">
             <a:normAutofit/>
           </a:bodyPr>
           <a:lstStyle>
-            <a:lvl1pPr indent="-311150" lvl="0" marL="457200">
+            <a:lvl1pPr marL="457200" lvl="0" indent="-311150">
               <a:spcBef>
                 <a:spcPts val="0"/>
               </a:spcBef>
@@ -3933,7 +4322,7 @@
               <a:buChar char="●"/>
               <a:defRPr/>
             </a:lvl1pPr>
-            <a:lvl2pPr indent="-298450" lvl="1" marL="914400">
+            <a:lvl2pPr marL="914400" lvl="1" indent="-298450">
               <a:spcBef>
                 <a:spcPts val="0"/>
               </a:spcBef>
@@ -3944,7 +4333,7 @@
               <a:buChar char="○"/>
               <a:defRPr/>
             </a:lvl2pPr>
-            <a:lvl3pPr indent="-298450" lvl="2" marL="1371600">
+            <a:lvl3pPr marL="1371600" lvl="2" indent="-298450">
               <a:spcBef>
                 <a:spcPts val="0"/>
               </a:spcBef>
@@ -3955,7 +4344,7 @@
               <a:buChar char="■"/>
               <a:defRPr/>
             </a:lvl3pPr>
-            <a:lvl4pPr indent="-298450" lvl="3" marL="1828800">
+            <a:lvl4pPr marL="1828800" lvl="3" indent="-298450">
               <a:spcBef>
                 <a:spcPts val="0"/>
               </a:spcBef>
@@ -3966,7 +4355,7 @@
               <a:buChar char="●"/>
               <a:defRPr/>
             </a:lvl4pPr>
-            <a:lvl5pPr indent="-298450" lvl="4" marL="2286000">
+            <a:lvl5pPr marL="2286000" lvl="4" indent="-298450">
               <a:spcBef>
                 <a:spcPts val="0"/>
               </a:spcBef>
@@ -3977,7 +4366,7 @@
               <a:buChar char="○"/>
               <a:defRPr/>
             </a:lvl5pPr>
-            <a:lvl6pPr indent="-298450" lvl="5" marL="2743200">
+            <a:lvl6pPr marL="2743200" lvl="5" indent="-298450">
               <a:spcBef>
                 <a:spcPts val="0"/>
               </a:spcBef>
@@ -3988,7 +4377,7 @@
               <a:buChar char="■"/>
               <a:defRPr/>
             </a:lvl6pPr>
-            <a:lvl7pPr indent="-298450" lvl="6" marL="3200400">
+            <a:lvl7pPr marL="3200400" lvl="6" indent="-298450">
               <a:spcBef>
                 <a:spcPts val="0"/>
               </a:spcBef>
@@ -3999,7 +4388,7 @@
               <a:buChar char="●"/>
               <a:defRPr/>
             </a:lvl7pPr>
-            <a:lvl8pPr indent="-298450" lvl="7" marL="3657600">
+            <a:lvl8pPr marL="3657600" lvl="7" indent="-298450">
               <a:spcBef>
                 <a:spcPts val="0"/>
               </a:spcBef>
@@ -4010,7 +4399,7 @@
               <a:buChar char="○"/>
               <a:defRPr/>
             </a:lvl8pPr>
-            <a:lvl9pPr indent="-298450" lvl="8" marL="4114800">
+            <a:lvl9pPr marL="4114800" lvl="8" indent="-298450">
               <a:spcBef>
                 <a:spcPts val="0"/>
               </a:spcBef>
@@ -4022,15 +4411,19 @@
               <a:defRPr/>
             </a:lvl9pPr>
           </a:lstStyle>
-          <a:p/>
+          <a:p>
+            <a:endParaRPr/>
+          </a:p>
         </p:txBody>
       </p:sp>
       <p:sp>
         <p:nvSpPr>
           <p:cNvPr id="39" name="Google Shape;39;p5"/>
-          <p:cNvSpPr txBox="1"/>
+          <p:cNvSpPr txBox="1">
+            <a:spLocks noGrp="1"/>
+          </p:cNvSpPr>
           <p:nvPr>
-            <p:ph idx="12" type="sldNum"/>
+            <p:ph type="sldNum" idx="12"/>
           </p:nvPr>
         </p:nvSpPr>
         <p:spPr>
@@ -4043,7 +4436,7 @@
           </a:prstGeom>
         </p:spPr>
         <p:txBody>
-          <a:bodyPr anchorCtr="0" anchor="ctr" bIns="91425" lIns="91425" spcFirstLastPara="1" rIns="91425" wrap="square" tIns="91425">
+          <a:bodyPr spcFirstLastPara="1" wrap="square" lIns="91425" tIns="91425" rIns="91425" bIns="91425" anchor="ctr" anchorCtr="0">
             <a:normAutofit/>
           </a:bodyPr>
           <a:lstStyle>
@@ -4085,7 +4478,7 @@
             </a:lvl9pPr>
           </a:lstStyle>
           <a:p>
-            <a:pPr indent="0" lvl="0" marL="0" rtl="0" algn="r">
+            <a:pPr marL="0" lvl="0" indent="0" algn="r" rtl="0">
               <a:spcBef>
                 <a:spcPts val="0"/>
               </a:spcBef>
@@ -4096,7 +4489,7 @@
             </a:pPr>
             <a:fld id="{00000000-1234-1234-1234-123412341234}" type="slidenum">
               <a:rPr lang="pt-BR"/>
-              <a:t>‹#›</a:t>
+              <a:t>‹nº›</a:t>
             </a:fld>
             <a:endParaRPr/>
           </a:p>
@@ -4111,11 +4504,11 @@
 </file>
 
 <file path=ppt/slideLayouts/slideLayout5.xml><?xml version="1.0" encoding="utf-8"?>
-<p:sldLayout xmlns:a="http://schemas.openxmlformats.org/drawingml/2006/main" xmlns:r="http://schemas.openxmlformats.org/officeDocument/2006/relationships" xmlns:mc="http://schemas.openxmlformats.org/markup-compatibility/2006" xmlns:mv="urn:schemas-microsoft-com:mac:vml" xmlns:p="http://schemas.openxmlformats.org/presentationml/2006/main" xmlns:c="http://schemas.openxmlformats.org/drawingml/2006/chart" xmlns:dgm="http://schemas.openxmlformats.org/drawingml/2006/diagram" xmlns:o="urn:schemas-microsoft-com:office:office" xmlns:v="urn:schemas-microsoft-com:vml" xmlns:pvml="urn:schemas-microsoft-com:office:powerpoint" xmlns:com="http://schemas.openxmlformats.org/drawingml/2006/compatibility" xmlns:p14="http://schemas.microsoft.com/office/powerpoint/2010/main" xmlns:p15="http://schemas.microsoft.com/office/powerpoint/2012/main" xmlns:ahyp="http://schemas.microsoft.com/office/drawing/2018/hyperlinkcolor" matchingName="Title only" type="titleOnly">
+<p:sldLayout xmlns:a="http://schemas.openxmlformats.org/drawingml/2006/main" xmlns:r="http://schemas.openxmlformats.org/officeDocument/2006/relationships" xmlns:p="http://schemas.openxmlformats.org/presentationml/2006/main" matchingName="Title only" type="titleOnly">
   <p:cSld name="TITLE_ONLY">
     <p:spTree>
       <p:nvGrpSpPr>
-        <p:cNvPr id="40" name="Shape 40"/>
+        <p:cNvPr id="1" name="Shape 40"/>
         <p:cNvGrpSpPr/>
         <p:nvPr/>
       </p:nvGrpSpPr>
@@ -4149,12 +4542,12 @@
           </a:ln>
         </p:spPr>
         <p:txBody>
-          <a:bodyPr anchorCtr="0" anchor="ctr" bIns="91425" lIns="91425" spcFirstLastPara="1" rIns="91425" wrap="square" tIns="91425">
+          <a:bodyPr spcFirstLastPara="1" wrap="square" lIns="91425" tIns="91425" rIns="91425" bIns="91425" anchor="ctr" anchorCtr="0">
             <a:noAutofit/>
           </a:bodyPr>
           <a:lstStyle/>
           <a:p>
-            <a:pPr indent="0" lvl="0" marL="0" rtl="0" algn="l">
+            <a:pPr marL="0" lvl="0" indent="0" algn="l" rtl="0">
               <a:spcBef>
                 <a:spcPts val="0"/>
               </a:spcBef>
@@ -4163,9 +4556,6 @@
               </a:spcAft>
               <a:buNone/>
             </a:pPr>
-            <a:r>
-              <a:t/>
-            </a:r>
             <a:endParaRPr/>
           </a:p>
         </p:txBody>
@@ -4206,12 +4596,12 @@
             </a:ln>
           </p:spPr>
           <p:txBody>
-            <a:bodyPr anchorCtr="0" anchor="ctr" bIns="91425" lIns="91425" spcFirstLastPara="1" rIns="91425" wrap="square" tIns="91425">
+            <a:bodyPr spcFirstLastPara="1" wrap="square" lIns="91425" tIns="91425" rIns="91425" bIns="91425" anchor="ctr" anchorCtr="0">
               <a:noAutofit/>
             </a:bodyPr>
             <a:lstStyle/>
             <a:p>
-              <a:pPr indent="0" lvl="0" marL="0" rtl="0" algn="l">
+              <a:pPr marL="0" lvl="0" indent="0" algn="l" rtl="0">
                 <a:spcBef>
                   <a:spcPts val="0"/>
                 </a:spcBef>
@@ -4220,9 +4610,6 @@
                 </a:spcAft>
                 <a:buNone/>
               </a:pPr>
-              <a:r>
-                <a:t/>
-              </a:r>
               <a:endParaRPr/>
             </a:p>
           </p:txBody>
@@ -4249,12 +4636,12 @@
             </a:ln>
           </p:spPr>
           <p:txBody>
-            <a:bodyPr anchorCtr="0" anchor="ctr" bIns="91425" lIns="91425" spcFirstLastPara="1" rIns="91425" wrap="square" tIns="91425">
+            <a:bodyPr spcFirstLastPara="1" wrap="square" lIns="91425" tIns="91425" rIns="91425" bIns="91425" anchor="ctr" anchorCtr="0">
               <a:noAutofit/>
             </a:bodyPr>
             <a:lstStyle/>
             <a:p>
-              <a:pPr indent="0" lvl="0" marL="0" rtl="0" algn="l">
+              <a:pPr marL="0" lvl="0" indent="0" algn="l" rtl="0">
                 <a:spcBef>
                   <a:spcPts val="0"/>
                 </a:spcBef>
@@ -4263,9 +4650,6 @@
                 </a:spcAft>
                 <a:buNone/>
               </a:pPr>
-              <a:r>
-                <a:t/>
-              </a:r>
               <a:endParaRPr/>
             </a:p>
           </p:txBody>
@@ -4274,7 +4658,9 @@
       <p:sp>
         <p:nvSpPr>
           <p:cNvPr id="45" name="Google Shape;45;p6"/>
-          <p:cNvSpPr txBox="1"/>
+          <p:cNvSpPr txBox="1">
+            <a:spLocks noGrp="1"/>
+          </p:cNvSpPr>
           <p:nvPr>
             <p:ph type="title"/>
           </p:nvPr>
@@ -4289,7 +4675,7 @@
           </a:prstGeom>
         </p:spPr>
         <p:txBody>
-          <a:bodyPr anchorCtr="0" anchor="t" bIns="91425" lIns="91425" spcFirstLastPara="1" rIns="91425" wrap="square" tIns="91425">
+          <a:bodyPr spcFirstLastPara="1" wrap="square" lIns="91425" tIns="91425" rIns="91425" bIns="91425" anchor="t" anchorCtr="0">
             <a:normAutofit/>
           </a:bodyPr>
           <a:lstStyle>
@@ -4393,15 +4779,19 @@
               <a:defRPr sz="2600"/>
             </a:lvl9pPr>
           </a:lstStyle>
-          <a:p/>
+          <a:p>
+            <a:endParaRPr/>
+          </a:p>
         </p:txBody>
       </p:sp>
       <p:sp>
         <p:nvSpPr>
           <p:cNvPr id="46" name="Google Shape;46;p6"/>
-          <p:cNvSpPr txBox="1"/>
+          <p:cNvSpPr txBox="1">
+            <a:spLocks noGrp="1"/>
+          </p:cNvSpPr>
           <p:nvPr>
-            <p:ph idx="12" type="sldNum"/>
+            <p:ph type="sldNum" idx="12"/>
           </p:nvPr>
         </p:nvSpPr>
         <p:spPr>
@@ -4414,7 +4804,7 @@
           </a:prstGeom>
         </p:spPr>
         <p:txBody>
-          <a:bodyPr anchorCtr="0" anchor="ctr" bIns="91425" lIns="91425" spcFirstLastPara="1" rIns="91425" wrap="square" tIns="91425">
+          <a:bodyPr spcFirstLastPara="1" wrap="square" lIns="91425" tIns="91425" rIns="91425" bIns="91425" anchor="ctr" anchorCtr="0">
             <a:normAutofit/>
           </a:bodyPr>
           <a:lstStyle>
@@ -4456,7 +4846,7 @@
             </a:lvl9pPr>
           </a:lstStyle>
           <a:p>
-            <a:pPr indent="0" lvl="0" marL="0" rtl="0" algn="r">
+            <a:pPr marL="0" lvl="0" indent="0" algn="r" rtl="0">
               <a:spcBef>
                 <a:spcPts val="0"/>
               </a:spcBef>
@@ -4467,7 +4857,7 @@
             </a:pPr>
             <a:fld id="{00000000-1234-1234-1234-123412341234}" type="slidenum">
               <a:rPr lang="pt-BR"/>
-              <a:t>‹#›</a:t>
+              <a:t>‹nº›</a:t>
             </a:fld>
             <a:endParaRPr/>
           </a:p>
@@ -4482,11 +4872,11 @@
 </file>
 
 <file path=ppt/slideLayouts/slideLayout6.xml><?xml version="1.0" encoding="utf-8"?>
-<p:sldLayout xmlns:a="http://schemas.openxmlformats.org/drawingml/2006/main" xmlns:r="http://schemas.openxmlformats.org/officeDocument/2006/relationships" xmlns:mc="http://schemas.openxmlformats.org/markup-compatibility/2006" xmlns:mv="urn:schemas-microsoft-com:mac:vml" xmlns:p="http://schemas.openxmlformats.org/presentationml/2006/main" xmlns:c="http://schemas.openxmlformats.org/drawingml/2006/chart" xmlns:dgm="http://schemas.openxmlformats.org/drawingml/2006/diagram" xmlns:o="urn:schemas-microsoft-com:office:office" xmlns:v="urn:schemas-microsoft-com:vml" xmlns:pvml="urn:schemas-microsoft-com:office:powerpoint" xmlns:com="http://schemas.openxmlformats.org/drawingml/2006/compatibility" xmlns:p14="http://schemas.microsoft.com/office/powerpoint/2010/main" xmlns:p15="http://schemas.microsoft.com/office/powerpoint/2012/main" xmlns:ahyp="http://schemas.microsoft.com/office/drawing/2018/hyperlinkcolor" matchingName="One column text">
+<p:sldLayout xmlns:a="http://schemas.openxmlformats.org/drawingml/2006/main" xmlns:r="http://schemas.openxmlformats.org/officeDocument/2006/relationships" xmlns:p="http://schemas.openxmlformats.org/presentationml/2006/main" matchingName="One column text">
   <p:cSld name="ONE_COLUMN_TEXT">
     <p:spTree>
       <p:nvGrpSpPr>
-        <p:cNvPr id="47" name="Shape 47"/>
+        <p:cNvPr id="1" name="Shape 47"/>
         <p:cNvGrpSpPr/>
         <p:nvPr/>
       </p:nvGrpSpPr>
@@ -4520,12 +4910,12 @@
           </a:ln>
         </p:spPr>
         <p:txBody>
-          <a:bodyPr anchorCtr="0" anchor="ctr" bIns="91425" lIns="91425" spcFirstLastPara="1" rIns="91425" wrap="square" tIns="91425">
+          <a:bodyPr spcFirstLastPara="1" wrap="square" lIns="91425" tIns="91425" rIns="91425" bIns="91425" anchor="ctr" anchorCtr="0">
             <a:noAutofit/>
           </a:bodyPr>
           <a:lstStyle/>
           <a:p>
-            <a:pPr indent="0" lvl="0" marL="0" rtl="0" algn="l">
+            <a:pPr marL="0" lvl="0" indent="0" algn="l" rtl="0">
               <a:spcBef>
                 <a:spcPts val="0"/>
               </a:spcBef>
@@ -4534,9 +4924,6 @@
               </a:spcAft>
               <a:buNone/>
             </a:pPr>
-            <a:r>
-              <a:t/>
-            </a:r>
             <a:endParaRPr/>
           </a:p>
         </p:txBody>
@@ -4577,12 +4964,12 @@
             </a:ln>
           </p:spPr>
           <p:txBody>
-            <a:bodyPr anchorCtr="0" anchor="ctr" bIns="91425" lIns="91425" spcFirstLastPara="1" rIns="91425" wrap="square" tIns="91425">
+            <a:bodyPr spcFirstLastPara="1" wrap="square" lIns="91425" tIns="91425" rIns="91425" bIns="91425" anchor="ctr" anchorCtr="0">
               <a:noAutofit/>
             </a:bodyPr>
             <a:lstStyle/>
             <a:p>
-              <a:pPr indent="0" lvl="0" marL="0" rtl="0" algn="l">
+              <a:pPr marL="0" lvl="0" indent="0" algn="l" rtl="0">
                 <a:spcBef>
                   <a:spcPts val="0"/>
                 </a:spcBef>
@@ -4591,9 +4978,6 @@
                 </a:spcAft>
                 <a:buNone/>
               </a:pPr>
-              <a:r>
-                <a:t/>
-              </a:r>
               <a:endParaRPr/>
             </a:p>
           </p:txBody>
@@ -4620,12 +5004,12 @@
             </a:ln>
           </p:spPr>
           <p:txBody>
-            <a:bodyPr anchorCtr="0" anchor="ctr" bIns="91425" lIns="91425" spcFirstLastPara="1" rIns="91425" wrap="square" tIns="91425">
+            <a:bodyPr spcFirstLastPara="1" wrap="square" lIns="91425" tIns="91425" rIns="91425" bIns="91425" anchor="ctr" anchorCtr="0">
               <a:noAutofit/>
             </a:bodyPr>
             <a:lstStyle/>
             <a:p>
-              <a:pPr indent="0" lvl="0" marL="0" rtl="0" algn="l">
+              <a:pPr marL="0" lvl="0" indent="0" algn="l" rtl="0">
                 <a:spcBef>
                   <a:spcPts val="0"/>
                 </a:spcBef>
@@ -4634,9 +5018,6 @@
                 </a:spcAft>
                 <a:buNone/>
               </a:pPr>
-              <a:r>
-                <a:t/>
-              </a:r>
               <a:endParaRPr/>
             </a:p>
           </p:txBody>
@@ -4645,7 +5026,9 @@
       <p:sp>
         <p:nvSpPr>
           <p:cNvPr id="52" name="Google Shape;52;p7"/>
-          <p:cNvSpPr txBox="1"/>
+          <p:cNvSpPr txBox="1">
+            <a:spLocks noGrp="1"/>
+          </p:cNvSpPr>
           <p:nvPr>
             <p:ph type="title"/>
           </p:nvPr>
@@ -4660,7 +5043,7 @@
           </a:prstGeom>
         </p:spPr>
         <p:txBody>
-          <a:bodyPr anchorCtr="0" anchor="t" bIns="91425" lIns="91425" spcFirstLastPara="1" rIns="91425" wrap="square" tIns="91425">
+          <a:bodyPr spcFirstLastPara="1" wrap="square" lIns="91425" tIns="91425" rIns="91425" bIns="91425" anchor="t" anchorCtr="0">
             <a:normAutofit/>
           </a:bodyPr>
           <a:lstStyle>
@@ -4764,15 +5147,19 @@
               <a:defRPr sz="2600"/>
             </a:lvl9pPr>
           </a:lstStyle>
-          <a:p/>
+          <a:p>
+            <a:endParaRPr/>
+          </a:p>
         </p:txBody>
       </p:sp>
       <p:sp>
         <p:nvSpPr>
           <p:cNvPr id="53" name="Google Shape;53;p7"/>
-          <p:cNvSpPr txBox="1"/>
+          <p:cNvSpPr txBox="1">
+            <a:spLocks noGrp="1"/>
+          </p:cNvSpPr>
           <p:nvPr>
-            <p:ph idx="1" type="body"/>
+            <p:ph type="body" idx="1"/>
           </p:nvPr>
         </p:nvSpPr>
         <p:spPr>
@@ -4785,11 +5172,11 @@
           </a:prstGeom>
         </p:spPr>
         <p:txBody>
-          <a:bodyPr anchorCtr="0" anchor="t" bIns="91425" lIns="91425" spcFirstLastPara="1" rIns="91425" wrap="square" tIns="91425">
+          <a:bodyPr spcFirstLastPara="1" wrap="square" lIns="91425" tIns="91425" rIns="91425" bIns="91425" anchor="t" anchorCtr="0">
             <a:normAutofit/>
           </a:bodyPr>
           <a:lstStyle>
-            <a:lvl1pPr indent="-311150" lvl="0" marL="457200">
+            <a:lvl1pPr marL="457200" lvl="0" indent="-311150">
               <a:spcBef>
                 <a:spcPts val="0"/>
               </a:spcBef>
@@ -4800,7 +5187,7 @@
               <a:buChar char="●"/>
               <a:defRPr/>
             </a:lvl1pPr>
-            <a:lvl2pPr indent="-298450" lvl="1" marL="914400">
+            <a:lvl2pPr marL="914400" lvl="1" indent="-298450">
               <a:spcBef>
                 <a:spcPts val="0"/>
               </a:spcBef>
@@ -4811,7 +5198,7 @@
               <a:buChar char="○"/>
               <a:defRPr/>
             </a:lvl2pPr>
-            <a:lvl3pPr indent="-298450" lvl="2" marL="1371600">
+            <a:lvl3pPr marL="1371600" lvl="2" indent="-298450">
               <a:spcBef>
                 <a:spcPts val="0"/>
               </a:spcBef>
@@ -4822,7 +5209,7 @@
               <a:buChar char="■"/>
               <a:defRPr/>
             </a:lvl3pPr>
-            <a:lvl4pPr indent="-298450" lvl="3" marL="1828800">
+            <a:lvl4pPr marL="1828800" lvl="3" indent="-298450">
               <a:spcBef>
                 <a:spcPts val="0"/>
               </a:spcBef>
@@ -4833,7 +5220,7 @@
               <a:buChar char="●"/>
               <a:defRPr/>
             </a:lvl4pPr>
-            <a:lvl5pPr indent="-298450" lvl="4" marL="2286000">
+            <a:lvl5pPr marL="2286000" lvl="4" indent="-298450">
               <a:spcBef>
                 <a:spcPts val="0"/>
               </a:spcBef>
@@ -4844,7 +5231,7 @@
               <a:buChar char="○"/>
               <a:defRPr/>
             </a:lvl5pPr>
-            <a:lvl6pPr indent="-298450" lvl="5" marL="2743200">
+            <a:lvl6pPr marL="2743200" lvl="5" indent="-298450">
               <a:spcBef>
                 <a:spcPts val="0"/>
               </a:spcBef>
@@ -4855,7 +5242,7 @@
               <a:buChar char="■"/>
               <a:defRPr/>
             </a:lvl6pPr>
-            <a:lvl7pPr indent="-298450" lvl="6" marL="3200400">
+            <a:lvl7pPr marL="3200400" lvl="6" indent="-298450">
               <a:spcBef>
                 <a:spcPts val="0"/>
               </a:spcBef>
@@ -4866,7 +5253,7 @@
               <a:buChar char="●"/>
               <a:defRPr/>
             </a:lvl7pPr>
-            <a:lvl8pPr indent="-298450" lvl="7" marL="3657600">
+            <a:lvl8pPr marL="3657600" lvl="7" indent="-298450">
               <a:spcBef>
                 <a:spcPts val="0"/>
               </a:spcBef>
@@ -4877,7 +5264,7 @@
               <a:buChar char="○"/>
               <a:defRPr/>
             </a:lvl8pPr>
-            <a:lvl9pPr indent="-298450" lvl="8" marL="4114800">
+            <a:lvl9pPr marL="4114800" lvl="8" indent="-298450">
               <a:spcBef>
                 <a:spcPts val="0"/>
               </a:spcBef>
@@ -4889,15 +5276,19 @@
               <a:defRPr/>
             </a:lvl9pPr>
           </a:lstStyle>
-          <a:p/>
+          <a:p>
+            <a:endParaRPr/>
+          </a:p>
         </p:txBody>
       </p:sp>
       <p:sp>
         <p:nvSpPr>
           <p:cNvPr id="54" name="Google Shape;54;p7"/>
-          <p:cNvSpPr txBox="1"/>
+          <p:cNvSpPr txBox="1">
+            <a:spLocks noGrp="1"/>
+          </p:cNvSpPr>
           <p:nvPr>
-            <p:ph idx="12" type="sldNum"/>
+            <p:ph type="sldNum" idx="12"/>
           </p:nvPr>
         </p:nvSpPr>
         <p:spPr>
@@ -4910,7 +5301,7 @@
           </a:prstGeom>
         </p:spPr>
         <p:txBody>
-          <a:bodyPr anchorCtr="0" anchor="ctr" bIns="91425" lIns="91425" spcFirstLastPara="1" rIns="91425" wrap="square" tIns="91425">
+          <a:bodyPr spcFirstLastPara="1" wrap="square" lIns="91425" tIns="91425" rIns="91425" bIns="91425" anchor="ctr" anchorCtr="0">
             <a:normAutofit/>
           </a:bodyPr>
           <a:lstStyle>
@@ -4952,7 +5343,7 @@
             </a:lvl9pPr>
           </a:lstStyle>
           <a:p>
-            <a:pPr indent="0" lvl="0" marL="0" rtl="0" algn="r">
+            <a:pPr marL="0" lvl="0" indent="0" algn="r" rtl="0">
               <a:spcBef>
                 <a:spcPts val="0"/>
               </a:spcBef>
@@ -4963,7 +5354,7 @@
             </a:pPr>
             <a:fld id="{00000000-1234-1234-1234-123412341234}" type="slidenum">
               <a:rPr lang="pt-BR"/>
-              <a:t>‹#›</a:t>
+              <a:t>‹nº›</a:t>
             </a:fld>
             <a:endParaRPr/>
           </a:p>
@@ -4978,18 +5369,19 @@
 </file>
 
 <file path=ppt/slideLayouts/slideLayout7.xml><?xml version="1.0" encoding="utf-8"?>
-<p:sldLayout xmlns:a="http://schemas.openxmlformats.org/drawingml/2006/main" xmlns:r="http://schemas.openxmlformats.org/officeDocument/2006/relationships" xmlns:mc="http://schemas.openxmlformats.org/markup-compatibility/2006" xmlns:mv="urn:schemas-microsoft-com:mac:vml" xmlns:p="http://schemas.openxmlformats.org/presentationml/2006/main" xmlns:c="http://schemas.openxmlformats.org/drawingml/2006/chart" xmlns:dgm="http://schemas.openxmlformats.org/drawingml/2006/diagram" xmlns:o="urn:schemas-microsoft-com:office:office" xmlns:v="urn:schemas-microsoft-com:vml" xmlns:pvml="urn:schemas-microsoft-com:office:powerpoint" xmlns:com="http://schemas.openxmlformats.org/drawingml/2006/compatibility" xmlns:p14="http://schemas.microsoft.com/office/powerpoint/2010/main" xmlns:p15="http://schemas.microsoft.com/office/powerpoint/2012/main" xmlns:ahyp="http://schemas.microsoft.com/office/drawing/2018/hyperlinkcolor" matchingName="Main point">
+<p:sldLayout xmlns:a="http://schemas.openxmlformats.org/drawingml/2006/main" xmlns:r="http://schemas.openxmlformats.org/officeDocument/2006/relationships" xmlns:p="http://schemas.openxmlformats.org/presentationml/2006/main" matchingName="Main point">
   <p:cSld name="MAIN_POINT">
     <p:bg>
       <p:bgPr>
         <a:solidFill>
           <a:schemeClr val="accent3"/>
         </a:solidFill>
+        <a:effectLst/>
       </p:bgPr>
     </p:bg>
     <p:spTree>
       <p:nvGrpSpPr>
-        <p:cNvPr id="55" name="Shape 55"/>
+        <p:cNvPr id="1" name="Shape 55"/>
         <p:cNvGrpSpPr/>
         <p:nvPr/>
       </p:nvGrpSpPr>
@@ -5037,12 +5429,12 @@
             </a:ln>
           </p:spPr>
           <p:txBody>
-            <a:bodyPr anchorCtr="0" anchor="ctr" bIns="91425" lIns="91425" spcFirstLastPara="1" rIns="91425" wrap="square" tIns="91425">
+            <a:bodyPr spcFirstLastPara="1" wrap="square" lIns="91425" tIns="91425" rIns="91425" bIns="91425" anchor="ctr" anchorCtr="0">
               <a:noAutofit/>
             </a:bodyPr>
             <a:lstStyle/>
             <a:p>
-              <a:pPr indent="0" lvl="0" marL="0" rtl="0" algn="l">
+              <a:pPr marL="0" lvl="0" indent="0" algn="l" rtl="0">
                 <a:spcBef>
                   <a:spcPts val="0"/>
                 </a:spcBef>
@@ -5051,9 +5443,6 @@
                 </a:spcAft>
                 <a:buNone/>
               </a:pPr>
-              <a:r>
-                <a:t/>
-              </a:r>
               <a:endParaRPr/>
             </a:p>
           </p:txBody>
@@ -5080,12 +5469,12 @@
             </a:ln>
           </p:spPr>
           <p:txBody>
-            <a:bodyPr anchorCtr="0" anchor="ctr" bIns="91425" lIns="91425" spcFirstLastPara="1" rIns="91425" wrap="square" tIns="91425">
+            <a:bodyPr spcFirstLastPara="1" wrap="square" lIns="91425" tIns="91425" rIns="91425" bIns="91425" anchor="ctr" anchorCtr="0">
               <a:noAutofit/>
             </a:bodyPr>
             <a:lstStyle/>
             <a:p>
-              <a:pPr indent="0" lvl="0" marL="0" rtl="0" algn="l">
+              <a:pPr marL="0" lvl="0" indent="0" algn="l" rtl="0">
                 <a:spcBef>
                   <a:spcPts val="0"/>
                 </a:spcBef>
@@ -5094,9 +5483,6 @@
                 </a:spcAft>
                 <a:buNone/>
               </a:pPr>
-              <a:r>
-                <a:t/>
-              </a:r>
               <a:endParaRPr/>
             </a:p>
           </p:txBody>
@@ -5105,7 +5491,9 @@
       <p:sp>
         <p:nvSpPr>
           <p:cNvPr id="59" name="Google Shape;59;p8"/>
-          <p:cNvSpPr txBox="1"/>
+          <p:cNvSpPr txBox="1">
+            <a:spLocks noGrp="1"/>
+          </p:cNvSpPr>
           <p:nvPr>
             <p:ph type="title"/>
           </p:nvPr>
@@ -5120,7 +5508,7 @@
           </a:prstGeom>
         </p:spPr>
         <p:txBody>
-          <a:bodyPr anchorCtr="0" anchor="ctr" bIns="91425" lIns="91425" spcFirstLastPara="1" rIns="91425" wrap="square" tIns="91425">
+          <a:bodyPr spcFirstLastPara="1" wrap="square" lIns="91425" tIns="91425" rIns="91425" bIns="91425" anchor="ctr" anchorCtr="0">
             <a:normAutofit/>
           </a:bodyPr>
           <a:lstStyle>
@@ -5287,15 +5675,19 @@
               </a:defRPr>
             </a:lvl9pPr>
           </a:lstStyle>
-          <a:p/>
+          <a:p>
+            <a:endParaRPr/>
+          </a:p>
         </p:txBody>
       </p:sp>
       <p:sp>
         <p:nvSpPr>
           <p:cNvPr id="60" name="Google Shape;60;p8"/>
-          <p:cNvSpPr txBox="1"/>
+          <p:cNvSpPr txBox="1">
+            <a:spLocks noGrp="1"/>
+          </p:cNvSpPr>
           <p:nvPr>
-            <p:ph idx="12" type="sldNum"/>
+            <p:ph type="sldNum" idx="12"/>
           </p:nvPr>
         </p:nvSpPr>
         <p:spPr>
@@ -5308,7 +5700,7 @@
           </a:prstGeom>
         </p:spPr>
         <p:txBody>
-          <a:bodyPr anchorCtr="0" anchor="ctr" bIns="91425" lIns="91425" spcFirstLastPara="1" rIns="91425" wrap="square" tIns="91425">
+          <a:bodyPr spcFirstLastPara="1" wrap="square" lIns="91425" tIns="91425" rIns="91425" bIns="91425" anchor="ctr" anchorCtr="0">
             <a:normAutofit/>
           </a:bodyPr>
           <a:lstStyle>
@@ -5386,7 +5778,7 @@
             </a:lvl9pPr>
           </a:lstStyle>
           <a:p>
-            <a:pPr indent="0" lvl="0" marL="0" rtl="0" algn="r">
+            <a:pPr marL="0" lvl="0" indent="0" algn="r" rtl="0">
               <a:spcBef>
                 <a:spcPts val="0"/>
               </a:spcBef>
@@ -5397,7 +5789,7 @@
             </a:pPr>
             <a:fld id="{00000000-1234-1234-1234-123412341234}" type="slidenum">
               <a:rPr lang="pt-BR"/>
-              <a:t>‹#›</a:t>
+              <a:t>‹nº›</a:t>
             </a:fld>
             <a:endParaRPr/>
           </a:p>
@@ -5412,11 +5804,11 @@
 </file>
 
 <file path=ppt/slideLayouts/slideLayout8.xml><?xml version="1.0" encoding="utf-8"?>
-<p:sldLayout xmlns:a="http://schemas.openxmlformats.org/drawingml/2006/main" xmlns:r="http://schemas.openxmlformats.org/officeDocument/2006/relationships" xmlns:mc="http://schemas.openxmlformats.org/markup-compatibility/2006" xmlns:mv="urn:schemas-microsoft-com:mac:vml" xmlns:p="http://schemas.openxmlformats.org/presentationml/2006/main" xmlns:c="http://schemas.openxmlformats.org/drawingml/2006/chart" xmlns:dgm="http://schemas.openxmlformats.org/drawingml/2006/diagram" xmlns:o="urn:schemas-microsoft-com:office:office" xmlns:v="urn:schemas-microsoft-com:vml" xmlns:pvml="urn:schemas-microsoft-com:office:powerpoint" xmlns:com="http://schemas.openxmlformats.org/drawingml/2006/compatibility" xmlns:p14="http://schemas.microsoft.com/office/powerpoint/2010/main" xmlns:p15="http://schemas.microsoft.com/office/powerpoint/2012/main" xmlns:ahyp="http://schemas.microsoft.com/office/drawing/2018/hyperlinkcolor" matchingName="Section title and description">
+<p:sldLayout xmlns:a="http://schemas.openxmlformats.org/drawingml/2006/main" xmlns:r="http://schemas.openxmlformats.org/officeDocument/2006/relationships" xmlns:p="http://schemas.openxmlformats.org/presentationml/2006/main" matchingName="Section title and description">
   <p:cSld name="SECTION_TITLE_AND_DESCRIPTION">
     <p:spTree>
       <p:nvGrpSpPr>
-        <p:cNvPr id="61" name="Shape 61"/>
+        <p:cNvPr id="1" name="Shape 61"/>
         <p:cNvGrpSpPr/>
         <p:nvPr/>
       </p:nvGrpSpPr>
@@ -5450,12 +5842,12 @@
           </a:ln>
         </p:spPr>
         <p:txBody>
-          <a:bodyPr anchorCtr="0" anchor="ctr" bIns="91425" lIns="91425" spcFirstLastPara="1" rIns="91425" wrap="square" tIns="91425">
+          <a:bodyPr spcFirstLastPara="1" wrap="square" lIns="91425" tIns="91425" rIns="91425" bIns="91425" anchor="ctr" anchorCtr="0">
             <a:noAutofit/>
           </a:bodyPr>
           <a:lstStyle/>
           <a:p>
-            <a:pPr indent="0" lvl="0" marL="0" rtl="0" algn="l">
+            <a:pPr marL="0" lvl="0" indent="0" algn="l" rtl="0">
               <a:spcBef>
                 <a:spcPts val="0"/>
               </a:spcBef>
@@ -5464,9 +5856,6 @@
               </a:spcAft>
               <a:buNone/>
             </a:pPr>
-            <a:r>
-              <a:t/>
-            </a:r>
             <a:endParaRPr/>
           </a:p>
         </p:txBody>
@@ -5507,12 +5896,12 @@
             </a:ln>
           </p:spPr>
           <p:txBody>
-            <a:bodyPr anchorCtr="0" anchor="ctr" bIns="91425" lIns="91425" spcFirstLastPara="1" rIns="91425" wrap="square" tIns="91425">
+            <a:bodyPr spcFirstLastPara="1" wrap="square" lIns="91425" tIns="91425" rIns="91425" bIns="91425" anchor="ctr" anchorCtr="0">
               <a:noAutofit/>
             </a:bodyPr>
             <a:lstStyle/>
             <a:p>
-              <a:pPr indent="0" lvl="0" marL="0" rtl="0" algn="l">
+              <a:pPr marL="0" lvl="0" indent="0" algn="l" rtl="0">
                 <a:spcBef>
                   <a:spcPts val="0"/>
                 </a:spcBef>
@@ -5521,9 +5910,6 @@
                 </a:spcAft>
                 <a:buNone/>
               </a:pPr>
-              <a:r>
-                <a:t/>
-              </a:r>
               <a:endParaRPr/>
             </a:p>
           </p:txBody>
@@ -5550,12 +5936,12 @@
             </a:ln>
           </p:spPr>
           <p:txBody>
-            <a:bodyPr anchorCtr="0" anchor="ctr" bIns="91425" lIns="91425" spcFirstLastPara="1" rIns="91425" wrap="square" tIns="91425">
+            <a:bodyPr spcFirstLastPara="1" wrap="square" lIns="91425" tIns="91425" rIns="91425" bIns="91425" anchor="ctr" anchorCtr="0">
               <a:noAutofit/>
             </a:bodyPr>
             <a:lstStyle/>
             <a:p>
-              <a:pPr indent="0" lvl="0" marL="0" rtl="0" algn="l">
+              <a:pPr marL="0" lvl="0" indent="0" algn="l" rtl="0">
                 <a:spcBef>
                   <a:spcPts val="0"/>
                 </a:spcBef>
@@ -5564,9 +5950,6 @@
                 </a:spcAft>
                 <a:buNone/>
               </a:pPr>
-              <a:r>
-                <a:t/>
-              </a:r>
               <a:endParaRPr/>
             </a:p>
           </p:txBody>
@@ -5575,7 +5958,9 @@
       <p:sp>
         <p:nvSpPr>
           <p:cNvPr id="66" name="Google Shape;66;p9"/>
-          <p:cNvSpPr txBox="1"/>
+          <p:cNvSpPr txBox="1">
+            <a:spLocks noGrp="1"/>
+          </p:cNvSpPr>
           <p:nvPr>
             <p:ph type="title"/>
           </p:nvPr>
@@ -5590,7 +5975,7 @@
           </a:prstGeom>
         </p:spPr>
         <p:txBody>
-          <a:bodyPr anchorCtr="0" anchor="t" bIns="91425" lIns="91425" spcFirstLastPara="1" rIns="91425" wrap="square" tIns="91425">
+          <a:bodyPr spcFirstLastPara="1" wrap="square" lIns="91425" tIns="91425" rIns="91425" bIns="91425" anchor="t" anchorCtr="0">
             <a:normAutofit/>
           </a:bodyPr>
           <a:lstStyle>
@@ -5694,15 +6079,19 @@
               <a:defRPr sz="2600"/>
             </a:lvl9pPr>
           </a:lstStyle>
-          <a:p/>
+          <a:p>
+            <a:endParaRPr/>
+          </a:p>
         </p:txBody>
       </p:sp>
       <p:sp>
         <p:nvSpPr>
           <p:cNvPr id="67" name="Google Shape;67;p9"/>
-          <p:cNvSpPr txBox="1"/>
+          <p:cNvSpPr txBox="1">
+            <a:spLocks noGrp="1"/>
+          </p:cNvSpPr>
           <p:nvPr>
-            <p:ph idx="1" type="subTitle"/>
+            <p:ph type="subTitle" idx="1"/>
           </p:nvPr>
         </p:nvSpPr>
         <p:spPr>
@@ -5715,7 +6104,7 @@
           </a:prstGeom>
         </p:spPr>
         <p:txBody>
-          <a:bodyPr anchorCtr="0" anchor="t" bIns="91425" lIns="91425" spcFirstLastPara="1" rIns="91425" wrap="square" tIns="91425">
+          <a:bodyPr spcFirstLastPara="1" wrap="square" lIns="91425" tIns="91425" rIns="91425" bIns="91425" anchor="t" anchorCtr="0">
             <a:normAutofit/>
           </a:bodyPr>
           <a:lstStyle>
@@ -5846,15 +6235,19 @@
               <a:defRPr sz="1600"/>
             </a:lvl9pPr>
           </a:lstStyle>
-          <a:p/>
+          <a:p>
+            <a:endParaRPr/>
+          </a:p>
         </p:txBody>
       </p:sp>
       <p:sp>
         <p:nvSpPr>
           <p:cNvPr id="68" name="Google Shape;68;p9"/>
-          <p:cNvSpPr txBox="1"/>
+          <p:cNvSpPr txBox="1">
+            <a:spLocks noGrp="1"/>
+          </p:cNvSpPr>
           <p:nvPr>
-            <p:ph idx="2" type="body"/>
+            <p:ph type="body" idx="2"/>
           </p:nvPr>
         </p:nvSpPr>
         <p:spPr>
@@ -5867,11 +6260,11 @@
           </a:prstGeom>
         </p:spPr>
         <p:txBody>
-          <a:bodyPr anchorCtr="0" anchor="t" bIns="91425" lIns="91425" spcFirstLastPara="1" rIns="91425" wrap="square" tIns="91425">
+          <a:bodyPr spcFirstLastPara="1" wrap="square" lIns="91425" tIns="91425" rIns="91425" bIns="91425" anchor="t" anchorCtr="0">
             <a:normAutofit/>
           </a:bodyPr>
           <a:lstStyle>
-            <a:lvl1pPr indent="-311150" lvl="0" marL="457200">
+            <a:lvl1pPr marL="457200" lvl="0" indent="-311150">
               <a:spcBef>
                 <a:spcPts val="0"/>
               </a:spcBef>
@@ -5882,7 +6275,7 @@
               <a:buChar char="●"/>
               <a:defRPr/>
             </a:lvl1pPr>
-            <a:lvl2pPr indent="-298450" lvl="1" marL="914400">
+            <a:lvl2pPr marL="914400" lvl="1" indent="-298450">
               <a:spcBef>
                 <a:spcPts val="0"/>
               </a:spcBef>
@@ -5893,7 +6286,7 @@
               <a:buChar char="○"/>
               <a:defRPr/>
             </a:lvl2pPr>
-            <a:lvl3pPr indent="-298450" lvl="2" marL="1371600">
+            <a:lvl3pPr marL="1371600" lvl="2" indent="-298450">
               <a:spcBef>
                 <a:spcPts val="0"/>
               </a:spcBef>
@@ -5904,7 +6297,7 @@
               <a:buChar char="■"/>
               <a:defRPr/>
             </a:lvl3pPr>
-            <a:lvl4pPr indent="-298450" lvl="3" marL="1828800">
+            <a:lvl4pPr marL="1828800" lvl="3" indent="-298450">
               <a:spcBef>
                 <a:spcPts val="0"/>
               </a:spcBef>
@@ -5915,7 +6308,7 @@
               <a:buChar char="●"/>
               <a:defRPr/>
             </a:lvl4pPr>
-            <a:lvl5pPr indent="-298450" lvl="4" marL="2286000">
+            <a:lvl5pPr marL="2286000" lvl="4" indent="-298450">
               <a:spcBef>
                 <a:spcPts val="0"/>
               </a:spcBef>
@@ -5926,7 +6319,7 @@
               <a:buChar char="○"/>
               <a:defRPr/>
             </a:lvl5pPr>
-            <a:lvl6pPr indent="-298450" lvl="5" marL="2743200">
+            <a:lvl6pPr marL="2743200" lvl="5" indent="-298450">
               <a:spcBef>
                 <a:spcPts val="0"/>
               </a:spcBef>
@@ -5937,7 +6330,7 @@
               <a:buChar char="■"/>
               <a:defRPr/>
             </a:lvl6pPr>
-            <a:lvl7pPr indent="-298450" lvl="6" marL="3200400">
+            <a:lvl7pPr marL="3200400" lvl="6" indent="-298450">
               <a:spcBef>
                 <a:spcPts val="0"/>
               </a:spcBef>
@@ -5948,7 +6341,7 @@
               <a:buChar char="●"/>
               <a:defRPr/>
             </a:lvl7pPr>
-            <a:lvl8pPr indent="-298450" lvl="7" marL="3657600">
+            <a:lvl8pPr marL="3657600" lvl="7" indent="-298450">
               <a:spcBef>
                 <a:spcPts val="0"/>
               </a:spcBef>
@@ -5959,7 +6352,7 @@
               <a:buChar char="○"/>
               <a:defRPr/>
             </a:lvl8pPr>
-            <a:lvl9pPr indent="-298450" lvl="8" marL="4114800">
+            <a:lvl9pPr marL="4114800" lvl="8" indent="-298450">
               <a:spcBef>
                 <a:spcPts val="0"/>
               </a:spcBef>
@@ -5971,15 +6364,19 @@
               <a:defRPr/>
             </a:lvl9pPr>
           </a:lstStyle>
-          <a:p/>
+          <a:p>
+            <a:endParaRPr/>
+          </a:p>
         </p:txBody>
       </p:sp>
       <p:sp>
         <p:nvSpPr>
           <p:cNvPr id="69" name="Google Shape;69;p9"/>
-          <p:cNvSpPr txBox="1"/>
+          <p:cNvSpPr txBox="1">
+            <a:spLocks noGrp="1"/>
+          </p:cNvSpPr>
           <p:nvPr>
-            <p:ph idx="12" type="sldNum"/>
+            <p:ph type="sldNum" idx="12"/>
           </p:nvPr>
         </p:nvSpPr>
         <p:spPr>
@@ -5992,7 +6389,7 @@
           </a:prstGeom>
         </p:spPr>
         <p:txBody>
-          <a:bodyPr anchorCtr="0" anchor="ctr" bIns="91425" lIns="91425" spcFirstLastPara="1" rIns="91425" wrap="square" tIns="91425">
+          <a:bodyPr spcFirstLastPara="1" wrap="square" lIns="91425" tIns="91425" rIns="91425" bIns="91425" anchor="ctr" anchorCtr="0">
             <a:normAutofit/>
           </a:bodyPr>
           <a:lstStyle>
@@ -6034,7 +6431,7 @@
             </a:lvl9pPr>
           </a:lstStyle>
           <a:p>
-            <a:pPr indent="0" lvl="0" marL="0" rtl="0" algn="r">
+            <a:pPr marL="0" lvl="0" indent="0" algn="r" rtl="0">
               <a:spcBef>
                 <a:spcPts val="0"/>
               </a:spcBef>
@@ -6045,7 +6442,7 @@
             </a:pPr>
             <a:fld id="{00000000-1234-1234-1234-123412341234}" type="slidenum">
               <a:rPr lang="pt-BR"/>
-              <a:t>‹#›</a:t>
+              <a:t>‹nº›</a:t>
             </a:fld>
             <a:endParaRPr/>
           </a:p>
@@ -6060,11 +6457,11 @@
 </file>
 
 <file path=ppt/slideLayouts/slideLayout9.xml><?xml version="1.0" encoding="utf-8"?>
-<p:sldLayout xmlns:a="http://schemas.openxmlformats.org/drawingml/2006/main" xmlns:r="http://schemas.openxmlformats.org/officeDocument/2006/relationships" xmlns:mc="http://schemas.openxmlformats.org/markup-compatibility/2006" xmlns:mv="urn:schemas-microsoft-com:mac:vml" xmlns:p="http://schemas.openxmlformats.org/presentationml/2006/main" xmlns:c="http://schemas.openxmlformats.org/drawingml/2006/chart" xmlns:dgm="http://schemas.openxmlformats.org/drawingml/2006/diagram" xmlns:o="urn:schemas-microsoft-com:office:office" xmlns:v="urn:schemas-microsoft-com:vml" xmlns:pvml="urn:schemas-microsoft-com:office:powerpoint" xmlns:com="http://schemas.openxmlformats.org/drawingml/2006/compatibility" xmlns:p14="http://schemas.microsoft.com/office/powerpoint/2010/main" xmlns:p15="http://schemas.microsoft.com/office/powerpoint/2012/main" xmlns:ahyp="http://schemas.microsoft.com/office/drawing/2018/hyperlinkcolor" matchingName="Caption">
+<p:sldLayout xmlns:a="http://schemas.openxmlformats.org/drawingml/2006/main" xmlns:r="http://schemas.openxmlformats.org/officeDocument/2006/relationships" xmlns:p="http://schemas.openxmlformats.org/presentationml/2006/main" matchingName="Caption">
   <p:cSld name="CAPTION_ONLY">
     <p:spTree>
       <p:nvGrpSpPr>
-        <p:cNvPr id="70" name="Shape 70"/>
+        <p:cNvPr id="1" name="Shape 70"/>
         <p:cNvGrpSpPr/>
         <p:nvPr/>
       </p:nvGrpSpPr>
@@ -6079,9 +6476,11 @@
       <p:sp>
         <p:nvSpPr>
           <p:cNvPr id="71" name="Google Shape;71;p10"/>
-          <p:cNvSpPr txBox="1"/>
+          <p:cNvSpPr txBox="1">
+            <a:spLocks noGrp="1"/>
+          </p:cNvSpPr>
           <p:nvPr>
-            <p:ph idx="1" type="body"/>
+            <p:ph type="body" idx="1"/>
           </p:nvPr>
         </p:nvSpPr>
         <p:spPr>
@@ -6094,11 +6493,11 @@
           </a:prstGeom>
         </p:spPr>
         <p:txBody>
-          <a:bodyPr anchorCtr="0" anchor="ctr" bIns="91425" lIns="91425" spcFirstLastPara="1" rIns="91425" wrap="square" tIns="91425">
+          <a:bodyPr spcFirstLastPara="1" wrap="square" lIns="91425" tIns="91425" rIns="91425" bIns="91425" anchor="ctr" anchorCtr="0">
             <a:normAutofit/>
           </a:bodyPr>
           <a:lstStyle>
-            <a:lvl1pPr indent="-228600" lvl="0" marL="457200">
+            <a:lvl1pPr marL="457200" lvl="0" indent="-228600">
               <a:lnSpc>
                 <a:spcPct val="100000"/>
               </a:lnSpc>
@@ -6113,15 +6512,19 @@
               <a:defRPr/>
             </a:lvl1pPr>
           </a:lstStyle>
-          <a:p/>
+          <a:p>
+            <a:endParaRPr/>
+          </a:p>
         </p:txBody>
       </p:sp>
       <p:sp>
         <p:nvSpPr>
           <p:cNvPr id="72" name="Google Shape;72;p10"/>
-          <p:cNvSpPr txBox="1"/>
+          <p:cNvSpPr txBox="1">
+            <a:spLocks noGrp="1"/>
+          </p:cNvSpPr>
           <p:nvPr>
-            <p:ph idx="12" type="sldNum"/>
+            <p:ph type="sldNum" idx="12"/>
           </p:nvPr>
         </p:nvSpPr>
         <p:spPr>
@@ -6134,7 +6537,7 @@
           </a:prstGeom>
         </p:spPr>
         <p:txBody>
-          <a:bodyPr anchorCtr="0" anchor="ctr" bIns="91425" lIns="91425" spcFirstLastPara="1" rIns="91425" wrap="square" tIns="91425">
+          <a:bodyPr spcFirstLastPara="1" wrap="square" lIns="91425" tIns="91425" rIns="91425" bIns="91425" anchor="ctr" anchorCtr="0">
             <a:normAutofit/>
           </a:bodyPr>
           <a:lstStyle>
@@ -6176,7 +6579,7 @@
             </a:lvl9pPr>
           </a:lstStyle>
           <a:p>
-            <a:pPr indent="0" lvl="0" marL="0" rtl="0" algn="r">
+            <a:pPr marL="0" lvl="0" indent="0" algn="r" rtl="0">
               <a:spcBef>
                 <a:spcPts val="0"/>
               </a:spcBef>
@@ -6187,7 +6590,7 @@
             </a:pPr>
             <a:fld id="{00000000-1234-1234-1234-123412341234}" type="slidenum">
               <a:rPr lang="pt-BR"/>
-              <a:t>‹#›</a:t>
+              <a:t>‹nº›</a:t>
             </a:fld>
             <a:endParaRPr/>
           </a:p>
@@ -6202,18 +6605,19 @@
 </file>
 
 <file path=ppt/slideMasters/slideMaster1.xml><?xml version="1.0" encoding="utf-8"?>
-<p:sldMaster xmlns:a="http://schemas.openxmlformats.org/drawingml/2006/main" xmlns:r="http://schemas.openxmlformats.org/officeDocument/2006/relationships" xmlns:mc="http://schemas.openxmlformats.org/markup-compatibility/2006" xmlns:mv="urn:schemas-microsoft-com:mac:vml" xmlns:p="http://schemas.openxmlformats.org/presentationml/2006/main" xmlns:c="http://schemas.openxmlformats.org/drawingml/2006/chart" xmlns:dgm="http://schemas.openxmlformats.org/drawingml/2006/diagram" xmlns:o="urn:schemas-microsoft-com:office:office" xmlns:v="urn:schemas-microsoft-com:vml" xmlns:pvml="urn:schemas-microsoft-com:office:powerpoint" xmlns:com="http://schemas.openxmlformats.org/drawingml/2006/compatibility" xmlns:p14="http://schemas.microsoft.com/office/powerpoint/2010/main" xmlns:p15="http://schemas.microsoft.com/office/powerpoint/2012/main" xmlns:ahyp="http://schemas.microsoft.com/office/drawing/2018/hyperlinkcolor">
+<p:sldMaster xmlns:a="http://schemas.openxmlformats.org/drawingml/2006/main" xmlns:r="http://schemas.openxmlformats.org/officeDocument/2006/relationships" xmlns:p="http://schemas.openxmlformats.org/presentationml/2006/main">
   <p:cSld name="streamline">
     <p:bg>
       <p:bgPr>
         <a:solidFill>
           <a:schemeClr val="lt1"/>
         </a:solidFill>
+        <a:effectLst/>
       </p:bgPr>
     </p:bg>
     <p:spTree>
       <p:nvGrpSpPr>
-        <p:cNvPr id="5" name="Shape 5"/>
+        <p:cNvPr id="1" name="Shape 5"/>
         <p:cNvGrpSpPr/>
         <p:nvPr/>
       </p:nvGrpSpPr>
@@ -6228,7 +6632,9 @@
       <p:sp>
         <p:nvSpPr>
           <p:cNvPr id="6" name="Google Shape;6;p1"/>
-          <p:cNvSpPr txBox="1"/>
+          <p:cNvSpPr txBox="1">
+            <a:spLocks noGrp="1"/>
+          </p:cNvSpPr>
           <p:nvPr>
             <p:ph type="title"/>
           </p:nvPr>
@@ -6247,7 +6653,7 @@
           </a:ln>
         </p:spPr>
         <p:txBody>
-          <a:bodyPr anchorCtr="0" anchor="t" bIns="91425" lIns="91425" spcFirstLastPara="1" rIns="91425" wrap="square" tIns="91425">
+          <a:bodyPr spcFirstLastPara="1" wrap="square" lIns="91425" tIns="91425" rIns="91425" bIns="91425" anchor="t" anchorCtr="0">
             <a:normAutofit/>
           </a:bodyPr>
           <a:lstStyle>
@@ -6264,7 +6670,7 @@
               <a:buSzPts val="2800"/>
               <a:buFont typeface="Raleway"/>
               <a:buNone/>
-              <a:defRPr b="1" sz="2800">
+              <a:defRPr sz="2800" b="1">
                 <a:solidFill>
                   <a:schemeClr val="dk2"/>
                 </a:solidFill>
@@ -6287,7 +6693,7 @@
               <a:buSzPts val="2800"/>
               <a:buFont typeface="Raleway"/>
               <a:buNone/>
-              <a:defRPr b="1" sz="2800">
+              <a:defRPr sz="2800" b="1">
                 <a:solidFill>
                   <a:schemeClr val="dk2"/>
                 </a:solidFill>
@@ -6310,7 +6716,7 @@
               <a:buSzPts val="2800"/>
               <a:buFont typeface="Raleway"/>
               <a:buNone/>
-              <a:defRPr b="1" sz="2800">
+              <a:defRPr sz="2800" b="1">
                 <a:solidFill>
                   <a:schemeClr val="dk2"/>
                 </a:solidFill>
@@ -6333,7 +6739,7 @@
               <a:buSzPts val="2800"/>
               <a:buFont typeface="Raleway"/>
               <a:buNone/>
-              <a:defRPr b="1" sz="2800">
+              <a:defRPr sz="2800" b="1">
                 <a:solidFill>
                   <a:schemeClr val="dk2"/>
                 </a:solidFill>
@@ -6356,7 +6762,7 @@
               <a:buSzPts val="2800"/>
               <a:buFont typeface="Raleway"/>
               <a:buNone/>
-              <a:defRPr b="1" sz="2800">
+              <a:defRPr sz="2800" b="1">
                 <a:solidFill>
                   <a:schemeClr val="dk2"/>
                 </a:solidFill>
@@ -6379,7 +6785,7 @@
               <a:buSzPts val="2800"/>
               <a:buFont typeface="Raleway"/>
               <a:buNone/>
-              <a:defRPr b="1" sz="2800">
+              <a:defRPr sz="2800" b="1">
                 <a:solidFill>
                   <a:schemeClr val="dk2"/>
                 </a:solidFill>
@@ -6402,7 +6808,7 @@
               <a:buSzPts val="2800"/>
               <a:buFont typeface="Raleway"/>
               <a:buNone/>
-              <a:defRPr b="1" sz="2800">
+              <a:defRPr sz="2800" b="1">
                 <a:solidFill>
                   <a:schemeClr val="dk2"/>
                 </a:solidFill>
@@ -6425,7 +6831,7 @@
               <a:buSzPts val="2800"/>
               <a:buFont typeface="Raleway"/>
               <a:buNone/>
-              <a:defRPr b="1" sz="2800">
+              <a:defRPr sz="2800" b="1">
                 <a:solidFill>
                   <a:schemeClr val="dk2"/>
                 </a:solidFill>
@@ -6448,7 +6854,7 @@
               <a:buSzPts val="2800"/>
               <a:buFont typeface="Raleway"/>
               <a:buNone/>
-              <a:defRPr b="1" sz="2800">
+              <a:defRPr sz="2800" b="1">
                 <a:solidFill>
                   <a:schemeClr val="dk2"/>
                 </a:solidFill>
@@ -6459,15 +6865,19 @@
               </a:defRPr>
             </a:lvl9pPr>
           </a:lstStyle>
-          <a:p/>
+          <a:p>
+            <a:endParaRPr/>
+          </a:p>
         </p:txBody>
       </p:sp>
       <p:sp>
         <p:nvSpPr>
           <p:cNvPr id="7" name="Google Shape;7;p1"/>
-          <p:cNvSpPr txBox="1"/>
+          <p:cNvSpPr txBox="1">
+            <a:spLocks noGrp="1"/>
+          </p:cNvSpPr>
           <p:nvPr>
-            <p:ph idx="1" type="body"/>
+            <p:ph type="body" idx="1"/>
           </p:nvPr>
         </p:nvSpPr>
         <p:spPr>
@@ -6484,11 +6894,11 @@
           </a:ln>
         </p:spPr>
         <p:txBody>
-          <a:bodyPr anchorCtr="0" anchor="t" bIns="91425" lIns="91425" spcFirstLastPara="1" rIns="91425" wrap="square" tIns="91425">
+          <a:bodyPr spcFirstLastPara="1" wrap="square" lIns="91425" tIns="91425" rIns="91425" bIns="91425" anchor="t" anchorCtr="0">
             <a:normAutofit/>
           </a:bodyPr>
           <a:lstStyle>
-            <a:lvl1pPr indent="-311150" lvl="0" marL="457200">
+            <a:lvl1pPr marL="457200" lvl="0" indent="-311150">
               <a:lnSpc>
                 <a:spcPct val="115000"/>
               </a:lnSpc>
@@ -6514,7 +6924,7 @@
                 <a:sym typeface="Lato"/>
               </a:defRPr>
             </a:lvl1pPr>
-            <a:lvl2pPr indent="-298450" lvl="1" marL="914400">
+            <a:lvl2pPr marL="914400" lvl="1" indent="-298450">
               <a:lnSpc>
                 <a:spcPct val="115000"/>
               </a:lnSpc>
@@ -6540,7 +6950,7 @@
                 <a:sym typeface="Lato"/>
               </a:defRPr>
             </a:lvl2pPr>
-            <a:lvl3pPr indent="-298450" lvl="2" marL="1371600">
+            <a:lvl3pPr marL="1371600" lvl="2" indent="-298450">
               <a:lnSpc>
                 <a:spcPct val="115000"/>
               </a:lnSpc>
@@ -6566,7 +6976,7 @@
                 <a:sym typeface="Lato"/>
               </a:defRPr>
             </a:lvl3pPr>
-            <a:lvl4pPr indent="-298450" lvl="3" marL="1828800">
+            <a:lvl4pPr marL="1828800" lvl="3" indent="-298450">
               <a:lnSpc>
                 <a:spcPct val="115000"/>
               </a:lnSpc>
@@ -6592,7 +7002,7 @@
                 <a:sym typeface="Lato"/>
               </a:defRPr>
             </a:lvl4pPr>
-            <a:lvl5pPr indent="-298450" lvl="4" marL="2286000">
+            <a:lvl5pPr marL="2286000" lvl="4" indent="-298450">
               <a:lnSpc>
                 <a:spcPct val="115000"/>
               </a:lnSpc>
@@ -6618,7 +7028,7 @@
                 <a:sym typeface="Lato"/>
               </a:defRPr>
             </a:lvl5pPr>
-            <a:lvl6pPr indent="-298450" lvl="5" marL="2743200">
+            <a:lvl6pPr marL="2743200" lvl="5" indent="-298450">
               <a:lnSpc>
                 <a:spcPct val="115000"/>
               </a:lnSpc>
@@ -6644,7 +7054,7 @@
                 <a:sym typeface="Lato"/>
               </a:defRPr>
             </a:lvl6pPr>
-            <a:lvl7pPr indent="-298450" lvl="6" marL="3200400">
+            <a:lvl7pPr marL="3200400" lvl="6" indent="-298450">
               <a:lnSpc>
                 <a:spcPct val="115000"/>
               </a:lnSpc>
@@ -6670,7 +7080,7 @@
                 <a:sym typeface="Lato"/>
               </a:defRPr>
             </a:lvl7pPr>
-            <a:lvl8pPr indent="-298450" lvl="7" marL="3657600">
+            <a:lvl8pPr marL="3657600" lvl="7" indent="-298450">
               <a:lnSpc>
                 <a:spcPct val="115000"/>
               </a:lnSpc>
@@ -6696,7 +7106,7 @@
                 <a:sym typeface="Lato"/>
               </a:defRPr>
             </a:lvl8pPr>
-            <a:lvl9pPr indent="-298450" lvl="8" marL="4114800">
+            <a:lvl9pPr marL="4114800" lvl="8" indent="-298450">
               <a:lnSpc>
                 <a:spcPct val="115000"/>
               </a:lnSpc>
@@ -6723,15 +7133,19 @@
               </a:defRPr>
             </a:lvl9pPr>
           </a:lstStyle>
-          <a:p/>
+          <a:p>
+            <a:endParaRPr/>
+          </a:p>
         </p:txBody>
       </p:sp>
       <p:sp>
         <p:nvSpPr>
           <p:cNvPr id="8" name="Google Shape;8;p1"/>
-          <p:cNvSpPr txBox="1"/>
+          <p:cNvSpPr txBox="1">
+            <a:spLocks noGrp="1"/>
+          </p:cNvSpPr>
           <p:nvPr>
-            <p:ph idx="12" type="sldNum"/>
+            <p:ph type="sldNum" idx="12"/>
           </p:nvPr>
         </p:nvSpPr>
         <p:spPr>
@@ -6748,7 +7162,7 @@
           </a:ln>
         </p:spPr>
         <p:txBody>
-          <a:bodyPr anchorCtr="0" anchor="ctr" bIns="91425" lIns="91425" spcFirstLastPara="1" rIns="91425" wrap="square" tIns="91425">
+          <a:bodyPr spcFirstLastPara="1" wrap="square" lIns="91425" tIns="91425" rIns="91425" bIns="91425" anchor="ctr" anchorCtr="0">
             <a:normAutofit/>
           </a:bodyPr>
           <a:lstStyle>
@@ -6862,7 +7276,7 @@
             </a:lvl9pPr>
           </a:lstStyle>
           <a:p>
-            <a:pPr indent="0" lvl="0" marL="0" rtl="0" algn="r">
+            <a:pPr marL="0" lvl="0" indent="0" algn="r" rtl="0">
               <a:spcBef>
                 <a:spcPts val="0"/>
               </a:spcBef>
@@ -6873,7 +7287,7 @@
             </a:pPr>
             <a:fld id="{00000000-1234-1234-1234-123412341234}" type="slidenum">
               <a:rPr lang="pt-BR"/>
-              <a:t>‹#›</a:t>
+              <a:t>‹nº›</a:t>
             </a:fld>
             <a:endParaRPr/>
           </a:p>
@@ -6881,7 +7295,7 @@
       </p:sp>
     </p:spTree>
   </p:cSld>
-  <p:clrMap accent1="accent1" accent2="accent2" accent3="accent3" accent4="accent4" accent5="accent5" accent6="accent6" bg1="lt1" bg2="dk2" tx1="dk1" tx2="lt2" folHlink="folHlink" hlink="hlink"/>
+  <p:clrMap bg1="lt1" tx1="dk1" bg2="dk2" tx2="lt2" accent1="accent1" accent2="accent2" accent3="accent3" accent4="accent4" accent5="accent5" accent6="accent6" hlink="hlink" folHlink="folHlink"/>
   <p:sldLayoutIdLst>
     <p:sldLayoutId id="2147483648" r:id="rId1"/>
     <p:sldLayoutId id="2147483649" r:id="rId2"/>
@@ -6895,10 +7309,10 @@
     <p:sldLayoutId id="2147483657" r:id="rId10"/>
     <p:sldLayoutId id="2147483658" r:id="rId11"/>
   </p:sldLayoutIdLst>
-  <p:hf dt="0" ftr="0" hdr="0" sldNum="0"/>
+  <p:hf sldNum="0" hdr="0" ftr="0" dt="0"/>
   <p:txStyles>
     <p:titleStyle>
-      <a:defPPr lvl="0" marR="0" rtl="0" algn="l">
+      <a:defPPr marR="0" lvl="0" algn="l" rtl="0">
         <a:lnSpc>
           <a:spcPct val="100000"/>
         </a:lnSpc>
@@ -6909,7 +7323,7 @@
           <a:spcPts val="0"/>
         </a:spcAft>
       </a:defPPr>
-      <a:lvl1pPr lvl="0" marR="0" rtl="0" algn="l">
+      <a:lvl1pPr marR="0" lvl="0" algn="l" rtl="0">
         <a:lnSpc>
           <a:spcPct val="100000"/>
         </a:lnSpc>
@@ -6923,7 +7337,7 @@
           <a:srgbClr val="000000"/>
         </a:buClr>
         <a:buFont typeface="Arial"/>
-        <a:defRPr b="0" i="0" sz="1400" u="none" cap="none" strike="noStrike">
+        <a:defRPr sz="1400" b="0" i="0" u="none" strike="noStrike" cap="none">
           <a:solidFill>
             <a:srgbClr val="000000"/>
           </a:solidFill>
@@ -6933,7 +7347,7 @@
           <a:sym typeface="Arial"/>
         </a:defRPr>
       </a:lvl1pPr>
-      <a:lvl2pPr lvl="1" marR="0" rtl="0" algn="l">
+      <a:lvl2pPr marR="0" lvl="1" algn="l" rtl="0">
         <a:lnSpc>
           <a:spcPct val="100000"/>
         </a:lnSpc>
@@ -6947,7 +7361,7 @@
           <a:srgbClr val="000000"/>
         </a:buClr>
         <a:buFont typeface="Arial"/>
-        <a:defRPr b="0" i="0" sz="1400" u="none" cap="none" strike="noStrike">
+        <a:defRPr sz="1400" b="0" i="0" u="none" strike="noStrike" cap="none">
           <a:solidFill>
             <a:srgbClr val="000000"/>
           </a:solidFill>
@@ -6957,7 +7371,7 @@
           <a:sym typeface="Arial"/>
         </a:defRPr>
       </a:lvl2pPr>
-      <a:lvl3pPr lvl="2" marR="0" rtl="0" algn="l">
+      <a:lvl3pPr marR="0" lvl="2" algn="l" rtl="0">
         <a:lnSpc>
           <a:spcPct val="100000"/>
         </a:lnSpc>
@@ -6971,7 +7385,7 @@
           <a:srgbClr val="000000"/>
         </a:buClr>
         <a:buFont typeface="Arial"/>
-        <a:defRPr b="0" i="0" sz="1400" u="none" cap="none" strike="noStrike">
+        <a:defRPr sz="1400" b="0" i="0" u="none" strike="noStrike" cap="none">
           <a:solidFill>
             <a:srgbClr val="000000"/>
           </a:solidFill>
@@ -6981,7 +7395,7 @@
           <a:sym typeface="Arial"/>
         </a:defRPr>
       </a:lvl3pPr>
-      <a:lvl4pPr lvl="3" marR="0" rtl="0" algn="l">
+      <a:lvl4pPr marR="0" lvl="3" algn="l" rtl="0">
         <a:lnSpc>
           <a:spcPct val="100000"/>
         </a:lnSpc>
@@ -6995,7 +7409,7 @@
           <a:srgbClr val="000000"/>
         </a:buClr>
         <a:buFont typeface="Arial"/>
-        <a:defRPr b="0" i="0" sz="1400" u="none" cap="none" strike="noStrike">
+        <a:defRPr sz="1400" b="0" i="0" u="none" strike="noStrike" cap="none">
           <a:solidFill>
             <a:srgbClr val="000000"/>
           </a:solidFill>
@@ -7005,7 +7419,7 @@
           <a:sym typeface="Arial"/>
         </a:defRPr>
       </a:lvl4pPr>
-      <a:lvl5pPr lvl="4" marR="0" rtl="0" algn="l">
+      <a:lvl5pPr marR="0" lvl="4" algn="l" rtl="0">
         <a:lnSpc>
           <a:spcPct val="100000"/>
         </a:lnSpc>
@@ -7019,7 +7433,7 @@
           <a:srgbClr val="000000"/>
         </a:buClr>
         <a:buFont typeface="Arial"/>
-        <a:defRPr b="0" i="0" sz="1400" u="none" cap="none" strike="noStrike">
+        <a:defRPr sz="1400" b="0" i="0" u="none" strike="noStrike" cap="none">
           <a:solidFill>
             <a:srgbClr val="000000"/>
           </a:solidFill>
@@ -7029,7 +7443,7 @@
           <a:sym typeface="Arial"/>
         </a:defRPr>
       </a:lvl5pPr>
-      <a:lvl6pPr lvl="5" marR="0" rtl="0" algn="l">
+      <a:lvl6pPr marR="0" lvl="5" algn="l" rtl="0">
         <a:lnSpc>
           <a:spcPct val="100000"/>
         </a:lnSpc>
@@ -7043,7 +7457,7 @@
           <a:srgbClr val="000000"/>
         </a:buClr>
         <a:buFont typeface="Arial"/>
-        <a:defRPr b="0" i="0" sz="1400" u="none" cap="none" strike="noStrike">
+        <a:defRPr sz="1400" b="0" i="0" u="none" strike="noStrike" cap="none">
           <a:solidFill>
             <a:srgbClr val="000000"/>
           </a:solidFill>
@@ -7053,7 +7467,7 @@
           <a:sym typeface="Arial"/>
         </a:defRPr>
       </a:lvl6pPr>
-      <a:lvl7pPr lvl="6" marR="0" rtl="0" algn="l">
+      <a:lvl7pPr marR="0" lvl="6" algn="l" rtl="0">
         <a:lnSpc>
           <a:spcPct val="100000"/>
         </a:lnSpc>
@@ -7067,7 +7481,7 @@
           <a:srgbClr val="000000"/>
         </a:buClr>
         <a:buFont typeface="Arial"/>
-        <a:defRPr b="0" i="0" sz="1400" u="none" cap="none" strike="noStrike">
+        <a:defRPr sz="1400" b="0" i="0" u="none" strike="noStrike" cap="none">
           <a:solidFill>
             <a:srgbClr val="000000"/>
           </a:solidFill>
@@ -7077,7 +7491,7 @@
           <a:sym typeface="Arial"/>
         </a:defRPr>
       </a:lvl7pPr>
-      <a:lvl8pPr lvl="7" marR="0" rtl="0" algn="l">
+      <a:lvl8pPr marR="0" lvl="7" algn="l" rtl="0">
         <a:lnSpc>
           <a:spcPct val="100000"/>
         </a:lnSpc>
@@ -7091,7 +7505,7 @@
           <a:srgbClr val="000000"/>
         </a:buClr>
         <a:buFont typeface="Arial"/>
-        <a:defRPr b="0" i="0" sz="1400" u="none" cap="none" strike="noStrike">
+        <a:defRPr sz="1400" b="0" i="0" u="none" strike="noStrike" cap="none">
           <a:solidFill>
             <a:srgbClr val="000000"/>
           </a:solidFill>
@@ -7101,7 +7515,7 @@
           <a:sym typeface="Arial"/>
         </a:defRPr>
       </a:lvl8pPr>
-      <a:lvl9pPr lvl="8" marR="0" rtl="0" algn="l">
+      <a:lvl9pPr marR="0" lvl="8" algn="l" rtl="0">
         <a:lnSpc>
           <a:spcPct val="100000"/>
         </a:lnSpc>
@@ -7115,7 +7529,7 @@
           <a:srgbClr val="000000"/>
         </a:buClr>
         <a:buFont typeface="Arial"/>
-        <a:defRPr b="0" i="0" sz="1400" u="none" cap="none" strike="noStrike">
+        <a:defRPr sz="1400" b="0" i="0" u="none" strike="noStrike" cap="none">
           <a:solidFill>
             <a:srgbClr val="000000"/>
           </a:solidFill>
@@ -7127,7 +7541,7 @@
       </a:lvl9pPr>
     </p:titleStyle>
     <p:bodyStyle>
-      <a:defPPr lvl="0" marR="0" rtl="0" algn="l">
+      <a:defPPr marR="0" lvl="0" algn="l" rtl="0">
         <a:lnSpc>
           <a:spcPct val="100000"/>
         </a:lnSpc>
@@ -7138,7 +7552,7 @@
           <a:spcPts val="0"/>
         </a:spcAft>
       </a:defPPr>
-      <a:lvl1pPr lvl="0" marR="0" rtl="0" algn="l">
+      <a:lvl1pPr marR="0" lvl="0" algn="l" rtl="0">
         <a:lnSpc>
           <a:spcPct val="100000"/>
         </a:lnSpc>
@@ -7152,7 +7566,7 @@
           <a:srgbClr val="000000"/>
         </a:buClr>
         <a:buFont typeface="Arial"/>
-        <a:defRPr b="0" i="0" sz="1400" u="none" cap="none" strike="noStrike">
+        <a:defRPr sz="1400" b="0" i="0" u="none" strike="noStrike" cap="none">
           <a:solidFill>
             <a:srgbClr val="000000"/>
           </a:solidFill>
@@ -7162,7 +7576,7 @@
           <a:sym typeface="Arial"/>
         </a:defRPr>
       </a:lvl1pPr>
-      <a:lvl2pPr lvl="1" marR="0" rtl="0" algn="l">
+      <a:lvl2pPr marR="0" lvl="1" algn="l" rtl="0">
         <a:lnSpc>
           <a:spcPct val="100000"/>
         </a:lnSpc>
@@ -7176,7 +7590,7 @@
           <a:srgbClr val="000000"/>
         </a:buClr>
         <a:buFont typeface="Arial"/>
-        <a:defRPr b="0" i="0" sz="1400" u="none" cap="none" strike="noStrike">
+        <a:defRPr sz="1400" b="0" i="0" u="none" strike="noStrike" cap="none">
           <a:solidFill>
             <a:srgbClr val="000000"/>
           </a:solidFill>
@@ -7186,7 +7600,7 @@
           <a:sym typeface="Arial"/>
         </a:defRPr>
       </a:lvl2pPr>
-      <a:lvl3pPr lvl="2" marR="0" rtl="0" algn="l">
+      <a:lvl3pPr marR="0" lvl="2" algn="l" rtl="0">
         <a:lnSpc>
           <a:spcPct val="100000"/>
         </a:lnSpc>
@@ -7200,7 +7614,7 @@
           <a:srgbClr val="000000"/>
         </a:buClr>
         <a:buFont typeface="Arial"/>
-        <a:defRPr b="0" i="0" sz="1400" u="none" cap="none" strike="noStrike">
+        <a:defRPr sz="1400" b="0" i="0" u="none" strike="noStrike" cap="none">
           <a:solidFill>
             <a:srgbClr val="000000"/>
           </a:solidFill>
@@ -7210,7 +7624,7 @@
           <a:sym typeface="Arial"/>
         </a:defRPr>
       </a:lvl3pPr>
-      <a:lvl4pPr lvl="3" marR="0" rtl="0" algn="l">
+      <a:lvl4pPr marR="0" lvl="3" algn="l" rtl="0">
         <a:lnSpc>
           <a:spcPct val="100000"/>
         </a:lnSpc>
@@ -7224,7 +7638,7 @@
           <a:srgbClr val="000000"/>
         </a:buClr>
         <a:buFont typeface="Arial"/>
-        <a:defRPr b="0" i="0" sz="1400" u="none" cap="none" strike="noStrike">
+        <a:defRPr sz="1400" b="0" i="0" u="none" strike="noStrike" cap="none">
           <a:solidFill>
             <a:srgbClr val="000000"/>
           </a:solidFill>
@@ -7234,7 +7648,7 @@
           <a:sym typeface="Arial"/>
         </a:defRPr>
       </a:lvl4pPr>
-      <a:lvl5pPr lvl="4" marR="0" rtl="0" algn="l">
+      <a:lvl5pPr marR="0" lvl="4" algn="l" rtl="0">
         <a:lnSpc>
           <a:spcPct val="100000"/>
         </a:lnSpc>
@@ -7248,7 +7662,7 @@
           <a:srgbClr val="000000"/>
         </a:buClr>
         <a:buFont typeface="Arial"/>
-        <a:defRPr b="0" i="0" sz="1400" u="none" cap="none" strike="noStrike">
+        <a:defRPr sz="1400" b="0" i="0" u="none" strike="noStrike" cap="none">
           <a:solidFill>
             <a:srgbClr val="000000"/>
           </a:solidFill>
@@ -7258,7 +7672,7 @@
           <a:sym typeface="Arial"/>
         </a:defRPr>
       </a:lvl5pPr>
-      <a:lvl6pPr lvl="5" marR="0" rtl="0" algn="l">
+      <a:lvl6pPr marR="0" lvl="5" algn="l" rtl="0">
         <a:lnSpc>
           <a:spcPct val="100000"/>
         </a:lnSpc>
@@ -7272,7 +7686,7 @@
           <a:srgbClr val="000000"/>
         </a:buClr>
         <a:buFont typeface="Arial"/>
-        <a:defRPr b="0" i="0" sz="1400" u="none" cap="none" strike="noStrike">
+        <a:defRPr sz="1400" b="0" i="0" u="none" strike="noStrike" cap="none">
           <a:solidFill>
             <a:srgbClr val="000000"/>
           </a:solidFill>
@@ -7282,7 +7696,7 @@
           <a:sym typeface="Arial"/>
         </a:defRPr>
       </a:lvl6pPr>
-      <a:lvl7pPr lvl="6" marR="0" rtl="0" algn="l">
+      <a:lvl7pPr marR="0" lvl="6" algn="l" rtl="0">
         <a:lnSpc>
           <a:spcPct val="100000"/>
         </a:lnSpc>
@@ -7296,7 +7710,7 @@
           <a:srgbClr val="000000"/>
         </a:buClr>
         <a:buFont typeface="Arial"/>
-        <a:defRPr b="0" i="0" sz="1400" u="none" cap="none" strike="noStrike">
+        <a:defRPr sz="1400" b="0" i="0" u="none" strike="noStrike" cap="none">
           <a:solidFill>
             <a:srgbClr val="000000"/>
           </a:solidFill>
@@ -7306,7 +7720,7 @@
           <a:sym typeface="Arial"/>
         </a:defRPr>
       </a:lvl7pPr>
-      <a:lvl8pPr lvl="7" marR="0" rtl="0" algn="l">
+      <a:lvl8pPr marR="0" lvl="7" algn="l" rtl="0">
         <a:lnSpc>
           <a:spcPct val="100000"/>
         </a:lnSpc>
@@ -7320,7 +7734,7 @@
           <a:srgbClr val="000000"/>
         </a:buClr>
         <a:buFont typeface="Arial"/>
-        <a:defRPr b="0" i="0" sz="1400" u="none" cap="none" strike="noStrike">
+        <a:defRPr sz="1400" b="0" i="0" u="none" strike="noStrike" cap="none">
           <a:solidFill>
             <a:srgbClr val="000000"/>
           </a:solidFill>
@@ -7330,7 +7744,7 @@
           <a:sym typeface="Arial"/>
         </a:defRPr>
       </a:lvl8pPr>
-      <a:lvl9pPr lvl="8" marR="0" rtl="0" algn="l">
+      <a:lvl9pPr marR="0" lvl="8" algn="l" rtl="0">
         <a:lnSpc>
           <a:spcPct val="100000"/>
         </a:lnSpc>
@@ -7344,7 +7758,7 @@
           <a:srgbClr val="000000"/>
         </a:buClr>
         <a:buFont typeface="Arial"/>
-        <a:defRPr b="0" i="0" sz="1400" u="none" cap="none" strike="noStrike">
+        <a:defRPr sz="1400" b="0" i="0" u="none" strike="noStrike" cap="none">
           <a:solidFill>
             <a:srgbClr val="000000"/>
           </a:solidFill>
@@ -7356,7 +7770,7 @@
       </a:lvl9pPr>
     </p:bodyStyle>
     <p:otherStyle>
-      <a:defPPr lvl="0" marR="0" rtl="0" algn="l">
+      <a:defPPr marR="0" lvl="0" algn="l" rtl="0">
         <a:lnSpc>
           <a:spcPct val="100000"/>
         </a:lnSpc>
@@ -7367,7 +7781,7 @@
           <a:spcPts val="0"/>
         </a:spcAft>
       </a:defPPr>
-      <a:lvl1pPr lvl="0" marR="0" rtl="0" algn="l">
+      <a:lvl1pPr marR="0" lvl="0" algn="l" rtl="0">
         <a:lnSpc>
           <a:spcPct val="100000"/>
         </a:lnSpc>
@@ -7381,7 +7795,7 @@
           <a:srgbClr val="000000"/>
         </a:buClr>
         <a:buFont typeface="Arial"/>
-        <a:defRPr b="0" i="0" sz="1400" u="none" cap="none" strike="noStrike">
+        <a:defRPr sz="1400" b="0" i="0" u="none" strike="noStrike" cap="none">
           <a:solidFill>
             <a:srgbClr val="000000"/>
           </a:solidFill>
@@ -7391,7 +7805,7 @@
           <a:sym typeface="Arial"/>
         </a:defRPr>
       </a:lvl1pPr>
-      <a:lvl2pPr lvl="1" marR="0" rtl="0" algn="l">
+      <a:lvl2pPr marR="0" lvl="1" algn="l" rtl="0">
         <a:lnSpc>
           <a:spcPct val="100000"/>
         </a:lnSpc>
@@ -7405,7 +7819,7 @@
           <a:srgbClr val="000000"/>
         </a:buClr>
         <a:buFont typeface="Arial"/>
-        <a:defRPr b="0" i="0" sz="1400" u="none" cap="none" strike="noStrike">
+        <a:defRPr sz="1400" b="0" i="0" u="none" strike="noStrike" cap="none">
           <a:solidFill>
             <a:srgbClr val="000000"/>
           </a:solidFill>
@@ -7415,7 +7829,7 @@
           <a:sym typeface="Arial"/>
         </a:defRPr>
       </a:lvl2pPr>
-      <a:lvl3pPr lvl="2" marR="0" rtl="0" algn="l">
+      <a:lvl3pPr marR="0" lvl="2" algn="l" rtl="0">
         <a:lnSpc>
           <a:spcPct val="100000"/>
         </a:lnSpc>
@@ -7429,7 +7843,7 @@
           <a:srgbClr val="000000"/>
         </a:buClr>
         <a:buFont typeface="Arial"/>
-        <a:defRPr b="0" i="0" sz="1400" u="none" cap="none" strike="noStrike">
+        <a:defRPr sz="1400" b="0" i="0" u="none" strike="noStrike" cap="none">
           <a:solidFill>
             <a:srgbClr val="000000"/>
           </a:solidFill>
@@ -7439,7 +7853,7 @@
           <a:sym typeface="Arial"/>
         </a:defRPr>
       </a:lvl3pPr>
-      <a:lvl4pPr lvl="3" marR="0" rtl="0" algn="l">
+      <a:lvl4pPr marR="0" lvl="3" algn="l" rtl="0">
         <a:lnSpc>
           <a:spcPct val="100000"/>
         </a:lnSpc>
@@ -7453,7 +7867,7 @@
           <a:srgbClr val="000000"/>
         </a:buClr>
         <a:buFont typeface="Arial"/>
-        <a:defRPr b="0" i="0" sz="1400" u="none" cap="none" strike="noStrike">
+        <a:defRPr sz="1400" b="0" i="0" u="none" strike="noStrike" cap="none">
           <a:solidFill>
             <a:srgbClr val="000000"/>
           </a:solidFill>
@@ -7463,7 +7877,7 @@
           <a:sym typeface="Arial"/>
         </a:defRPr>
       </a:lvl4pPr>
-      <a:lvl5pPr lvl="4" marR="0" rtl="0" algn="l">
+      <a:lvl5pPr marR="0" lvl="4" algn="l" rtl="0">
         <a:lnSpc>
           <a:spcPct val="100000"/>
         </a:lnSpc>
@@ -7477,7 +7891,7 @@
           <a:srgbClr val="000000"/>
         </a:buClr>
         <a:buFont typeface="Arial"/>
-        <a:defRPr b="0" i="0" sz="1400" u="none" cap="none" strike="noStrike">
+        <a:defRPr sz="1400" b="0" i="0" u="none" strike="noStrike" cap="none">
           <a:solidFill>
             <a:srgbClr val="000000"/>
           </a:solidFill>
@@ -7487,7 +7901,7 @@
           <a:sym typeface="Arial"/>
         </a:defRPr>
       </a:lvl5pPr>
-      <a:lvl6pPr lvl="5" marR="0" rtl="0" algn="l">
+      <a:lvl6pPr marR="0" lvl="5" algn="l" rtl="0">
         <a:lnSpc>
           <a:spcPct val="100000"/>
         </a:lnSpc>
@@ -7501,7 +7915,7 @@
           <a:srgbClr val="000000"/>
         </a:buClr>
         <a:buFont typeface="Arial"/>
-        <a:defRPr b="0" i="0" sz="1400" u="none" cap="none" strike="noStrike">
+        <a:defRPr sz="1400" b="0" i="0" u="none" strike="noStrike" cap="none">
           <a:solidFill>
             <a:srgbClr val="000000"/>
           </a:solidFill>
@@ -7511,7 +7925,7 @@
           <a:sym typeface="Arial"/>
         </a:defRPr>
       </a:lvl6pPr>
-      <a:lvl7pPr lvl="6" marR="0" rtl="0" algn="l">
+      <a:lvl7pPr marR="0" lvl="6" algn="l" rtl="0">
         <a:lnSpc>
           <a:spcPct val="100000"/>
         </a:lnSpc>
@@ -7525,7 +7939,7 @@
           <a:srgbClr val="000000"/>
         </a:buClr>
         <a:buFont typeface="Arial"/>
-        <a:defRPr b="0" i="0" sz="1400" u="none" cap="none" strike="noStrike">
+        <a:defRPr sz="1400" b="0" i="0" u="none" strike="noStrike" cap="none">
           <a:solidFill>
             <a:srgbClr val="000000"/>
           </a:solidFill>
@@ -7535,7 +7949,7 @@
           <a:sym typeface="Arial"/>
         </a:defRPr>
       </a:lvl7pPr>
-      <a:lvl8pPr lvl="7" marR="0" rtl="0" algn="l">
+      <a:lvl8pPr marR="0" lvl="7" algn="l" rtl="0">
         <a:lnSpc>
           <a:spcPct val="100000"/>
         </a:lnSpc>
@@ -7549,7 +7963,7 @@
           <a:srgbClr val="000000"/>
         </a:buClr>
         <a:buFont typeface="Arial"/>
-        <a:defRPr b="0" i="0" sz="1400" u="none" cap="none" strike="noStrike">
+        <a:defRPr sz="1400" b="0" i="0" u="none" strike="noStrike" cap="none">
           <a:solidFill>
             <a:srgbClr val="000000"/>
           </a:solidFill>
@@ -7559,7 +7973,7 @@
           <a:sym typeface="Arial"/>
         </a:defRPr>
       </a:lvl8pPr>
-      <a:lvl9pPr lvl="8" marR="0" rtl="0" algn="l">
+      <a:lvl9pPr marR="0" lvl="8" algn="l" rtl="0">
         <a:lnSpc>
           <a:spcPct val="100000"/>
         </a:lnSpc>
@@ -7573,7 +7987,7 @@
           <a:srgbClr val="000000"/>
         </a:buClr>
         <a:buFont typeface="Arial"/>
-        <a:defRPr b="0" i="0" sz="1400" u="none" cap="none" strike="noStrike">
+        <a:defRPr sz="1400" b="0" i="0" u="none" strike="noStrike" cap="none">
           <a:solidFill>
             <a:srgbClr val="000000"/>
           </a:solidFill>
@@ -7589,11 +8003,11 @@
 </file>
 
 <file path=ppt/slides/slide1.xml><?xml version="1.0" encoding="utf-8"?>
-<p:sld xmlns:a="http://schemas.openxmlformats.org/drawingml/2006/main" xmlns:r="http://schemas.openxmlformats.org/officeDocument/2006/relationships" xmlns:mc="http://schemas.openxmlformats.org/markup-compatibility/2006" xmlns:mv="urn:schemas-microsoft-com:mac:vml" xmlns:p="http://schemas.openxmlformats.org/presentationml/2006/main" xmlns:c="http://schemas.openxmlformats.org/drawingml/2006/chart" xmlns:dgm="http://schemas.openxmlformats.org/drawingml/2006/diagram" xmlns:o="urn:schemas-microsoft-com:office:office" xmlns:v="urn:schemas-microsoft-com:vml" xmlns:pvml="urn:schemas-microsoft-com:office:powerpoint" xmlns:com="http://schemas.openxmlformats.org/drawingml/2006/compatibility" xmlns:p14="http://schemas.microsoft.com/office/powerpoint/2010/main" xmlns:p15="http://schemas.microsoft.com/office/powerpoint/2012/main" xmlns:ahyp="http://schemas.microsoft.com/office/drawing/2018/hyperlinkcolor">
+<p:sld xmlns:a="http://schemas.openxmlformats.org/drawingml/2006/main" xmlns:r="http://schemas.openxmlformats.org/officeDocument/2006/relationships" xmlns:p="http://schemas.openxmlformats.org/presentationml/2006/main">
   <p:cSld>
     <p:spTree>
       <p:nvGrpSpPr>
-        <p:cNvPr id="85" name="Shape 85"/>
+        <p:cNvPr id="1" name="Shape 85"/>
         <p:cNvGrpSpPr/>
         <p:nvPr/>
       </p:nvGrpSpPr>
@@ -7608,7 +8022,9 @@
       <p:sp>
         <p:nvSpPr>
           <p:cNvPr id="86" name="Google Shape;86;p13"/>
-          <p:cNvSpPr txBox="1"/>
+          <p:cNvSpPr txBox="1">
+            <a:spLocks noGrp="1"/>
+          </p:cNvSpPr>
           <p:nvPr>
             <p:ph type="ctrTitle"/>
           </p:nvPr>
@@ -7623,12 +8039,12 @@
           </a:prstGeom>
         </p:spPr>
         <p:txBody>
-          <a:bodyPr anchorCtr="0" anchor="t" bIns="91425" lIns="91425" spcFirstLastPara="1" rIns="91425" wrap="square" tIns="91425">
+          <a:bodyPr spcFirstLastPara="1" wrap="square" lIns="91425" tIns="91425" rIns="91425" bIns="91425" anchor="t" anchorCtr="0">
             <a:normAutofit/>
           </a:bodyPr>
           <a:lstStyle/>
           <a:p>
-            <a:pPr indent="0" lvl="0" marL="0" rtl="0" algn="l">
+            <a:pPr marL="0" lvl="0" indent="0" algn="l" rtl="0">
               <a:spcBef>
                 <a:spcPts val="0"/>
               </a:spcBef>
@@ -7638,19 +8054,21 @@
               <a:buNone/>
             </a:pPr>
             <a:r>
-              <a:rPr lang="pt-BR"/>
+              <a:rPr lang="pt-BR" dirty="0"/>
               <a:t>Sistema de Gerenciamento Hospitalar</a:t>
             </a:r>
-            <a:endParaRPr/>
+            <a:endParaRPr dirty="0"/>
           </a:p>
         </p:txBody>
       </p:sp>
       <p:sp>
         <p:nvSpPr>
           <p:cNvPr id="87" name="Google Shape;87;p13"/>
-          <p:cNvSpPr txBox="1"/>
+          <p:cNvSpPr txBox="1">
+            <a:spLocks noGrp="1"/>
+          </p:cNvSpPr>
           <p:nvPr>
-            <p:ph idx="1" type="subTitle"/>
+            <p:ph type="subTitle" idx="1"/>
           </p:nvPr>
         </p:nvSpPr>
         <p:spPr>
@@ -7663,12 +8081,12 @@
           </a:prstGeom>
         </p:spPr>
         <p:txBody>
-          <a:bodyPr anchorCtr="0" anchor="t" bIns="91425" lIns="91425" spcFirstLastPara="1" rIns="91425" wrap="square" tIns="91425">
+          <a:bodyPr spcFirstLastPara="1" wrap="square" lIns="91425" tIns="91425" rIns="91425" bIns="91425" anchor="t" anchorCtr="0">
             <a:normAutofit fontScale="85000" lnSpcReduction="20000"/>
           </a:bodyPr>
           <a:lstStyle/>
           <a:p>
-            <a:pPr indent="0" lvl="0" marL="0" rtl="0" algn="l">
+            <a:pPr marL="0" lvl="0" indent="0" algn="l" rtl="0">
               <a:spcBef>
                 <a:spcPts val="0"/>
               </a:spcBef>
@@ -7679,16 +8097,12 @@
             </a:pPr>
             <a:r>
               <a:rPr lang="pt-BR"/>
-              <a:t>Gean Fernandes da Silva 	- </a:t>
-            </a:r>
-            <a:r>
-              <a:rPr lang="pt-BR"/>
-              <a:t>11811BSI257</a:t>
+              <a:t>Gean Fernandes da Silva 	- 11811BSI257</a:t>
             </a:r>
             <a:endParaRPr/>
           </a:p>
           <a:p>
-            <a:pPr indent="0" lvl="0" marL="0" rtl="0" algn="l">
+            <a:pPr marL="0" lvl="0" indent="0" algn="l" rtl="0">
               <a:spcBef>
                 <a:spcPts val="0"/>
               </a:spcBef>
@@ -7704,7 +8118,7 @@
             <a:endParaRPr/>
           </a:p>
           <a:p>
-            <a:pPr indent="0" lvl="0" marL="0" rtl="0" algn="l">
+            <a:pPr marL="0" lvl="0" indent="0" algn="l" rtl="0">
               <a:spcBef>
                 <a:spcPts val="0"/>
               </a:spcBef>
@@ -7720,7 +8134,7 @@
             <a:endParaRPr/>
           </a:p>
           <a:p>
-            <a:pPr indent="0" lvl="0" marL="0" rtl="0" algn="l">
+            <a:pPr marL="0" lvl="0" indent="0" algn="l" rtl="0">
               <a:spcBef>
                 <a:spcPts val="0"/>
               </a:spcBef>
@@ -7736,7 +8150,7 @@
             <a:endParaRPr/>
           </a:p>
           <a:p>
-            <a:pPr indent="0" lvl="0" marL="0" rtl="0" algn="l">
+            <a:pPr marL="0" lvl="0" indent="0" algn="l" rtl="0">
               <a:spcBef>
                 <a:spcPts val="0"/>
               </a:spcBef>
@@ -7761,12 +8175,2276 @@
 </p:sld>
 </file>
 
-<file path=ppt/slides/slide2.xml><?xml version="1.0" encoding="utf-8"?>
-<p:sld xmlns:a="http://schemas.openxmlformats.org/drawingml/2006/main" xmlns:r="http://schemas.openxmlformats.org/officeDocument/2006/relationships" xmlns:mc="http://schemas.openxmlformats.org/markup-compatibility/2006" xmlns:mv="urn:schemas-microsoft-com:mac:vml" xmlns:p="http://schemas.openxmlformats.org/presentationml/2006/main" xmlns:c="http://schemas.openxmlformats.org/drawingml/2006/chart" xmlns:dgm="http://schemas.openxmlformats.org/drawingml/2006/diagram" xmlns:o="urn:schemas-microsoft-com:office:office" xmlns:v="urn:schemas-microsoft-com:vml" xmlns:pvml="urn:schemas-microsoft-com:office:powerpoint" xmlns:com="http://schemas.openxmlformats.org/drawingml/2006/compatibility" xmlns:p14="http://schemas.microsoft.com/office/powerpoint/2010/main" xmlns:p15="http://schemas.microsoft.com/office/powerpoint/2012/main" xmlns:ahyp="http://schemas.microsoft.com/office/drawing/2018/hyperlinkcolor">
+<file path=ppt/slides/slide10.xml><?xml version="1.0" encoding="utf-8"?>
+<p:sld xmlns:a="http://schemas.openxmlformats.org/drawingml/2006/main" xmlns:r="http://schemas.openxmlformats.org/officeDocument/2006/relationships" xmlns:p="http://schemas.openxmlformats.org/presentationml/2006/main">
   <p:cSld>
     <p:spTree>
       <p:nvGrpSpPr>
-        <p:cNvPr id="91" name="Shape 91"/>
+        <p:cNvPr id="1" name=""/>
+        <p:cNvGrpSpPr/>
+        <p:nvPr/>
+      </p:nvGrpSpPr>
+      <p:grpSpPr>
+        <a:xfrm>
+          <a:off x="0" y="0"/>
+          <a:ext cx="0" cy="0"/>
+          <a:chOff x="0" y="0"/>
+          <a:chExt cx="0" cy="0"/>
+        </a:xfrm>
+      </p:grpSpPr>
+      <p:sp>
+        <p:nvSpPr>
+          <p:cNvPr id="2" name="Título 1">
+            <a:extLst>
+              <a:ext uri="{FF2B5EF4-FFF2-40B4-BE49-F238E27FC236}">
+                <a16:creationId xmlns:a16="http://schemas.microsoft.com/office/drawing/2014/main" id="{E5A4DD00-4321-4449-94BC-7CD84CD260F9}"/>
+              </a:ext>
+            </a:extLst>
+          </p:cNvPr>
+          <p:cNvSpPr>
+            <a:spLocks noGrp="1"/>
+          </p:cNvSpPr>
+          <p:nvPr>
+            <p:ph type="title"/>
+          </p:nvPr>
+        </p:nvSpPr>
+        <p:spPr/>
+        <p:txBody>
+          <a:bodyPr>
+            <a:normAutofit/>
+          </a:bodyPr>
+          <a:lstStyle/>
+          <a:p>
+            <a:r>
+              <a:rPr lang="pt-BR" sz="2300" dirty="0">
+                <a:latin typeface="Raleway" panose="020B0604020202020204" pitchFamily="2" charset="0"/>
+                <a:cs typeface="Times New Roman" panose="02020603050405020304" pitchFamily="18" charset="0"/>
+              </a:rPr>
+              <a:t>Especificação dos Requisitos</a:t>
+            </a:r>
+            <a:endParaRPr lang="pt-BR" sz="2300" dirty="0">
+              <a:latin typeface="Raleway" panose="020B0604020202020204" pitchFamily="2" charset="0"/>
+            </a:endParaRPr>
+          </a:p>
+        </p:txBody>
+      </p:sp>
+      <p:sp>
+        <p:nvSpPr>
+          <p:cNvPr id="3" name="Espaço Reservado para Texto 2">
+            <a:extLst>
+              <a:ext uri="{FF2B5EF4-FFF2-40B4-BE49-F238E27FC236}">
+                <a16:creationId xmlns:a16="http://schemas.microsoft.com/office/drawing/2014/main" id="{3D5A357C-E6CF-4FA7-A543-951413D9E139}"/>
+              </a:ext>
+            </a:extLst>
+          </p:cNvPr>
+          <p:cNvSpPr>
+            <a:spLocks noGrp="1"/>
+          </p:cNvSpPr>
+          <p:nvPr>
+            <p:ph type="body" idx="1"/>
+          </p:nvPr>
+        </p:nvSpPr>
+        <p:spPr/>
+        <p:txBody>
+          <a:bodyPr>
+            <a:normAutofit/>
+          </a:bodyPr>
+          <a:lstStyle/>
+          <a:p>
+            <a:r>
+              <a:rPr lang="pt-BR" sz="1800" dirty="0">
+                <a:solidFill>
+                  <a:schemeClr val="bg2"/>
+                </a:solidFill>
+                <a:latin typeface="Lato" panose="020F0502020204030203" pitchFamily="34" charset="0"/>
+                <a:ea typeface="Lato" panose="020F0502020204030203" pitchFamily="34" charset="0"/>
+                <a:cs typeface="Lato" panose="020F0502020204030203" pitchFamily="34" charset="0"/>
+              </a:rPr>
+              <a:t>Requisitos Funcionais</a:t>
+            </a:r>
+          </a:p>
+          <a:p>
+            <a:pPr marL="146050" indent="0">
+              <a:buNone/>
+            </a:pPr>
+            <a:r>
+              <a:rPr lang="pt-BR" sz="1800" dirty="0">
+                <a:solidFill>
+                  <a:schemeClr val="bg2"/>
+                </a:solidFill>
+                <a:latin typeface="Lato" panose="020F0502020204030203" pitchFamily="34" charset="0"/>
+                <a:ea typeface="Lato" panose="020F0502020204030203" pitchFamily="34" charset="0"/>
+                <a:cs typeface="Lato" panose="020F0502020204030203" pitchFamily="34" charset="0"/>
+              </a:rPr>
+              <a:t>	</a:t>
+            </a:r>
+          </a:p>
+          <a:p>
+            <a:r>
+              <a:rPr lang="pt-BR" sz="1800" dirty="0">
+                <a:solidFill>
+                  <a:schemeClr val="bg2"/>
+                </a:solidFill>
+                <a:latin typeface="Lato" panose="020F0502020204030203" pitchFamily="34" charset="0"/>
+                <a:ea typeface="Lato" panose="020F0502020204030203" pitchFamily="34" charset="0"/>
+                <a:cs typeface="Lato" panose="020F0502020204030203" pitchFamily="34" charset="0"/>
+              </a:rPr>
+              <a:t>Requisitos Não-Funcionais</a:t>
+            </a:r>
+          </a:p>
+          <a:p>
+            <a:endParaRPr lang="pt-BR" sz="1800" dirty="0">
+              <a:solidFill>
+                <a:schemeClr val="bg2"/>
+              </a:solidFill>
+              <a:latin typeface="Lato" panose="020F0502020204030203" pitchFamily="34" charset="0"/>
+              <a:ea typeface="Lato" panose="020F0502020204030203" pitchFamily="34" charset="0"/>
+              <a:cs typeface="Lato" panose="020F0502020204030203" pitchFamily="34" charset="0"/>
+            </a:endParaRPr>
+          </a:p>
+          <a:p>
+            <a:pPr marL="146050" indent="0" algn="ctr">
+              <a:buNone/>
+            </a:pPr>
+            <a:r>
+              <a:rPr lang="pt-BR" sz="1800" b="0" dirty="0">
+                <a:latin typeface="Lato" panose="020F0502020204030203" pitchFamily="34" charset="0"/>
+                <a:ea typeface="Lato" panose="020F0502020204030203" pitchFamily="34" charset="0"/>
+                <a:cs typeface="Lato" panose="020F0502020204030203" pitchFamily="34" charset="0"/>
+                <a:hlinkClick r:id="rId2"/>
+              </a:rPr>
+              <a:t>Especificação de Requisitos </a:t>
+            </a:r>
+            <a:endParaRPr lang="pt-BR" sz="1800" b="0" dirty="0">
+              <a:latin typeface="Lato" panose="020F0502020204030203" pitchFamily="34" charset="0"/>
+              <a:ea typeface="Lato" panose="020F0502020204030203" pitchFamily="34" charset="0"/>
+              <a:cs typeface="Lato" panose="020F0502020204030203" pitchFamily="34" charset="0"/>
+            </a:endParaRPr>
+          </a:p>
+          <a:p>
+            <a:pPr marL="146050" indent="0">
+              <a:buNone/>
+            </a:pPr>
+            <a:endParaRPr lang="pt-BR" sz="2000" dirty="0">
+              <a:solidFill>
+                <a:schemeClr val="bg2"/>
+              </a:solidFill>
+            </a:endParaRPr>
+          </a:p>
+        </p:txBody>
+      </p:sp>
+    </p:spTree>
+    <p:extLst>
+      <p:ext uri="{BB962C8B-B14F-4D97-AF65-F5344CB8AC3E}">
+        <p14:creationId xmlns:p14="http://schemas.microsoft.com/office/powerpoint/2010/main" val="3440820937"/>
+      </p:ext>
+    </p:extLst>
+  </p:cSld>
+  <p:clrMapOvr>
+    <a:masterClrMapping/>
+  </p:clrMapOvr>
+</p:sld>
+</file>
+
+<file path=ppt/slides/slide11.xml><?xml version="1.0" encoding="utf-8"?>
+<p:sld xmlns:a="http://schemas.openxmlformats.org/drawingml/2006/main" xmlns:r="http://schemas.openxmlformats.org/officeDocument/2006/relationships" xmlns:p="http://schemas.openxmlformats.org/presentationml/2006/main">
+  <p:cSld>
+    <p:spTree>
+      <p:nvGrpSpPr>
+        <p:cNvPr id="1" name=""/>
+        <p:cNvGrpSpPr/>
+        <p:nvPr/>
+      </p:nvGrpSpPr>
+      <p:grpSpPr>
+        <a:xfrm>
+          <a:off x="0" y="0"/>
+          <a:ext cx="0" cy="0"/>
+          <a:chOff x="0" y="0"/>
+          <a:chExt cx="0" cy="0"/>
+        </a:xfrm>
+      </p:grpSpPr>
+      <p:sp>
+        <p:nvSpPr>
+          <p:cNvPr id="2" name="Título 1">
+            <a:extLst>
+              <a:ext uri="{FF2B5EF4-FFF2-40B4-BE49-F238E27FC236}">
+                <a16:creationId xmlns:a16="http://schemas.microsoft.com/office/drawing/2014/main" id="{E5A4DD00-4321-4449-94BC-7CD84CD260F9}"/>
+              </a:ext>
+            </a:extLst>
+          </p:cNvPr>
+          <p:cNvSpPr>
+            <a:spLocks noGrp="1"/>
+          </p:cNvSpPr>
+          <p:nvPr>
+            <p:ph type="title"/>
+          </p:nvPr>
+        </p:nvSpPr>
+        <p:spPr>
+          <a:xfrm>
+            <a:off x="729450" y="1201918"/>
+            <a:ext cx="1488233" cy="535200"/>
+          </a:xfrm>
+        </p:spPr>
+        <p:txBody>
+          <a:bodyPr>
+            <a:normAutofit/>
+          </a:bodyPr>
+          <a:lstStyle/>
+          <a:p>
+            <a:r>
+              <a:rPr lang="pt-BR" sz="2300" dirty="0">
+                <a:latin typeface="Raleway" panose="020B0604020202020204" pitchFamily="2" charset="0"/>
+                <a:cs typeface="Times New Roman" panose="02020603050405020304" pitchFamily="18" charset="0"/>
+              </a:rPr>
+              <a:t>Use Case</a:t>
+            </a:r>
+            <a:endParaRPr lang="pt-BR" sz="2300" dirty="0">
+              <a:latin typeface="Raleway" panose="020B0604020202020204" pitchFamily="2" charset="0"/>
+            </a:endParaRPr>
+          </a:p>
+        </p:txBody>
+      </p:sp>
+      <p:sp>
+        <p:nvSpPr>
+          <p:cNvPr id="9" name="Rectangle 1">
+            <a:extLst>
+              <a:ext uri="{FF2B5EF4-FFF2-40B4-BE49-F238E27FC236}">
+                <a16:creationId xmlns:a16="http://schemas.microsoft.com/office/drawing/2014/main" id="{68FC2A3B-AD0B-4E2B-B3FE-32C27768174B}"/>
+              </a:ext>
+            </a:extLst>
+          </p:cNvPr>
+          <p:cNvSpPr>
+            <a:spLocks noChangeArrowheads="1"/>
+          </p:cNvSpPr>
+          <p:nvPr/>
+        </p:nvSpPr>
+        <p:spPr bwMode="auto">
+          <a:xfrm>
+            <a:off x="1974850" y="1689716"/>
+            <a:ext cx="9144000" cy="457200"/>
+          </a:xfrm>
+          <a:prstGeom prst="rect">
+            <a:avLst/>
+          </a:prstGeom>
+          <a:noFill/>
+          <a:ln>
+            <a:noFill/>
+          </a:ln>
+          <a:effectLst/>
+          <a:extLst>
+            <a:ext uri="{909E8E84-426E-40DD-AFC4-6F175D3DCCD1}">
+              <a14:hiddenFill xmlns:a14="http://schemas.microsoft.com/office/drawing/2010/main">
+                <a:solidFill>
+                  <a:schemeClr val="accent1"/>
+                </a:solidFill>
+              </a14:hiddenFill>
+            </a:ext>
+            <a:ext uri="{91240B29-F687-4F45-9708-019B960494DF}">
+              <a14:hiddenLine xmlns:a14="http://schemas.microsoft.com/office/drawing/2010/main" w="9525">
+                <a:solidFill>
+                  <a:schemeClr val="tx1"/>
+                </a:solidFill>
+                <a:miter lim="800000"/>
+                <a:headEnd/>
+                <a:tailEnd/>
+              </a14:hiddenLine>
+            </a:ext>
+            <a:ext uri="{AF507438-7753-43E0-B8FC-AC1667EBCBE1}">
+              <a14:hiddenEffects xmlns:a14="http://schemas.microsoft.com/office/drawing/2010/main">
+                <a:effectLst>
+                  <a:outerShdw dist="35921" dir="2700000" algn="ctr" rotWithShape="0">
+                    <a:schemeClr val="bg2"/>
+                  </a:outerShdw>
+                </a:effectLst>
+              </a14:hiddenEffects>
+            </a:ext>
+          </a:extLst>
+        </p:spPr>
+        <p:txBody>
+          <a:bodyPr vert="horz" wrap="none" lIns="91440" tIns="0" rIns="91440" bIns="0" numCol="1" anchor="ctr" anchorCtr="0" compatLnSpc="1">
+            <a:prstTxWarp prst="textNoShape">
+              <a:avLst/>
+            </a:prstTxWarp>
+            <a:spAutoFit/>
+          </a:bodyPr>
+          <a:lstStyle/>
+          <a:p>
+            <a:pPr marL="0" marR="0" lvl="0" indent="0" algn="l" defTabSz="914400" rtl="0" eaLnBrk="0" fontAlgn="base" latinLnBrk="0" hangingPunct="0">
+              <a:lnSpc>
+                <a:spcPct val="100000"/>
+              </a:lnSpc>
+              <a:spcBef>
+                <a:spcPct val="0"/>
+              </a:spcBef>
+              <a:spcAft>
+                <a:spcPct val="0"/>
+              </a:spcAft>
+              <a:buClrTx/>
+              <a:buSzTx/>
+              <a:buFontTx/>
+              <a:buNone/>
+              <a:tabLst/>
+            </a:pPr>
+            <a:endParaRPr kumimoji="0" lang="pt-BR" altLang="pt-BR" sz="1800" b="0" i="0" u="none" strike="noStrike" cap="none" normalizeH="0" baseline="0">
+              <a:ln>
+                <a:noFill/>
+              </a:ln>
+              <a:solidFill>
+                <a:schemeClr val="tx1"/>
+              </a:solidFill>
+              <a:effectLst/>
+              <a:latin typeface="Arial" panose="020B0604020202020204" pitchFamily="34" charset="0"/>
+            </a:endParaRPr>
+          </a:p>
+        </p:txBody>
+      </p:sp>
+      <p:pic>
+        <p:nvPicPr>
+          <p:cNvPr id="12" name="Imagem 11">
+            <a:extLst>
+              <a:ext uri="{FF2B5EF4-FFF2-40B4-BE49-F238E27FC236}">
+                <a16:creationId xmlns:a16="http://schemas.microsoft.com/office/drawing/2014/main" id="{31B52201-780B-4BA5-8C24-8EBFCB744154}"/>
+              </a:ext>
+            </a:extLst>
+          </p:cNvPr>
+          <p:cNvPicPr>
+            <a:picLocks noChangeAspect="1"/>
+          </p:cNvPicPr>
+          <p:nvPr/>
+        </p:nvPicPr>
+        <p:blipFill>
+          <a:blip r:embed="rId2"/>
+          <a:stretch>
+            <a:fillRect/>
+          </a:stretch>
+        </p:blipFill>
+        <p:spPr>
+          <a:xfrm>
+            <a:off x="2145882" y="0"/>
+            <a:ext cx="6975308" cy="5143500"/>
+          </a:xfrm>
+          <a:prstGeom prst="rect">
+            <a:avLst/>
+          </a:prstGeom>
+        </p:spPr>
+      </p:pic>
+    </p:spTree>
+    <p:extLst>
+      <p:ext uri="{BB962C8B-B14F-4D97-AF65-F5344CB8AC3E}">
+        <p14:creationId xmlns:p14="http://schemas.microsoft.com/office/powerpoint/2010/main" val="4280116044"/>
+      </p:ext>
+    </p:extLst>
+  </p:cSld>
+  <p:clrMapOvr>
+    <a:masterClrMapping/>
+  </p:clrMapOvr>
+  <p:timing>
+    <p:tnLst>
+      <p:par>
+        <p:cTn id="1" dur="indefinite" restart="never" nodeType="tmRoot">
+          <p:childTnLst>
+            <p:seq concurrent="1" nextAc="seek">
+              <p:cTn id="2" dur="indefinite" nodeType="mainSeq">
+                <p:childTnLst>
+                  <p:par>
+                    <p:cTn id="3" fill="hold">
+                      <p:stCondLst>
+                        <p:cond delay="indefinite"/>
+                      </p:stCondLst>
+                      <p:childTnLst>
+                        <p:par>
+                          <p:cTn id="4" fill="hold">
+                            <p:stCondLst>
+                              <p:cond delay="0"/>
+                            </p:stCondLst>
+                            <p:childTnLst>
+                              <p:par>
+                                <p:cTn id="5" presetID="1" presetClass="entr" presetSubtype="0" fill="hold" nodeType="clickEffect">
+                                  <p:stCondLst>
+                                    <p:cond delay="0"/>
+                                  </p:stCondLst>
+                                  <p:childTnLst>
+                                    <p:set>
+                                      <p:cBhvr>
+                                        <p:cTn id="6" dur="1" fill="hold">
+                                          <p:stCondLst>
+                                            <p:cond delay="0"/>
+                                          </p:stCondLst>
+                                        </p:cTn>
+                                        <p:tgtEl>
+                                          <p:spTgt spid="12"/>
+                                        </p:tgtEl>
+                                        <p:attrNameLst>
+                                          <p:attrName>style.visibility</p:attrName>
+                                        </p:attrNameLst>
+                                      </p:cBhvr>
+                                      <p:to>
+                                        <p:strVal val="visible"/>
+                                      </p:to>
+                                    </p:set>
+                                  </p:childTnLst>
+                                </p:cTn>
+                              </p:par>
+                            </p:childTnLst>
+                          </p:cTn>
+                        </p:par>
+                      </p:childTnLst>
+                    </p:cTn>
+                  </p:par>
+                </p:childTnLst>
+              </p:cTn>
+              <p:prevCondLst>
+                <p:cond evt="onPrev" delay="0">
+                  <p:tgtEl>
+                    <p:sldTgt/>
+                  </p:tgtEl>
+                </p:cond>
+              </p:prevCondLst>
+              <p:nextCondLst>
+                <p:cond evt="onNext" delay="0">
+                  <p:tgtEl>
+                    <p:sldTgt/>
+                  </p:tgtEl>
+                </p:cond>
+              </p:nextCondLst>
+            </p:seq>
+          </p:childTnLst>
+        </p:cTn>
+      </p:par>
+    </p:tnLst>
+  </p:timing>
+</p:sld>
+</file>
+
+<file path=ppt/slides/slide12.xml><?xml version="1.0" encoding="utf-8"?>
+<p:sld xmlns:a="http://schemas.openxmlformats.org/drawingml/2006/main" xmlns:r="http://schemas.openxmlformats.org/officeDocument/2006/relationships" xmlns:p="http://schemas.openxmlformats.org/presentationml/2006/main">
+  <p:cSld>
+    <p:spTree>
+      <p:nvGrpSpPr>
+        <p:cNvPr id="1" name=""/>
+        <p:cNvGrpSpPr/>
+        <p:nvPr/>
+      </p:nvGrpSpPr>
+      <p:grpSpPr>
+        <a:xfrm>
+          <a:off x="0" y="0"/>
+          <a:ext cx="0" cy="0"/>
+          <a:chOff x="0" y="0"/>
+          <a:chExt cx="0" cy="0"/>
+        </a:xfrm>
+      </p:grpSpPr>
+      <p:sp>
+        <p:nvSpPr>
+          <p:cNvPr id="2" name="Título 1">
+            <a:extLst>
+              <a:ext uri="{FF2B5EF4-FFF2-40B4-BE49-F238E27FC236}">
+                <a16:creationId xmlns:a16="http://schemas.microsoft.com/office/drawing/2014/main" id="{E5A4DD00-4321-4449-94BC-7CD84CD260F9}"/>
+              </a:ext>
+            </a:extLst>
+          </p:cNvPr>
+          <p:cNvSpPr>
+            <a:spLocks noGrp="1"/>
+          </p:cNvSpPr>
+          <p:nvPr>
+            <p:ph type="title"/>
+          </p:nvPr>
+        </p:nvSpPr>
+        <p:spPr>
+          <a:xfrm>
+            <a:off x="729450" y="1201918"/>
+            <a:ext cx="1488233" cy="535200"/>
+          </a:xfrm>
+        </p:spPr>
+        <p:txBody>
+          <a:bodyPr>
+            <a:normAutofit/>
+          </a:bodyPr>
+          <a:lstStyle/>
+          <a:p>
+            <a:r>
+              <a:rPr lang="pt-BR" sz="2300" dirty="0">
+                <a:latin typeface="Raleway" panose="020B0604020202020204" pitchFamily="2" charset="0"/>
+                <a:cs typeface="Times New Roman" panose="02020603050405020304" pitchFamily="18" charset="0"/>
+              </a:rPr>
+              <a:t>Use Case</a:t>
+            </a:r>
+            <a:endParaRPr lang="pt-BR" sz="2300" dirty="0">
+              <a:latin typeface="Raleway" panose="020B0604020202020204" pitchFamily="2" charset="0"/>
+            </a:endParaRPr>
+          </a:p>
+        </p:txBody>
+      </p:sp>
+      <p:graphicFrame>
+        <p:nvGraphicFramePr>
+          <p:cNvPr id="8" name="Tabela 7">
+            <a:extLst>
+              <a:ext uri="{FF2B5EF4-FFF2-40B4-BE49-F238E27FC236}">
+                <a16:creationId xmlns:a16="http://schemas.microsoft.com/office/drawing/2014/main" id="{30C4A9D4-EC9F-4B12-AC00-0A090B9A53D6}"/>
+              </a:ext>
+            </a:extLst>
+          </p:cNvPr>
+          <p:cNvGraphicFramePr>
+            <a:graphicFrameLocks noGrp="1"/>
+          </p:cNvGraphicFramePr>
+          <p:nvPr>
+            <p:extLst>
+              <p:ext uri="{D42A27DB-BD31-4B8C-83A1-F6EECF244321}">
+                <p14:modId xmlns:p14="http://schemas.microsoft.com/office/powerpoint/2010/main" val="744762800"/>
+              </p:ext>
+            </p:extLst>
+          </p:nvPr>
+        </p:nvGraphicFramePr>
+        <p:xfrm>
+          <a:off x="3499149" y="1065883"/>
+          <a:ext cx="5193699" cy="3441633"/>
+        </p:xfrm>
+        <a:graphic>
+          <a:graphicData uri="http://schemas.openxmlformats.org/drawingml/2006/table">
+            <a:tbl>
+              <a:tblPr/>
+              <a:tblGrid>
+                <a:gridCol w="1713921">
+                  <a:extLst>
+                    <a:ext uri="{9D8B030D-6E8A-4147-A177-3AD203B41FA5}">
+                      <a16:colId xmlns:a16="http://schemas.microsoft.com/office/drawing/2014/main" val="3655598033"/>
+                    </a:ext>
+                  </a:extLst>
+                </a:gridCol>
+                <a:gridCol w="3479778">
+                  <a:extLst>
+                    <a:ext uri="{9D8B030D-6E8A-4147-A177-3AD203B41FA5}">
+                      <a16:colId xmlns:a16="http://schemas.microsoft.com/office/drawing/2014/main" val="4233286132"/>
+                    </a:ext>
+                  </a:extLst>
+                </a:gridCol>
+              </a:tblGrid>
+              <a:tr h="309314">
+                <a:tc>
+                  <a:txBody>
+                    <a:bodyPr/>
+                    <a:lstStyle/>
+                    <a:p>
+                      <a:pPr rtl="0" fontAlgn="t">
+                        <a:spcBef>
+                          <a:spcPts val="0"/>
+                        </a:spcBef>
+                        <a:spcAft>
+                          <a:spcPts val="0"/>
+                        </a:spcAft>
+                      </a:pPr>
+                      <a:r>
+                        <a:rPr lang="pt-BR" sz="1300" b="1" i="0" u="none" strike="noStrike" dirty="0">
+                          <a:solidFill>
+                            <a:srgbClr val="000000"/>
+                          </a:solidFill>
+                          <a:effectLst/>
+                          <a:latin typeface="Times New Roman" panose="02020603050405020304" pitchFamily="18" charset="0"/>
+                        </a:rPr>
+                        <a:t>Use Case </a:t>
+                      </a:r>
+                      <a:r>
+                        <a:rPr lang="pt-BR" sz="1300" b="1" i="0" u="none" strike="noStrike" dirty="0" err="1">
+                          <a:solidFill>
+                            <a:srgbClr val="000000"/>
+                          </a:solidFill>
+                          <a:effectLst/>
+                          <a:latin typeface="Times New Roman" panose="02020603050405020304" pitchFamily="18" charset="0"/>
+                        </a:rPr>
+                        <a:t>Name</a:t>
+                      </a:r>
+                      <a:endParaRPr lang="pt-BR" sz="1300" dirty="0">
+                        <a:effectLst/>
+                      </a:endParaRPr>
+                    </a:p>
+                  </a:txBody>
+                  <a:tcPr marL="57708" marR="57708" marT="57708" marB="57708">
+                    <a:lnL w="12700" cap="flat" cmpd="sng" algn="ctr">
+                      <a:solidFill>
+                        <a:srgbClr val="000000"/>
+                      </a:solidFill>
+                      <a:prstDash val="solid"/>
+                      <a:round/>
+                      <a:headEnd type="none" w="med" len="med"/>
+                      <a:tailEnd type="none" w="med" len="med"/>
+                    </a:lnL>
+                    <a:lnR w="12700" cap="flat" cmpd="sng" algn="ctr">
+                      <a:solidFill>
+                        <a:srgbClr val="000000"/>
+                      </a:solidFill>
+                      <a:prstDash val="solid"/>
+                      <a:round/>
+                      <a:headEnd type="none" w="med" len="med"/>
+                      <a:tailEnd type="none" w="med" len="med"/>
+                    </a:lnR>
+                    <a:lnT w="12700" cap="flat" cmpd="sng" algn="ctr">
+                      <a:solidFill>
+                        <a:srgbClr val="000000"/>
+                      </a:solidFill>
+                      <a:prstDash val="solid"/>
+                      <a:round/>
+                      <a:headEnd type="none" w="med" len="med"/>
+                      <a:tailEnd type="none" w="med" len="med"/>
+                    </a:lnT>
+                    <a:lnB w="12700" cap="flat" cmpd="sng" algn="ctr">
+                      <a:solidFill>
+                        <a:srgbClr val="000000"/>
+                      </a:solidFill>
+                      <a:prstDash val="solid"/>
+                      <a:round/>
+                      <a:headEnd type="none" w="med" len="med"/>
+                      <a:tailEnd type="none" w="med" len="med"/>
+                    </a:lnB>
+                  </a:tcPr>
+                </a:tc>
+                <a:tc>
+                  <a:txBody>
+                    <a:bodyPr/>
+                    <a:lstStyle/>
+                    <a:p>
+                      <a:pPr rtl="0" fontAlgn="t">
+                        <a:spcBef>
+                          <a:spcPts val="0"/>
+                        </a:spcBef>
+                        <a:spcAft>
+                          <a:spcPts val="0"/>
+                        </a:spcAft>
+                      </a:pPr>
+                      <a:endParaRPr lang="pt-BR" sz="1300" dirty="0">
+                        <a:effectLst/>
+                      </a:endParaRPr>
+                    </a:p>
+                  </a:txBody>
+                  <a:tcPr marL="57708" marR="57708" marT="57708" marB="57708">
+                    <a:lnL w="12700" cap="flat" cmpd="sng" algn="ctr">
+                      <a:solidFill>
+                        <a:srgbClr val="000000"/>
+                      </a:solidFill>
+                      <a:prstDash val="solid"/>
+                      <a:round/>
+                      <a:headEnd type="none" w="med" len="med"/>
+                      <a:tailEnd type="none" w="med" len="med"/>
+                    </a:lnL>
+                    <a:lnR w="12700" cap="flat" cmpd="sng" algn="ctr">
+                      <a:solidFill>
+                        <a:srgbClr val="000000"/>
+                      </a:solidFill>
+                      <a:prstDash val="solid"/>
+                      <a:round/>
+                      <a:headEnd type="none" w="med" len="med"/>
+                      <a:tailEnd type="none" w="med" len="med"/>
+                    </a:lnR>
+                    <a:lnT w="12700" cap="flat" cmpd="sng" algn="ctr">
+                      <a:solidFill>
+                        <a:srgbClr val="000000"/>
+                      </a:solidFill>
+                      <a:prstDash val="solid"/>
+                      <a:round/>
+                      <a:headEnd type="none" w="med" len="med"/>
+                      <a:tailEnd type="none" w="med" len="med"/>
+                    </a:lnT>
+                    <a:lnB w="12700" cap="flat" cmpd="sng" algn="ctr">
+                      <a:solidFill>
+                        <a:srgbClr val="000000"/>
+                      </a:solidFill>
+                      <a:prstDash val="solid"/>
+                      <a:round/>
+                      <a:headEnd type="none" w="med" len="med"/>
+                      <a:tailEnd type="none" w="med" len="med"/>
+                    </a:lnB>
+                  </a:tcPr>
+                </a:tc>
+                <a:extLst>
+                  <a:ext uri="{0D108BD9-81ED-4DB2-BD59-A6C34878D82A}">
+                    <a16:rowId xmlns:a16="http://schemas.microsoft.com/office/drawing/2014/main" val="804783167"/>
+                  </a:ext>
+                </a:extLst>
+              </a:tr>
+              <a:tr h="309314">
+                <a:tc>
+                  <a:txBody>
+                    <a:bodyPr/>
+                    <a:lstStyle/>
+                    <a:p>
+                      <a:pPr rtl="0" fontAlgn="t">
+                        <a:spcBef>
+                          <a:spcPts val="0"/>
+                        </a:spcBef>
+                        <a:spcAft>
+                          <a:spcPts val="0"/>
+                        </a:spcAft>
+                      </a:pPr>
+                      <a:r>
+                        <a:rPr lang="pt-BR" sz="1300" b="1" i="0" u="none" strike="noStrike">
+                          <a:solidFill>
+                            <a:srgbClr val="000000"/>
+                          </a:solidFill>
+                          <a:effectLst/>
+                          <a:latin typeface="Times New Roman" panose="02020603050405020304" pitchFamily="18" charset="0"/>
+                        </a:rPr>
+                        <a:t>Pré-condições</a:t>
+                      </a:r>
+                      <a:endParaRPr lang="pt-BR" sz="1300">
+                        <a:effectLst/>
+                      </a:endParaRPr>
+                    </a:p>
+                  </a:txBody>
+                  <a:tcPr marL="57708" marR="57708" marT="57708" marB="57708">
+                    <a:lnL w="12700" cap="flat" cmpd="sng" algn="ctr">
+                      <a:solidFill>
+                        <a:srgbClr val="000000"/>
+                      </a:solidFill>
+                      <a:prstDash val="solid"/>
+                      <a:round/>
+                      <a:headEnd type="none" w="med" len="med"/>
+                      <a:tailEnd type="none" w="med" len="med"/>
+                    </a:lnL>
+                    <a:lnR w="12700" cap="flat" cmpd="sng" algn="ctr">
+                      <a:solidFill>
+                        <a:srgbClr val="000000"/>
+                      </a:solidFill>
+                      <a:prstDash val="solid"/>
+                      <a:round/>
+                      <a:headEnd type="none" w="med" len="med"/>
+                      <a:tailEnd type="none" w="med" len="med"/>
+                    </a:lnR>
+                    <a:lnT w="12700" cap="flat" cmpd="sng" algn="ctr">
+                      <a:solidFill>
+                        <a:srgbClr val="000000"/>
+                      </a:solidFill>
+                      <a:prstDash val="solid"/>
+                      <a:round/>
+                      <a:headEnd type="none" w="med" len="med"/>
+                      <a:tailEnd type="none" w="med" len="med"/>
+                    </a:lnT>
+                    <a:lnB w="12700" cap="flat" cmpd="sng" algn="ctr">
+                      <a:solidFill>
+                        <a:srgbClr val="000000"/>
+                      </a:solidFill>
+                      <a:prstDash val="solid"/>
+                      <a:round/>
+                      <a:headEnd type="none" w="med" len="med"/>
+                      <a:tailEnd type="none" w="med" len="med"/>
+                    </a:lnB>
+                  </a:tcPr>
+                </a:tc>
+                <a:tc>
+                  <a:txBody>
+                    <a:bodyPr/>
+                    <a:lstStyle/>
+                    <a:p>
+                      <a:pPr rtl="0" fontAlgn="t">
+                        <a:spcBef>
+                          <a:spcPts val="0"/>
+                        </a:spcBef>
+                        <a:spcAft>
+                          <a:spcPts val="0"/>
+                        </a:spcAft>
+                      </a:pPr>
+                      <a:endParaRPr lang="pt-BR" sz="1300" dirty="0">
+                        <a:effectLst/>
+                      </a:endParaRPr>
+                    </a:p>
+                  </a:txBody>
+                  <a:tcPr marL="57708" marR="57708" marT="57708" marB="57708">
+                    <a:lnL w="12700" cap="flat" cmpd="sng" algn="ctr">
+                      <a:solidFill>
+                        <a:srgbClr val="000000"/>
+                      </a:solidFill>
+                      <a:prstDash val="solid"/>
+                      <a:round/>
+                      <a:headEnd type="none" w="med" len="med"/>
+                      <a:tailEnd type="none" w="med" len="med"/>
+                    </a:lnL>
+                    <a:lnR w="12700" cap="flat" cmpd="sng" algn="ctr">
+                      <a:solidFill>
+                        <a:srgbClr val="000000"/>
+                      </a:solidFill>
+                      <a:prstDash val="solid"/>
+                      <a:round/>
+                      <a:headEnd type="none" w="med" len="med"/>
+                      <a:tailEnd type="none" w="med" len="med"/>
+                    </a:lnR>
+                    <a:lnT w="12700" cap="flat" cmpd="sng" algn="ctr">
+                      <a:solidFill>
+                        <a:srgbClr val="000000"/>
+                      </a:solidFill>
+                      <a:prstDash val="solid"/>
+                      <a:round/>
+                      <a:headEnd type="none" w="med" len="med"/>
+                      <a:tailEnd type="none" w="med" len="med"/>
+                    </a:lnT>
+                    <a:lnB w="12700" cap="flat" cmpd="sng" algn="ctr">
+                      <a:solidFill>
+                        <a:srgbClr val="000000"/>
+                      </a:solidFill>
+                      <a:prstDash val="solid"/>
+                      <a:round/>
+                      <a:headEnd type="none" w="med" len="med"/>
+                      <a:tailEnd type="none" w="med" len="med"/>
+                    </a:lnB>
+                  </a:tcPr>
+                </a:tc>
+                <a:extLst>
+                  <a:ext uri="{0D108BD9-81ED-4DB2-BD59-A6C34878D82A}">
+                    <a16:rowId xmlns:a16="http://schemas.microsoft.com/office/drawing/2014/main" val="3611192499"/>
+                  </a:ext>
+                </a:extLst>
+              </a:tr>
+              <a:tr h="503212">
+                <a:tc>
+                  <a:txBody>
+                    <a:bodyPr/>
+                    <a:lstStyle/>
+                    <a:p>
+                      <a:pPr rtl="0" fontAlgn="t">
+                        <a:spcBef>
+                          <a:spcPts val="0"/>
+                        </a:spcBef>
+                        <a:spcAft>
+                          <a:spcPts val="0"/>
+                        </a:spcAft>
+                      </a:pPr>
+                      <a:r>
+                        <a:rPr lang="pt-BR" sz="1300" b="1" i="0" u="none" strike="noStrike" dirty="0">
+                          <a:solidFill>
+                            <a:srgbClr val="000000"/>
+                          </a:solidFill>
+                          <a:effectLst/>
+                          <a:latin typeface="Times New Roman" panose="02020603050405020304" pitchFamily="18" charset="0"/>
+                        </a:rPr>
+                        <a:t>Requisição Bem sucedida</a:t>
+                      </a:r>
+                      <a:endParaRPr lang="pt-BR" sz="1300" dirty="0">
+                        <a:effectLst/>
+                      </a:endParaRPr>
+                    </a:p>
+                  </a:txBody>
+                  <a:tcPr marL="57708" marR="57708" marT="57708" marB="57708">
+                    <a:lnL w="12700" cap="flat" cmpd="sng" algn="ctr">
+                      <a:solidFill>
+                        <a:srgbClr val="000000"/>
+                      </a:solidFill>
+                      <a:prstDash val="solid"/>
+                      <a:round/>
+                      <a:headEnd type="none" w="med" len="med"/>
+                      <a:tailEnd type="none" w="med" len="med"/>
+                    </a:lnL>
+                    <a:lnR w="12700" cap="flat" cmpd="sng" algn="ctr">
+                      <a:solidFill>
+                        <a:srgbClr val="000000"/>
+                      </a:solidFill>
+                      <a:prstDash val="solid"/>
+                      <a:round/>
+                      <a:headEnd type="none" w="med" len="med"/>
+                      <a:tailEnd type="none" w="med" len="med"/>
+                    </a:lnR>
+                    <a:lnT w="12700" cap="flat" cmpd="sng" algn="ctr">
+                      <a:solidFill>
+                        <a:srgbClr val="000000"/>
+                      </a:solidFill>
+                      <a:prstDash val="solid"/>
+                      <a:round/>
+                      <a:headEnd type="none" w="med" len="med"/>
+                      <a:tailEnd type="none" w="med" len="med"/>
+                    </a:lnT>
+                    <a:lnB w="12700" cap="flat" cmpd="sng" algn="ctr">
+                      <a:solidFill>
+                        <a:srgbClr val="000000"/>
+                      </a:solidFill>
+                      <a:prstDash val="solid"/>
+                      <a:round/>
+                      <a:headEnd type="none" w="med" len="med"/>
+                      <a:tailEnd type="none" w="med" len="med"/>
+                    </a:lnB>
+                  </a:tcPr>
+                </a:tc>
+                <a:tc>
+                  <a:txBody>
+                    <a:bodyPr/>
+                    <a:lstStyle/>
+                    <a:p>
+                      <a:pPr rtl="0" fontAlgn="t">
+                        <a:spcBef>
+                          <a:spcPts val="0"/>
+                        </a:spcBef>
+                        <a:spcAft>
+                          <a:spcPts val="0"/>
+                        </a:spcAft>
+                      </a:pPr>
+                      <a:endParaRPr lang="pt-BR" sz="1300" dirty="0">
+                        <a:effectLst/>
+                      </a:endParaRPr>
+                    </a:p>
+                  </a:txBody>
+                  <a:tcPr marL="57708" marR="57708" marT="57708" marB="57708">
+                    <a:lnL w="12700" cap="flat" cmpd="sng" algn="ctr">
+                      <a:solidFill>
+                        <a:srgbClr val="000000"/>
+                      </a:solidFill>
+                      <a:prstDash val="solid"/>
+                      <a:round/>
+                      <a:headEnd type="none" w="med" len="med"/>
+                      <a:tailEnd type="none" w="med" len="med"/>
+                    </a:lnL>
+                    <a:lnR w="12700" cap="flat" cmpd="sng" algn="ctr">
+                      <a:solidFill>
+                        <a:srgbClr val="000000"/>
+                      </a:solidFill>
+                      <a:prstDash val="solid"/>
+                      <a:round/>
+                      <a:headEnd type="none" w="med" len="med"/>
+                      <a:tailEnd type="none" w="med" len="med"/>
+                    </a:lnR>
+                    <a:lnT w="12700" cap="flat" cmpd="sng" algn="ctr">
+                      <a:solidFill>
+                        <a:srgbClr val="000000"/>
+                      </a:solidFill>
+                      <a:prstDash val="solid"/>
+                      <a:round/>
+                      <a:headEnd type="none" w="med" len="med"/>
+                      <a:tailEnd type="none" w="med" len="med"/>
+                    </a:lnT>
+                    <a:lnB w="12700" cap="flat" cmpd="sng" algn="ctr">
+                      <a:solidFill>
+                        <a:srgbClr val="000000"/>
+                      </a:solidFill>
+                      <a:prstDash val="solid"/>
+                      <a:round/>
+                      <a:headEnd type="none" w="med" len="med"/>
+                      <a:tailEnd type="none" w="med" len="med"/>
+                    </a:lnB>
+                  </a:tcPr>
+                </a:tc>
+                <a:extLst>
+                  <a:ext uri="{0D108BD9-81ED-4DB2-BD59-A6C34878D82A}">
+                    <a16:rowId xmlns:a16="http://schemas.microsoft.com/office/drawing/2014/main" val="1147948635"/>
+                  </a:ext>
+                </a:extLst>
+              </a:tr>
+              <a:tr h="309314">
+                <a:tc>
+                  <a:txBody>
+                    <a:bodyPr/>
+                    <a:lstStyle/>
+                    <a:p>
+                      <a:pPr rtl="0" fontAlgn="t">
+                        <a:spcBef>
+                          <a:spcPts val="0"/>
+                        </a:spcBef>
+                        <a:spcAft>
+                          <a:spcPts val="0"/>
+                        </a:spcAft>
+                      </a:pPr>
+                      <a:r>
+                        <a:rPr lang="pt-BR" sz="1300" b="1" i="0" u="none" strike="noStrike" dirty="0">
+                          <a:solidFill>
+                            <a:srgbClr val="000000"/>
+                          </a:solidFill>
+                          <a:effectLst/>
+                          <a:latin typeface="Times New Roman" panose="02020603050405020304" pitchFamily="18" charset="0"/>
+                        </a:rPr>
+                        <a:t>Requisição falha</a:t>
+                      </a:r>
+                      <a:endParaRPr lang="pt-BR" sz="1300" dirty="0">
+                        <a:effectLst/>
+                      </a:endParaRPr>
+                    </a:p>
+                  </a:txBody>
+                  <a:tcPr marL="57708" marR="57708" marT="57708" marB="57708">
+                    <a:lnL w="12700" cap="flat" cmpd="sng" algn="ctr">
+                      <a:solidFill>
+                        <a:srgbClr val="000000"/>
+                      </a:solidFill>
+                      <a:prstDash val="solid"/>
+                      <a:round/>
+                      <a:headEnd type="none" w="med" len="med"/>
+                      <a:tailEnd type="none" w="med" len="med"/>
+                    </a:lnL>
+                    <a:lnR w="12700" cap="flat" cmpd="sng" algn="ctr">
+                      <a:solidFill>
+                        <a:srgbClr val="000000"/>
+                      </a:solidFill>
+                      <a:prstDash val="solid"/>
+                      <a:round/>
+                      <a:headEnd type="none" w="med" len="med"/>
+                      <a:tailEnd type="none" w="med" len="med"/>
+                    </a:lnR>
+                    <a:lnT w="12700" cap="flat" cmpd="sng" algn="ctr">
+                      <a:solidFill>
+                        <a:srgbClr val="000000"/>
+                      </a:solidFill>
+                      <a:prstDash val="solid"/>
+                      <a:round/>
+                      <a:headEnd type="none" w="med" len="med"/>
+                      <a:tailEnd type="none" w="med" len="med"/>
+                    </a:lnT>
+                    <a:lnB w="12700" cap="flat" cmpd="sng" algn="ctr">
+                      <a:solidFill>
+                        <a:srgbClr val="000000"/>
+                      </a:solidFill>
+                      <a:prstDash val="solid"/>
+                      <a:round/>
+                      <a:headEnd type="none" w="med" len="med"/>
+                      <a:tailEnd type="none" w="med" len="med"/>
+                    </a:lnB>
+                  </a:tcPr>
+                </a:tc>
+                <a:tc>
+                  <a:txBody>
+                    <a:bodyPr/>
+                    <a:lstStyle/>
+                    <a:p>
+                      <a:pPr rtl="0" fontAlgn="t">
+                        <a:spcBef>
+                          <a:spcPts val="0"/>
+                        </a:spcBef>
+                        <a:spcAft>
+                          <a:spcPts val="0"/>
+                        </a:spcAft>
+                      </a:pPr>
+                      <a:endParaRPr lang="pt-BR" sz="1300" dirty="0">
+                        <a:effectLst/>
+                      </a:endParaRPr>
+                    </a:p>
+                  </a:txBody>
+                  <a:tcPr marL="57708" marR="57708" marT="57708" marB="57708">
+                    <a:lnL w="12700" cap="flat" cmpd="sng" algn="ctr">
+                      <a:solidFill>
+                        <a:srgbClr val="000000"/>
+                      </a:solidFill>
+                      <a:prstDash val="solid"/>
+                      <a:round/>
+                      <a:headEnd type="none" w="med" len="med"/>
+                      <a:tailEnd type="none" w="med" len="med"/>
+                    </a:lnL>
+                    <a:lnR w="12700" cap="flat" cmpd="sng" algn="ctr">
+                      <a:solidFill>
+                        <a:srgbClr val="000000"/>
+                      </a:solidFill>
+                      <a:prstDash val="solid"/>
+                      <a:round/>
+                      <a:headEnd type="none" w="med" len="med"/>
+                      <a:tailEnd type="none" w="med" len="med"/>
+                    </a:lnR>
+                    <a:lnT w="12700" cap="flat" cmpd="sng" algn="ctr">
+                      <a:solidFill>
+                        <a:srgbClr val="000000"/>
+                      </a:solidFill>
+                      <a:prstDash val="solid"/>
+                      <a:round/>
+                      <a:headEnd type="none" w="med" len="med"/>
+                      <a:tailEnd type="none" w="med" len="med"/>
+                    </a:lnT>
+                    <a:lnB w="12700" cap="flat" cmpd="sng" algn="ctr">
+                      <a:solidFill>
+                        <a:srgbClr val="000000"/>
+                      </a:solidFill>
+                      <a:prstDash val="solid"/>
+                      <a:round/>
+                      <a:headEnd type="none" w="med" len="med"/>
+                      <a:tailEnd type="none" w="med" len="med"/>
+                    </a:lnB>
+                  </a:tcPr>
+                </a:tc>
+                <a:extLst>
+                  <a:ext uri="{0D108BD9-81ED-4DB2-BD59-A6C34878D82A}">
+                    <a16:rowId xmlns:a16="http://schemas.microsoft.com/office/drawing/2014/main" val="4151945111"/>
+                  </a:ext>
+                </a:extLst>
+              </a:tr>
+              <a:tr h="309314">
+                <a:tc>
+                  <a:txBody>
+                    <a:bodyPr/>
+                    <a:lstStyle/>
+                    <a:p>
+                      <a:pPr rtl="0" fontAlgn="t">
+                        <a:spcBef>
+                          <a:spcPts val="0"/>
+                        </a:spcBef>
+                        <a:spcAft>
+                          <a:spcPts val="0"/>
+                        </a:spcAft>
+                      </a:pPr>
+                      <a:r>
+                        <a:rPr lang="pt-BR" sz="1300" b="1" i="0" u="none" strike="noStrike">
+                          <a:solidFill>
+                            <a:srgbClr val="000000"/>
+                          </a:solidFill>
+                          <a:effectLst/>
+                          <a:latin typeface="Times New Roman" panose="02020603050405020304" pitchFamily="18" charset="0"/>
+                        </a:rPr>
+                        <a:t>Ator primário</a:t>
+                      </a:r>
+                      <a:endParaRPr lang="pt-BR" sz="1300">
+                        <a:effectLst/>
+                      </a:endParaRPr>
+                    </a:p>
+                  </a:txBody>
+                  <a:tcPr marL="57708" marR="57708" marT="57708" marB="57708">
+                    <a:lnL w="12700" cap="flat" cmpd="sng" algn="ctr">
+                      <a:solidFill>
+                        <a:srgbClr val="000000"/>
+                      </a:solidFill>
+                      <a:prstDash val="solid"/>
+                      <a:round/>
+                      <a:headEnd type="none" w="med" len="med"/>
+                      <a:tailEnd type="none" w="med" len="med"/>
+                    </a:lnL>
+                    <a:lnR w="12700" cap="flat" cmpd="sng" algn="ctr">
+                      <a:solidFill>
+                        <a:srgbClr val="000000"/>
+                      </a:solidFill>
+                      <a:prstDash val="solid"/>
+                      <a:round/>
+                      <a:headEnd type="none" w="med" len="med"/>
+                      <a:tailEnd type="none" w="med" len="med"/>
+                    </a:lnR>
+                    <a:lnT w="12700" cap="flat" cmpd="sng" algn="ctr">
+                      <a:solidFill>
+                        <a:srgbClr val="000000"/>
+                      </a:solidFill>
+                      <a:prstDash val="solid"/>
+                      <a:round/>
+                      <a:headEnd type="none" w="med" len="med"/>
+                      <a:tailEnd type="none" w="med" len="med"/>
+                    </a:lnT>
+                    <a:lnB w="12700" cap="flat" cmpd="sng" algn="ctr">
+                      <a:solidFill>
+                        <a:srgbClr val="000000"/>
+                      </a:solidFill>
+                      <a:prstDash val="solid"/>
+                      <a:round/>
+                      <a:headEnd type="none" w="med" len="med"/>
+                      <a:tailEnd type="none" w="med" len="med"/>
+                    </a:lnB>
+                  </a:tcPr>
+                </a:tc>
+                <a:tc>
+                  <a:txBody>
+                    <a:bodyPr/>
+                    <a:lstStyle/>
+                    <a:p>
+                      <a:pPr rtl="0" fontAlgn="t">
+                        <a:spcBef>
+                          <a:spcPts val="0"/>
+                        </a:spcBef>
+                        <a:spcAft>
+                          <a:spcPts val="0"/>
+                        </a:spcAft>
+                      </a:pPr>
+                      <a:endParaRPr lang="pt-BR" sz="1300" dirty="0">
+                        <a:effectLst/>
+                      </a:endParaRPr>
+                    </a:p>
+                  </a:txBody>
+                  <a:tcPr marL="57708" marR="57708" marT="57708" marB="57708">
+                    <a:lnL w="12700" cap="flat" cmpd="sng" algn="ctr">
+                      <a:solidFill>
+                        <a:srgbClr val="000000"/>
+                      </a:solidFill>
+                      <a:prstDash val="solid"/>
+                      <a:round/>
+                      <a:headEnd type="none" w="med" len="med"/>
+                      <a:tailEnd type="none" w="med" len="med"/>
+                    </a:lnL>
+                    <a:lnR w="12700" cap="flat" cmpd="sng" algn="ctr">
+                      <a:solidFill>
+                        <a:srgbClr val="000000"/>
+                      </a:solidFill>
+                      <a:prstDash val="solid"/>
+                      <a:round/>
+                      <a:headEnd type="none" w="med" len="med"/>
+                      <a:tailEnd type="none" w="med" len="med"/>
+                    </a:lnR>
+                    <a:lnT w="12700" cap="flat" cmpd="sng" algn="ctr">
+                      <a:solidFill>
+                        <a:srgbClr val="000000"/>
+                      </a:solidFill>
+                      <a:prstDash val="solid"/>
+                      <a:round/>
+                      <a:headEnd type="none" w="med" len="med"/>
+                      <a:tailEnd type="none" w="med" len="med"/>
+                    </a:lnT>
+                    <a:lnB w="12700" cap="flat" cmpd="sng" algn="ctr">
+                      <a:solidFill>
+                        <a:srgbClr val="000000"/>
+                      </a:solidFill>
+                      <a:prstDash val="solid"/>
+                      <a:round/>
+                      <a:headEnd type="none" w="med" len="med"/>
+                      <a:tailEnd type="none" w="med" len="med"/>
+                    </a:lnB>
+                  </a:tcPr>
+                </a:tc>
+                <a:extLst>
+                  <a:ext uri="{0D108BD9-81ED-4DB2-BD59-A6C34878D82A}">
+                    <a16:rowId xmlns:a16="http://schemas.microsoft.com/office/drawing/2014/main" val="4148587233"/>
+                  </a:ext>
+                </a:extLst>
+              </a:tr>
+              <a:tr h="447812">
+                <a:tc>
+                  <a:txBody>
+                    <a:bodyPr/>
+                    <a:lstStyle/>
+                    <a:p>
+                      <a:pPr rtl="0" fontAlgn="t">
+                        <a:spcBef>
+                          <a:spcPts val="0"/>
+                        </a:spcBef>
+                        <a:spcAft>
+                          <a:spcPts val="0"/>
+                        </a:spcAft>
+                      </a:pPr>
+                      <a:r>
+                        <a:rPr lang="pt-BR" sz="1300" b="1" i="0" u="none" strike="noStrike">
+                          <a:solidFill>
+                            <a:srgbClr val="000000"/>
+                          </a:solidFill>
+                          <a:effectLst/>
+                          <a:latin typeface="Times New Roman" panose="02020603050405020304" pitchFamily="18" charset="0"/>
+                        </a:rPr>
+                        <a:t>Gatilho</a:t>
+                      </a:r>
+                      <a:endParaRPr lang="pt-BR" sz="1300">
+                        <a:effectLst/>
+                      </a:endParaRPr>
+                    </a:p>
+                  </a:txBody>
+                  <a:tcPr marL="57708" marR="57708" marT="57708" marB="57708">
+                    <a:lnL w="12700" cap="flat" cmpd="sng" algn="ctr">
+                      <a:solidFill>
+                        <a:srgbClr val="000000"/>
+                      </a:solidFill>
+                      <a:prstDash val="solid"/>
+                      <a:round/>
+                      <a:headEnd type="none" w="med" len="med"/>
+                      <a:tailEnd type="none" w="med" len="med"/>
+                    </a:lnL>
+                    <a:lnR w="12700" cap="flat" cmpd="sng" algn="ctr">
+                      <a:solidFill>
+                        <a:srgbClr val="000000"/>
+                      </a:solidFill>
+                      <a:prstDash val="solid"/>
+                      <a:round/>
+                      <a:headEnd type="none" w="med" len="med"/>
+                      <a:tailEnd type="none" w="med" len="med"/>
+                    </a:lnR>
+                    <a:lnT w="12700" cap="flat" cmpd="sng" algn="ctr">
+                      <a:solidFill>
+                        <a:srgbClr val="000000"/>
+                      </a:solidFill>
+                      <a:prstDash val="solid"/>
+                      <a:round/>
+                      <a:headEnd type="none" w="med" len="med"/>
+                      <a:tailEnd type="none" w="med" len="med"/>
+                    </a:lnT>
+                    <a:lnB w="12700" cap="flat" cmpd="sng" algn="ctr">
+                      <a:solidFill>
+                        <a:srgbClr val="000000"/>
+                      </a:solidFill>
+                      <a:prstDash val="solid"/>
+                      <a:round/>
+                      <a:headEnd type="none" w="med" len="med"/>
+                      <a:tailEnd type="none" w="med" len="med"/>
+                    </a:lnB>
+                  </a:tcPr>
+                </a:tc>
+                <a:tc>
+                  <a:txBody>
+                    <a:bodyPr/>
+                    <a:lstStyle/>
+                    <a:p>
+                      <a:pPr rtl="0" fontAlgn="t">
+                        <a:spcBef>
+                          <a:spcPts val="0"/>
+                        </a:spcBef>
+                        <a:spcAft>
+                          <a:spcPts val="0"/>
+                        </a:spcAft>
+                      </a:pPr>
+                      <a:endParaRPr lang="pt-BR" sz="1300" dirty="0">
+                        <a:effectLst/>
+                      </a:endParaRPr>
+                    </a:p>
+                  </a:txBody>
+                  <a:tcPr marL="57708" marR="57708" marT="57708" marB="57708">
+                    <a:lnL w="12700" cap="flat" cmpd="sng" algn="ctr">
+                      <a:solidFill>
+                        <a:srgbClr val="000000"/>
+                      </a:solidFill>
+                      <a:prstDash val="solid"/>
+                      <a:round/>
+                      <a:headEnd type="none" w="med" len="med"/>
+                      <a:tailEnd type="none" w="med" len="med"/>
+                    </a:lnL>
+                    <a:lnR w="12700" cap="flat" cmpd="sng" algn="ctr">
+                      <a:solidFill>
+                        <a:srgbClr val="000000"/>
+                      </a:solidFill>
+                      <a:prstDash val="solid"/>
+                      <a:round/>
+                      <a:headEnd type="none" w="med" len="med"/>
+                      <a:tailEnd type="none" w="med" len="med"/>
+                    </a:lnR>
+                    <a:lnT w="12700" cap="flat" cmpd="sng" algn="ctr">
+                      <a:solidFill>
+                        <a:srgbClr val="000000"/>
+                      </a:solidFill>
+                      <a:prstDash val="solid"/>
+                      <a:round/>
+                      <a:headEnd type="none" w="med" len="med"/>
+                      <a:tailEnd type="none" w="med" len="med"/>
+                    </a:lnT>
+                    <a:lnB w="12700" cap="flat" cmpd="sng" algn="ctr">
+                      <a:solidFill>
+                        <a:srgbClr val="000000"/>
+                      </a:solidFill>
+                      <a:prstDash val="solid"/>
+                      <a:round/>
+                      <a:headEnd type="none" w="med" len="med"/>
+                      <a:tailEnd type="none" w="med" len="med"/>
+                    </a:lnB>
+                  </a:tcPr>
+                </a:tc>
+                <a:extLst>
+                  <a:ext uri="{0D108BD9-81ED-4DB2-BD59-A6C34878D82A}">
+                    <a16:rowId xmlns:a16="http://schemas.microsoft.com/office/drawing/2014/main" val="1207233727"/>
+                  </a:ext>
+                </a:extLst>
+              </a:tr>
+              <a:tr h="780209">
+                <a:tc>
+                  <a:txBody>
+                    <a:bodyPr/>
+                    <a:lstStyle/>
+                    <a:p>
+                      <a:pPr rtl="0" fontAlgn="t">
+                        <a:spcBef>
+                          <a:spcPts val="0"/>
+                        </a:spcBef>
+                        <a:spcAft>
+                          <a:spcPts val="0"/>
+                        </a:spcAft>
+                      </a:pPr>
+                      <a:r>
+                        <a:rPr lang="pt-BR" sz="1300" b="1" i="0" u="none" strike="noStrike">
+                          <a:solidFill>
+                            <a:srgbClr val="000000"/>
+                          </a:solidFill>
+                          <a:effectLst/>
+                          <a:latin typeface="Times New Roman" panose="02020603050405020304" pitchFamily="18" charset="0"/>
+                        </a:rPr>
+                        <a:t>Main Flow </a:t>
+                      </a:r>
+                      <a:endParaRPr lang="pt-BR" sz="1300">
+                        <a:effectLst/>
+                      </a:endParaRPr>
+                    </a:p>
+                  </a:txBody>
+                  <a:tcPr marL="57708" marR="57708" marT="57708" marB="57708">
+                    <a:lnL w="12700" cap="flat" cmpd="sng" algn="ctr">
+                      <a:solidFill>
+                        <a:srgbClr val="000000"/>
+                      </a:solidFill>
+                      <a:prstDash val="solid"/>
+                      <a:round/>
+                      <a:headEnd type="none" w="med" len="med"/>
+                      <a:tailEnd type="none" w="med" len="med"/>
+                    </a:lnL>
+                    <a:lnR w="12700" cap="flat" cmpd="sng" algn="ctr">
+                      <a:solidFill>
+                        <a:srgbClr val="000000"/>
+                      </a:solidFill>
+                      <a:prstDash val="solid"/>
+                      <a:round/>
+                      <a:headEnd type="none" w="med" len="med"/>
+                      <a:tailEnd type="none" w="med" len="med"/>
+                    </a:lnR>
+                    <a:lnT w="12700" cap="flat" cmpd="sng" algn="ctr">
+                      <a:solidFill>
+                        <a:srgbClr val="000000"/>
+                      </a:solidFill>
+                      <a:prstDash val="solid"/>
+                      <a:round/>
+                      <a:headEnd type="none" w="med" len="med"/>
+                      <a:tailEnd type="none" w="med" len="med"/>
+                    </a:lnT>
+                    <a:lnB w="12700" cap="flat" cmpd="sng" algn="ctr">
+                      <a:solidFill>
+                        <a:srgbClr val="000000"/>
+                      </a:solidFill>
+                      <a:prstDash val="solid"/>
+                      <a:round/>
+                      <a:headEnd type="none" w="med" len="med"/>
+                      <a:tailEnd type="none" w="med" len="med"/>
+                    </a:lnB>
+                  </a:tcPr>
+                </a:tc>
+                <a:tc>
+                  <a:txBody>
+                    <a:bodyPr/>
+                    <a:lstStyle/>
+                    <a:p>
+                      <a:pPr rtl="0" fontAlgn="base">
+                        <a:spcBef>
+                          <a:spcPts val="0"/>
+                        </a:spcBef>
+                        <a:spcAft>
+                          <a:spcPts val="0"/>
+                        </a:spcAft>
+                        <a:buFont typeface="+mj-lt"/>
+                        <a:buNone/>
+                      </a:pPr>
+                      <a:endParaRPr lang="pt-BR" sz="1100" b="0" i="0" u="none" strike="noStrike" dirty="0">
+                        <a:solidFill>
+                          <a:srgbClr val="000000"/>
+                        </a:solidFill>
+                        <a:effectLst/>
+                        <a:latin typeface="Times New Roman" panose="02020603050405020304" pitchFamily="18" charset="0"/>
+                      </a:endParaRPr>
+                    </a:p>
+                  </a:txBody>
+                  <a:tcPr marL="57708" marR="57708" marT="57708" marB="57708">
+                    <a:lnL w="12700" cap="flat" cmpd="sng" algn="ctr">
+                      <a:solidFill>
+                        <a:srgbClr val="000000"/>
+                      </a:solidFill>
+                      <a:prstDash val="solid"/>
+                      <a:round/>
+                      <a:headEnd type="none" w="med" len="med"/>
+                      <a:tailEnd type="none" w="med" len="med"/>
+                    </a:lnL>
+                    <a:lnR w="12700" cap="flat" cmpd="sng" algn="ctr">
+                      <a:solidFill>
+                        <a:srgbClr val="000000"/>
+                      </a:solidFill>
+                      <a:prstDash val="solid"/>
+                      <a:round/>
+                      <a:headEnd type="none" w="med" len="med"/>
+                      <a:tailEnd type="none" w="med" len="med"/>
+                    </a:lnR>
+                    <a:lnT w="12700" cap="flat" cmpd="sng" algn="ctr">
+                      <a:solidFill>
+                        <a:srgbClr val="000000"/>
+                      </a:solidFill>
+                      <a:prstDash val="solid"/>
+                      <a:round/>
+                      <a:headEnd type="none" w="med" len="med"/>
+                      <a:tailEnd type="none" w="med" len="med"/>
+                    </a:lnT>
+                    <a:lnB w="12700" cap="flat" cmpd="sng" algn="ctr">
+                      <a:solidFill>
+                        <a:srgbClr val="000000"/>
+                      </a:solidFill>
+                      <a:prstDash val="solid"/>
+                      <a:round/>
+                      <a:headEnd type="none" w="med" len="med"/>
+                      <a:tailEnd type="none" w="med" len="med"/>
+                    </a:lnB>
+                  </a:tcPr>
+                </a:tc>
+                <a:extLst>
+                  <a:ext uri="{0D108BD9-81ED-4DB2-BD59-A6C34878D82A}">
+                    <a16:rowId xmlns:a16="http://schemas.microsoft.com/office/drawing/2014/main" val="3644219551"/>
+                  </a:ext>
+                </a:extLst>
+              </a:tr>
+              <a:tr h="447812">
+                <a:tc>
+                  <a:txBody>
+                    <a:bodyPr/>
+                    <a:lstStyle/>
+                    <a:p>
+                      <a:pPr rtl="0" fontAlgn="t">
+                        <a:spcBef>
+                          <a:spcPts val="0"/>
+                        </a:spcBef>
+                        <a:spcAft>
+                          <a:spcPts val="0"/>
+                        </a:spcAft>
+                      </a:pPr>
+                      <a:r>
+                        <a:rPr lang="pt-BR" sz="1300" b="1" i="0" u="none" strike="noStrike">
+                          <a:solidFill>
+                            <a:srgbClr val="000000"/>
+                          </a:solidFill>
+                          <a:effectLst/>
+                          <a:latin typeface="Times New Roman" panose="02020603050405020304" pitchFamily="18" charset="0"/>
+                        </a:rPr>
+                        <a:t>Extensions</a:t>
+                      </a:r>
+                      <a:endParaRPr lang="pt-BR" sz="1300">
+                        <a:effectLst/>
+                      </a:endParaRPr>
+                    </a:p>
+                  </a:txBody>
+                  <a:tcPr marL="57708" marR="57708" marT="57708" marB="57708">
+                    <a:lnL w="12700" cap="flat" cmpd="sng" algn="ctr">
+                      <a:solidFill>
+                        <a:srgbClr val="000000"/>
+                      </a:solidFill>
+                      <a:prstDash val="solid"/>
+                      <a:round/>
+                      <a:headEnd type="none" w="med" len="med"/>
+                      <a:tailEnd type="none" w="med" len="med"/>
+                    </a:lnL>
+                    <a:lnR w="12700" cap="flat" cmpd="sng" algn="ctr">
+                      <a:solidFill>
+                        <a:srgbClr val="000000"/>
+                      </a:solidFill>
+                      <a:prstDash val="solid"/>
+                      <a:round/>
+                      <a:headEnd type="none" w="med" len="med"/>
+                      <a:tailEnd type="none" w="med" len="med"/>
+                    </a:lnR>
+                    <a:lnT w="12700" cap="flat" cmpd="sng" algn="ctr">
+                      <a:solidFill>
+                        <a:srgbClr val="000000"/>
+                      </a:solidFill>
+                      <a:prstDash val="solid"/>
+                      <a:round/>
+                      <a:headEnd type="none" w="med" len="med"/>
+                      <a:tailEnd type="none" w="med" len="med"/>
+                    </a:lnT>
+                    <a:lnB w="12700" cap="flat" cmpd="sng" algn="ctr">
+                      <a:solidFill>
+                        <a:srgbClr val="000000"/>
+                      </a:solidFill>
+                      <a:prstDash val="solid"/>
+                      <a:round/>
+                      <a:headEnd type="none" w="med" len="med"/>
+                      <a:tailEnd type="none" w="med" len="med"/>
+                    </a:lnB>
+                  </a:tcPr>
+                </a:tc>
+                <a:tc>
+                  <a:txBody>
+                    <a:bodyPr/>
+                    <a:lstStyle/>
+                    <a:p>
+                      <a:pPr rtl="0" fontAlgn="base">
+                        <a:spcBef>
+                          <a:spcPts val="0"/>
+                        </a:spcBef>
+                        <a:spcAft>
+                          <a:spcPts val="0"/>
+                        </a:spcAft>
+                        <a:buFont typeface="+mj-lt"/>
+                        <a:buNone/>
+                      </a:pPr>
+                      <a:endParaRPr lang="pt-BR" sz="1100" b="0" i="0" u="none" strike="noStrike" dirty="0">
+                        <a:solidFill>
+                          <a:srgbClr val="000000"/>
+                        </a:solidFill>
+                        <a:effectLst/>
+                        <a:latin typeface="Times New Roman" panose="02020603050405020304" pitchFamily="18" charset="0"/>
+                      </a:endParaRPr>
+                    </a:p>
+                  </a:txBody>
+                  <a:tcPr marL="57708" marR="57708" marT="57708" marB="57708">
+                    <a:lnL w="12700" cap="flat" cmpd="sng" algn="ctr">
+                      <a:solidFill>
+                        <a:srgbClr val="000000"/>
+                      </a:solidFill>
+                      <a:prstDash val="solid"/>
+                      <a:round/>
+                      <a:headEnd type="none" w="med" len="med"/>
+                      <a:tailEnd type="none" w="med" len="med"/>
+                    </a:lnL>
+                    <a:lnR w="12700" cap="flat" cmpd="sng" algn="ctr">
+                      <a:solidFill>
+                        <a:srgbClr val="000000"/>
+                      </a:solidFill>
+                      <a:prstDash val="solid"/>
+                      <a:round/>
+                      <a:headEnd type="none" w="med" len="med"/>
+                      <a:tailEnd type="none" w="med" len="med"/>
+                    </a:lnR>
+                    <a:lnT w="12700" cap="flat" cmpd="sng" algn="ctr">
+                      <a:solidFill>
+                        <a:srgbClr val="000000"/>
+                      </a:solidFill>
+                      <a:prstDash val="solid"/>
+                      <a:round/>
+                      <a:headEnd type="none" w="med" len="med"/>
+                      <a:tailEnd type="none" w="med" len="med"/>
+                    </a:lnT>
+                    <a:lnB w="12700" cap="flat" cmpd="sng" algn="ctr">
+                      <a:solidFill>
+                        <a:srgbClr val="000000"/>
+                      </a:solidFill>
+                      <a:prstDash val="solid"/>
+                      <a:round/>
+                      <a:headEnd type="none" w="med" len="med"/>
+                      <a:tailEnd type="none" w="med" len="med"/>
+                    </a:lnB>
+                  </a:tcPr>
+                </a:tc>
+                <a:extLst>
+                  <a:ext uri="{0D108BD9-81ED-4DB2-BD59-A6C34878D82A}">
+                    <a16:rowId xmlns:a16="http://schemas.microsoft.com/office/drawing/2014/main" val="243327416"/>
+                  </a:ext>
+                </a:extLst>
+              </a:tr>
+            </a:tbl>
+          </a:graphicData>
+        </a:graphic>
+      </p:graphicFrame>
+      <p:sp>
+        <p:nvSpPr>
+          <p:cNvPr id="9" name="Rectangle 1">
+            <a:extLst>
+              <a:ext uri="{FF2B5EF4-FFF2-40B4-BE49-F238E27FC236}">
+                <a16:creationId xmlns:a16="http://schemas.microsoft.com/office/drawing/2014/main" id="{68FC2A3B-AD0B-4E2B-B3FE-32C27768174B}"/>
+              </a:ext>
+            </a:extLst>
+          </p:cNvPr>
+          <p:cNvSpPr>
+            <a:spLocks noChangeArrowheads="1"/>
+          </p:cNvSpPr>
+          <p:nvPr/>
+        </p:nvSpPr>
+        <p:spPr bwMode="auto">
+          <a:xfrm>
+            <a:off x="1974850" y="1689716"/>
+            <a:ext cx="9144000" cy="457200"/>
+          </a:xfrm>
+          <a:prstGeom prst="rect">
+            <a:avLst/>
+          </a:prstGeom>
+          <a:noFill/>
+          <a:ln>
+            <a:noFill/>
+          </a:ln>
+          <a:effectLst/>
+          <a:extLst>
+            <a:ext uri="{909E8E84-426E-40DD-AFC4-6F175D3DCCD1}">
+              <a14:hiddenFill xmlns:a14="http://schemas.microsoft.com/office/drawing/2010/main">
+                <a:solidFill>
+                  <a:schemeClr val="accent1"/>
+                </a:solidFill>
+              </a14:hiddenFill>
+            </a:ext>
+            <a:ext uri="{91240B29-F687-4F45-9708-019B960494DF}">
+              <a14:hiddenLine xmlns:a14="http://schemas.microsoft.com/office/drawing/2010/main" w="9525">
+                <a:solidFill>
+                  <a:schemeClr val="tx1"/>
+                </a:solidFill>
+                <a:miter lim="800000"/>
+                <a:headEnd/>
+                <a:tailEnd/>
+              </a14:hiddenLine>
+            </a:ext>
+            <a:ext uri="{AF507438-7753-43E0-B8FC-AC1667EBCBE1}">
+              <a14:hiddenEffects xmlns:a14="http://schemas.microsoft.com/office/drawing/2010/main">
+                <a:effectLst>
+                  <a:outerShdw dist="35921" dir="2700000" algn="ctr" rotWithShape="0">
+                    <a:schemeClr val="bg2"/>
+                  </a:outerShdw>
+                </a:effectLst>
+              </a14:hiddenEffects>
+            </a:ext>
+          </a:extLst>
+        </p:spPr>
+        <p:txBody>
+          <a:bodyPr vert="horz" wrap="none" lIns="91440" tIns="0" rIns="91440" bIns="0" numCol="1" anchor="ctr" anchorCtr="0" compatLnSpc="1">
+            <a:prstTxWarp prst="textNoShape">
+              <a:avLst/>
+            </a:prstTxWarp>
+            <a:spAutoFit/>
+          </a:bodyPr>
+          <a:lstStyle/>
+          <a:p>
+            <a:pPr marL="0" marR="0" lvl="0" indent="0" algn="l" defTabSz="914400" rtl="0" eaLnBrk="0" fontAlgn="base" latinLnBrk="0" hangingPunct="0">
+              <a:lnSpc>
+                <a:spcPct val="100000"/>
+              </a:lnSpc>
+              <a:spcBef>
+                <a:spcPct val="0"/>
+              </a:spcBef>
+              <a:spcAft>
+                <a:spcPct val="0"/>
+              </a:spcAft>
+              <a:buClrTx/>
+              <a:buSzTx/>
+              <a:buFontTx/>
+              <a:buNone/>
+              <a:tabLst/>
+            </a:pPr>
+            <a:endParaRPr kumimoji="0" lang="pt-BR" altLang="pt-BR" sz="1800" b="0" i="0" u="none" strike="noStrike" cap="none" normalizeH="0" baseline="0">
+              <a:ln>
+                <a:noFill/>
+              </a:ln>
+              <a:solidFill>
+                <a:schemeClr val="tx1"/>
+              </a:solidFill>
+              <a:effectLst/>
+              <a:latin typeface="Arial" panose="020B0604020202020204" pitchFamily="34" charset="0"/>
+            </a:endParaRPr>
+          </a:p>
+        </p:txBody>
+      </p:sp>
+      <p:sp>
+        <p:nvSpPr>
+          <p:cNvPr id="5" name="Título 1">
+            <a:extLst>
+              <a:ext uri="{FF2B5EF4-FFF2-40B4-BE49-F238E27FC236}">
+                <a16:creationId xmlns:a16="http://schemas.microsoft.com/office/drawing/2014/main" id="{B785B83F-8DB3-4104-9E87-A81C81CC9F52}"/>
+              </a:ext>
+            </a:extLst>
+          </p:cNvPr>
+          <p:cNvSpPr txBox="1">
+            <a:spLocks/>
+          </p:cNvSpPr>
+          <p:nvPr/>
+        </p:nvSpPr>
+        <p:spPr>
+          <a:xfrm>
+            <a:off x="283779" y="2304149"/>
+            <a:ext cx="3215370" cy="2120705"/>
+          </a:xfrm>
+          <a:prstGeom prst="rect">
+            <a:avLst/>
+          </a:prstGeom>
+          <a:noFill/>
+          <a:ln>
+            <a:noFill/>
+          </a:ln>
+        </p:spPr>
+        <p:txBody>
+          <a:bodyPr spcFirstLastPara="1" wrap="square" lIns="91425" tIns="91425" rIns="91425" bIns="91425" anchor="t" anchorCtr="0">
+            <a:normAutofit/>
+          </a:bodyPr>
+          <a:lstStyle>
+            <a:defPPr marR="0" lvl="0" algn="l" rtl="0">
+              <a:lnSpc>
+                <a:spcPct val="100000"/>
+              </a:lnSpc>
+              <a:spcBef>
+                <a:spcPts val="0"/>
+              </a:spcBef>
+              <a:spcAft>
+                <a:spcPts val="0"/>
+              </a:spcAft>
+            </a:defPPr>
+            <a:lvl1pPr marR="0" lvl="0" algn="l" rtl="0">
+              <a:lnSpc>
+                <a:spcPct val="100000"/>
+              </a:lnSpc>
+              <a:spcBef>
+                <a:spcPts val="0"/>
+              </a:spcBef>
+              <a:spcAft>
+                <a:spcPts val="0"/>
+              </a:spcAft>
+              <a:buClr>
+                <a:schemeClr val="dk2"/>
+              </a:buClr>
+              <a:buSzPts val="2600"/>
+              <a:buFont typeface="Raleway"/>
+              <a:buNone/>
+              <a:defRPr sz="2600" b="1" i="0" u="none" strike="noStrike" cap="none">
+                <a:solidFill>
+                  <a:schemeClr val="dk2"/>
+                </a:solidFill>
+                <a:latin typeface="Raleway"/>
+                <a:ea typeface="Raleway"/>
+                <a:cs typeface="Raleway"/>
+                <a:sym typeface="Raleway"/>
+              </a:defRPr>
+            </a:lvl1pPr>
+            <a:lvl2pPr marR="0" lvl="1" algn="l" rtl="0">
+              <a:lnSpc>
+                <a:spcPct val="100000"/>
+              </a:lnSpc>
+              <a:spcBef>
+                <a:spcPts val="0"/>
+              </a:spcBef>
+              <a:spcAft>
+                <a:spcPts val="0"/>
+              </a:spcAft>
+              <a:buClr>
+                <a:schemeClr val="dk2"/>
+              </a:buClr>
+              <a:buSzPts val="2600"/>
+              <a:buFont typeface="Raleway"/>
+              <a:buNone/>
+              <a:defRPr sz="2600" b="1" i="0" u="none" strike="noStrike" cap="none">
+                <a:solidFill>
+                  <a:schemeClr val="dk2"/>
+                </a:solidFill>
+                <a:latin typeface="Raleway"/>
+                <a:ea typeface="Raleway"/>
+                <a:cs typeface="Raleway"/>
+                <a:sym typeface="Raleway"/>
+              </a:defRPr>
+            </a:lvl2pPr>
+            <a:lvl3pPr marR="0" lvl="2" algn="l" rtl="0">
+              <a:lnSpc>
+                <a:spcPct val="100000"/>
+              </a:lnSpc>
+              <a:spcBef>
+                <a:spcPts val="0"/>
+              </a:spcBef>
+              <a:spcAft>
+                <a:spcPts val="0"/>
+              </a:spcAft>
+              <a:buClr>
+                <a:schemeClr val="dk2"/>
+              </a:buClr>
+              <a:buSzPts val="2600"/>
+              <a:buFont typeface="Raleway"/>
+              <a:buNone/>
+              <a:defRPr sz="2600" b="1" i="0" u="none" strike="noStrike" cap="none">
+                <a:solidFill>
+                  <a:schemeClr val="dk2"/>
+                </a:solidFill>
+                <a:latin typeface="Raleway"/>
+                <a:ea typeface="Raleway"/>
+                <a:cs typeface="Raleway"/>
+                <a:sym typeface="Raleway"/>
+              </a:defRPr>
+            </a:lvl3pPr>
+            <a:lvl4pPr marR="0" lvl="3" algn="l" rtl="0">
+              <a:lnSpc>
+                <a:spcPct val="100000"/>
+              </a:lnSpc>
+              <a:spcBef>
+                <a:spcPts val="0"/>
+              </a:spcBef>
+              <a:spcAft>
+                <a:spcPts val="0"/>
+              </a:spcAft>
+              <a:buClr>
+                <a:schemeClr val="dk2"/>
+              </a:buClr>
+              <a:buSzPts val="2600"/>
+              <a:buFont typeface="Raleway"/>
+              <a:buNone/>
+              <a:defRPr sz="2600" b="1" i="0" u="none" strike="noStrike" cap="none">
+                <a:solidFill>
+                  <a:schemeClr val="dk2"/>
+                </a:solidFill>
+                <a:latin typeface="Raleway"/>
+                <a:ea typeface="Raleway"/>
+                <a:cs typeface="Raleway"/>
+                <a:sym typeface="Raleway"/>
+              </a:defRPr>
+            </a:lvl4pPr>
+            <a:lvl5pPr marR="0" lvl="4" algn="l" rtl="0">
+              <a:lnSpc>
+                <a:spcPct val="100000"/>
+              </a:lnSpc>
+              <a:spcBef>
+                <a:spcPts val="0"/>
+              </a:spcBef>
+              <a:spcAft>
+                <a:spcPts val="0"/>
+              </a:spcAft>
+              <a:buClr>
+                <a:schemeClr val="dk2"/>
+              </a:buClr>
+              <a:buSzPts val="2600"/>
+              <a:buFont typeface="Raleway"/>
+              <a:buNone/>
+              <a:defRPr sz="2600" b="1" i="0" u="none" strike="noStrike" cap="none">
+                <a:solidFill>
+                  <a:schemeClr val="dk2"/>
+                </a:solidFill>
+                <a:latin typeface="Raleway"/>
+                <a:ea typeface="Raleway"/>
+                <a:cs typeface="Raleway"/>
+                <a:sym typeface="Raleway"/>
+              </a:defRPr>
+            </a:lvl5pPr>
+            <a:lvl6pPr marR="0" lvl="5" algn="l" rtl="0">
+              <a:lnSpc>
+                <a:spcPct val="100000"/>
+              </a:lnSpc>
+              <a:spcBef>
+                <a:spcPts val="0"/>
+              </a:spcBef>
+              <a:spcAft>
+                <a:spcPts val="0"/>
+              </a:spcAft>
+              <a:buClr>
+                <a:schemeClr val="dk2"/>
+              </a:buClr>
+              <a:buSzPts val="2600"/>
+              <a:buFont typeface="Raleway"/>
+              <a:buNone/>
+              <a:defRPr sz="2600" b="1" i="0" u="none" strike="noStrike" cap="none">
+                <a:solidFill>
+                  <a:schemeClr val="dk2"/>
+                </a:solidFill>
+                <a:latin typeface="Raleway"/>
+                <a:ea typeface="Raleway"/>
+                <a:cs typeface="Raleway"/>
+                <a:sym typeface="Raleway"/>
+              </a:defRPr>
+            </a:lvl6pPr>
+            <a:lvl7pPr marR="0" lvl="6" algn="l" rtl="0">
+              <a:lnSpc>
+                <a:spcPct val="100000"/>
+              </a:lnSpc>
+              <a:spcBef>
+                <a:spcPts val="0"/>
+              </a:spcBef>
+              <a:spcAft>
+                <a:spcPts val="0"/>
+              </a:spcAft>
+              <a:buClr>
+                <a:schemeClr val="dk2"/>
+              </a:buClr>
+              <a:buSzPts val="2600"/>
+              <a:buFont typeface="Raleway"/>
+              <a:buNone/>
+              <a:defRPr sz="2600" b="1" i="0" u="none" strike="noStrike" cap="none">
+                <a:solidFill>
+                  <a:schemeClr val="dk2"/>
+                </a:solidFill>
+                <a:latin typeface="Raleway"/>
+                <a:ea typeface="Raleway"/>
+                <a:cs typeface="Raleway"/>
+                <a:sym typeface="Raleway"/>
+              </a:defRPr>
+            </a:lvl7pPr>
+            <a:lvl8pPr marR="0" lvl="7" algn="l" rtl="0">
+              <a:lnSpc>
+                <a:spcPct val="100000"/>
+              </a:lnSpc>
+              <a:spcBef>
+                <a:spcPts val="0"/>
+              </a:spcBef>
+              <a:spcAft>
+                <a:spcPts val="0"/>
+              </a:spcAft>
+              <a:buClr>
+                <a:schemeClr val="dk2"/>
+              </a:buClr>
+              <a:buSzPts val="2600"/>
+              <a:buFont typeface="Raleway"/>
+              <a:buNone/>
+              <a:defRPr sz="2600" b="1" i="0" u="none" strike="noStrike" cap="none">
+                <a:solidFill>
+                  <a:schemeClr val="dk2"/>
+                </a:solidFill>
+                <a:latin typeface="Raleway"/>
+                <a:ea typeface="Raleway"/>
+                <a:cs typeface="Raleway"/>
+                <a:sym typeface="Raleway"/>
+              </a:defRPr>
+            </a:lvl8pPr>
+            <a:lvl9pPr marR="0" lvl="8" algn="l" rtl="0">
+              <a:lnSpc>
+                <a:spcPct val="100000"/>
+              </a:lnSpc>
+              <a:spcBef>
+                <a:spcPts val="0"/>
+              </a:spcBef>
+              <a:spcAft>
+                <a:spcPts val="0"/>
+              </a:spcAft>
+              <a:buClr>
+                <a:schemeClr val="dk2"/>
+              </a:buClr>
+              <a:buSzPts val="2600"/>
+              <a:buFont typeface="Raleway"/>
+              <a:buNone/>
+              <a:defRPr sz="2600" b="1" i="0" u="none" strike="noStrike" cap="none">
+                <a:solidFill>
+                  <a:schemeClr val="dk2"/>
+                </a:solidFill>
+                <a:latin typeface="Raleway"/>
+                <a:ea typeface="Raleway"/>
+                <a:cs typeface="Raleway"/>
+                <a:sym typeface="Raleway"/>
+              </a:defRPr>
+            </a:lvl9pPr>
+          </a:lstStyle>
+          <a:p>
+            <a:pPr marL="342900" indent="-342900">
+              <a:buFont typeface="Arial" panose="020B0604020202020204" pitchFamily="34" charset="0"/>
+              <a:buChar char="•"/>
+            </a:pPr>
+            <a:r>
+              <a:rPr lang="pt-BR" sz="1800" b="0" dirty="0">
+                <a:latin typeface="Raleway" panose="020B0604020202020204" pitchFamily="2" charset="0"/>
+                <a:cs typeface="Times New Roman" panose="02020603050405020304" pitchFamily="18" charset="0"/>
+              </a:rPr>
+              <a:t>Modelo:</a:t>
+            </a:r>
+          </a:p>
+          <a:p>
+            <a:endParaRPr lang="pt-BR" sz="1800" b="0" dirty="0">
+              <a:latin typeface="Raleway" panose="020B0604020202020204" pitchFamily="2" charset="0"/>
+              <a:cs typeface="Times New Roman" panose="02020603050405020304" pitchFamily="18" charset="0"/>
+            </a:endParaRPr>
+          </a:p>
+          <a:p>
+            <a:r>
+              <a:rPr lang="pt-BR" sz="1800" b="0" dirty="0">
+                <a:latin typeface="Raleway" panose="020B0604020202020204" pitchFamily="2" charset="0"/>
+                <a:cs typeface="Times New Roman" panose="02020603050405020304" pitchFamily="18" charset="0"/>
+                <a:hlinkClick r:id="rId2"/>
+              </a:rPr>
+              <a:t>Especificação de Requisitos </a:t>
+            </a:r>
+            <a:endParaRPr lang="pt-BR" sz="1800" b="0" dirty="0">
+              <a:latin typeface="Raleway" panose="020B0604020202020204" pitchFamily="2" charset="0"/>
+              <a:cs typeface="Times New Roman" panose="02020603050405020304" pitchFamily="18" charset="0"/>
+            </a:endParaRPr>
+          </a:p>
+          <a:p>
+            <a:pPr marL="342900" indent="-342900">
+              <a:buFont typeface="Arial" panose="020B0604020202020204" pitchFamily="34" charset="0"/>
+              <a:buChar char="•"/>
+            </a:pPr>
+            <a:endParaRPr lang="pt-BR" sz="2300" dirty="0">
+              <a:latin typeface="Raleway" panose="020B0604020202020204" pitchFamily="2" charset="0"/>
+              <a:cs typeface="Times New Roman" panose="02020603050405020304" pitchFamily="18" charset="0"/>
+            </a:endParaRPr>
+          </a:p>
+          <a:p>
+            <a:endParaRPr lang="pt-BR" sz="2300" dirty="0">
+              <a:latin typeface="Raleway" panose="020B0604020202020204" pitchFamily="2" charset="0"/>
+            </a:endParaRPr>
+          </a:p>
+        </p:txBody>
+      </p:sp>
+    </p:spTree>
+    <p:extLst>
+      <p:ext uri="{BB962C8B-B14F-4D97-AF65-F5344CB8AC3E}">
+        <p14:creationId xmlns:p14="http://schemas.microsoft.com/office/powerpoint/2010/main" val="108398820"/>
+      </p:ext>
+    </p:extLst>
+  </p:cSld>
+  <p:clrMapOvr>
+    <a:masterClrMapping/>
+  </p:clrMapOvr>
+</p:sld>
+</file>
+
+<file path=ppt/slides/slide13.xml><?xml version="1.0" encoding="utf-8"?>
+<p:sld xmlns:a="http://schemas.openxmlformats.org/drawingml/2006/main" xmlns:r="http://schemas.openxmlformats.org/officeDocument/2006/relationships" xmlns:p="http://schemas.openxmlformats.org/presentationml/2006/main">
+  <p:cSld>
+    <p:spTree>
+      <p:nvGrpSpPr>
+        <p:cNvPr id="1" name=""/>
+        <p:cNvGrpSpPr/>
+        <p:nvPr/>
+      </p:nvGrpSpPr>
+      <p:grpSpPr>
+        <a:xfrm>
+          <a:off x="0" y="0"/>
+          <a:ext cx="0" cy="0"/>
+          <a:chOff x="0" y="0"/>
+          <a:chExt cx="0" cy="0"/>
+        </a:xfrm>
+      </p:grpSpPr>
+      <p:sp>
+        <p:nvSpPr>
+          <p:cNvPr id="2" name="Título 1">
+            <a:extLst>
+              <a:ext uri="{FF2B5EF4-FFF2-40B4-BE49-F238E27FC236}">
+                <a16:creationId xmlns:a16="http://schemas.microsoft.com/office/drawing/2014/main" id="{E5A4DD00-4321-4449-94BC-7CD84CD260F9}"/>
+              </a:ext>
+            </a:extLst>
+          </p:cNvPr>
+          <p:cNvSpPr>
+            <a:spLocks noGrp="1"/>
+          </p:cNvSpPr>
+          <p:nvPr>
+            <p:ph type="title"/>
+          </p:nvPr>
+        </p:nvSpPr>
+        <p:spPr>
+          <a:xfrm>
+            <a:off x="-564337" y="1318649"/>
+            <a:ext cx="3550720" cy="2650235"/>
+          </a:xfrm>
+        </p:spPr>
+        <p:txBody>
+          <a:bodyPr>
+            <a:normAutofit/>
+          </a:bodyPr>
+          <a:lstStyle/>
+          <a:p>
+            <a:pPr algn="ctr"/>
+            <a:r>
+              <a:rPr lang="pt-BR" sz="2300" dirty="0">
+                <a:effectLst/>
+                <a:latin typeface="Raleway" panose="020B0604020202020204" pitchFamily="2" charset="0"/>
+                <a:ea typeface="Times New Roman" panose="02020603050405020304" pitchFamily="18" charset="0"/>
+                <a:cs typeface="Times New Roman" panose="02020603050405020304" pitchFamily="18" charset="0"/>
+              </a:rPr>
+              <a:t>Projeto </a:t>
+            </a:r>
+            <a:br>
+              <a:rPr lang="pt-BR" sz="2300" dirty="0">
+                <a:effectLst/>
+                <a:latin typeface="Raleway" panose="020B0604020202020204" pitchFamily="2" charset="0"/>
+                <a:ea typeface="Times New Roman" panose="02020603050405020304" pitchFamily="18" charset="0"/>
+                <a:cs typeface="Times New Roman" panose="02020603050405020304" pitchFamily="18" charset="0"/>
+              </a:rPr>
+            </a:br>
+            <a:r>
+              <a:rPr lang="pt-BR" sz="2300" dirty="0">
+                <a:effectLst/>
+                <a:latin typeface="Raleway" panose="020B0604020202020204" pitchFamily="2" charset="0"/>
+                <a:ea typeface="Times New Roman" panose="02020603050405020304" pitchFamily="18" charset="0"/>
+                <a:cs typeface="Times New Roman" panose="02020603050405020304" pitchFamily="18" charset="0"/>
+              </a:rPr>
+              <a:t>Arquitetural </a:t>
+            </a:r>
+            <a:br>
+              <a:rPr lang="pt-BR" sz="2300" dirty="0">
+                <a:effectLst/>
+                <a:latin typeface="Raleway" panose="020B0604020202020204" pitchFamily="2" charset="0"/>
+                <a:ea typeface="Times New Roman" panose="02020603050405020304" pitchFamily="18" charset="0"/>
+                <a:cs typeface="Times New Roman" panose="02020603050405020304" pitchFamily="18" charset="0"/>
+              </a:rPr>
+            </a:br>
+            <a:r>
+              <a:rPr lang="pt-BR" sz="2300" dirty="0">
+                <a:effectLst/>
+                <a:latin typeface="Raleway" panose="020B0604020202020204" pitchFamily="2" charset="0"/>
+                <a:ea typeface="Times New Roman" panose="02020603050405020304" pitchFamily="18" charset="0"/>
+                <a:cs typeface="Times New Roman" panose="02020603050405020304" pitchFamily="18" charset="0"/>
+              </a:rPr>
+              <a:t>Preliminar</a:t>
+            </a:r>
+            <a:endParaRPr lang="pt-BR" sz="2300" dirty="0">
+              <a:latin typeface="Raleway" panose="020B0604020202020204" pitchFamily="2" charset="0"/>
+            </a:endParaRPr>
+          </a:p>
+        </p:txBody>
+      </p:sp>
+      <p:pic>
+        <p:nvPicPr>
+          <p:cNvPr id="7" name="Imagem 6">
+            <a:extLst>
+              <a:ext uri="{FF2B5EF4-FFF2-40B4-BE49-F238E27FC236}">
+                <a16:creationId xmlns:a16="http://schemas.microsoft.com/office/drawing/2014/main" id="{7DC1BD90-FEA1-40E1-9CCD-35D715906D8E}"/>
+              </a:ext>
+            </a:extLst>
+          </p:cNvPr>
+          <p:cNvPicPr>
+            <a:picLocks noChangeAspect="1"/>
+          </p:cNvPicPr>
+          <p:nvPr/>
+        </p:nvPicPr>
+        <p:blipFill rotWithShape="1">
+          <a:blip r:embed="rId2"/>
+          <a:srcRect l="1136" r="1704" b="9514"/>
+          <a:stretch/>
+        </p:blipFill>
+        <p:spPr>
+          <a:xfrm>
+            <a:off x="2612831" y="11081"/>
+            <a:ext cx="3918339" cy="5121338"/>
+          </a:xfrm>
+          <a:prstGeom prst="rect">
+            <a:avLst/>
+          </a:prstGeom>
+        </p:spPr>
+      </p:pic>
+    </p:spTree>
+    <p:extLst>
+      <p:ext uri="{BB962C8B-B14F-4D97-AF65-F5344CB8AC3E}">
+        <p14:creationId xmlns:p14="http://schemas.microsoft.com/office/powerpoint/2010/main" val="2971931274"/>
+      </p:ext>
+    </p:extLst>
+  </p:cSld>
+  <p:clrMapOvr>
+    <a:masterClrMapping/>
+  </p:clrMapOvr>
+  <p:timing>
+    <p:tnLst>
+      <p:par>
+        <p:cTn id="1" dur="indefinite" restart="never" nodeType="tmRoot">
+          <p:childTnLst>
+            <p:seq concurrent="1" nextAc="seek">
+              <p:cTn id="2" dur="indefinite" nodeType="mainSeq">
+                <p:childTnLst>
+                  <p:par>
+                    <p:cTn id="3" fill="hold">
+                      <p:stCondLst>
+                        <p:cond delay="indefinite"/>
+                      </p:stCondLst>
+                      <p:childTnLst>
+                        <p:par>
+                          <p:cTn id="4" fill="hold">
+                            <p:stCondLst>
+                              <p:cond delay="0"/>
+                            </p:stCondLst>
+                            <p:childTnLst>
+                              <p:par>
+                                <p:cTn id="5" presetID="1" presetClass="entr" presetSubtype="0" fill="hold" nodeType="clickEffect">
+                                  <p:stCondLst>
+                                    <p:cond delay="0"/>
+                                  </p:stCondLst>
+                                  <p:childTnLst>
+                                    <p:set>
+                                      <p:cBhvr>
+                                        <p:cTn id="6" dur="1" fill="hold">
+                                          <p:stCondLst>
+                                            <p:cond delay="0"/>
+                                          </p:stCondLst>
+                                        </p:cTn>
+                                        <p:tgtEl>
+                                          <p:spTgt spid="7"/>
+                                        </p:tgtEl>
+                                        <p:attrNameLst>
+                                          <p:attrName>style.visibility</p:attrName>
+                                        </p:attrNameLst>
+                                      </p:cBhvr>
+                                      <p:to>
+                                        <p:strVal val="visible"/>
+                                      </p:to>
+                                    </p:set>
+                                  </p:childTnLst>
+                                </p:cTn>
+                              </p:par>
+                            </p:childTnLst>
+                          </p:cTn>
+                        </p:par>
+                      </p:childTnLst>
+                    </p:cTn>
+                  </p:par>
+                </p:childTnLst>
+              </p:cTn>
+              <p:prevCondLst>
+                <p:cond evt="onPrev" delay="0">
+                  <p:tgtEl>
+                    <p:sldTgt/>
+                  </p:tgtEl>
+                </p:cond>
+              </p:prevCondLst>
+              <p:nextCondLst>
+                <p:cond evt="onNext" delay="0">
+                  <p:tgtEl>
+                    <p:sldTgt/>
+                  </p:tgtEl>
+                </p:cond>
+              </p:nextCondLst>
+            </p:seq>
+          </p:childTnLst>
+        </p:cTn>
+      </p:par>
+    </p:tnLst>
+  </p:timing>
+</p:sld>
+</file>
+
+<file path=ppt/slides/slide2.xml><?xml version="1.0" encoding="utf-8"?>
+<p:sld xmlns:a="http://schemas.openxmlformats.org/drawingml/2006/main" xmlns:r="http://schemas.openxmlformats.org/officeDocument/2006/relationships" xmlns:p="http://schemas.openxmlformats.org/presentationml/2006/main">
+  <p:cSld>
+    <p:spTree>
+      <p:nvGrpSpPr>
+        <p:cNvPr id="1" name="Shape 91"/>
         <p:cNvGrpSpPr/>
         <p:nvPr/>
       </p:nvGrpSpPr>
@@ -7781,7 +10459,9 @@
       <p:sp>
         <p:nvSpPr>
           <p:cNvPr id="92" name="Google Shape;92;p14"/>
-          <p:cNvSpPr txBox="1"/>
+          <p:cNvSpPr txBox="1">
+            <a:spLocks noGrp="1"/>
+          </p:cNvSpPr>
           <p:nvPr>
             <p:ph type="title"/>
           </p:nvPr>
@@ -7796,12 +10476,12 @@
           </a:prstGeom>
         </p:spPr>
         <p:txBody>
-          <a:bodyPr anchorCtr="0" anchor="t" bIns="91425" lIns="91425" spcFirstLastPara="1" rIns="91425" wrap="square" tIns="91425">
+          <a:bodyPr spcFirstLastPara="1" wrap="square" lIns="91425" tIns="91425" rIns="91425" bIns="91425" anchor="t" anchorCtr="0">
             <a:normAutofit fontScale="90000"/>
           </a:bodyPr>
           <a:lstStyle/>
           <a:p>
-            <a:pPr indent="0" lvl="0" marL="0" rtl="0" algn="l">
+            <a:pPr marL="0" lvl="0" indent="0" algn="l" rtl="0">
               <a:spcBef>
                 <a:spcPts val="0"/>
               </a:spcBef>
@@ -7821,9 +10501,11 @@
       <p:sp>
         <p:nvSpPr>
           <p:cNvPr id="93" name="Google Shape;93;p14"/>
-          <p:cNvSpPr txBox="1"/>
+          <p:cNvSpPr txBox="1">
+            <a:spLocks noGrp="1"/>
+          </p:cNvSpPr>
           <p:nvPr>
-            <p:ph idx="1" type="body"/>
+            <p:ph type="body" idx="1"/>
           </p:nvPr>
         </p:nvSpPr>
         <p:spPr>
@@ -7836,12 +10518,12 @@
           </a:prstGeom>
         </p:spPr>
         <p:txBody>
-          <a:bodyPr anchorCtr="0" anchor="t" bIns="91425" lIns="91425" spcFirstLastPara="1" rIns="91425" wrap="square" tIns="91425">
+          <a:bodyPr spcFirstLastPara="1" wrap="square" lIns="91425" tIns="91425" rIns="91425" bIns="91425" anchor="t" anchorCtr="0">
             <a:normAutofit/>
           </a:bodyPr>
           <a:lstStyle/>
           <a:p>
-            <a:pPr indent="0" lvl="0" marL="0" rtl="0" algn="l">
+            <a:pPr marL="0" lvl="0" indent="0" algn="l" rtl="0">
               <a:spcBef>
                 <a:spcPts val="0"/>
               </a:spcBef>
@@ -7865,7 +10547,7 @@
             </a:endParaRPr>
           </a:p>
           <a:p>
-            <a:pPr indent="-311150" lvl="0" marL="457200" rtl="0" algn="l">
+            <a:pPr marL="457200" lvl="0" indent="-311150" algn="l" rtl="0">
               <a:spcBef>
                 <a:spcPts val="1200"/>
               </a:spcBef>
@@ -7884,39 +10566,7 @@
                   <a:schemeClr val="dk2"/>
                 </a:solidFill>
               </a:rPr>
-              <a:t>Auxiliar na gestão de pacientes e </a:t>
-            </a:r>
-            <a:r>
-              <a:rPr lang="pt-BR">
-                <a:solidFill>
-                  <a:schemeClr val="dk2"/>
-                </a:solidFill>
-              </a:rPr>
-              <a:t>funcionários</a:t>
-            </a:r>
-            <a:r>
-              <a:rPr lang="pt-BR">
-                <a:solidFill>
-                  <a:schemeClr val="dk2"/>
-                </a:solidFill>
-              </a:rPr>
-              <a:t> de hospitais </a:t>
-            </a:r>
-            <a:r>
-              <a:rPr lang="pt-BR">
-                <a:solidFill>
-                  <a:schemeClr val="dk2"/>
-                </a:solidFill>
-              </a:rPr>
-              <a:t>públicos</a:t>
-            </a:r>
-            <a:r>
-              <a:rPr lang="pt-BR">
-                <a:solidFill>
-                  <a:schemeClr val="dk2"/>
-                </a:solidFill>
-              </a:rPr>
-              <a:t> e particulares.</a:t>
+              <a:t>Auxiliar na gestão de pacientes e funcionários de hospitais públicos e particulares.</a:t>
             </a:r>
             <a:endParaRPr>
               <a:solidFill>
@@ -7925,7 +10575,7 @@
             </a:endParaRPr>
           </a:p>
           <a:p>
-            <a:pPr indent="-311150" lvl="0" marL="457200" rtl="0" algn="l">
+            <a:pPr marL="457200" lvl="0" indent="-311150" algn="l" rtl="0">
               <a:spcBef>
                 <a:spcPts val="0"/>
               </a:spcBef>
@@ -7944,23 +10594,7 @@
                   <a:schemeClr val="dk2"/>
                 </a:solidFill>
               </a:rPr>
-              <a:t>Auxiliar no controle que o </a:t>
-            </a:r>
-            <a:r>
-              <a:rPr lang="pt-BR">
-                <a:solidFill>
-                  <a:schemeClr val="dk2"/>
-                </a:solidFill>
-              </a:rPr>
-              <a:t>médico</a:t>
-            </a:r>
-            <a:r>
-              <a:rPr lang="pt-BR">
-                <a:solidFill>
-                  <a:schemeClr val="dk2"/>
-                </a:solidFill>
-              </a:rPr>
-              <a:t> deve ter sobre o paciente.</a:t>
+              <a:t>Auxiliar no controle que o médico deve ter sobre o paciente.</a:t>
             </a:r>
             <a:endParaRPr>
               <a:solidFill>
@@ -7969,7 +10603,7 @@
             </a:endParaRPr>
           </a:p>
           <a:p>
-            <a:pPr indent="-311150" lvl="0" marL="457200" rtl="0" algn="l">
+            <a:pPr marL="457200" lvl="0" indent="-311150" algn="l" rtl="0">
               <a:spcBef>
                 <a:spcPts val="0"/>
               </a:spcBef>
@@ -7988,23 +10622,7 @@
                   <a:schemeClr val="dk2"/>
                 </a:solidFill>
               </a:rPr>
-              <a:t>Diminuir o trabalho repetitivo de marcar consultas para </a:t>
-            </a:r>
-            <a:r>
-              <a:rPr lang="pt-BR">
-                <a:solidFill>
-                  <a:schemeClr val="dk2"/>
-                </a:solidFill>
-              </a:rPr>
-              <a:t>médicos</a:t>
-            </a:r>
-            <a:r>
-              <a:rPr lang="pt-BR">
-                <a:solidFill>
-                  <a:schemeClr val="dk2"/>
-                </a:solidFill>
-              </a:rPr>
-              <a:t> e recepcionistas.</a:t>
+              <a:t>Diminuir o trabalho repetitivo de marcar consultas para médicos e recepcionistas.</a:t>
             </a:r>
             <a:endParaRPr>
               <a:solidFill>
@@ -8013,7 +10631,7 @@
             </a:endParaRPr>
           </a:p>
           <a:p>
-            <a:pPr indent="-311150" lvl="0" marL="457200" rtl="0" algn="l">
+            <a:pPr marL="457200" lvl="0" indent="-311150" algn="l" rtl="0">
               <a:spcBef>
                 <a:spcPts val="0"/>
               </a:spcBef>
@@ -8041,7 +10659,7 @@
             </a:endParaRPr>
           </a:p>
           <a:p>
-            <a:pPr indent="-311150" lvl="0" marL="457200" rtl="0" algn="l">
+            <a:pPr marL="457200" lvl="0" indent="-311150" algn="l" rtl="0">
               <a:spcBef>
                 <a:spcPts val="0"/>
               </a:spcBef>
@@ -8079,11 +10697,11 @@
 </file>
 
 <file path=ppt/slides/slide3.xml><?xml version="1.0" encoding="utf-8"?>
-<p:sld xmlns:a="http://schemas.openxmlformats.org/drawingml/2006/main" xmlns:r="http://schemas.openxmlformats.org/officeDocument/2006/relationships" xmlns:mc="http://schemas.openxmlformats.org/markup-compatibility/2006" xmlns:mv="urn:schemas-microsoft-com:mac:vml" xmlns:p="http://schemas.openxmlformats.org/presentationml/2006/main" xmlns:c="http://schemas.openxmlformats.org/drawingml/2006/chart" xmlns:dgm="http://schemas.openxmlformats.org/drawingml/2006/diagram" xmlns:o="urn:schemas-microsoft-com:office:office" xmlns:v="urn:schemas-microsoft-com:vml" xmlns:pvml="urn:schemas-microsoft-com:office:powerpoint" xmlns:com="http://schemas.openxmlformats.org/drawingml/2006/compatibility" xmlns:p14="http://schemas.microsoft.com/office/powerpoint/2010/main" xmlns:p15="http://schemas.microsoft.com/office/powerpoint/2012/main" xmlns:ahyp="http://schemas.microsoft.com/office/drawing/2018/hyperlinkcolor">
+<p:sld xmlns:a="http://schemas.openxmlformats.org/drawingml/2006/main" xmlns:r="http://schemas.openxmlformats.org/officeDocument/2006/relationships" xmlns:p="http://schemas.openxmlformats.org/presentationml/2006/main">
   <p:cSld>
     <p:spTree>
       <p:nvGrpSpPr>
-        <p:cNvPr id="97" name="Shape 97"/>
+        <p:cNvPr id="1" name="Shape 97"/>
         <p:cNvGrpSpPr/>
         <p:nvPr/>
       </p:nvGrpSpPr>
@@ -8098,7 +10716,9 @@
       <p:sp>
         <p:nvSpPr>
           <p:cNvPr id="98" name="Google Shape;98;p15"/>
-          <p:cNvSpPr txBox="1"/>
+          <p:cNvSpPr txBox="1">
+            <a:spLocks noGrp="1"/>
+          </p:cNvSpPr>
           <p:nvPr>
             <p:ph type="title"/>
           </p:nvPr>
@@ -8113,12 +10733,12 @@
           </a:prstGeom>
         </p:spPr>
         <p:txBody>
-          <a:bodyPr anchorCtr="0" anchor="t" bIns="91425" lIns="91425" spcFirstLastPara="1" rIns="91425" wrap="square" tIns="91425">
+          <a:bodyPr spcFirstLastPara="1" wrap="square" lIns="91425" tIns="91425" rIns="91425" bIns="91425" anchor="t" anchorCtr="0">
             <a:normAutofit fontScale="90000"/>
           </a:bodyPr>
           <a:lstStyle/>
           <a:p>
-            <a:pPr indent="0" lvl="0" marL="0" rtl="0" algn="l">
+            <a:pPr marL="0" lvl="0" indent="0" algn="l" rtl="0">
               <a:spcBef>
                 <a:spcPts val="0"/>
               </a:spcBef>
@@ -8138,9 +10758,11 @@
       <p:sp>
         <p:nvSpPr>
           <p:cNvPr id="99" name="Google Shape;99;p15"/>
-          <p:cNvSpPr txBox="1"/>
+          <p:cNvSpPr txBox="1">
+            <a:spLocks noGrp="1"/>
+          </p:cNvSpPr>
           <p:nvPr>
-            <p:ph idx="1" type="body"/>
+            <p:ph type="body" idx="1"/>
           </p:nvPr>
         </p:nvSpPr>
         <p:spPr>
@@ -8153,12 +10775,12 @@
           </a:prstGeom>
         </p:spPr>
         <p:txBody>
-          <a:bodyPr anchorCtr="0" anchor="t" bIns="91425" lIns="91425" spcFirstLastPara="1" rIns="91425" wrap="square" tIns="91425">
+          <a:bodyPr spcFirstLastPara="1" wrap="square" lIns="91425" tIns="91425" rIns="91425" bIns="91425" anchor="t" anchorCtr="0">
             <a:normAutofit/>
           </a:bodyPr>
           <a:lstStyle/>
           <a:p>
-            <a:pPr indent="-311150" lvl="0" marL="457200" rtl="0" algn="l">
+            <a:pPr marL="457200" lvl="0" indent="-311150" algn="l" rtl="0">
               <a:spcBef>
                 <a:spcPts val="0"/>
               </a:spcBef>
@@ -8186,7 +10808,7 @@
             </a:endParaRPr>
           </a:p>
           <a:p>
-            <a:pPr indent="-311150" lvl="0" marL="457200" rtl="0" algn="l">
+            <a:pPr marL="457200" lvl="0" indent="-311150" algn="l" rtl="0">
               <a:spcBef>
                 <a:spcPts val="0"/>
               </a:spcBef>
@@ -8205,23 +10827,7 @@
                   <a:schemeClr val="dk2"/>
                 </a:solidFill>
               </a:rPr>
-              <a:t>Agendamento de  consultas </a:t>
-            </a:r>
-            <a:r>
-              <a:rPr lang="pt-BR">
-                <a:solidFill>
-                  <a:schemeClr val="dk2"/>
-                </a:solidFill>
-              </a:rPr>
-              <a:t>médicas</a:t>
-            </a:r>
-            <a:r>
-              <a:rPr lang="pt-BR">
-                <a:solidFill>
-                  <a:schemeClr val="dk2"/>
-                </a:solidFill>
-              </a:rPr>
-              <a:t>.</a:t>
+              <a:t>Agendamento de  consultas médicas.</a:t>
             </a:r>
             <a:endParaRPr>
               <a:solidFill>
@@ -8230,7 +10836,7 @@
             </a:endParaRPr>
           </a:p>
           <a:p>
-            <a:pPr indent="-311150" lvl="0" marL="457200" rtl="0" algn="l">
+            <a:pPr marL="457200" lvl="0" indent="-311150" algn="l" rtl="0">
               <a:spcBef>
                 <a:spcPts val="0"/>
               </a:spcBef>
@@ -8258,7 +10864,7 @@
             </a:endParaRPr>
           </a:p>
           <a:p>
-            <a:pPr indent="-311150" lvl="0" marL="457200" rtl="0" algn="l">
+            <a:pPr marL="457200" lvl="0" indent="-311150" algn="l" rtl="0">
               <a:spcBef>
                 <a:spcPts val="0"/>
               </a:spcBef>
@@ -8286,7 +10892,7 @@
             </a:endParaRPr>
           </a:p>
           <a:p>
-            <a:pPr indent="-311150" lvl="0" marL="457200" rtl="0" algn="l">
+            <a:pPr marL="457200" lvl="0" indent="-311150" algn="l" rtl="0">
               <a:spcBef>
                 <a:spcPts val="0"/>
               </a:spcBef>
@@ -8314,7 +10920,7 @@
             </a:endParaRPr>
           </a:p>
           <a:p>
-            <a:pPr indent="-311150" lvl="0" marL="457200" rtl="0" algn="l">
+            <a:pPr marL="457200" lvl="0" indent="-311150" algn="l" rtl="0">
               <a:spcBef>
                 <a:spcPts val="0"/>
               </a:spcBef>
@@ -8342,7 +10948,7 @@
             </a:endParaRPr>
           </a:p>
           <a:p>
-            <a:pPr indent="-311150" lvl="0" marL="457200" rtl="0" algn="l">
+            <a:pPr marL="457200" lvl="0" indent="-311150" algn="l" rtl="0">
               <a:spcBef>
                 <a:spcPts val="0"/>
               </a:spcBef>
@@ -8361,23 +10967,7 @@
                   <a:schemeClr val="dk2"/>
                 </a:solidFill>
               </a:rPr>
-              <a:t>Gerar </a:t>
-            </a:r>
-            <a:r>
-              <a:rPr lang="pt-BR">
-                <a:solidFill>
-                  <a:schemeClr val="dk2"/>
-                </a:solidFill>
-              </a:rPr>
-              <a:t>relatórios</a:t>
-            </a:r>
-            <a:r>
-              <a:rPr lang="pt-BR">
-                <a:solidFill>
-                  <a:schemeClr val="dk2"/>
-                </a:solidFill>
-              </a:rPr>
-              <a:t> de insumos gastos pelo paciente durante sua internação.</a:t>
+              <a:t>Gerar relatórios de insumos gastos pelo paciente durante sua internação.</a:t>
             </a:r>
             <a:endParaRPr>
               <a:solidFill>
@@ -8386,7 +10976,7 @@
             </a:endParaRPr>
           </a:p>
           <a:p>
-            <a:pPr indent="-311150" lvl="0" marL="457200" rtl="0" algn="l">
+            <a:pPr marL="457200" lvl="0" indent="-311150" algn="l" rtl="0">
               <a:spcBef>
                 <a:spcPts val="0"/>
               </a:spcBef>
@@ -8424,11 +11014,11 @@
 </file>
 
 <file path=ppt/slides/slide4.xml><?xml version="1.0" encoding="utf-8"?>
-<p:sld xmlns:a="http://schemas.openxmlformats.org/drawingml/2006/main" xmlns:r="http://schemas.openxmlformats.org/officeDocument/2006/relationships" xmlns:mc="http://schemas.openxmlformats.org/markup-compatibility/2006" xmlns:mv="urn:schemas-microsoft-com:mac:vml" xmlns:p="http://schemas.openxmlformats.org/presentationml/2006/main" xmlns:c="http://schemas.openxmlformats.org/drawingml/2006/chart" xmlns:dgm="http://schemas.openxmlformats.org/drawingml/2006/diagram" xmlns:o="urn:schemas-microsoft-com:office:office" xmlns:v="urn:schemas-microsoft-com:vml" xmlns:pvml="urn:schemas-microsoft-com:office:powerpoint" xmlns:com="http://schemas.openxmlformats.org/drawingml/2006/compatibility" xmlns:p14="http://schemas.microsoft.com/office/powerpoint/2010/main" xmlns:p15="http://schemas.microsoft.com/office/powerpoint/2012/main" xmlns:ahyp="http://schemas.microsoft.com/office/drawing/2018/hyperlinkcolor">
+<p:sld xmlns:a="http://schemas.openxmlformats.org/drawingml/2006/main" xmlns:r="http://schemas.openxmlformats.org/officeDocument/2006/relationships" xmlns:p="http://schemas.openxmlformats.org/presentationml/2006/main">
   <p:cSld>
     <p:spTree>
       <p:nvGrpSpPr>
-        <p:cNvPr id="103" name="Shape 103"/>
+        <p:cNvPr id="1" name="Shape 103"/>
         <p:cNvGrpSpPr/>
         <p:nvPr/>
       </p:nvGrpSpPr>
@@ -8443,7 +11033,9 @@
       <p:sp>
         <p:nvSpPr>
           <p:cNvPr id="104" name="Google Shape;104;p16"/>
-          <p:cNvSpPr txBox="1"/>
+          <p:cNvSpPr txBox="1">
+            <a:spLocks noGrp="1"/>
+          </p:cNvSpPr>
           <p:nvPr>
             <p:ph type="title"/>
           </p:nvPr>
@@ -8458,12 +11050,12 @@
           </a:prstGeom>
         </p:spPr>
         <p:txBody>
-          <a:bodyPr anchorCtr="0" anchor="t" bIns="91425" lIns="91425" spcFirstLastPara="1" rIns="91425" wrap="square" tIns="91425">
+          <a:bodyPr spcFirstLastPara="1" wrap="square" lIns="91425" tIns="91425" rIns="91425" bIns="91425" anchor="t" anchorCtr="0">
             <a:normAutofit fontScale="90000"/>
           </a:bodyPr>
           <a:lstStyle/>
           <a:p>
-            <a:pPr indent="0" lvl="0" marL="0" rtl="0" algn="l">
+            <a:pPr marL="0" lvl="0" indent="0" algn="l" rtl="0">
               <a:spcBef>
                 <a:spcPts val="0"/>
               </a:spcBef>
@@ -8483,9 +11075,11 @@
       <p:sp>
         <p:nvSpPr>
           <p:cNvPr id="105" name="Google Shape;105;p16"/>
-          <p:cNvSpPr txBox="1"/>
+          <p:cNvSpPr txBox="1">
+            <a:spLocks noGrp="1"/>
+          </p:cNvSpPr>
           <p:nvPr>
-            <p:ph idx="1" type="body"/>
+            <p:ph type="body" idx="1"/>
           </p:nvPr>
         </p:nvSpPr>
         <p:spPr>
@@ -8498,12 +11092,12 @@
           </a:prstGeom>
         </p:spPr>
         <p:txBody>
-          <a:bodyPr anchorCtr="0" anchor="t" bIns="91425" lIns="91425" spcFirstLastPara="1" rIns="91425" wrap="square" tIns="91425">
+          <a:bodyPr spcFirstLastPara="1" wrap="square" lIns="91425" tIns="91425" rIns="91425" bIns="91425" anchor="t" anchorCtr="0">
             <a:normAutofit/>
           </a:bodyPr>
           <a:lstStyle/>
           <a:p>
-            <a:pPr indent="-311150" lvl="0" marL="457200" rtl="0" algn="l">
+            <a:pPr marL="457200" lvl="0" indent="-311150" algn="l" rtl="0">
               <a:spcBef>
                 <a:spcPts val="0"/>
               </a:spcBef>
@@ -8517,7 +11111,7 @@
               <a:buChar char="●"/>
             </a:pPr>
             <a:r>
-              <a:rPr b="1" lang="pt-BR">
+              <a:rPr lang="pt-BR" b="1">
                 <a:solidFill>
                   <a:schemeClr val="dk2"/>
                 </a:solidFill>
@@ -8531,7 +11125,7 @@
             </a:endParaRPr>
           </a:p>
           <a:p>
-            <a:pPr indent="-311150" lvl="0" marL="457200" rtl="0" algn="l">
+            <a:pPr marL="457200" lvl="0" indent="-311150" algn="l" rtl="0">
               <a:spcBef>
                 <a:spcPts val="0"/>
               </a:spcBef>
@@ -8545,7 +11139,7 @@
               <a:buChar char="●"/>
             </a:pPr>
             <a:r>
-              <a:rPr b="1" lang="pt-BR">
+              <a:rPr lang="pt-BR" b="1">
                 <a:solidFill>
                   <a:schemeClr val="dk2"/>
                 </a:solidFill>
@@ -8559,7 +11153,7 @@
             </a:endParaRPr>
           </a:p>
           <a:p>
-            <a:pPr indent="-311150" lvl="0" marL="457200" rtl="0" algn="l">
+            <a:pPr marL="457200" lvl="0" indent="-311150" algn="l" rtl="0">
               <a:spcBef>
                 <a:spcPts val="0"/>
               </a:spcBef>
@@ -8573,7 +11167,7 @@
               <a:buChar char="●"/>
             </a:pPr>
             <a:r>
-              <a:rPr b="1" lang="pt-BR">
+              <a:rPr lang="pt-BR" b="1">
                 <a:solidFill>
                   <a:schemeClr val="dk2"/>
                 </a:solidFill>
@@ -8587,7 +11181,7 @@
             </a:endParaRPr>
           </a:p>
           <a:p>
-            <a:pPr indent="-311150" lvl="0" marL="457200" rtl="0" algn="l">
+            <a:pPr marL="457200" lvl="0" indent="-311150" algn="l" rtl="0">
               <a:spcBef>
                 <a:spcPts val="0"/>
               </a:spcBef>
@@ -8601,7 +11195,7 @@
               <a:buChar char="●"/>
             </a:pPr>
             <a:r>
-              <a:rPr b="1" lang="pt-BR">
+              <a:rPr lang="pt-BR" b="1">
                 <a:solidFill>
                   <a:schemeClr val="dk2"/>
                 </a:solidFill>
@@ -8615,7 +11209,7 @@
             </a:endParaRPr>
           </a:p>
           <a:p>
-            <a:pPr indent="-311150" lvl="0" marL="457200" rtl="0" algn="l">
+            <a:pPr marL="457200" lvl="0" indent="-311150" algn="l" rtl="0">
               <a:spcBef>
                 <a:spcPts val="0"/>
               </a:spcBef>
@@ -8629,7 +11223,7 @@
               <a:buChar char="●"/>
             </a:pPr>
             <a:r>
-              <a:rPr b="1" lang="pt-BR">
+              <a:rPr lang="pt-BR" b="1">
                 <a:solidFill>
                   <a:schemeClr val="dk2"/>
                 </a:solidFill>
@@ -8643,7 +11237,7 @@
             </a:endParaRPr>
           </a:p>
           <a:p>
-            <a:pPr indent="-311150" lvl="0" marL="457200" rtl="0" algn="l">
+            <a:pPr marL="457200" lvl="0" indent="-311150" algn="l" rtl="0">
               <a:spcBef>
                 <a:spcPts val="0"/>
               </a:spcBef>
@@ -8657,7 +11251,7 @@
               <a:buChar char="●"/>
             </a:pPr>
             <a:r>
-              <a:rPr b="1" lang="pt-BR">
+              <a:rPr lang="pt-BR" b="1">
                 <a:solidFill>
                   <a:schemeClr val="dk2"/>
                 </a:solidFill>
@@ -8681,11 +11275,11 @@
 </file>
 
 <file path=ppt/slides/slide5.xml><?xml version="1.0" encoding="utf-8"?>
-<p:sld xmlns:a="http://schemas.openxmlformats.org/drawingml/2006/main" xmlns:r="http://schemas.openxmlformats.org/officeDocument/2006/relationships" xmlns:mc="http://schemas.openxmlformats.org/markup-compatibility/2006" xmlns:mv="urn:schemas-microsoft-com:mac:vml" xmlns:p="http://schemas.openxmlformats.org/presentationml/2006/main" xmlns:c="http://schemas.openxmlformats.org/drawingml/2006/chart" xmlns:dgm="http://schemas.openxmlformats.org/drawingml/2006/diagram" xmlns:o="urn:schemas-microsoft-com:office:office" xmlns:v="urn:schemas-microsoft-com:vml" xmlns:pvml="urn:schemas-microsoft-com:office:powerpoint" xmlns:com="http://schemas.openxmlformats.org/drawingml/2006/compatibility" xmlns:p14="http://schemas.microsoft.com/office/powerpoint/2010/main" xmlns:p15="http://schemas.microsoft.com/office/powerpoint/2012/main" xmlns:ahyp="http://schemas.microsoft.com/office/drawing/2018/hyperlinkcolor">
+<p:sld xmlns:a="http://schemas.openxmlformats.org/drawingml/2006/main" xmlns:r="http://schemas.openxmlformats.org/officeDocument/2006/relationships" xmlns:p="http://schemas.openxmlformats.org/presentationml/2006/main">
   <p:cSld>
     <p:spTree>
       <p:nvGrpSpPr>
-        <p:cNvPr id="109" name="Shape 109"/>
+        <p:cNvPr id="1" name="Shape 109"/>
         <p:cNvGrpSpPr/>
         <p:nvPr/>
       </p:nvGrpSpPr>
@@ -8700,7 +11294,9 @@
       <p:sp>
         <p:nvSpPr>
           <p:cNvPr id="110" name="Google Shape;110;p17"/>
-          <p:cNvSpPr txBox="1"/>
+          <p:cNvSpPr txBox="1">
+            <a:spLocks noGrp="1"/>
+          </p:cNvSpPr>
           <p:nvPr>
             <p:ph type="title"/>
           </p:nvPr>
@@ -8715,12 +11311,12 @@
           </a:prstGeom>
         </p:spPr>
         <p:txBody>
-          <a:bodyPr anchorCtr="0" anchor="t" bIns="91425" lIns="91425" spcFirstLastPara="1" rIns="91425" wrap="square" tIns="91425">
+          <a:bodyPr spcFirstLastPara="1" wrap="square" lIns="91425" tIns="91425" rIns="91425" bIns="91425" anchor="t" anchorCtr="0">
             <a:normAutofit fontScale="90000"/>
           </a:bodyPr>
           <a:lstStyle/>
           <a:p>
-            <a:pPr indent="0" lvl="0" marL="0" rtl="0" algn="l">
+            <a:pPr marL="0" lvl="0" indent="0" algn="l" rtl="0">
               <a:spcBef>
                 <a:spcPts val="0"/>
               </a:spcBef>
@@ -8740,9 +11336,11 @@
       <p:sp>
         <p:nvSpPr>
           <p:cNvPr id="111" name="Google Shape;111;p17"/>
-          <p:cNvSpPr txBox="1"/>
+          <p:cNvSpPr txBox="1">
+            <a:spLocks noGrp="1"/>
+          </p:cNvSpPr>
           <p:nvPr>
-            <p:ph idx="1" type="body"/>
+            <p:ph type="body" idx="1"/>
           </p:nvPr>
         </p:nvSpPr>
         <p:spPr>
@@ -8755,12 +11353,12 @@
           </a:prstGeom>
         </p:spPr>
         <p:txBody>
-          <a:bodyPr anchorCtr="0" anchor="t" bIns="91425" lIns="91425" spcFirstLastPara="1" rIns="91425" wrap="square" tIns="91425">
+          <a:bodyPr spcFirstLastPara="1" wrap="square" lIns="91425" tIns="91425" rIns="91425" bIns="91425" anchor="t" anchorCtr="0">
             <a:normAutofit/>
           </a:bodyPr>
           <a:lstStyle/>
           <a:p>
-            <a:pPr indent="-311150" lvl="0" marL="457200" rtl="0" algn="l">
+            <a:pPr marL="457200" lvl="0" indent="-311150" algn="l" rtl="0">
               <a:spcBef>
                 <a:spcPts val="0"/>
               </a:spcBef>
@@ -8774,7 +11372,7 @@
               <a:buChar char="●"/>
             </a:pPr>
             <a:r>
-              <a:rPr b="1" lang="pt-BR">
+              <a:rPr lang="pt-BR" b="1">
                 <a:solidFill>
                   <a:schemeClr val="dk2"/>
                 </a:solidFill>
@@ -8788,7 +11386,7 @@
             </a:endParaRPr>
           </a:p>
           <a:p>
-            <a:pPr indent="-298450" lvl="1" marL="914400" rtl="0" algn="l">
+            <a:pPr marL="914400" lvl="1" indent="-298450" algn="l" rtl="0">
               <a:spcBef>
                 <a:spcPts val="0"/>
               </a:spcBef>
@@ -8802,7 +11400,7 @@
               <a:buChar char="○"/>
             </a:pPr>
             <a:r>
-              <a:rPr b="1" lang="pt-BR">
+              <a:rPr lang="pt-BR" b="1">
                 <a:solidFill>
                   <a:schemeClr val="dk2"/>
                 </a:solidFill>
@@ -8816,7 +11414,7 @@
             </a:endParaRPr>
           </a:p>
           <a:p>
-            <a:pPr indent="-298450" lvl="1" marL="914400" rtl="0" algn="l">
+            <a:pPr marL="914400" lvl="1" indent="-298450" algn="l" rtl="0">
               <a:spcBef>
                 <a:spcPts val="0"/>
               </a:spcBef>
@@ -8830,7 +11428,7 @@
               <a:buChar char="○"/>
             </a:pPr>
             <a:r>
-              <a:rPr b="1" lang="pt-BR">
+              <a:rPr lang="pt-BR" b="1">
                 <a:solidFill>
                   <a:schemeClr val="dk2"/>
                 </a:solidFill>
@@ -8844,7 +11442,7 @@
             </a:endParaRPr>
           </a:p>
           <a:p>
-            <a:pPr indent="-298450" lvl="1" marL="914400" rtl="0" algn="l">
+            <a:pPr marL="914400" lvl="1" indent="-298450" algn="l" rtl="0">
               <a:spcBef>
                 <a:spcPts val="0"/>
               </a:spcBef>
@@ -8858,7 +11456,7 @@
               <a:buChar char="○"/>
             </a:pPr>
             <a:r>
-              <a:rPr b="1" lang="pt-BR">
+              <a:rPr lang="pt-BR" b="1">
                 <a:solidFill>
                   <a:schemeClr val="dk2"/>
                 </a:solidFill>
@@ -8872,7 +11470,7 @@
             </a:endParaRPr>
           </a:p>
           <a:p>
-            <a:pPr indent="-298450" lvl="1" marL="914400" rtl="0" algn="l">
+            <a:pPr marL="914400" lvl="1" indent="-298450" algn="l" rtl="0">
               <a:spcBef>
                 <a:spcPts val="0"/>
               </a:spcBef>
@@ -8886,7 +11484,7 @@
               <a:buChar char="○"/>
             </a:pPr>
             <a:r>
-              <a:rPr b="1" lang="pt-BR">
+              <a:rPr lang="pt-BR" b="1">
                 <a:solidFill>
                   <a:schemeClr val="dk2"/>
                 </a:solidFill>
@@ -8900,7 +11498,7 @@
             </a:endParaRPr>
           </a:p>
           <a:p>
-            <a:pPr indent="-311150" lvl="0" marL="457200" rtl="0" algn="l">
+            <a:pPr marL="457200" lvl="0" indent="-311150" algn="l" rtl="0">
               <a:spcBef>
                 <a:spcPts val="0"/>
               </a:spcBef>
@@ -8914,7 +11512,7 @@
               <a:buChar char="●"/>
             </a:pPr>
             <a:r>
-              <a:rPr b="1" lang="pt-BR">
+              <a:rPr lang="pt-BR" b="1">
                 <a:solidFill>
                   <a:schemeClr val="dk2"/>
                 </a:solidFill>
@@ -8938,11 +11536,11 @@
 </file>
 
 <file path=ppt/slides/slide6.xml><?xml version="1.0" encoding="utf-8"?>
-<p:sld xmlns:a="http://schemas.openxmlformats.org/drawingml/2006/main" xmlns:r="http://schemas.openxmlformats.org/officeDocument/2006/relationships" xmlns:mc="http://schemas.openxmlformats.org/markup-compatibility/2006" xmlns:mv="urn:schemas-microsoft-com:mac:vml" xmlns:p="http://schemas.openxmlformats.org/presentationml/2006/main" xmlns:c="http://schemas.openxmlformats.org/drawingml/2006/chart" xmlns:dgm="http://schemas.openxmlformats.org/drawingml/2006/diagram" xmlns:o="urn:schemas-microsoft-com:office:office" xmlns:v="urn:schemas-microsoft-com:vml" xmlns:pvml="urn:schemas-microsoft-com:office:powerpoint" xmlns:com="http://schemas.openxmlformats.org/drawingml/2006/compatibility" xmlns:p14="http://schemas.microsoft.com/office/powerpoint/2010/main" xmlns:p15="http://schemas.microsoft.com/office/powerpoint/2012/main" xmlns:ahyp="http://schemas.microsoft.com/office/drawing/2018/hyperlinkcolor">
+<p:sld xmlns:a="http://schemas.openxmlformats.org/drawingml/2006/main" xmlns:r="http://schemas.openxmlformats.org/officeDocument/2006/relationships" xmlns:p="http://schemas.openxmlformats.org/presentationml/2006/main">
   <p:cSld>
     <p:spTree>
       <p:nvGrpSpPr>
-        <p:cNvPr id="115" name="Shape 115"/>
+        <p:cNvPr id="1" name="Shape 115"/>
         <p:cNvGrpSpPr/>
         <p:nvPr/>
       </p:nvGrpSpPr>
@@ -8957,7 +11555,9 @@
       <p:sp>
         <p:nvSpPr>
           <p:cNvPr id="116" name="Google Shape;116;p18"/>
-          <p:cNvSpPr txBox="1"/>
+          <p:cNvSpPr txBox="1">
+            <a:spLocks noGrp="1"/>
+          </p:cNvSpPr>
           <p:nvPr>
             <p:ph type="title"/>
           </p:nvPr>
@@ -8972,12 +11572,12 @@
           </a:prstGeom>
         </p:spPr>
         <p:txBody>
-          <a:bodyPr anchorCtr="0" anchor="t" bIns="91425" lIns="91425" spcFirstLastPara="1" rIns="91425" wrap="square" tIns="91425">
+          <a:bodyPr spcFirstLastPara="1" wrap="square" lIns="91425" tIns="91425" rIns="91425" bIns="91425" anchor="t" anchorCtr="0">
             <a:normAutofit fontScale="90000"/>
           </a:bodyPr>
           <a:lstStyle/>
           <a:p>
-            <a:pPr indent="0" lvl="0" marL="0" rtl="0" algn="l">
+            <a:pPr marL="0" lvl="0" indent="0" algn="l" rtl="0">
               <a:spcBef>
                 <a:spcPts val="0"/>
               </a:spcBef>
@@ -8997,9 +11597,11 @@
       <p:sp>
         <p:nvSpPr>
           <p:cNvPr id="117" name="Google Shape;117;p18"/>
-          <p:cNvSpPr txBox="1"/>
+          <p:cNvSpPr txBox="1">
+            <a:spLocks noGrp="1"/>
+          </p:cNvSpPr>
           <p:nvPr>
-            <p:ph idx="1" type="body"/>
+            <p:ph type="body" idx="1"/>
           </p:nvPr>
         </p:nvSpPr>
         <p:spPr>
@@ -9012,12 +11614,12 @@
           </a:prstGeom>
         </p:spPr>
         <p:txBody>
-          <a:bodyPr anchorCtr="0" anchor="t" bIns="91425" lIns="91425" spcFirstLastPara="1" rIns="91425" wrap="square" tIns="91425">
+          <a:bodyPr spcFirstLastPara="1" wrap="square" lIns="91425" tIns="91425" rIns="91425" bIns="91425" anchor="t" anchorCtr="0">
             <a:normAutofit/>
           </a:bodyPr>
           <a:lstStyle/>
           <a:p>
-            <a:pPr indent="-311150" lvl="0" marL="457200" rtl="0" algn="l">
+            <a:pPr marL="457200" lvl="0" indent="-311150" algn="l" rtl="0">
               <a:spcBef>
                 <a:spcPts val="0"/>
               </a:spcBef>
@@ -9031,37 +11633,21 @@
               <a:buChar char="●"/>
             </a:pPr>
             <a:r>
-              <a:rPr b="1" lang="pt-BR">
+              <a:rPr lang="pt-BR" b="1" dirty="0">
                 <a:solidFill>
                   <a:schemeClr val="dk2"/>
                 </a:solidFill>
               </a:rPr>
-              <a:t>Viabilidade </a:t>
+              <a:t>Viabilidade Técnica:</a:t>
             </a:r>
-            <a:r>
-              <a:rPr b="1" lang="pt-BR">
-                <a:solidFill>
-                  <a:schemeClr val="dk2"/>
-                </a:solidFill>
-              </a:rPr>
-              <a:t>Técnica</a:t>
-            </a:r>
-            <a:r>
-              <a:rPr b="1" lang="pt-BR">
-                <a:solidFill>
-                  <a:schemeClr val="dk2"/>
-                </a:solidFill>
-              </a:rPr>
-              <a:t>:</a:t>
-            </a:r>
-            <a:endParaRPr b="1">
+            <a:endParaRPr b="1" dirty="0">
               <a:solidFill>
                 <a:schemeClr val="dk2"/>
               </a:solidFill>
             </a:endParaRPr>
           </a:p>
           <a:p>
-            <a:pPr indent="-298450" lvl="1" marL="914400" rtl="0" algn="l">
+            <a:pPr marL="914400" lvl="1" indent="-298450" algn="l" rtl="0">
               <a:spcBef>
                 <a:spcPts val="0"/>
               </a:spcBef>
@@ -9075,29 +11661,21 @@
               <a:buChar char="○"/>
             </a:pPr>
             <a:r>
-              <a:rPr b="1" lang="pt-BR">
+              <a:rPr lang="pt-BR" b="1" dirty="0">
                 <a:solidFill>
                   <a:schemeClr val="dk2"/>
                 </a:solidFill>
               </a:rPr>
-              <a:t>Código</a:t>
+              <a:t>Código simples.</a:t>
             </a:r>
-            <a:r>
-              <a:rPr b="1" lang="pt-BR">
-                <a:solidFill>
-                  <a:schemeClr val="dk2"/>
-                </a:solidFill>
-              </a:rPr>
-              <a:t> simples.</a:t>
-            </a:r>
-            <a:endParaRPr b="1">
+            <a:endParaRPr b="1" dirty="0">
               <a:solidFill>
                 <a:schemeClr val="dk2"/>
               </a:solidFill>
             </a:endParaRPr>
           </a:p>
           <a:p>
-            <a:pPr indent="-298450" lvl="1" marL="914400" rtl="0" algn="l">
+            <a:pPr marL="914400" lvl="1" indent="-298450" algn="l" rtl="0">
               <a:spcBef>
                 <a:spcPts val="0"/>
               </a:spcBef>
@@ -9111,37 +11689,21 @@
               <a:buChar char="○"/>
             </a:pPr>
             <a:r>
-              <a:rPr b="1" lang="pt-BR">
+              <a:rPr lang="pt-BR" b="1" dirty="0">
                 <a:solidFill>
                   <a:schemeClr val="dk2"/>
                 </a:solidFill>
               </a:rPr>
-              <a:t>Sem necessidade de pesquisa </a:t>
+              <a:t>Sem necessidade de pesquisa técnica.</a:t>
             </a:r>
-            <a:r>
-              <a:rPr b="1" lang="pt-BR">
-                <a:solidFill>
-                  <a:schemeClr val="dk2"/>
-                </a:solidFill>
-              </a:rPr>
-              <a:t>técnica</a:t>
-            </a:r>
-            <a:r>
-              <a:rPr b="1" lang="pt-BR">
-                <a:solidFill>
-                  <a:schemeClr val="dk2"/>
-                </a:solidFill>
-              </a:rPr>
-              <a:t>.</a:t>
-            </a:r>
-            <a:endParaRPr b="1">
+            <a:endParaRPr b="1" dirty="0">
               <a:solidFill>
                 <a:schemeClr val="dk2"/>
               </a:solidFill>
             </a:endParaRPr>
           </a:p>
           <a:p>
-            <a:pPr indent="-298450" lvl="1" marL="914400" rtl="0" algn="l">
+            <a:pPr marL="914400" lvl="1" indent="-298450" algn="l" rtl="0">
               <a:spcBef>
                 <a:spcPts val="0"/>
               </a:spcBef>
@@ -9155,7 +11717,7 @@
               <a:buChar char="○"/>
             </a:pPr>
             <a:r>
-              <a:rPr b="1" lang="pt-BR">
+              <a:rPr lang="pt-BR" b="1" dirty="0">
                 <a:solidFill>
                   <a:schemeClr val="dk2"/>
                 </a:solidFill>
@@ -9163,20 +11725,20 @@
               <a:t>Implementação do banco de dados é simples.</a:t>
             </a:r>
             <a:br>
-              <a:rPr b="1" lang="pt-BR">
+              <a:rPr lang="pt-BR" b="1" dirty="0">
                 <a:solidFill>
                   <a:schemeClr val="dk2"/>
                 </a:solidFill>
               </a:rPr>
             </a:br>
-            <a:endParaRPr b="1">
+            <a:endParaRPr b="1" dirty="0">
               <a:solidFill>
                 <a:schemeClr val="dk2"/>
               </a:solidFill>
             </a:endParaRPr>
           </a:p>
           <a:p>
-            <a:pPr indent="-311150" lvl="0" marL="457200" rtl="0" algn="l">
+            <a:pPr marL="457200" lvl="0" indent="-311150" algn="l" rtl="0">
               <a:spcBef>
                 <a:spcPts val="0"/>
               </a:spcBef>
@@ -9190,21 +11752,21 @@
               <a:buChar char="●"/>
             </a:pPr>
             <a:r>
-              <a:rPr b="1" lang="pt-BR">
+              <a:rPr lang="pt-BR" b="1" dirty="0">
                 <a:solidFill>
                   <a:schemeClr val="dk2"/>
                 </a:solidFill>
               </a:rPr>
               <a:t>Viabilidade de Cronograma</a:t>
             </a:r>
-            <a:endParaRPr b="1">
+            <a:endParaRPr b="1" dirty="0">
               <a:solidFill>
                 <a:schemeClr val="dk2"/>
               </a:solidFill>
             </a:endParaRPr>
           </a:p>
           <a:p>
-            <a:pPr indent="-298450" lvl="1" marL="914400" rtl="0" algn="l">
+            <a:pPr marL="914400" lvl="1" indent="-298450" algn="l" rtl="0">
               <a:spcBef>
                 <a:spcPts val="0"/>
               </a:spcBef>
@@ -9218,29 +11780,21 @@
               <a:buChar char="○"/>
             </a:pPr>
             <a:r>
-              <a:rPr b="1" lang="pt-BR">
+              <a:rPr lang="pt-BR" b="1" dirty="0">
                 <a:solidFill>
                   <a:schemeClr val="dk2"/>
                 </a:solidFill>
               </a:rPr>
-              <a:t>Divisão estruturada dos </a:t>
+              <a:t>Divisão estruturada dos entregáveis (sprints)</a:t>
             </a:r>
-            <a:r>
-              <a:rPr b="1" lang="pt-BR">
-                <a:solidFill>
-                  <a:schemeClr val="dk2"/>
-                </a:solidFill>
-              </a:rPr>
-              <a:t>entregáveis (sprints)</a:t>
-            </a:r>
-            <a:endParaRPr b="1">
+            <a:endParaRPr b="1" dirty="0">
               <a:solidFill>
                 <a:schemeClr val="dk2"/>
               </a:solidFill>
             </a:endParaRPr>
           </a:p>
           <a:p>
-            <a:pPr indent="-298450" lvl="1" marL="914400" rtl="0" algn="l">
+            <a:pPr marL="914400" lvl="1" indent="-298450" algn="l" rtl="0">
               <a:spcBef>
                 <a:spcPts val="0"/>
               </a:spcBef>
@@ -9254,14 +11808,30 @@
               <a:buChar char="○"/>
             </a:pPr>
             <a:r>
-              <a:rPr b="1" lang="pt-BR">
+              <a:rPr lang="pt-BR" b="1" dirty="0">
                 <a:solidFill>
                   <a:schemeClr val="dk2"/>
                 </a:solidFill>
               </a:rPr>
-              <a:t>Utilização do trello.</a:t>
+              <a:t>Utilização do </a:t>
             </a:r>
-            <a:endParaRPr b="1">
+            <a:r>
+              <a:rPr lang="pt-BR" b="1" dirty="0" err="1">
+                <a:solidFill>
+                  <a:schemeClr val="dk2"/>
+                </a:solidFill>
+              </a:rPr>
+              <a:t>trello</a:t>
+            </a:r>
+            <a:r>
+              <a:rPr lang="pt-BR" b="1" dirty="0">
+                <a:solidFill>
+                  <a:schemeClr val="dk2"/>
+                </a:solidFill>
+              </a:rPr>
+              <a:t>.</a:t>
+            </a:r>
+            <a:endParaRPr b="1" dirty="0">
               <a:solidFill>
                 <a:schemeClr val="dk2"/>
               </a:solidFill>
@@ -9277,8 +11847,969 @@
 </p:sld>
 </file>
 
+<file path=ppt/slides/slide7.xml><?xml version="1.0" encoding="utf-8"?>
+<p:sld xmlns:a="http://schemas.openxmlformats.org/drawingml/2006/main" xmlns:r="http://schemas.openxmlformats.org/officeDocument/2006/relationships" xmlns:p="http://schemas.openxmlformats.org/presentationml/2006/main">
+  <p:cSld>
+    <p:spTree>
+      <p:nvGrpSpPr>
+        <p:cNvPr id="1" name="Shape 85"/>
+        <p:cNvGrpSpPr/>
+        <p:nvPr/>
+      </p:nvGrpSpPr>
+      <p:grpSpPr>
+        <a:xfrm>
+          <a:off x="0" y="0"/>
+          <a:ext cx="0" cy="0"/>
+          <a:chOff x="0" y="0"/>
+          <a:chExt cx="0" cy="0"/>
+        </a:xfrm>
+      </p:grpSpPr>
+      <p:sp>
+        <p:nvSpPr>
+          <p:cNvPr id="86" name="Google Shape;86;p13"/>
+          <p:cNvSpPr txBox="1">
+            <a:spLocks noGrp="1"/>
+          </p:cNvSpPr>
+          <p:nvPr>
+            <p:ph type="ctrTitle"/>
+          </p:nvPr>
+        </p:nvSpPr>
+        <p:spPr>
+          <a:xfrm>
+            <a:off x="729450" y="1322450"/>
+            <a:ext cx="7688100" cy="1664700"/>
+          </a:xfrm>
+          <a:prstGeom prst="rect">
+            <a:avLst/>
+          </a:prstGeom>
+        </p:spPr>
+        <p:txBody>
+          <a:bodyPr spcFirstLastPara="1" wrap="square" lIns="91425" tIns="91425" rIns="91425" bIns="91425" anchor="t" anchorCtr="0">
+            <a:normAutofit/>
+          </a:bodyPr>
+          <a:lstStyle/>
+          <a:p>
+            <a:pPr marL="0" lvl="0" indent="0" algn="l" rtl="0">
+              <a:spcBef>
+                <a:spcPts val="0"/>
+              </a:spcBef>
+              <a:spcAft>
+                <a:spcPts val="0"/>
+              </a:spcAft>
+              <a:buNone/>
+            </a:pPr>
+            <a:r>
+              <a:rPr lang="pt-BR" dirty="0"/>
+              <a:t>Sistema de Gerenciamento Hospitalar – 2ª Entrega</a:t>
+            </a:r>
+            <a:endParaRPr dirty="0"/>
+          </a:p>
+        </p:txBody>
+      </p:sp>
+      <p:sp>
+        <p:nvSpPr>
+          <p:cNvPr id="87" name="Google Shape;87;p13"/>
+          <p:cNvSpPr txBox="1">
+            <a:spLocks noGrp="1"/>
+          </p:cNvSpPr>
+          <p:nvPr>
+            <p:ph type="subTitle" idx="1"/>
+          </p:nvPr>
+        </p:nvSpPr>
+        <p:spPr>
+          <a:xfrm>
+            <a:off x="729450" y="2987150"/>
+            <a:ext cx="7688100" cy="1040100"/>
+          </a:xfrm>
+          <a:prstGeom prst="rect">
+            <a:avLst/>
+          </a:prstGeom>
+        </p:spPr>
+        <p:txBody>
+          <a:bodyPr spcFirstLastPara="1" wrap="square" lIns="91425" tIns="91425" rIns="91425" bIns="91425" anchor="t" anchorCtr="0">
+            <a:normAutofit fontScale="85000" lnSpcReduction="20000"/>
+          </a:bodyPr>
+          <a:lstStyle/>
+          <a:p>
+            <a:pPr marL="0" lvl="0" indent="0" algn="l" rtl="0">
+              <a:spcBef>
+                <a:spcPts val="0"/>
+              </a:spcBef>
+              <a:spcAft>
+                <a:spcPts val="0"/>
+              </a:spcAft>
+              <a:buNone/>
+            </a:pPr>
+            <a:r>
+              <a:rPr lang="pt-BR" dirty="0"/>
+              <a:t>Gean Fernandes da Silva 	- 11811BSI257</a:t>
+            </a:r>
+            <a:endParaRPr dirty="0"/>
+          </a:p>
+          <a:p>
+            <a:pPr marL="0" lvl="0" indent="0" algn="l" rtl="0">
+              <a:spcBef>
+                <a:spcPts val="0"/>
+              </a:spcBef>
+              <a:spcAft>
+                <a:spcPts val="0"/>
+              </a:spcAft>
+              <a:buNone/>
+            </a:pPr>
+            <a:r>
+              <a:rPr lang="pt-BR" dirty="0" err="1"/>
+              <a:t>Maxley</a:t>
+            </a:r>
+            <a:r>
+              <a:rPr lang="pt-BR" dirty="0"/>
+              <a:t> Soares da Costa 		- 11911BCC038</a:t>
+            </a:r>
+            <a:endParaRPr dirty="0"/>
+          </a:p>
+          <a:p>
+            <a:pPr marL="0" lvl="0" indent="0" algn="l" rtl="0">
+              <a:spcBef>
+                <a:spcPts val="0"/>
+              </a:spcBef>
+              <a:spcAft>
+                <a:spcPts val="0"/>
+              </a:spcAft>
+              <a:buNone/>
+            </a:pPr>
+            <a:r>
+              <a:rPr lang="pt-BR" dirty="0"/>
+              <a:t>João Vitor Afonso Pereira 	- 11911BCC037</a:t>
+            </a:r>
+            <a:endParaRPr dirty="0"/>
+          </a:p>
+          <a:p>
+            <a:pPr marL="0" lvl="0" indent="0" algn="l" rtl="0">
+              <a:spcBef>
+                <a:spcPts val="0"/>
+              </a:spcBef>
+              <a:spcAft>
+                <a:spcPts val="0"/>
+              </a:spcAft>
+              <a:buNone/>
+            </a:pPr>
+            <a:r>
+              <a:rPr lang="pt-BR" dirty="0"/>
+              <a:t>Henrique de Moraes </a:t>
+            </a:r>
+            <a:r>
+              <a:rPr lang="pt-BR" dirty="0" err="1"/>
+              <a:t>Segatto</a:t>
+            </a:r>
+            <a:r>
+              <a:rPr lang="pt-BR" dirty="0"/>
+              <a:t> 	- 11721BSI241</a:t>
+            </a:r>
+            <a:endParaRPr dirty="0"/>
+          </a:p>
+          <a:p>
+            <a:pPr marL="0" lvl="0" indent="0" algn="l" rtl="0">
+              <a:spcBef>
+                <a:spcPts val="0"/>
+              </a:spcBef>
+              <a:spcAft>
+                <a:spcPts val="0"/>
+              </a:spcAft>
+              <a:buNone/>
+            </a:pPr>
+            <a:r>
+              <a:rPr lang="pt-BR" dirty="0"/>
+              <a:t>Thalita Alves de Sousa 		- 11511EMT033</a:t>
+            </a:r>
+            <a:endParaRPr dirty="0"/>
+          </a:p>
+        </p:txBody>
+      </p:sp>
+    </p:spTree>
+    <p:extLst>
+      <p:ext uri="{BB962C8B-B14F-4D97-AF65-F5344CB8AC3E}">
+        <p14:creationId xmlns:p14="http://schemas.microsoft.com/office/powerpoint/2010/main" val="3717447232"/>
+      </p:ext>
+    </p:extLst>
+  </p:cSld>
+  <p:clrMapOvr>
+    <a:masterClrMapping/>
+  </p:clrMapOvr>
+</p:sld>
+</file>
+
+<file path=ppt/slides/slide8.xml><?xml version="1.0" encoding="utf-8"?>
+<p:sld xmlns:a="http://schemas.openxmlformats.org/drawingml/2006/main" xmlns:r="http://schemas.openxmlformats.org/officeDocument/2006/relationships" xmlns:p="http://schemas.openxmlformats.org/presentationml/2006/main">
+  <p:cSld>
+    <p:spTree>
+      <p:nvGrpSpPr>
+        <p:cNvPr id="1" name="Shape 115"/>
+        <p:cNvGrpSpPr/>
+        <p:nvPr/>
+      </p:nvGrpSpPr>
+      <p:grpSpPr>
+        <a:xfrm>
+          <a:off x="0" y="0"/>
+          <a:ext cx="0" cy="0"/>
+          <a:chOff x="0" y="0"/>
+          <a:chExt cx="0" cy="0"/>
+        </a:xfrm>
+      </p:grpSpPr>
+      <p:sp>
+        <p:nvSpPr>
+          <p:cNvPr id="116" name="Google Shape;116;p18"/>
+          <p:cNvSpPr txBox="1">
+            <a:spLocks noGrp="1"/>
+          </p:cNvSpPr>
+          <p:nvPr>
+            <p:ph type="title"/>
+          </p:nvPr>
+        </p:nvSpPr>
+        <p:spPr>
+          <a:xfrm>
+            <a:off x="729450" y="1318650"/>
+            <a:ext cx="7688700" cy="535200"/>
+          </a:xfrm>
+          <a:prstGeom prst="rect">
+            <a:avLst/>
+          </a:prstGeom>
+        </p:spPr>
+        <p:txBody>
+          <a:bodyPr spcFirstLastPara="1" wrap="square" lIns="91425" tIns="91425" rIns="91425" bIns="91425" anchor="t" anchorCtr="0">
+            <a:normAutofit fontScale="90000"/>
+          </a:bodyPr>
+          <a:lstStyle/>
+          <a:p>
+            <a:pPr marL="0" lvl="0" indent="0" algn="l" rtl="0">
+              <a:spcBef>
+                <a:spcPts val="0"/>
+              </a:spcBef>
+              <a:spcAft>
+                <a:spcPts val="0"/>
+              </a:spcAft>
+              <a:buNone/>
+            </a:pPr>
+            <a:r>
+              <a:rPr lang="pt-BR" dirty="0"/>
+              <a:t>Revisão da Concepção</a:t>
+            </a:r>
+          </a:p>
+        </p:txBody>
+      </p:sp>
+      <p:sp>
+        <p:nvSpPr>
+          <p:cNvPr id="117" name="Google Shape;117;p18"/>
+          <p:cNvSpPr txBox="1">
+            <a:spLocks noGrp="1"/>
+          </p:cNvSpPr>
+          <p:nvPr>
+            <p:ph type="body" idx="1"/>
+          </p:nvPr>
+        </p:nvSpPr>
+        <p:spPr>
+          <a:xfrm>
+            <a:off x="729450" y="2078875"/>
+            <a:ext cx="7688700" cy="2261100"/>
+          </a:xfrm>
+          <a:prstGeom prst="rect">
+            <a:avLst/>
+          </a:prstGeom>
+        </p:spPr>
+        <p:txBody>
+          <a:bodyPr spcFirstLastPara="1" wrap="square" lIns="91425" tIns="91425" rIns="91425" bIns="91425" anchor="t" anchorCtr="0">
+            <a:normAutofit/>
+          </a:bodyPr>
+          <a:lstStyle/>
+          <a:p>
+            <a:pPr algn="just">
+              <a:buClr>
+                <a:schemeClr val="dk2"/>
+              </a:buClr>
+            </a:pPr>
+            <a:r>
+              <a:rPr lang="pt-BR" sz="1800" b="0" i="0" u="none" strike="noStrike" dirty="0">
+                <a:solidFill>
+                  <a:srgbClr val="000000"/>
+                </a:solidFill>
+                <a:effectLst/>
+                <a:latin typeface="Lato" panose="020F0502020204030203" pitchFamily="34" charset="0"/>
+                <a:ea typeface="Lato" panose="020F0502020204030203" pitchFamily="34" charset="0"/>
+                <a:cs typeface="Lato" panose="020F0502020204030203" pitchFamily="34" charset="0"/>
+              </a:rPr>
+              <a:t>Construir um sistema web capaz de auxiliar funcionários e pacientes de hospitais públicos e particulares a gerenciar consultas médicas além de auxiliar a seção administrativa do hospital no gerenciamento de seus recursos.</a:t>
+            </a:r>
+            <a:endParaRPr lang="pt-BR" sz="1800" b="1" i="0" u="none" strike="noStrike" dirty="0">
+              <a:solidFill>
+                <a:srgbClr val="000000"/>
+              </a:solidFill>
+              <a:effectLst/>
+              <a:latin typeface="Lato" panose="020F0502020204030203" pitchFamily="34" charset="0"/>
+              <a:ea typeface="Lato" panose="020F0502020204030203" pitchFamily="34" charset="0"/>
+              <a:cs typeface="Lato" panose="020F0502020204030203" pitchFamily="34" charset="0"/>
+            </a:endParaRPr>
+          </a:p>
+          <a:p>
+            <a:pPr marL="457200" lvl="0" indent="-311150" algn="l" rtl="0">
+              <a:spcBef>
+                <a:spcPts val="0"/>
+              </a:spcBef>
+              <a:spcAft>
+                <a:spcPts val="0"/>
+              </a:spcAft>
+              <a:buClr>
+                <a:schemeClr val="dk2"/>
+              </a:buClr>
+              <a:buSzPts val="1300"/>
+              <a:buChar char="●"/>
+            </a:pPr>
+            <a:endParaRPr b="1" dirty="0">
+              <a:solidFill>
+                <a:schemeClr val="dk2"/>
+              </a:solidFill>
+            </a:endParaRPr>
+          </a:p>
+        </p:txBody>
+      </p:sp>
+    </p:spTree>
+    <p:extLst>
+      <p:ext uri="{BB962C8B-B14F-4D97-AF65-F5344CB8AC3E}">
+        <p14:creationId xmlns:p14="http://schemas.microsoft.com/office/powerpoint/2010/main" val="2006371764"/>
+      </p:ext>
+    </p:extLst>
+  </p:cSld>
+  <p:clrMapOvr>
+    <a:masterClrMapping/>
+  </p:clrMapOvr>
+</p:sld>
+</file>
+
+<file path=ppt/slides/slide9.xml><?xml version="1.0" encoding="utf-8"?>
+<p:sld xmlns:a="http://schemas.openxmlformats.org/drawingml/2006/main" xmlns:r="http://schemas.openxmlformats.org/officeDocument/2006/relationships" xmlns:p="http://schemas.openxmlformats.org/presentationml/2006/main">
+  <p:cSld>
+    <p:spTree>
+      <p:nvGrpSpPr>
+        <p:cNvPr id="1" name="Shape 115"/>
+        <p:cNvGrpSpPr/>
+        <p:nvPr/>
+      </p:nvGrpSpPr>
+      <p:grpSpPr>
+        <a:xfrm>
+          <a:off x="0" y="0"/>
+          <a:ext cx="0" cy="0"/>
+          <a:chOff x="0" y="0"/>
+          <a:chExt cx="0" cy="0"/>
+        </a:xfrm>
+      </p:grpSpPr>
+      <p:sp>
+        <p:nvSpPr>
+          <p:cNvPr id="116" name="Google Shape;116;p18"/>
+          <p:cNvSpPr txBox="1">
+            <a:spLocks noGrp="1"/>
+          </p:cNvSpPr>
+          <p:nvPr>
+            <p:ph type="title"/>
+          </p:nvPr>
+        </p:nvSpPr>
+        <p:spPr>
+          <a:xfrm>
+            <a:off x="729450" y="1318650"/>
+            <a:ext cx="7688700" cy="535200"/>
+          </a:xfrm>
+          <a:prstGeom prst="rect">
+            <a:avLst/>
+          </a:prstGeom>
+        </p:spPr>
+        <p:txBody>
+          <a:bodyPr spcFirstLastPara="1" wrap="square" lIns="91425" tIns="91425" rIns="91425" bIns="91425" anchor="t" anchorCtr="0">
+            <a:normAutofit fontScale="90000"/>
+          </a:bodyPr>
+          <a:lstStyle/>
+          <a:p>
+            <a:pPr marL="0" lvl="0" indent="0" algn="l" rtl="0">
+              <a:spcBef>
+                <a:spcPts val="0"/>
+              </a:spcBef>
+              <a:spcAft>
+                <a:spcPts val="0"/>
+              </a:spcAft>
+              <a:buNone/>
+            </a:pPr>
+            <a:r>
+              <a:rPr lang="pt-BR" dirty="0"/>
+              <a:t>Viabilidade De Entrega Do Projeto</a:t>
+            </a:r>
+          </a:p>
+        </p:txBody>
+      </p:sp>
+      <p:sp>
+        <p:nvSpPr>
+          <p:cNvPr id="117" name="Google Shape;117;p18"/>
+          <p:cNvSpPr txBox="1">
+            <a:spLocks noGrp="1"/>
+          </p:cNvSpPr>
+          <p:nvPr>
+            <p:ph type="body" idx="1"/>
+          </p:nvPr>
+        </p:nvSpPr>
+        <p:spPr>
+          <a:xfrm>
+            <a:off x="729450" y="1816114"/>
+            <a:ext cx="8225364" cy="3197318"/>
+          </a:xfrm>
+          <a:prstGeom prst="rect">
+            <a:avLst/>
+          </a:prstGeom>
+        </p:spPr>
+        <p:txBody>
+          <a:bodyPr spcFirstLastPara="1" wrap="square" lIns="91425" tIns="91425" rIns="91425" bIns="91425" anchor="t" anchorCtr="0">
+            <a:noAutofit/>
+          </a:bodyPr>
+          <a:lstStyle/>
+          <a:p>
+            <a:pPr marL="457200" lvl="0" indent="-311150" algn="l" rtl="0">
+              <a:spcBef>
+                <a:spcPts val="0"/>
+              </a:spcBef>
+              <a:spcAft>
+                <a:spcPts val="0"/>
+              </a:spcAft>
+              <a:buClr>
+                <a:schemeClr val="dk2"/>
+              </a:buClr>
+              <a:buSzPts val="1300"/>
+              <a:buChar char="●"/>
+            </a:pPr>
+            <a:r>
+              <a:rPr lang="pt-BR" sz="1800" dirty="0">
+                <a:solidFill>
+                  <a:schemeClr val="bg2"/>
+                </a:solidFill>
+              </a:rPr>
+              <a:t>Viabilidade Técnica:</a:t>
+            </a:r>
+            <a:endParaRPr sz="1800" dirty="0">
+              <a:solidFill>
+                <a:schemeClr val="bg2"/>
+              </a:solidFill>
+            </a:endParaRPr>
+          </a:p>
+          <a:p>
+            <a:pPr marL="914400" lvl="1" indent="-298450" algn="l" rtl="0">
+              <a:spcBef>
+                <a:spcPts val="0"/>
+              </a:spcBef>
+              <a:spcAft>
+                <a:spcPts val="0"/>
+              </a:spcAft>
+              <a:buClr>
+                <a:schemeClr val="dk2"/>
+              </a:buClr>
+              <a:buSzPts val="1100"/>
+              <a:buChar char="○"/>
+            </a:pPr>
+            <a:r>
+              <a:rPr lang="pt-BR" sz="1800" dirty="0">
+                <a:solidFill>
+                  <a:schemeClr val="bg2"/>
+                </a:solidFill>
+              </a:rPr>
+              <a:t>Código simples;</a:t>
+            </a:r>
+            <a:endParaRPr sz="1800" dirty="0">
+              <a:solidFill>
+                <a:schemeClr val="bg2"/>
+              </a:solidFill>
+            </a:endParaRPr>
+          </a:p>
+          <a:p>
+            <a:pPr marL="914400" lvl="1" indent="-298450" algn="l" rtl="0">
+              <a:spcBef>
+                <a:spcPts val="0"/>
+              </a:spcBef>
+              <a:spcAft>
+                <a:spcPts val="0"/>
+              </a:spcAft>
+              <a:buClr>
+                <a:schemeClr val="dk2"/>
+              </a:buClr>
+              <a:buSzPts val="1100"/>
+              <a:buChar char="○"/>
+            </a:pPr>
+            <a:r>
+              <a:rPr lang="pt-BR" sz="1800" dirty="0">
+                <a:solidFill>
+                  <a:schemeClr val="bg2"/>
+                </a:solidFill>
+              </a:rPr>
+              <a:t>Sem necessidade de pesquisa técnica;</a:t>
+            </a:r>
+            <a:endParaRPr sz="1800" dirty="0">
+              <a:solidFill>
+                <a:schemeClr val="bg2"/>
+              </a:solidFill>
+            </a:endParaRPr>
+          </a:p>
+          <a:p>
+            <a:pPr marL="914400" lvl="1" indent="-298450" algn="l" rtl="0">
+              <a:spcBef>
+                <a:spcPts val="0"/>
+              </a:spcBef>
+              <a:spcAft>
+                <a:spcPts val="0"/>
+              </a:spcAft>
+              <a:buClr>
+                <a:schemeClr val="dk2"/>
+              </a:buClr>
+              <a:buSzPts val="1100"/>
+              <a:buChar char="○"/>
+            </a:pPr>
+            <a:r>
+              <a:rPr lang="pt-BR" sz="1800" dirty="0">
+                <a:solidFill>
+                  <a:schemeClr val="bg2"/>
+                </a:solidFill>
+              </a:rPr>
+              <a:t>Implementação do banco de dados é simples.</a:t>
+            </a:r>
+            <a:br>
+              <a:rPr lang="pt-BR" sz="1800" dirty="0">
+                <a:solidFill>
+                  <a:schemeClr val="bg2"/>
+                </a:solidFill>
+              </a:rPr>
+            </a:br>
+            <a:endParaRPr sz="1800" dirty="0">
+              <a:solidFill>
+                <a:schemeClr val="bg2"/>
+              </a:solidFill>
+            </a:endParaRPr>
+          </a:p>
+          <a:p>
+            <a:pPr marL="457200" lvl="0" indent="-311150" algn="l" rtl="0">
+              <a:spcBef>
+                <a:spcPts val="0"/>
+              </a:spcBef>
+              <a:spcAft>
+                <a:spcPts val="0"/>
+              </a:spcAft>
+              <a:buClr>
+                <a:schemeClr val="dk2"/>
+              </a:buClr>
+              <a:buSzPts val="1300"/>
+              <a:buChar char="●"/>
+            </a:pPr>
+            <a:r>
+              <a:rPr lang="pt-BR" sz="1800" dirty="0">
+                <a:solidFill>
+                  <a:schemeClr val="bg2"/>
+                </a:solidFill>
+              </a:rPr>
+              <a:t>Viabilidade de Cronograma</a:t>
+            </a:r>
+            <a:endParaRPr sz="1800" dirty="0">
+              <a:solidFill>
+                <a:schemeClr val="bg2"/>
+              </a:solidFill>
+            </a:endParaRPr>
+          </a:p>
+          <a:p>
+            <a:pPr marL="914400" lvl="1" indent="-298450" algn="l" rtl="0">
+              <a:spcBef>
+                <a:spcPts val="0"/>
+              </a:spcBef>
+              <a:spcAft>
+                <a:spcPts val="0"/>
+              </a:spcAft>
+              <a:buClr>
+                <a:schemeClr val="dk2"/>
+              </a:buClr>
+              <a:buSzPts val="1100"/>
+              <a:buChar char="○"/>
+            </a:pPr>
+            <a:r>
+              <a:rPr lang="pt-BR" sz="1800" dirty="0">
+                <a:solidFill>
+                  <a:schemeClr val="bg2"/>
+                </a:solidFill>
+              </a:rPr>
+              <a:t>Divisão estruturada dos entregáveis (sprints);</a:t>
+            </a:r>
+            <a:endParaRPr sz="1800" dirty="0">
+              <a:solidFill>
+                <a:schemeClr val="bg2"/>
+              </a:solidFill>
+            </a:endParaRPr>
+          </a:p>
+          <a:p>
+            <a:pPr marL="914400" lvl="1" indent="-298450" algn="l" rtl="0">
+              <a:spcBef>
+                <a:spcPts val="0"/>
+              </a:spcBef>
+              <a:spcAft>
+                <a:spcPts val="0"/>
+              </a:spcAft>
+              <a:buClr>
+                <a:schemeClr val="dk2"/>
+              </a:buClr>
+              <a:buSzPts val="1100"/>
+              <a:buChar char="○"/>
+            </a:pPr>
+            <a:r>
+              <a:rPr lang="pt-BR" sz="1800" dirty="0">
+                <a:solidFill>
+                  <a:schemeClr val="bg2"/>
+                </a:solidFill>
+              </a:rPr>
+              <a:t>Utilização do </a:t>
+            </a:r>
+            <a:r>
+              <a:rPr lang="pt-BR" sz="1800" dirty="0" err="1">
+                <a:solidFill>
+                  <a:schemeClr val="bg2"/>
+                </a:solidFill>
+              </a:rPr>
+              <a:t>Trello</a:t>
+            </a:r>
+            <a:r>
+              <a:rPr lang="pt-BR" sz="1800" dirty="0">
+                <a:solidFill>
+                  <a:schemeClr val="bg2"/>
+                </a:solidFill>
+              </a:rPr>
+              <a:t>.</a:t>
+            </a:r>
+            <a:endParaRPr lang="pt-BR" sz="1800" b="1" dirty="0">
+              <a:solidFill>
+                <a:schemeClr val="dk2"/>
+              </a:solidFill>
+            </a:endParaRPr>
+          </a:p>
+          <a:p>
+            <a:pPr marL="615950" lvl="1" indent="0" algn="ctr" rtl="0">
+              <a:spcBef>
+                <a:spcPts val="0"/>
+              </a:spcBef>
+              <a:spcAft>
+                <a:spcPts val="0"/>
+              </a:spcAft>
+              <a:buClr>
+                <a:schemeClr val="dk2"/>
+              </a:buClr>
+              <a:buSzPts val="1100"/>
+              <a:buNone/>
+            </a:pPr>
+            <a:r>
+              <a:rPr lang="pt-BR" sz="1800" b="1" dirty="0">
+                <a:solidFill>
+                  <a:schemeClr val="dk2"/>
+                </a:solidFill>
+                <a:hlinkClick r:id="rId3"/>
+              </a:rPr>
+              <a:t>TRELLO</a:t>
+            </a:r>
+            <a:endParaRPr lang="pt-BR" sz="1800" b="1" dirty="0">
+              <a:solidFill>
+                <a:schemeClr val="dk2"/>
+              </a:solidFill>
+            </a:endParaRPr>
+          </a:p>
+        </p:txBody>
+      </p:sp>
+    </p:spTree>
+    <p:extLst>
+      <p:ext uri="{BB962C8B-B14F-4D97-AF65-F5344CB8AC3E}">
+        <p14:creationId xmlns:p14="http://schemas.microsoft.com/office/powerpoint/2010/main" val="790164651"/>
+      </p:ext>
+    </p:extLst>
+  </p:cSld>
+  <p:clrMapOvr>
+    <a:masterClrMapping/>
+  </p:clrMapOvr>
+</p:sld>
+</file>
+
 <file path=ppt/theme/theme1.xml><?xml version="1.0" encoding="utf-8"?>
-<a:theme xmlns:a="http://schemas.openxmlformats.org/drawingml/2006/main" xmlns:r="http://schemas.openxmlformats.org/officeDocument/2006/relationships">
+<a:theme xmlns:a="http://schemas.openxmlformats.org/drawingml/2006/main" name="Streamline">
+  <a:themeElements>
+    <a:clrScheme name="Streamline">
+      <a:dk1>
+        <a:srgbClr val="1A9988"/>
+      </a:dk1>
+      <a:lt1>
+        <a:srgbClr val="FFFFFF"/>
+      </a:lt1>
+      <a:dk2>
+        <a:srgbClr val="1A1A1A"/>
+      </a:dk2>
+      <a:lt2>
+        <a:srgbClr val="E9EDEE"/>
+      </a:lt2>
+      <a:accent1>
+        <a:srgbClr val="595959"/>
+      </a:accent1>
+      <a:accent2>
+        <a:srgbClr val="6AA4C8"/>
+      </a:accent2>
+      <a:accent3>
+        <a:srgbClr val="EB5600"/>
+      </a:accent3>
+      <a:accent4>
+        <a:srgbClr val="A2FFE8"/>
+      </a:accent4>
+      <a:accent5>
+        <a:srgbClr val="1C3678"/>
+      </a:accent5>
+      <a:accent6>
+        <a:srgbClr val="FFB8A2"/>
+      </a:accent6>
+      <a:hlink>
+        <a:srgbClr val="1C3678"/>
+      </a:hlink>
+      <a:folHlink>
+        <a:srgbClr val="1C3678"/>
+      </a:folHlink>
+    </a:clrScheme>
+    <a:fontScheme name="Office">
+      <a:majorFont>
+        <a:latin typeface="Arial"/>
+        <a:ea typeface=""/>
+        <a:cs typeface=""/>
+        <a:font script="Jpan" typeface="ＭＳ Ｐゴシック"/>
+        <a:font script="Hang" typeface="맑은 고딕"/>
+        <a:font script="Hans" typeface="宋体"/>
+        <a:font script="Hant" typeface="新細明體"/>
+        <a:font script="Arab" typeface="Times New Roman"/>
+        <a:font script="Hebr" typeface="Times New Roman"/>
+        <a:font script="Thai" typeface="Angsana New"/>
+        <a:font script="Ethi" typeface="Nyala"/>
+        <a:font script="Beng" typeface="Vrinda"/>
+        <a:font script="Gujr" typeface="Shruti"/>
+        <a:font script="Khmr" typeface="MoolBoran"/>
+        <a:font script="Knda" typeface="Tunga"/>
+        <a:font script="Guru" typeface="Raavi"/>
+        <a:font script="Cans" typeface="Euphemia"/>
+        <a:font script="Cher" typeface="Plantagenet Cherokee"/>
+        <a:font script="Yiii" typeface="Microsoft Yi Baiti"/>
+        <a:font script="Tibt" typeface="Microsoft Himalaya"/>
+        <a:font script="Thaa" typeface="MV Boli"/>
+        <a:font script="Deva" typeface="Mangal"/>
+        <a:font script="Telu" typeface="Gautami"/>
+        <a:font script="Taml" typeface="Latha"/>
+        <a:font script="Syrc" typeface="Estrangelo Edessa"/>
+        <a:font script="Orya" typeface="Kalinga"/>
+        <a:font script="Mlym" typeface="Kartika"/>
+        <a:font script="Laoo" typeface="DokChampa"/>
+        <a:font script="Sinh" typeface="Iskoola Pota"/>
+        <a:font script="Mong" typeface="Mongolian Baiti"/>
+        <a:font script="Viet" typeface="Times New Roman"/>
+        <a:font script="Uigh" typeface="Microsoft Uighur"/>
+        <a:font script="Geor" typeface="Sylfaen"/>
+      </a:majorFont>
+      <a:minorFont>
+        <a:latin typeface="Arial"/>
+        <a:ea typeface=""/>
+        <a:cs typeface=""/>
+        <a:font script="Jpan" typeface="ＭＳ Ｐゴシック"/>
+        <a:font script="Hang" typeface="맑은 고딕"/>
+        <a:font script="Hans" typeface="宋体"/>
+        <a:font script="Hant" typeface="新細明體"/>
+        <a:font script="Arab" typeface="Arial"/>
+        <a:font script="Hebr" typeface="Arial"/>
+        <a:font script="Thai" typeface="Cordia New"/>
+        <a:font script="Ethi" typeface="Nyala"/>
+        <a:font script="Beng" typeface="Vrinda"/>
+        <a:font script="Gujr" typeface="Shruti"/>
+        <a:font script="Khmr" typeface="DaunPenh"/>
+        <a:font script="Knda" typeface="Tunga"/>
+        <a:font script="Guru" typeface="Raavi"/>
+        <a:font script="Cans" typeface="Euphemia"/>
+        <a:font script="Cher" typeface="Plantagenet Cherokee"/>
+        <a:font script="Yiii" typeface="Microsoft Yi Baiti"/>
+        <a:font script="Tibt" typeface="Microsoft Himalaya"/>
+        <a:font script="Thaa" typeface="MV Boli"/>
+        <a:font script="Deva" typeface="Mangal"/>
+        <a:font script="Telu" typeface="Gautami"/>
+        <a:font script="Taml" typeface="Latha"/>
+        <a:font script="Syrc" typeface="Estrangelo Edessa"/>
+        <a:font script="Orya" typeface="Kalinga"/>
+        <a:font script="Mlym" typeface="Kartika"/>
+        <a:font script="Laoo" typeface="DokChampa"/>
+        <a:font script="Sinh" typeface="Iskoola Pota"/>
+        <a:font script="Mong" typeface="Mongolian Baiti"/>
+        <a:font script="Viet" typeface="Arial"/>
+        <a:font script="Uigh" typeface="Microsoft Uighur"/>
+        <a:font script="Geor" typeface="Sylfaen"/>
+      </a:minorFont>
+    </a:fontScheme>
+    <a:fmtScheme name="Office">
+      <a:fillStyleLst>
+        <a:solidFill>
+          <a:schemeClr val="phClr"/>
+        </a:solidFill>
+        <a:gradFill rotWithShape="1">
+          <a:gsLst>
+            <a:gs pos="0">
+              <a:schemeClr val="phClr">
+                <a:tint val="50000"/>
+                <a:satMod val="300000"/>
+              </a:schemeClr>
+            </a:gs>
+            <a:gs pos="35000">
+              <a:schemeClr val="phClr">
+                <a:tint val="37000"/>
+                <a:satMod val="300000"/>
+              </a:schemeClr>
+            </a:gs>
+            <a:gs pos="100000">
+              <a:schemeClr val="phClr">
+                <a:tint val="15000"/>
+                <a:satMod val="350000"/>
+              </a:schemeClr>
+            </a:gs>
+          </a:gsLst>
+          <a:lin ang="16200000" scaled="1"/>
+        </a:gradFill>
+        <a:gradFill rotWithShape="1">
+          <a:gsLst>
+            <a:gs pos="0">
+              <a:schemeClr val="phClr">
+                <a:tint val="100000"/>
+                <a:shade val="100000"/>
+                <a:satMod val="130000"/>
+              </a:schemeClr>
+            </a:gs>
+            <a:gs pos="100000">
+              <a:schemeClr val="phClr">
+                <a:tint val="50000"/>
+                <a:shade val="100000"/>
+                <a:satMod val="350000"/>
+              </a:schemeClr>
+            </a:gs>
+          </a:gsLst>
+          <a:lin ang="16200000" scaled="0"/>
+        </a:gradFill>
+      </a:fillStyleLst>
+      <a:lnStyleLst>
+        <a:ln w="9525" cap="flat" cmpd="sng" algn="ctr">
+          <a:solidFill>
+            <a:schemeClr val="phClr">
+              <a:shade val="95000"/>
+              <a:satMod val="105000"/>
+            </a:schemeClr>
+          </a:solidFill>
+          <a:prstDash val="solid"/>
+        </a:ln>
+        <a:ln w="25400" cap="flat" cmpd="sng" algn="ctr">
+          <a:solidFill>
+            <a:schemeClr val="phClr"/>
+          </a:solidFill>
+          <a:prstDash val="solid"/>
+        </a:ln>
+        <a:ln w="38100" cap="flat" cmpd="sng" algn="ctr">
+          <a:solidFill>
+            <a:schemeClr val="phClr"/>
+          </a:solidFill>
+          <a:prstDash val="solid"/>
+        </a:ln>
+      </a:lnStyleLst>
+      <a:effectStyleLst>
+        <a:effectStyle>
+          <a:effectLst>
+            <a:outerShdw blurRad="40000" dist="20000" dir="5400000" rotWithShape="0">
+              <a:srgbClr val="000000">
+                <a:alpha val="38000"/>
+              </a:srgbClr>
+            </a:outerShdw>
+          </a:effectLst>
+        </a:effectStyle>
+        <a:effectStyle>
+          <a:effectLst>
+            <a:outerShdw blurRad="40000" dist="23000" dir="5400000" rotWithShape="0">
+              <a:srgbClr val="000000">
+                <a:alpha val="35000"/>
+              </a:srgbClr>
+            </a:outerShdw>
+          </a:effectLst>
+        </a:effectStyle>
+        <a:effectStyle>
+          <a:effectLst>
+            <a:outerShdw blurRad="40000" dist="23000" dir="5400000" rotWithShape="0">
+              <a:srgbClr val="000000">
+                <a:alpha val="35000"/>
+              </a:srgbClr>
+            </a:outerShdw>
+          </a:effectLst>
+          <a:scene3d>
+            <a:camera prst="orthographicFront">
+              <a:rot lat="0" lon="0" rev="0"/>
+            </a:camera>
+            <a:lightRig rig="threePt" dir="t">
+              <a:rot lat="0" lon="0" rev="1200000"/>
+            </a:lightRig>
+          </a:scene3d>
+          <a:sp3d>
+            <a:bevelT w="63500" h="25400"/>
+          </a:sp3d>
+        </a:effectStyle>
+      </a:effectStyleLst>
+      <a:bgFillStyleLst>
+        <a:solidFill>
+          <a:schemeClr val="phClr"/>
+        </a:solidFill>
+        <a:gradFill rotWithShape="1">
+          <a:gsLst>
+            <a:gs pos="0">
+              <a:schemeClr val="phClr">
+                <a:tint val="40000"/>
+                <a:satMod val="350000"/>
+              </a:schemeClr>
+            </a:gs>
+            <a:gs pos="40000">
+              <a:schemeClr val="phClr">
+                <a:tint val="45000"/>
+                <a:shade val="99000"/>
+                <a:satMod val="350000"/>
+              </a:schemeClr>
+            </a:gs>
+            <a:gs pos="100000">
+              <a:schemeClr val="phClr">
+                <a:shade val="20000"/>
+                <a:satMod val="255000"/>
+              </a:schemeClr>
+            </a:gs>
+          </a:gsLst>
+          <a:path path="circle">
+            <a:fillToRect l="50000" t="-80000" r="50000" b="180000"/>
+          </a:path>
+        </a:gradFill>
+        <a:gradFill rotWithShape="1">
+          <a:gsLst>
+            <a:gs pos="0">
+              <a:schemeClr val="phClr">
+                <a:tint val="80000"/>
+                <a:satMod val="300000"/>
+              </a:schemeClr>
+            </a:gs>
+            <a:gs pos="100000">
+              <a:schemeClr val="phClr">
+                <a:shade val="30000"/>
+                <a:satMod val="200000"/>
+              </a:schemeClr>
+            </a:gs>
+          </a:gsLst>
+          <a:path path="circle">
+            <a:fillToRect l="50000" t="50000" r="50000" b="50000"/>
+          </a:path>
+        </a:gradFill>
+      </a:bgFillStyleLst>
+    </a:fmtScheme>
+  </a:themeElements>
+  <a:objectDefaults/>
+  <a:extraClrSchemeLst/>
+</a:theme>
+</file>
+
+<file path=ppt/theme/theme2.xml><?xml version="1.0" encoding="utf-8"?>
+<a:theme xmlns:a="http://schemas.openxmlformats.org/drawingml/2006/main">
   <a:themeElements>
     <a:clrScheme name="Default">
       <a:dk1>
@@ -9553,284 +13084,7 @@
       </a:bgFillStyleLst>
     </a:fmtScheme>
   </a:themeElements>
-</a:theme>
-</file>
-
-<file path=ppt/theme/theme2.xml><?xml version="1.0" encoding="utf-8"?>
-<a:theme xmlns:a="http://schemas.openxmlformats.org/drawingml/2006/main" xmlns:r="http://schemas.openxmlformats.org/officeDocument/2006/relationships" name="Streamline">
-  <a:themeElements>
-    <a:clrScheme name="Streamline">
-      <a:dk1>
-        <a:srgbClr val="1A9988"/>
-      </a:dk1>
-      <a:lt1>
-        <a:srgbClr val="FFFFFF"/>
-      </a:lt1>
-      <a:dk2>
-        <a:srgbClr val="1A1A1A"/>
-      </a:dk2>
-      <a:lt2>
-        <a:srgbClr val="E9EDEE"/>
-      </a:lt2>
-      <a:accent1>
-        <a:srgbClr val="595959"/>
-      </a:accent1>
-      <a:accent2>
-        <a:srgbClr val="6AA4C8"/>
-      </a:accent2>
-      <a:accent3>
-        <a:srgbClr val="EB5600"/>
-      </a:accent3>
-      <a:accent4>
-        <a:srgbClr val="A2FFE8"/>
-      </a:accent4>
-      <a:accent5>
-        <a:srgbClr val="1C3678"/>
-      </a:accent5>
-      <a:accent6>
-        <a:srgbClr val="FFB8A2"/>
-      </a:accent6>
-      <a:hlink>
-        <a:srgbClr val="1C3678"/>
-      </a:hlink>
-      <a:folHlink>
-        <a:srgbClr val="1C3678"/>
-      </a:folHlink>
-    </a:clrScheme>
-    <a:fontScheme name="Office">
-      <a:majorFont>
-        <a:latin typeface="Arial"/>
-        <a:ea typeface=""/>
-        <a:cs typeface=""/>
-        <a:font script="Jpan" typeface="ＭＳ Ｐゴシック"/>
-        <a:font script="Hang" typeface="맑은 고딕"/>
-        <a:font script="Hans" typeface="宋体"/>
-        <a:font script="Hant" typeface="新細明體"/>
-        <a:font script="Arab" typeface="Times New Roman"/>
-        <a:font script="Hebr" typeface="Times New Roman"/>
-        <a:font script="Thai" typeface="Angsana New"/>
-        <a:font script="Ethi" typeface="Nyala"/>
-        <a:font script="Beng" typeface="Vrinda"/>
-        <a:font script="Gujr" typeface="Shruti"/>
-        <a:font script="Khmr" typeface="MoolBoran"/>
-        <a:font script="Knda" typeface="Tunga"/>
-        <a:font script="Guru" typeface="Raavi"/>
-        <a:font script="Cans" typeface="Euphemia"/>
-        <a:font script="Cher" typeface="Plantagenet Cherokee"/>
-        <a:font script="Yiii" typeface="Microsoft Yi Baiti"/>
-        <a:font script="Tibt" typeface="Microsoft Himalaya"/>
-        <a:font script="Thaa" typeface="MV Boli"/>
-        <a:font script="Deva" typeface="Mangal"/>
-        <a:font script="Telu" typeface="Gautami"/>
-        <a:font script="Taml" typeface="Latha"/>
-        <a:font script="Syrc" typeface="Estrangelo Edessa"/>
-        <a:font script="Orya" typeface="Kalinga"/>
-        <a:font script="Mlym" typeface="Kartika"/>
-        <a:font script="Laoo" typeface="DokChampa"/>
-        <a:font script="Sinh" typeface="Iskoola Pota"/>
-        <a:font script="Mong" typeface="Mongolian Baiti"/>
-        <a:font script="Viet" typeface="Times New Roman"/>
-        <a:font script="Uigh" typeface="Microsoft Uighur"/>
-        <a:font script="Geor" typeface="Sylfaen"/>
-      </a:majorFont>
-      <a:minorFont>
-        <a:latin typeface="Arial"/>
-        <a:ea typeface=""/>
-        <a:cs typeface=""/>
-        <a:font script="Jpan" typeface="ＭＳ Ｐゴシック"/>
-        <a:font script="Hang" typeface="맑은 고딕"/>
-        <a:font script="Hans" typeface="宋体"/>
-        <a:font script="Hant" typeface="新細明體"/>
-        <a:font script="Arab" typeface="Arial"/>
-        <a:font script="Hebr" typeface="Arial"/>
-        <a:font script="Thai" typeface="Cordia New"/>
-        <a:font script="Ethi" typeface="Nyala"/>
-        <a:font script="Beng" typeface="Vrinda"/>
-        <a:font script="Gujr" typeface="Shruti"/>
-        <a:font script="Khmr" typeface="DaunPenh"/>
-        <a:font script="Knda" typeface="Tunga"/>
-        <a:font script="Guru" typeface="Raavi"/>
-        <a:font script="Cans" typeface="Euphemia"/>
-        <a:font script="Cher" typeface="Plantagenet Cherokee"/>
-        <a:font script="Yiii" typeface="Microsoft Yi Baiti"/>
-        <a:font script="Tibt" typeface="Microsoft Himalaya"/>
-        <a:font script="Thaa" typeface="MV Boli"/>
-        <a:font script="Deva" typeface="Mangal"/>
-        <a:font script="Telu" typeface="Gautami"/>
-        <a:font script="Taml" typeface="Latha"/>
-        <a:font script="Syrc" typeface="Estrangelo Edessa"/>
-        <a:font script="Orya" typeface="Kalinga"/>
-        <a:font script="Mlym" typeface="Kartika"/>
-        <a:font script="Laoo" typeface="DokChampa"/>
-        <a:font script="Sinh" typeface="Iskoola Pota"/>
-        <a:font script="Mong" typeface="Mongolian Baiti"/>
-        <a:font script="Viet" typeface="Arial"/>
-        <a:font script="Uigh" typeface="Microsoft Uighur"/>
-        <a:font script="Geor" typeface="Sylfaen"/>
-      </a:minorFont>
-    </a:fontScheme>
-    <a:fmtScheme name="Office">
-      <a:fillStyleLst>
-        <a:solidFill>
-          <a:schemeClr val="phClr"/>
-        </a:solidFill>
-        <a:gradFill rotWithShape="1">
-          <a:gsLst>
-            <a:gs pos="0">
-              <a:schemeClr val="phClr">
-                <a:tint val="50000"/>
-                <a:satMod val="300000"/>
-              </a:schemeClr>
-            </a:gs>
-            <a:gs pos="35000">
-              <a:schemeClr val="phClr">
-                <a:tint val="37000"/>
-                <a:satMod val="300000"/>
-              </a:schemeClr>
-            </a:gs>
-            <a:gs pos="100000">
-              <a:schemeClr val="phClr">
-                <a:tint val="15000"/>
-                <a:satMod val="350000"/>
-              </a:schemeClr>
-            </a:gs>
-          </a:gsLst>
-          <a:lin ang="16200000" scaled="1"/>
-        </a:gradFill>
-        <a:gradFill rotWithShape="1">
-          <a:gsLst>
-            <a:gs pos="0">
-              <a:schemeClr val="phClr">
-                <a:tint val="100000"/>
-                <a:shade val="100000"/>
-                <a:satMod val="130000"/>
-              </a:schemeClr>
-            </a:gs>
-            <a:gs pos="100000">
-              <a:schemeClr val="phClr">
-                <a:tint val="50000"/>
-                <a:shade val="100000"/>
-                <a:satMod val="350000"/>
-              </a:schemeClr>
-            </a:gs>
-          </a:gsLst>
-          <a:lin ang="16200000" scaled="0"/>
-        </a:gradFill>
-      </a:fillStyleLst>
-      <a:lnStyleLst>
-        <a:ln w="9525" cap="flat" cmpd="sng" algn="ctr">
-          <a:solidFill>
-            <a:schemeClr val="phClr">
-              <a:shade val="95000"/>
-              <a:satMod val="105000"/>
-            </a:schemeClr>
-          </a:solidFill>
-          <a:prstDash val="solid"/>
-        </a:ln>
-        <a:ln w="25400" cap="flat" cmpd="sng" algn="ctr">
-          <a:solidFill>
-            <a:schemeClr val="phClr"/>
-          </a:solidFill>
-          <a:prstDash val="solid"/>
-        </a:ln>
-        <a:ln w="38100" cap="flat" cmpd="sng" algn="ctr">
-          <a:solidFill>
-            <a:schemeClr val="phClr"/>
-          </a:solidFill>
-          <a:prstDash val="solid"/>
-        </a:ln>
-      </a:lnStyleLst>
-      <a:effectStyleLst>
-        <a:effectStyle>
-          <a:effectLst>
-            <a:outerShdw blurRad="40000" dist="20000" dir="5400000" rotWithShape="0">
-              <a:srgbClr val="000000">
-                <a:alpha val="38000"/>
-              </a:srgbClr>
-            </a:outerShdw>
-          </a:effectLst>
-        </a:effectStyle>
-        <a:effectStyle>
-          <a:effectLst>
-            <a:outerShdw blurRad="40000" dist="23000" dir="5400000" rotWithShape="0">
-              <a:srgbClr val="000000">
-                <a:alpha val="35000"/>
-              </a:srgbClr>
-            </a:outerShdw>
-          </a:effectLst>
-        </a:effectStyle>
-        <a:effectStyle>
-          <a:effectLst>
-            <a:outerShdw blurRad="40000" dist="23000" dir="5400000" rotWithShape="0">
-              <a:srgbClr val="000000">
-                <a:alpha val="35000"/>
-              </a:srgbClr>
-            </a:outerShdw>
-          </a:effectLst>
-          <a:scene3d>
-            <a:camera prst="orthographicFront">
-              <a:rot lat="0" lon="0" rev="0"/>
-            </a:camera>
-            <a:lightRig rig="threePt" dir="t">
-              <a:rot lat="0" lon="0" rev="1200000"/>
-            </a:lightRig>
-          </a:scene3d>
-          <a:sp3d>
-            <a:bevelT w="63500" h="25400"/>
-          </a:sp3d>
-        </a:effectStyle>
-      </a:effectStyleLst>
-      <a:bgFillStyleLst>
-        <a:solidFill>
-          <a:schemeClr val="phClr"/>
-        </a:solidFill>
-        <a:gradFill rotWithShape="1">
-          <a:gsLst>
-            <a:gs pos="0">
-              <a:schemeClr val="phClr">
-                <a:tint val="40000"/>
-                <a:satMod val="350000"/>
-              </a:schemeClr>
-            </a:gs>
-            <a:gs pos="40000">
-              <a:schemeClr val="phClr">
-                <a:tint val="45000"/>
-                <a:shade val="99000"/>
-                <a:satMod val="350000"/>
-              </a:schemeClr>
-            </a:gs>
-            <a:gs pos="100000">
-              <a:schemeClr val="phClr">
-                <a:shade val="20000"/>
-                <a:satMod val="255000"/>
-              </a:schemeClr>
-            </a:gs>
-          </a:gsLst>
-          <a:path path="circle">
-            <a:fillToRect l="50000" t="-80000" r="50000" b="180000"/>
-          </a:path>
-        </a:gradFill>
-        <a:gradFill rotWithShape="1">
-          <a:gsLst>
-            <a:gs pos="0">
-              <a:schemeClr val="phClr">
-                <a:tint val="80000"/>
-                <a:satMod val="300000"/>
-              </a:schemeClr>
-            </a:gs>
-            <a:gs pos="100000">
-              <a:schemeClr val="phClr">
-                <a:shade val="30000"/>
-                <a:satMod val="200000"/>
-              </a:schemeClr>
-            </a:gs>
-          </a:gsLst>
-          <a:path path="circle">
-            <a:fillToRect l="50000" t="50000" r="50000" b="50000"/>
-          </a:path>
-        </a:gradFill>
-      </a:bgFillStyleLst>
-    </a:fmtScheme>
-  </a:themeElements>
+  <a:objectDefaults/>
+  <a:extraClrSchemeLst/>
 </a:theme>
 </file>